--- a/Dokumenty/Prezentacja.pptx
+++ b/Dokumenty/Prezentacja.pptx
@@ -14,8 +14,8 @@
     <p:sldId id="258" r:id="rId5"/>
     <p:sldId id="283" r:id="rId6"/>
     <p:sldId id="259" r:id="rId7"/>
-    <p:sldId id="284" r:id="rId8"/>
-    <p:sldId id="285" r:id="rId9"/>
+    <p:sldId id="285" r:id="rId8"/>
+    <p:sldId id="292" r:id="rId9"/>
     <p:sldId id="264" r:id="rId10"/>
     <p:sldId id="265" r:id="rId11"/>
     <p:sldId id="270" r:id="rId12"/>
@@ -134,6 +134,11 @@
       </a:defRPr>
     </a:lvl9pPr>
   </p:defaultTextStyle>
+  <p:extLst>
+    <p:ext uri="{EFAFB233-063F-42B5-8137-9DF3F51BA10A}">
+      <p15:sldGuideLst xmlns:p15="http://schemas.microsoft.com/office/powerpoint/2012/main"/>
+    </p:ext>
+  </p:extLst>
 </p:presentation>
 </file>
 
@@ -3590,7 +3595,7 @@
     </p:spTree>
     <p:extLst>
       <p:ext uri="{BB962C8B-B14F-4D97-AF65-F5344CB8AC3E}">
-        <p14:creationId xmlns:p14="http://schemas.microsoft.com/office/powerpoint/2010/main" val="1914803138"/>
+        <p14:creationId xmlns:p14="http://schemas.microsoft.com/office/powerpoint/2010/main" val="3195280035"/>
       </p:ext>
     </p:extLst>
   </p:cSld>
@@ -3751,7 +3756,7 @@
     </p:spTree>
     <p:extLst>
       <p:ext uri="{BB962C8B-B14F-4D97-AF65-F5344CB8AC3E}">
-        <p14:creationId xmlns:p14="http://schemas.microsoft.com/office/powerpoint/2010/main" val="3195280035"/>
+        <p14:creationId xmlns:p14="http://schemas.microsoft.com/office/powerpoint/2010/main" val="3342817023"/>
       </p:ext>
     </p:extLst>
   </p:cSld>
@@ -16064,37 +16069,8 @@
                 <a:ea typeface="Verdana"/>
                 <a:cs typeface="Calibri" panose="020F0502020204030204" pitchFamily="34" charset="0"/>
               </a:rPr>
-              <a:t>Zajmuje się ich odpowiednią </a:t>
-            </a:r>
-            <a:r>
-              <a:rPr lang="pl-PL" sz="1700" spc="-1" dirty="0" err="1">
-                <a:solidFill>
-                  <a:srgbClr val="000000"/>
-                </a:solidFill>
-                <a:uFill>
-                  <a:solidFill>
-                    <a:srgbClr val="FFFFFF"/>
-                  </a:solidFill>
-                </a:uFill>
-                <a:latin typeface="Calibri" panose="020F0502020204030204" pitchFamily="34" charset="0"/>
-                <a:ea typeface="Verdana"/>
-                <a:cs typeface="Calibri" panose="020F0502020204030204" pitchFamily="34" charset="0"/>
-              </a:rPr>
-              <a:t>incijalizacją</a:t>
-            </a:r>
-            <a:endParaRPr lang="pl-PL" sz="1700" spc="-1" dirty="0">
-              <a:solidFill>
-                <a:srgbClr val="000000"/>
-              </a:solidFill>
-              <a:uFill>
-                <a:solidFill>
-                  <a:srgbClr val="FFFFFF"/>
-                </a:solidFill>
-              </a:uFill>
-              <a:latin typeface="Calibri" panose="020F0502020204030204" pitchFamily="34" charset="0"/>
-              <a:ea typeface="Verdana"/>
-              <a:cs typeface="Calibri" panose="020F0502020204030204" pitchFamily="34" charset="0"/>
-            </a:endParaRPr>
+              <a:t>Zajmuje się ich odpowiednią inicjalizacją</a:t>
+            </a:r>
           </a:p>
           <a:p>
             <a:pPr marL="285750" indent="-285750">
@@ -17476,8 +17452,16 @@
           <p:nvPr/>
         </p:nvPicPr>
         <p:blipFill>
-          <a:blip r:embed="rId3"/>
-          <a:stretch/>
+          <a:blip r:embed="rId7">
+            <a:extLst>
+              <a:ext uri="{28A0092B-C50C-407E-A947-70E740481C1C}">
+                <a14:useLocalDpi xmlns:a14="http://schemas.microsoft.com/office/drawing/2010/main" val="0"/>
+              </a:ext>
+            </a:extLst>
+          </a:blip>
+          <a:stretch>
+            <a:fillRect/>
+          </a:stretch>
         </p:blipFill>
         <p:spPr>
           <a:xfrm>
@@ -18746,7 +18730,7 @@
         </p:nvSpPr>
         <p:spPr>
           <a:xfrm>
-            <a:off x="298440" y="1248480"/>
+            <a:off x="250200" y="1347570"/>
             <a:ext cx="8643240" cy="1476720"/>
           </a:xfrm>
           <a:prstGeom prst="rect">
@@ -18773,10 +18757,12 @@
           <a:bodyPr/>
           <a:lstStyle/>
           <a:p>
-            <a:pPr>
+            <a:pPr marL="285750" indent="-285750">
               <a:lnSpc>
                 <a:spcPct val="100000"/>
               </a:lnSpc>
+              <a:buFont typeface="Arial" panose="020B0604020202020204" pitchFamily="34" charset="0"/>
+              <a:buChar char="•"/>
             </a:pPr>
             <a:r>
               <a:rPr lang="en-US" sz="1700" b="0" strike="noStrike" spc="-1" dirty="0" err="1">
@@ -18985,23 +18971,6 @@
                 <a:cs typeface="Calibri" panose="020F0502020204030204" pitchFamily="34" charset="0"/>
               </a:rPr>
               <a:t>emulatorach</a:t>
-            </a:r>
-            <a:r>
-              <a:rPr lang="en-US" sz="1700" b="0" strike="noStrike" spc="-1" dirty="0">
-                <a:solidFill>
-                  <a:srgbClr val="000000"/>
-                </a:solidFill>
-                <a:uFill>
-                  <a:solidFill>
-                    <a:srgbClr val="FFFFFF"/>
-                  </a:solidFill>
-                </a:uFill>
-                <a:latin typeface="Calibri" panose="020F0502020204030204" pitchFamily="34" charset="0"/>
-                <a:ea typeface="Verdana"/>
-                <a:cs typeface="Calibri" panose="020F0502020204030204" pitchFamily="34" charset="0"/>
-              </a:rPr>
-              <a:t>.
-</a:t>
             </a:r>
             <a:endParaRPr lang="pl-PL" sz="1700" b="0" strike="noStrike" spc="-1" dirty="0">
               <a:solidFill>
@@ -19014,77 +18983,6 @@
               </a:uFill>
               <a:latin typeface="Calibri" panose="020F0502020204030204" pitchFamily="34" charset="0"/>
               <a:ea typeface="Verdana"/>
-              <a:cs typeface="Calibri" panose="020F0502020204030204" pitchFamily="34" charset="0"/>
-            </a:endParaRPr>
-          </a:p>
-          <a:p>
-            <a:pPr>
-              <a:lnSpc>
-                <a:spcPct val="100000"/>
-              </a:lnSpc>
-            </a:pPr>
-            <a:endParaRPr lang="pl-PL" sz="1700" spc="-1" dirty="0">
-              <a:solidFill>
-                <a:srgbClr val="000000"/>
-              </a:solidFill>
-              <a:uFill>
-                <a:solidFill>
-                  <a:srgbClr val="FFFFFF"/>
-                </a:solidFill>
-              </a:uFill>
-              <a:latin typeface="Calibri" panose="020F0502020204030204" pitchFamily="34" charset="0"/>
-              <a:ea typeface="Verdana"/>
-              <a:cs typeface="Calibri" panose="020F0502020204030204" pitchFamily="34" charset="0"/>
-            </a:endParaRPr>
-          </a:p>
-          <a:p>
-            <a:pPr>
-              <a:lnSpc>
-                <a:spcPct val="100000"/>
-              </a:lnSpc>
-            </a:pPr>
-            <a:r>
-              <a:rPr lang="pl-PL" sz="1700" b="0" strike="noStrike" spc="-1" dirty="0" err="1">
-                <a:solidFill>
-                  <a:srgbClr val="FF0000"/>
-                </a:solidFill>
-                <a:uFill>
-                  <a:solidFill>
-                    <a:srgbClr val="FFFFFF"/>
-                  </a:solidFill>
-                </a:uFill>
-                <a:latin typeface="Calibri" panose="020F0502020204030204" pitchFamily="34" charset="0"/>
-                <a:ea typeface="Verdana"/>
-                <a:cs typeface="Calibri" panose="020F0502020204030204" pitchFamily="34" charset="0"/>
-              </a:rPr>
-              <a:t>Pszczęsny</a:t>
-            </a:r>
-            <a:r>
-              <a:rPr lang="pl-PL" sz="1700" spc="-1" dirty="0">
-                <a:solidFill>
-                  <a:srgbClr val="FF0000"/>
-                </a:solidFill>
-                <a:uFill>
-                  <a:solidFill>
-                    <a:srgbClr val="FFFFFF"/>
-                  </a:solidFill>
-                </a:uFill>
-                <a:latin typeface="Calibri" panose="020F0502020204030204" pitchFamily="34" charset="0"/>
-                <a:ea typeface="Verdana"/>
-                <a:cs typeface="Calibri" panose="020F0502020204030204" pitchFamily="34" charset="0"/>
-              </a:rPr>
-              <a:t>, trzeba tutaj poprawić formatowanie – tekst wewnątrz slajdu to Calibri 17pt a nagłówki to Cambria 28pt</a:t>
-            </a:r>
-            <a:endParaRPr lang="en-US" sz="1700" b="0" strike="noStrike" spc="-1" dirty="0">
-              <a:solidFill>
-                <a:srgbClr val="FF0000"/>
-              </a:solidFill>
-              <a:uFill>
-                <a:solidFill>
-                  <a:srgbClr val="FFFFFF"/>
-                </a:solidFill>
-              </a:uFill>
-              <a:latin typeface="Calibri" panose="020F0502020204030204" pitchFamily="34" charset="0"/>
               <a:cs typeface="Calibri" panose="020F0502020204030204" pitchFamily="34" charset="0"/>
             </a:endParaRPr>
           </a:p>
@@ -19414,10 +19312,12 @@
           <a:bodyPr/>
           <a:lstStyle/>
           <a:p>
-            <a:pPr>
+            <a:pPr marL="285750" indent="-285750">
               <a:lnSpc>
                 <a:spcPct val="100000"/>
               </a:lnSpc>
+              <a:buFont typeface="Arial" panose="020B0604020202020204" pitchFamily="34" charset="0"/>
+              <a:buChar char="•"/>
             </a:pPr>
             <a:r>
               <a:rPr lang="en-US" sz="1700" b="0" strike="noStrike" spc="-1" dirty="0" err="1">
@@ -19755,22 +19655,6 @@
                 <a:cs typeface="Calibri" panose="020F0502020204030204" pitchFamily="34" charset="0"/>
               </a:rPr>
               <a:t>formie</a:t>
-            </a:r>
-            <a:r>
-              <a:rPr lang="en-US" sz="1700" b="0" strike="noStrike" spc="-1" dirty="0">
-                <a:solidFill>
-                  <a:srgbClr val="000000"/>
-                </a:solidFill>
-                <a:uFill>
-                  <a:solidFill>
-                    <a:srgbClr val="FFFFFF"/>
-                  </a:solidFill>
-                </a:uFill>
-                <a:latin typeface="Calibri" panose="020F0502020204030204" pitchFamily="34" charset="0"/>
-                <a:ea typeface="Verdana"/>
-                <a:cs typeface="Calibri" panose="020F0502020204030204" pitchFamily="34" charset="0"/>
-              </a:rPr>
-              <a:t>.</a:t>
             </a:r>
             <a:endParaRPr lang="en-US" sz="1700" b="0" strike="noStrike" spc="-1" dirty="0">
               <a:solidFill>
@@ -20153,10 +20037,12 @@
           <a:bodyPr/>
           <a:lstStyle/>
           <a:p>
-            <a:pPr>
+            <a:pPr marL="285750" indent="-285750">
               <a:lnSpc>
                 <a:spcPct val="100000"/>
               </a:lnSpc>
+              <a:buFont typeface="Arial" panose="020B0604020202020204" pitchFamily="34" charset="0"/>
+              <a:buChar char="•"/>
             </a:pPr>
             <a:r>
               <a:rPr lang="en-US" sz="1700" b="0" strike="noStrike" spc="-1" dirty="0" err="1">
@@ -20509,8 +20395,7 @@
                 <a:ea typeface="Verdana"/>
                 <a:cs typeface="Calibri" panose="020F0502020204030204" pitchFamily="34" charset="0"/>
               </a:rPr>
-              <a:t>.
-</a:t>
+              <a:t>.</a:t>
             </a:r>
             <a:endParaRPr lang="en-US" sz="1700" b="0" strike="noStrike" spc="-1" dirty="0">
               <a:solidFill>
@@ -20526,10 +20411,12 @@
             </a:endParaRPr>
           </a:p>
           <a:p>
-            <a:pPr>
+            <a:pPr marL="285750" indent="-285750">
               <a:lnSpc>
                 <a:spcPct val="100000"/>
               </a:lnSpc>
+              <a:buFont typeface="Arial" panose="020B0604020202020204" pitchFamily="34" charset="0"/>
+              <a:buChar char="•"/>
             </a:pPr>
             <a:r>
               <a:rPr lang="en-US" sz="1700" b="0" strike="noStrike" spc="-1" dirty="0">
@@ -21582,29 +21469,6 @@
       </p:sp>
       <p:pic>
         <p:nvPicPr>
-          <p:cNvPr id="237" name="Shape 380"/>
-          <p:cNvPicPr/>
-          <p:nvPr/>
-        </p:nvPicPr>
-        <p:blipFill>
-          <a:blip r:embed="rId8"/>
-          <a:stretch/>
-        </p:blipFill>
-        <p:spPr>
-          <a:xfrm>
-            <a:off x="5037465" y="2195640"/>
-            <a:ext cx="293400" cy="293400"/>
-          </a:xfrm>
-          <a:prstGeom prst="rect">
-            <a:avLst/>
-          </a:prstGeom>
-          <a:ln>
-            <a:noFill/>
-          </a:ln>
-        </p:spPr>
-      </p:pic>
-      <p:pic>
-        <p:nvPicPr>
           <p:cNvPr id="20" name="Shape 380"/>
           <p:cNvPicPr/>
           <p:nvPr/>
@@ -21615,7 +21479,7 @@
         </p:blipFill>
         <p:spPr>
           <a:xfrm>
-            <a:off x="5140335" y="2199450"/>
+            <a:off x="5330865" y="2195640"/>
             <a:ext cx="293400" cy="293400"/>
           </a:xfrm>
           <a:prstGeom prst="rect">
@@ -22069,9 +21933,23 @@
 </a:t>
             </a:r>
             <a:r>
-              <a:rPr lang="pl-PL" sz="2800" u="sng" spc="-1" dirty="0">
-                <a:solidFill>
-                  <a:srgbClr val="0000FF"/>
+              <a:rPr lang="pl-PL" sz="7200" dirty="0">
+                <a:hlinkClick r:id="rId3"/>
+              </a:rPr>
+              <a:t>http://bit.ly/2sGxVBI</a:t>
+            </a:r>
+            <a:endParaRPr lang="pl-PL" sz="7200" dirty="0"/>
+          </a:p>
+          <a:p>
+            <a:pPr algn="ctr">
+              <a:lnSpc>
+                <a:spcPct val="115000"/>
+              </a:lnSpc>
+            </a:pPr>
+            <a:r>
+              <a:rPr lang="pl-PL" sz="7200" spc="-1" dirty="0">
+                <a:solidFill>
+                  <a:srgbClr val="000000"/>
                 </a:solidFill>
                 <a:uFill>
                   <a:solidFill>
@@ -22079,11 +21957,10 @@
                   </a:solidFill>
                 </a:uFill>
                 <a:latin typeface="Cambria" panose="02040503050406030204" pitchFamily="18" charset="0"/>
-                <a:ea typeface="Verdana"/>
-              </a:rPr>
-              <a:t>podać skrócony link</a:t>
-            </a:r>
-            <a:endParaRPr lang="en-US" sz="2800" b="0" strike="noStrike" spc="-1" dirty="0">
+              </a:rPr>
+              <a:t>małe i</a:t>
+            </a:r>
+            <a:endParaRPr lang="en-US" sz="7200" b="0" strike="noStrike" spc="-1" dirty="0">
               <a:solidFill>
                 <a:srgbClr val="000000"/>
               </a:solidFill>
@@ -23755,13 +23632,21 @@
           <p:nvPr/>
         </p:nvPicPr>
         <p:blipFill>
-          <a:blip r:embed="rId3"/>
-          <a:stretch/>
+          <a:blip r:embed="rId3">
+            <a:extLst>
+              <a:ext uri="{28A0092B-C50C-407E-A947-70E740481C1C}">
+                <a14:useLocalDpi xmlns:a14="http://schemas.microsoft.com/office/drawing/2010/main" val="0"/>
+              </a:ext>
+            </a:extLst>
+          </a:blip>
+          <a:stretch>
+            <a:fillRect/>
+          </a:stretch>
         </p:blipFill>
         <p:spPr>
           <a:xfrm>
-            <a:off x="2386080" y="447120"/>
-            <a:ext cx="2707560" cy="4361760"/>
+            <a:off x="2513115" y="447120"/>
+            <a:ext cx="2453490" cy="4361760"/>
           </a:xfrm>
           <a:prstGeom prst="rect">
             <a:avLst/>
@@ -23774,7 +23659,7 @@
     </p:spTree>
     <p:extLst>
       <p:ext uri="{BB962C8B-B14F-4D97-AF65-F5344CB8AC3E}">
-        <p14:creationId xmlns:p14="http://schemas.microsoft.com/office/powerpoint/2010/main" val="1839193013"/>
+        <p14:creationId xmlns:p14="http://schemas.microsoft.com/office/powerpoint/2010/main" val="1592213292"/>
       </p:ext>
     </p:extLst>
   </p:cSld>
@@ -24072,13 +23957,21 @@
           <p:nvPr/>
         </p:nvPicPr>
         <p:blipFill>
-          <a:blip r:embed="rId3"/>
-          <a:stretch/>
+          <a:blip r:embed="rId3">
+            <a:extLst>
+              <a:ext uri="{28A0092B-C50C-407E-A947-70E740481C1C}">
+                <a14:useLocalDpi xmlns:a14="http://schemas.microsoft.com/office/drawing/2010/main" val="0"/>
+              </a:ext>
+            </a:extLst>
+          </a:blip>
+          <a:stretch>
+            <a:fillRect/>
+          </a:stretch>
         </p:blipFill>
         <p:spPr>
           <a:xfrm>
-            <a:off x="2386080" y="447120"/>
-            <a:ext cx="2707560" cy="4361760"/>
+            <a:off x="2513115" y="447120"/>
+            <a:ext cx="2453490" cy="4361760"/>
           </a:xfrm>
           <a:prstGeom prst="rect">
             <a:avLst/>
@@ -24095,13 +23988,21 @@
           <p:nvPr/>
         </p:nvPicPr>
         <p:blipFill>
-          <a:blip r:embed="rId4"/>
-          <a:stretch/>
+          <a:blip r:embed="rId4">
+            <a:extLst>
+              <a:ext uri="{28A0092B-C50C-407E-A947-70E740481C1C}">
+                <a14:useLocalDpi xmlns:a14="http://schemas.microsoft.com/office/drawing/2010/main" val="0"/>
+              </a:ext>
+            </a:extLst>
+          </a:blip>
+          <a:stretch>
+            <a:fillRect/>
+          </a:stretch>
         </p:blipFill>
         <p:spPr>
           <a:xfrm>
-            <a:off x="5434200" y="447120"/>
-            <a:ext cx="2707560" cy="4361760"/>
+            <a:off x="5561235" y="447120"/>
+            <a:ext cx="2453490" cy="4361760"/>
           </a:xfrm>
           <a:prstGeom prst="rect">
             <a:avLst/>
@@ -24114,7 +24015,7 @@
     </p:spTree>
     <p:extLst>
       <p:ext uri="{BB962C8B-B14F-4D97-AF65-F5344CB8AC3E}">
-        <p14:creationId xmlns:p14="http://schemas.microsoft.com/office/powerpoint/2010/main" val="1592213292"/>
+        <p14:creationId xmlns:p14="http://schemas.microsoft.com/office/powerpoint/2010/main" val="2294709877"/>
       </p:ext>
     </p:extLst>
   </p:cSld>

--- a/Dokumenty/Prezentacja.pptx
+++ b/Dokumenty/Prezentacja.pptx
@@ -12,10 +12,10 @@
     <p:sldId id="256" r:id="rId3"/>
     <p:sldId id="257" r:id="rId4"/>
     <p:sldId id="258" r:id="rId5"/>
-    <p:sldId id="283" r:id="rId6"/>
-    <p:sldId id="259" r:id="rId7"/>
-    <p:sldId id="285" r:id="rId8"/>
-    <p:sldId id="292" r:id="rId9"/>
+    <p:sldId id="259" r:id="rId6"/>
+    <p:sldId id="285" r:id="rId7"/>
+    <p:sldId id="292" r:id="rId8"/>
+    <p:sldId id="283" r:id="rId9"/>
     <p:sldId id="264" r:id="rId10"/>
     <p:sldId id="265" r:id="rId11"/>
     <p:sldId id="270" r:id="rId12"/>
@@ -3146,7 +3146,7 @@
       </p:grpSpPr>
       <p:sp>
         <p:nvSpPr>
-          <p:cNvPr id="251" name="PlaceHolder 1"/>
+          <p:cNvPr id="254" name="PlaceHolder 1"/>
           <p:cNvSpPr>
             <a:spLocks noGrp="1"/>
           </p:cNvSpPr>
@@ -3183,7 +3183,7 @@
       </p:sp>
       <p:sp>
         <p:nvSpPr>
-          <p:cNvPr id="252" name="TextShape 2"/>
+          <p:cNvPr id="255" name="TextShape 2"/>
           <p:cNvSpPr txBox="1"/>
           <p:nvPr/>
         </p:nvSpPr>
@@ -3209,7 +3209,7 @@
                 <a:spcPct val="100000"/>
               </a:lnSpc>
             </a:pPr>
-            <a:fld id="{33AFFB65-98B1-46A7-97A7-2D930BE7B4F0}" type="slidenum">
+            <a:fld id="{83293B72-7F64-49C5-99B7-E09A40F5DA7B}" type="slidenum">
               <a:rPr lang="en-US" sz="1200" b="0" strike="noStrike" spc="-1">
                 <a:solidFill>
                   <a:srgbClr val="000000"/>
@@ -3240,7 +3240,7 @@
       </p:sp>
       <p:sp>
         <p:nvSpPr>
-          <p:cNvPr id="253" name="TextShape 3"/>
+          <p:cNvPr id="256" name="TextShape 3"/>
           <p:cNvSpPr txBox="1"/>
           <p:nvPr/>
         </p:nvSpPr>
@@ -3276,11 +3276,6 @@
         </p:txBody>
       </p:sp>
     </p:spTree>
-    <p:extLst>
-      <p:ext uri="{BB962C8B-B14F-4D97-AF65-F5344CB8AC3E}">
-        <p14:creationId xmlns:p14="http://schemas.microsoft.com/office/powerpoint/2010/main" val="2162846887"/>
-      </p:ext>
-    </p:extLst>
   </p:cSld>
   <p:clrMapOvr>
     <a:masterClrMapping/>
@@ -3437,6 +3432,11 @@
         </p:txBody>
       </p:sp>
     </p:spTree>
+    <p:extLst>
+      <p:ext uri="{BB962C8B-B14F-4D97-AF65-F5344CB8AC3E}">
+        <p14:creationId xmlns:p14="http://schemas.microsoft.com/office/powerpoint/2010/main" val="3195280035"/>
+      </p:ext>
+    </p:extLst>
   </p:cSld>
   <p:clrMapOvr>
     <a:masterClrMapping/>
@@ -3595,7 +3595,7 @@
     </p:spTree>
     <p:extLst>
       <p:ext uri="{BB962C8B-B14F-4D97-AF65-F5344CB8AC3E}">
-        <p14:creationId xmlns:p14="http://schemas.microsoft.com/office/powerpoint/2010/main" val="3195280035"/>
+        <p14:creationId xmlns:p14="http://schemas.microsoft.com/office/powerpoint/2010/main" val="3342817023"/>
       </p:ext>
     </p:extLst>
   </p:cSld>
@@ -3624,7 +3624,7 @@
       </p:grpSpPr>
       <p:sp>
         <p:nvSpPr>
-          <p:cNvPr id="254" name="PlaceHolder 1"/>
+          <p:cNvPr id="251" name="PlaceHolder 1"/>
           <p:cNvSpPr>
             <a:spLocks noGrp="1"/>
           </p:cNvSpPr>
@@ -3661,7 +3661,7 @@
       </p:sp>
       <p:sp>
         <p:nvSpPr>
-          <p:cNvPr id="255" name="TextShape 2"/>
+          <p:cNvPr id="252" name="TextShape 2"/>
           <p:cNvSpPr txBox="1"/>
           <p:nvPr/>
         </p:nvSpPr>
@@ -3687,7 +3687,7 @@
                 <a:spcPct val="100000"/>
               </a:lnSpc>
             </a:pPr>
-            <a:fld id="{83293B72-7F64-49C5-99B7-E09A40F5DA7B}" type="slidenum">
+            <a:fld id="{33AFFB65-98B1-46A7-97A7-2D930BE7B4F0}" type="slidenum">
               <a:rPr lang="en-US" sz="1200" b="0" strike="noStrike" spc="-1">
                 <a:solidFill>
                   <a:srgbClr val="000000"/>
@@ -3718,7 +3718,7 @@
       </p:sp>
       <p:sp>
         <p:nvSpPr>
-          <p:cNvPr id="256" name="TextShape 3"/>
+          <p:cNvPr id="253" name="TextShape 3"/>
           <p:cNvSpPr txBox="1"/>
           <p:nvPr/>
         </p:nvSpPr>
@@ -3756,7 +3756,7 @@
     </p:spTree>
     <p:extLst>
       <p:ext uri="{BB962C8B-B14F-4D97-AF65-F5344CB8AC3E}">
-        <p14:creationId xmlns:p14="http://schemas.microsoft.com/office/powerpoint/2010/main" val="3342817023"/>
+        <p14:creationId xmlns:p14="http://schemas.microsoft.com/office/powerpoint/2010/main" val="2162846887"/>
       </p:ext>
     </p:extLst>
   </p:cSld>
@@ -22558,7 +22558,7 @@
       </p:grpSpPr>
       <p:sp>
         <p:nvSpPr>
-          <p:cNvPr id="104" name="CustomShape 1"/>
+          <p:cNvPr id="110" name="CustomShape 1"/>
           <p:cNvSpPr/>
           <p:nvPr/>
         </p:nvSpPr>
@@ -22627,14 +22627,14 @@
       </p:sp>
       <p:sp>
         <p:nvSpPr>
-          <p:cNvPr id="105" name="TextShape 2"/>
+          <p:cNvPr id="111" name="TextShape 2"/>
           <p:cNvSpPr txBox="1"/>
           <p:nvPr/>
         </p:nvSpPr>
         <p:spPr>
           <a:xfrm>
-            <a:off x="298440" y="586710"/>
-            <a:ext cx="8229240" cy="781560"/>
+            <a:off x="298440" y="529560"/>
+            <a:ext cx="8229240" cy="939240"/>
           </a:xfrm>
           <a:prstGeom prst="rect">
             <a:avLst/>
@@ -22654,7 +22654,7 @@
               </a:lnSpc>
             </a:pPr>
             <a:r>
-              <a:rPr lang="pl-PL" sz="2800" b="1" strike="noStrike" spc="-1" dirty="0">
+              <a:rPr lang="en-US" sz="2800" b="1" strike="noStrike" spc="-1" dirty="0" err="1">
                 <a:solidFill>
                   <a:srgbClr val="000000"/>
                 </a:solidFill>
@@ -22666,7 +22666,7 @@
                 <a:latin typeface="Cambria" panose="02040503050406030204" pitchFamily="18" charset="0"/>
                 <a:ea typeface="Verdana"/>
               </a:rPr>
-              <a:t>Warsztat</a:t>
+              <a:t>Aplikacja</a:t>
             </a:r>
             <a:endParaRPr lang="en-US" sz="1400" b="0" strike="noStrike" spc="-1" dirty="0">
               <a:solidFill>
@@ -22684,7 +22684,7 @@
       </p:sp>
       <p:sp>
         <p:nvSpPr>
-          <p:cNvPr id="106" name="CustomShape 3"/>
+          <p:cNvPr id="112" name="CustomShape 3"/>
           <p:cNvSpPr/>
           <p:nvPr/>
         </p:nvSpPr>
@@ -22716,7 +22716,7 @@
       </p:sp>
       <p:sp>
         <p:nvSpPr>
-          <p:cNvPr id="107" name="CustomShape 4"/>
+          <p:cNvPr id="113" name="CustomShape 4"/>
           <p:cNvSpPr/>
           <p:nvPr/>
         </p:nvSpPr>
@@ -22765,7 +22765,7 @@
       </p:sp>
       <p:sp>
         <p:nvSpPr>
-          <p:cNvPr id="108" name="TextShape 5"/>
+          <p:cNvPr id="114" name="TextShape 5"/>
           <p:cNvSpPr txBox="1"/>
           <p:nvPr/>
         </p:nvSpPr>
@@ -22791,7 +22791,7 @@
                 <a:spcPct val="100000"/>
               </a:lnSpc>
             </a:pPr>
-            <a:fld id="{51713E7D-C8CA-401A-8373-A373C6BBA71F}" type="slidenum">
+            <a:fld id="{E34A91E5-5D13-4E68-AD83-7376D0DD3D32}" type="slidenum">
               <a:rPr lang="en-US" sz="1200" b="0" strike="noStrike" spc="-1">
                 <a:solidFill>
                   <a:srgbClr val="888888"/>
@@ -22820,234 +22820,7 @@
           </a:p>
         </p:txBody>
       </p:sp>
-      <p:sp>
-        <p:nvSpPr>
-          <p:cNvPr id="109" name="CustomShape 6"/>
-          <p:cNvSpPr/>
-          <p:nvPr/>
-        </p:nvSpPr>
-        <p:spPr>
-          <a:xfrm>
-            <a:off x="473040" y="1413510"/>
-            <a:ext cx="8443800" cy="2213610"/>
-          </a:xfrm>
-          <a:prstGeom prst="rect">
-            <a:avLst/>
-          </a:prstGeom>
-          <a:noFill/>
-          <a:ln>
-            <a:noFill/>
-          </a:ln>
-        </p:spPr>
-        <p:style>
-          <a:lnRef idx="0">
-            <a:scrgbClr r="0" g="0" b="0"/>
-          </a:lnRef>
-          <a:fillRef idx="0">
-            <a:scrgbClr r="0" g="0" b="0"/>
-          </a:fillRef>
-          <a:effectRef idx="0">
-            <a:scrgbClr r="0" g="0" b="0"/>
-          </a:effectRef>
-          <a:fontRef idx="minor"/>
-        </p:style>
-        <p:txBody>
-          <a:bodyPr/>
-          <a:lstStyle/>
-          <a:p>
-            <a:pPr>
-              <a:lnSpc>
-                <a:spcPct val="100000"/>
-              </a:lnSpc>
-            </a:pPr>
-            <a:r>
-              <a:rPr lang="pl-PL" sz="1700" spc="-1" dirty="0">
-                <a:solidFill>
-                  <a:srgbClr val="000000"/>
-                </a:solidFill>
-                <a:uFill>
-                  <a:solidFill>
-                    <a:srgbClr val="FFFFFF"/>
-                  </a:solidFill>
-                </a:uFill>
-                <a:latin typeface="Calibri" panose="020F0502020204030204" pitchFamily="34" charset="0"/>
-                <a:ea typeface="Verdana"/>
-                <a:cs typeface="Calibri" panose="020F0502020204030204" pitchFamily="34" charset="0"/>
-              </a:rPr>
-              <a:t>Czyli z czym będziemy dziś pracować</a:t>
-            </a:r>
-          </a:p>
-          <a:p>
-            <a:pPr>
-              <a:lnSpc>
-                <a:spcPct val="100000"/>
-              </a:lnSpc>
-            </a:pPr>
-            <a:endParaRPr lang="pl-PL" sz="1700" spc="-1" dirty="0">
-              <a:solidFill>
-                <a:srgbClr val="000000"/>
-              </a:solidFill>
-              <a:uFill>
-                <a:solidFill>
-                  <a:srgbClr val="FFFFFF"/>
-                </a:solidFill>
-              </a:uFill>
-              <a:latin typeface="Calibri" panose="020F0502020204030204" pitchFamily="34" charset="0"/>
-              <a:ea typeface="Verdana"/>
-              <a:cs typeface="Calibri" panose="020F0502020204030204" pitchFamily="34" charset="0"/>
-            </a:endParaRPr>
-          </a:p>
-          <a:p>
-            <a:pPr>
-              <a:lnSpc>
-                <a:spcPct val="100000"/>
-              </a:lnSpc>
-            </a:pPr>
-            <a:r>
-              <a:rPr lang="pl-PL" sz="1700" spc="-1" dirty="0">
-                <a:solidFill>
-                  <a:srgbClr val="000000"/>
-                </a:solidFill>
-                <a:uFill>
-                  <a:solidFill>
-                    <a:srgbClr val="FFFFFF"/>
-                  </a:solidFill>
-                </a:uFill>
-                <a:latin typeface="Calibri" panose="020F0502020204030204" pitchFamily="34" charset="0"/>
-                <a:ea typeface="Verdana"/>
-                <a:cs typeface="Calibri" panose="020F0502020204030204" pitchFamily="34" charset="0"/>
-              </a:rPr>
-              <a:t>Android</a:t>
-            </a:r>
-          </a:p>
-          <a:p>
-            <a:pPr>
-              <a:lnSpc>
-                <a:spcPct val="100000"/>
-              </a:lnSpc>
-            </a:pPr>
-            <a:r>
-              <a:rPr lang="pl-PL" sz="1700" spc="-1" dirty="0">
-                <a:solidFill>
-                  <a:srgbClr val="000000"/>
-                </a:solidFill>
-                <a:uFill>
-                  <a:solidFill>
-                    <a:srgbClr val="FFFFFF"/>
-                  </a:solidFill>
-                </a:uFill>
-                <a:latin typeface="Calibri" panose="020F0502020204030204" pitchFamily="34" charset="0"/>
-                <a:ea typeface="Verdana"/>
-                <a:cs typeface="Calibri" panose="020F0502020204030204" pitchFamily="34" charset="0"/>
-              </a:rPr>
-              <a:t>Espresso</a:t>
-            </a:r>
-          </a:p>
-          <a:p>
-            <a:pPr>
-              <a:lnSpc>
-                <a:spcPct val="100000"/>
-              </a:lnSpc>
-            </a:pPr>
-            <a:r>
-              <a:rPr lang="pl-PL" sz="1700" spc="-1" dirty="0" err="1">
-                <a:solidFill>
-                  <a:srgbClr val="000000"/>
-                </a:solidFill>
-                <a:uFill>
-                  <a:solidFill>
-                    <a:srgbClr val="FFFFFF"/>
-                  </a:solidFill>
-                </a:uFill>
-                <a:latin typeface="Calibri" panose="020F0502020204030204" pitchFamily="34" charset="0"/>
-                <a:ea typeface="Verdana"/>
-                <a:cs typeface="Calibri" panose="020F0502020204030204" pitchFamily="34" charset="0"/>
-              </a:rPr>
-              <a:t>JUnit</a:t>
-            </a:r>
-            <a:endParaRPr lang="pl-PL" sz="1700" spc="-1" dirty="0">
-              <a:solidFill>
-                <a:srgbClr val="000000"/>
-              </a:solidFill>
-              <a:uFill>
-                <a:solidFill>
-                  <a:srgbClr val="FFFFFF"/>
-                </a:solidFill>
-              </a:uFill>
-              <a:latin typeface="Calibri" panose="020F0502020204030204" pitchFamily="34" charset="0"/>
-              <a:ea typeface="Verdana"/>
-              <a:cs typeface="Calibri" panose="020F0502020204030204" pitchFamily="34" charset="0"/>
-            </a:endParaRPr>
-          </a:p>
-          <a:p>
-            <a:pPr>
-              <a:lnSpc>
-                <a:spcPct val="100000"/>
-              </a:lnSpc>
-            </a:pPr>
-            <a:r>
-              <a:rPr lang="pl-PL" sz="1700" spc="-1" dirty="0">
-                <a:solidFill>
-                  <a:srgbClr val="000000"/>
-                </a:solidFill>
-                <a:uFill>
-                  <a:solidFill>
-                    <a:srgbClr val="FFFFFF"/>
-                  </a:solidFill>
-                </a:uFill>
-                <a:latin typeface="Calibri" panose="020F0502020204030204" pitchFamily="34" charset="0"/>
-                <a:ea typeface="Verdana"/>
-                <a:cs typeface="Calibri" panose="020F0502020204030204" pitchFamily="34" charset="0"/>
-              </a:rPr>
-              <a:t>Java</a:t>
-            </a:r>
-          </a:p>
-          <a:p>
-            <a:r>
-              <a:rPr lang="pl-PL" sz="1700" spc="-1" dirty="0">
-                <a:solidFill>
-                  <a:srgbClr val="000000"/>
-                </a:solidFill>
-                <a:uFill>
-                  <a:solidFill>
-                    <a:srgbClr val="FFFFFF"/>
-                  </a:solidFill>
-                </a:uFill>
-                <a:latin typeface="Calibri" panose="020F0502020204030204" pitchFamily="34" charset="0"/>
-                <a:ea typeface="Verdana"/>
-                <a:cs typeface="Calibri" panose="020F0502020204030204" pitchFamily="34" charset="0"/>
-              </a:rPr>
-              <a:t>Android Studio</a:t>
-            </a:r>
-          </a:p>
-          <a:p>
-            <a:pPr>
-              <a:lnSpc>
-                <a:spcPct val="100000"/>
-              </a:lnSpc>
-            </a:pPr>
-            <a:endParaRPr lang="pl-PL" sz="1700" spc="-1" dirty="0">
-              <a:solidFill>
-                <a:srgbClr val="000000"/>
-              </a:solidFill>
-              <a:uFill>
-                <a:solidFill>
-                  <a:srgbClr val="FFFFFF"/>
-                </a:solidFill>
-              </a:uFill>
-              <a:latin typeface="Calibri" panose="020F0502020204030204" pitchFamily="34" charset="0"/>
-              <a:ea typeface="Verdana"/>
-              <a:cs typeface="Calibri" panose="020F0502020204030204" pitchFamily="34" charset="0"/>
-            </a:endParaRPr>
-          </a:p>
-        </p:txBody>
-      </p:sp>
     </p:spTree>
-    <p:extLst>
-      <p:ext uri="{BB962C8B-B14F-4D97-AF65-F5344CB8AC3E}">
-        <p14:creationId xmlns:p14="http://schemas.microsoft.com/office/powerpoint/2010/main" val="2083186259"/>
-      </p:ext>
-    </p:extLst>
   </p:cSld>
   <p:clrMapOvr>
     <a:masterClrMapping/>
@@ -23336,7 +23109,43 @@
           </a:p>
         </p:txBody>
       </p:sp>
+      <p:pic>
+        <p:nvPicPr>
+          <p:cNvPr id="115" name="Shape 137"/>
+          <p:cNvPicPr/>
+          <p:nvPr/>
+        </p:nvPicPr>
+        <p:blipFill>
+          <a:blip r:embed="rId3">
+            <a:extLst>
+              <a:ext uri="{28A0092B-C50C-407E-A947-70E740481C1C}">
+                <a14:useLocalDpi xmlns:a14="http://schemas.microsoft.com/office/drawing/2010/main" val="0"/>
+              </a:ext>
+            </a:extLst>
+          </a:blip>
+          <a:stretch>
+            <a:fillRect/>
+          </a:stretch>
+        </p:blipFill>
+        <p:spPr>
+          <a:xfrm>
+            <a:off x="2513115" y="447120"/>
+            <a:ext cx="2453490" cy="4361760"/>
+          </a:xfrm>
+          <a:prstGeom prst="rect">
+            <a:avLst/>
+          </a:prstGeom>
+          <a:ln>
+            <a:noFill/>
+          </a:ln>
+        </p:spPr>
+      </p:pic>
     </p:spTree>
+    <p:extLst>
+      <p:ext uri="{BB962C8B-B14F-4D97-AF65-F5344CB8AC3E}">
+        <p14:creationId xmlns:p14="http://schemas.microsoft.com/office/powerpoint/2010/main" val="1592213292"/>
+      </p:ext>
+    </p:extLst>
   </p:cSld>
   <p:clrMapOvr>
     <a:masterClrMapping/>
@@ -23656,10 +23465,41 @@
           </a:ln>
         </p:spPr>
       </p:pic>
+      <p:pic>
+        <p:nvPicPr>
+          <p:cNvPr id="116" name="Shape 138"/>
+          <p:cNvPicPr/>
+          <p:nvPr/>
+        </p:nvPicPr>
+        <p:blipFill>
+          <a:blip r:embed="rId4">
+            <a:extLst>
+              <a:ext uri="{28A0092B-C50C-407E-A947-70E740481C1C}">
+                <a14:useLocalDpi xmlns:a14="http://schemas.microsoft.com/office/drawing/2010/main" val="0"/>
+              </a:ext>
+            </a:extLst>
+          </a:blip>
+          <a:stretch>
+            <a:fillRect/>
+          </a:stretch>
+        </p:blipFill>
+        <p:spPr>
+          <a:xfrm>
+            <a:off x="5561235" y="447120"/>
+            <a:ext cx="2453490" cy="4361760"/>
+          </a:xfrm>
+          <a:prstGeom prst="rect">
+            <a:avLst/>
+          </a:prstGeom>
+          <a:ln>
+            <a:noFill/>
+          </a:ln>
+        </p:spPr>
+      </p:pic>
     </p:spTree>
     <p:extLst>
       <p:ext uri="{BB962C8B-B14F-4D97-AF65-F5344CB8AC3E}">
-        <p14:creationId xmlns:p14="http://schemas.microsoft.com/office/powerpoint/2010/main" val="1592213292"/>
+        <p14:creationId xmlns:p14="http://schemas.microsoft.com/office/powerpoint/2010/main" val="2294709877"/>
       </p:ext>
     </p:extLst>
   </p:cSld>
@@ -23688,7 +23528,7 @@
       </p:grpSpPr>
       <p:sp>
         <p:nvSpPr>
-          <p:cNvPr id="110" name="CustomShape 1"/>
+          <p:cNvPr id="104" name="CustomShape 1"/>
           <p:cNvSpPr/>
           <p:nvPr/>
         </p:nvSpPr>
@@ -23757,14 +23597,14 @@
       </p:sp>
       <p:sp>
         <p:nvSpPr>
-          <p:cNvPr id="111" name="TextShape 2"/>
+          <p:cNvPr id="105" name="TextShape 2"/>
           <p:cNvSpPr txBox="1"/>
           <p:nvPr/>
         </p:nvSpPr>
         <p:spPr>
           <a:xfrm>
-            <a:off x="298440" y="529560"/>
-            <a:ext cx="8229240" cy="939240"/>
+            <a:off x="298440" y="586710"/>
+            <a:ext cx="8229240" cy="781560"/>
           </a:xfrm>
           <a:prstGeom prst="rect">
             <a:avLst/>
@@ -23784,7 +23624,7 @@
               </a:lnSpc>
             </a:pPr>
             <a:r>
-              <a:rPr lang="en-US" sz="2800" b="1" strike="noStrike" spc="-1" dirty="0" err="1">
+              <a:rPr lang="pl-PL" sz="2800" b="1" strike="noStrike" spc="-1" dirty="0">
                 <a:solidFill>
                   <a:srgbClr val="000000"/>
                 </a:solidFill>
@@ -23796,7 +23636,7 @@
                 <a:latin typeface="Cambria" panose="02040503050406030204" pitchFamily="18" charset="0"/>
                 <a:ea typeface="Verdana"/>
               </a:rPr>
-              <a:t>Aplikacja</a:t>
+              <a:t>Warsztat</a:t>
             </a:r>
             <a:endParaRPr lang="en-US" sz="1400" b="0" strike="noStrike" spc="-1" dirty="0">
               <a:solidFill>
@@ -23814,7 +23654,7 @@
       </p:sp>
       <p:sp>
         <p:nvSpPr>
-          <p:cNvPr id="112" name="CustomShape 3"/>
+          <p:cNvPr id="106" name="CustomShape 3"/>
           <p:cNvSpPr/>
           <p:nvPr/>
         </p:nvSpPr>
@@ -23846,7 +23686,7 @@
       </p:sp>
       <p:sp>
         <p:nvSpPr>
-          <p:cNvPr id="113" name="CustomShape 4"/>
+          <p:cNvPr id="107" name="CustomShape 4"/>
           <p:cNvSpPr/>
           <p:nvPr/>
         </p:nvSpPr>
@@ -23895,7 +23735,7 @@
       </p:sp>
       <p:sp>
         <p:nvSpPr>
-          <p:cNvPr id="114" name="TextShape 5"/>
+          <p:cNvPr id="108" name="TextShape 5"/>
           <p:cNvSpPr txBox="1"/>
           <p:nvPr/>
         </p:nvSpPr>
@@ -23921,7 +23761,7 @@
                 <a:spcPct val="100000"/>
               </a:lnSpc>
             </a:pPr>
-            <a:fld id="{E34A91E5-5D13-4E68-AD83-7376D0DD3D32}" type="slidenum">
+            <a:fld id="{51713E7D-C8CA-401A-8373-A373C6BBA71F}" type="slidenum">
               <a:rPr lang="en-US" sz="1200" b="0" strike="noStrike" spc="-1">
                 <a:solidFill>
                   <a:srgbClr val="888888"/>
@@ -23950,72 +23790,247 @@
           </a:p>
         </p:txBody>
       </p:sp>
-      <p:pic>
-        <p:nvPicPr>
-          <p:cNvPr id="115" name="Shape 137"/>
-          <p:cNvPicPr/>
+      <p:sp>
+        <p:nvSpPr>
+          <p:cNvPr id="109" name="CustomShape 6"/>
+          <p:cNvSpPr/>
           <p:nvPr/>
-        </p:nvPicPr>
-        <p:blipFill>
-          <a:blip r:embed="rId3">
-            <a:extLst>
-              <a:ext uri="{28A0092B-C50C-407E-A947-70E740481C1C}">
-                <a14:useLocalDpi xmlns:a14="http://schemas.microsoft.com/office/drawing/2010/main" val="0"/>
-              </a:ext>
-            </a:extLst>
-          </a:blip>
-          <a:stretch>
-            <a:fillRect/>
-          </a:stretch>
-        </p:blipFill>
-        <p:spPr>
-          <a:xfrm>
-            <a:off x="2513115" y="447120"/>
-            <a:ext cx="2453490" cy="4361760"/>
-          </a:xfrm>
-          <a:prstGeom prst="rect">
-            <a:avLst/>
-          </a:prstGeom>
+        </p:nvSpPr>
+        <p:spPr>
+          <a:xfrm>
+            <a:off x="349920" y="1583100"/>
+            <a:ext cx="8443800" cy="2213610"/>
+          </a:xfrm>
+          <a:prstGeom prst="rect">
+            <a:avLst/>
+          </a:prstGeom>
+          <a:noFill/>
           <a:ln>
             <a:noFill/>
           </a:ln>
         </p:spPr>
-      </p:pic>
-      <p:pic>
-        <p:nvPicPr>
-          <p:cNvPr id="116" name="Shape 138"/>
-          <p:cNvPicPr/>
-          <p:nvPr/>
-        </p:nvPicPr>
-        <p:blipFill>
-          <a:blip r:embed="rId4">
-            <a:extLst>
-              <a:ext uri="{28A0092B-C50C-407E-A947-70E740481C1C}">
-                <a14:useLocalDpi xmlns:a14="http://schemas.microsoft.com/office/drawing/2010/main" val="0"/>
-              </a:ext>
-            </a:extLst>
-          </a:blip>
-          <a:stretch>
-            <a:fillRect/>
-          </a:stretch>
-        </p:blipFill>
-        <p:spPr>
-          <a:xfrm>
-            <a:off x="5561235" y="447120"/>
-            <a:ext cx="2453490" cy="4361760"/>
-          </a:xfrm>
-          <a:prstGeom prst="rect">
-            <a:avLst/>
-          </a:prstGeom>
-          <a:ln>
-            <a:noFill/>
-          </a:ln>
-        </p:spPr>
-      </p:pic>
+        <p:style>
+          <a:lnRef idx="0">
+            <a:scrgbClr r="0" g="0" b="0"/>
+          </a:lnRef>
+          <a:fillRef idx="0">
+            <a:scrgbClr r="0" g="0" b="0"/>
+          </a:fillRef>
+          <a:effectRef idx="0">
+            <a:scrgbClr r="0" g="0" b="0"/>
+          </a:effectRef>
+          <a:fontRef idx="minor"/>
+        </p:style>
+        <p:txBody>
+          <a:bodyPr/>
+          <a:lstStyle/>
+          <a:p>
+            <a:pPr>
+              <a:lnSpc>
+                <a:spcPct val="100000"/>
+              </a:lnSpc>
+            </a:pPr>
+            <a:r>
+              <a:rPr lang="pl-PL" sz="1700" spc="-1" dirty="0">
+                <a:solidFill>
+                  <a:srgbClr val="000000"/>
+                </a:solidFill>
+                <a:uFill>
+                  <a:solidFill>
+                    <a:srgbClr val="FFFFFF"/>
+                  </a:solidFill>
+                </a:uFill>
+                <a:latin typeface="Calibri" panose="020F0502020204030204" pitchFamily="34" charset="0"/>
+                <a:ea typeface="Verdana"/>
+                <a:cs typeface="Calibri" panose="020F0502020204030204" pitchFamily="34" charset="0"/>
+              </a:rPr>
+              <a:t>Czyli z czym będziemy dziś pracować</a:t>
+            </a:r>
+          </a:p>
+          <a:p>
+            <a:pPr>
+              <a:lnSpc>
+                <a:spcPct val="100000"/>
+              </a:lnSpc>
+            </a:pPr>
+            <a:endParaRPr lang="pl-PL" sz="1700" spc="-1" dirty="0">
+              <a:solidFill>
+                <a:srgbClr val="000000"/>
+              </a:solidFill>
+              <a:uFill>
+                <a:solidFill>
+                  <a:srgbClr val="FFFFFF"/>
+                </a:solidFill>
+              </a:uFill>
+              <a:latin typeface="Calibri" panose="020F0502020204030204" pitchFamily="34" charset="0"/>
+              <a:ea typeface="Verdana"/>
+              <a:cs typeface="Calibri" panose="020F0502020204030204" pitchFamily="34" charset="0"/>
+            </a:endParaRPr>
+          </a:p>
+          <a:p>
+            <a:pPr marL="285750" indent="-285750">
+              <a:lnSpc>
+                <a:spcPct val="150000"/>
+              </a:lnSpc>
+              <a:buFont typeface="Arial" panose="020B0604020202020204" pitchFamily="34" charset="0"/>
+              <a:buChar char="•"/>
+            </a:pPr>
+            <a:r>
+              <a:rPr lang="pl-PL" sz="1700" spc="-1" dirty="0">
+                <a:solidFill>
+                  <a:srgbClr val="000000"/>
+                </a:solidFill>
+                <a:uFill>
+                  <a:solidFill>
+                    <a:srgbClr val="FFFFFF"/>
+                  </a:solidFill>
+                </a:uFill>
+                <a:latin typeface="Calibri" panose="020F0502020204030204" pitchFamily="34" charset="0"/>
+                <a:ea typeface="Verdana"/>
+                <a:cs typeface="Calibri" panose="020F0502020204030204" pitchFamily="34" charset="0"/>
+              </a:rPr>
+              <a:t>Android</a:t>
+            </a:r>
+          </a:p>
+          <a:p>
+            <a:pPr marL="285750" indent="-285750">
+              <a:lnSpc>
+                <a:spcPct val="150000"/>
+              </a:lnSpc>
+              <a:buFont typeface="Arial" panose="020B0604020202020204" pitchFamily="34" charset="0"/>
+              <a:buChar char="•"/>
+            </a:pPr>
+            <a:r>
+              <a:rPr lang="pl-PL" sz="1700" spc="-1" dirty="0">
+                <a:solidFill>
+                  <a:srgbClr val="000000"/>
+                </a:solidFill>
+                <a:uFill>
+                  <a:solidFill>
+                    <a:srgbClr val="FFFFFF"/>
+                  </a:solidFill>
+                </a:uFill>
+                <a:latin typeface="Calibri" panose="020F0502020204030204" pitchFamily="34" charset="0"/>
+                <a:ea typeface="Verdana"/>
+                <a:cs typeface="Calibri" panose="020F0502020204030204" pitchFamily="34" charset="0"/>
+              </a:rPr>
+              <a:t>Espresso</a:t>
+            </a:r>
+          </a:p>
+          <a:p>
+            <a:pPr marL="285750" indent="-285750">
+              <a:lnSpc>
+                <a:spcPct val="150000"/>
+              </a:lnSpc>
+              <a:buFont typeface="Arial" panose="020B0604020202020204" pitchFamily="34" charset="0"/>
+              <a:buChar char="•"/>
+            </a:pPr>
+            <a:r>
+              <a:rPr lang="pl-PL" sz="1700" spc="-1" dirty="0" err="1">
+                <a:solidFill>
+                  <a:srgbClr val="000000"/>
+                </a:solidFill>
+                <a:uFill>
+                  <a:solidFill>
+                    <a:srgbClr val="FFFFFF"/>
+                  </a:solidFill>
+                </a:uFill>
+                <a:latin typeface="Calibri" panose="020F0502020204030204" pitchFamily="34" charset="0"/>
+                <a:ea typeface="Verdana"/>
+                <a:cs typeface="Calibri" panose="020F0502020204030204" pitchFamily="34" charset="0"/>
+              </a:rPr>
+              <a:t>JUnit</a:t>
+            </a:r>
+            <a:endParaRPr lang="pl-PL" sz="1700" spc="-1" dirty="0">
+              <a:solidFill>
+                <a:srgbClr val="000000"/>
+              </a:solidFill>
+              <a:uFill>
+                <a:solidFill>
+                  <a:srgbClr val="FFFFFF"/>
+                </a:solidFill>
+              </a:uFill>
+              <a:latin typeface="Calibri" panose="020F0502020204030204" pitchFamily="34" charset="0"/>
+              <a:ea typeface="Verdana"/>
+              <a:cs typeface="Calibri" panose="020F0502020204030204" pitchFamily="34" charset="0"/>
+            </a:endParaRPr>
+          </a:p>
+          <a:p>
+            <a:pPr marL="285750" indent="-285750">
+              <a:lnSpc>
+                <a:spcPct val="150000"/>
+              </a:lnSpc>
+              <a:buFont typeface="Arial" panose="020B0604020202020204" pitchFamily="34" charset="0"/>
+              <a:buChar char="•"/>
+            </a:pPr>
+            <a:r>
+              <a:rPr lang="pl-PL" sz="1700" spc="-1" dirty="0">
+                <a:solidFill>
+                  <a:srgbClr val="000000"/>
+                </a:solidFill>
+                <a:uFill>
+                  <a:solidFill>
+                    <a:srgbClr val="FFFFFF"/>
+                  </a:solidFill>
+                </a:uFill>
+                <a:latin typeface="Calibri" panose="020F0502020204030204" pitchFamily="34" charset="0"/>
+                <a:ea typeface="Verdana"/>
+                <a:cs typeface="Calibri" panose="020F0502020204030204" pitchFamily="34" charset="0"/>
+              </a:rPr>
+              <a:t>Java</a:t>
+            </a:r>
+          </a:p>
+          <a:p>
+            <a:pPr marL="285750" indent="-285750">
+              <a:lnSpc>
+                <a:spcPct val="150000"/>
+              </a:lnSpc>
+              <a:buFont typeface="Arial" panose="020B0604020202020204" pitchFamily="34" charset="0"/>
+              <a:buChar char="•"/>
+            </a:pPr>
+            <a:r>
+              <a:rPr lang="pl-PL" sz="1700" spc="-1" dirty="0">
+                <a:solidFill>
+                  <a:srgbClr val="000000"/>
+                </a:solidFill>
+                <a:uFill>
+                  <a:solidFill>
+                    <a:srgbClr val="FFFFFF"/>
+                  </a:solidFill>
+                </a:uFill>
+                <a:latin typeface="Calibri" panose="020F0502020204030204" pitchFamily="34" charset="0"/>
+                <a:ea typeface="Verdana"/>
+                <a:cs typeface="Calibri" panose="020F0502020204030204" pitchFamily="34" charset="0"/>
+              </a:rPr>
+              <a:t>Android Studio</a:t>
+            </a:r>
+          </a:p>
+          <a:p>
+            <a:pPr>
+              <a:lnSpc>
+                <a:spcPct val="100000"/>
+              </a:lnSpc>
+            </a:pPr>
+            <a:endParaRPr lang="pl-PL" sz="1700" spc="-1" dirty="0">
+              <a:solidFill>
+                <a:srgbClr val="000000"/>
+              </a:solidFill>
+              <a:uFill>
+                <a:solidFill>
+                  <a:srgbClr val="FFFFFF"/>
+                </a:solidFill>
+              </a:uFill>
+              <a:latin typeface="Calibri" panose="020F0502020204030204" pitchFamily="34" charset="0"/>
+              <a:ea typeface="Verdana"/>
+              <a:cs typeface="Calibri" panose="020F0502020204030204" pitchFamily="34" charset="0"/>
+            </a:endParaRPr>
+          </a:p>
+        </p:txBody>
+      </p:sp>
     </p:spTree>
     <p:extLst>
       <p:ext uri="{BB962C8B-B14F-4D97-AF65-F5344CB8AC3E}">
-        <p14:creationId xmlns:p14="http://schemas.microsoft.com/office/powerpoint/2010/main" val="2294709877"/>
+        <p14:creationId xmlns:p14="http://schemas.microsoft.com/office/powerpoint/2010/main" val="2083186259"/>
       </p:ext>
     </p:extLst>
   </p:cSld>

--- a/Dokumenty/Prezentacja.pptx
+++ b/Dokumenty/Prezentacja.pptx
@@ -6,7 +6,7 @@
     <p:sldMasterId id="2147483661" r:id="rId2"/>
   </p:sldMasterIdLst>
   <p:notesMasterIdLst>
-    <p:notesMasterId r:id="rId30"/>
+    <p:notesMasterId r:id="rId31"/>
   </p:notesMasterIdLst>
   <p:sldIdLst>
     <p:sldId id="256" r:id="rId3"/>
@@ -24,18 +24,19 @@
     <p:sldId id="288" r:id="rId15"/>
     <p:sldId id="289" r:id="rId16"/>
     <p:sldId id="290" r:id="rId17"/>
-    <p:sldId id="271" r:id="rId18"/>
-    <p:sldId id="291" r:id="rId19"/>
-    <p:sldId id="272" r:id="rId20"/>
-    <p:sldId id="273" r:id="rId21"/>
-    <p:sldId id="274" r:id="rId22"/>
-    <p:sldId id="276" r:id="rId23"/>
-    <p:sldId id="277" r:id="rId24"/>
-    <p:sldId id="278" r:id="rId25"/>
-    <p:sldId id="279" r:id="rId26"/>
-    <p:sldId id="280" r:id="rId27"/>
-    <p:sldId id="281" r:id="rId28"/>
-    <p:sldId id="282" r:id="rId29"/>
+    <p:sldId id="294" r:id="rId18"/>
+    <p:sldId id="271" r:id="rId19"/>
+    <p:sldId id="291" r:id="rId20"/>
+    <p:sldId id="272" r:id="rId21"/>
+    <p:sldId id="273" r:id="rId22"/>
+    <p:sldId id="274" r:id="rId23"/>
+    <p:sldId id="276" r:id="rId24"/>
+    <p:sldId id="277" r:id="rId25"/>
+    <p:sldId id="278" r:id="rId26"/>
+    <p:sldId id="279" r:id="rId27"/>
+    <p:sldId id="280" r:id="rId28"/>
+    <p:sldId id="281" r:id="rId29"/>
+    <p:sldId id="282" r:id="rId30"/>
   </p:sldIdLst>
   <p:sldSz cx="9144000" cy="5143500" type="screen16x9"/>
   <p:notesSz cx="6858000" cy="9144000"/>
@@ -1269,7 +1270,7 @@
       </p:grpSpPr>
       <p:sp>
         <p:nvSpPr>
-          <p:cNvPr id="285" name="PlaceHolder 1"/>
+          <p:cNvPr id="283" name="PlaceHolder 1"/>
           <p:cNvSpPr>
             <a:spLocks noGrp="1"/>
           </p:cNvSpPr>
@@ -1287,7 +1288,7 @@
           </a:prstGeom>
         </p:spPr>
         <p:txBody>
-          <a:bodyPr/>
+          <a:bodyPr tIns="91440" bIns="91440"/>
           <a:lstStyle/>
           <a:p>
             <a:endParaRPr lang="en-US" sz="2000" b="0" strike="noStrike" spc="-1">
@@ -1306,7 +1307,7 @@
       </p:sp>
       <p:sp>
         <p:nvSpPr>
-          <p:cNvPr id="286" name="TextShape 2"/>
+          <p:cNvPr id="284" name="TextShape 2"/>
           <p:cNvSpPr txBox="1"/>
           <p:nvPr/>
         </p:nvSpPr>
@@ -1327,23 +1328,22 @@
           <a:bodyPr anchor="b"/>
           <a:lstStyle/>
           <a:p>
-            <a:pPr algn="r">
+            <a:pPr>
               <a:lnSpc>
                 <a:spcPct val="100000"/>
               </a:lnSpc>
             </a:pPr>
-            <a:fld id="{4F9CB400-5A6A-4A01-99B2-7D29671DAEC0}" type="slidenum">
-              <a:rPr lang="en-US" sz="1200" b="0" strike="noStrike" spc="-1">
-                <a:solidFill>
-                  <a:srgbClr val="000000"/>
-                </a:solidFill>
-                <a:uFill>
-                  <a:solidFill>
-                    <a:srgbClr val="FFFFFF"/>
-                  </a:solidFill>
-                </a:uFill>
-                <a:latin typeface="Calibri"/>
-                <a:ea typeface="Calibri"/>
+            <a:fld id="{266D1FB3-5AC5-4B67-BA61-D8EE81B22072}" type="slidenum">
+              <a:rPr lang="en-US" sz="1400" b="0" strike="noStrike" spc="-1">
+                <a:solidFill>
+                  <a:srgbClr val="000000"/>
+                </a:solidFill>
+                <a:uFill>
+                  <a:solidFill>
+                    <a:srgbClr val="FFFFFF"/>
+                  </a:solidFill>
+                </a:uFill>
+                <a:latin typeface="Times New Roman"/>
               </a:rPr>
               <a:t>16</a:t>
             </a:fld>
@@ -1361,44 +1361,12 @@
           </a:p>
         </p:txBody>
       </p:sp>
-      <p:sp>
-        <p:nvSpPr>
-          <p:cNvPr id="287" name="TextShape 3"/>
-          <p:cNvSpPr txBox="1"/>
-          <p:nvPr/>
-        </p:nvSpPr>
-        <p:spPr>
-          <a:xfrm>
-            <a:off x="0" y="0"/>
-            <a:ext cx="2971440" cy="456840"/>
-          </a:xfrm>
-          <a:prstGeom prst="rect">
-            <a:avLst/>
-          </a:prstGeom>
-          <a:noFill/>
-          <a:ln>
-            <a:noFill/>
-          </a:ln>
-        </p:spPr>
-        <p:txBody>
-          <a:bodyPr/>
-          <a:lstStyle/>
-          <a:p>
-            <a:endParaRPr lang="en-US" sz="2400" b="0" strike="noStrike" spc="-1">
-              <a:solidFill>
-                <a:srgbClr val="000000"/>
-              </a:solidFill>
-              <a:uFill>
-                <a:solidFill>
-                  <a:srgbClr val="FFFFFF"/>
-                </a:solidFill>
-              </a:uFill>
-              <a:latin typeface="Times New Roman"/>
-            </a:endParaRPr>
-          </a:p>
-        </p:txBody>
-      </p:sp>
     </p:spTree>
+    <p:extLst>
+      <p:ext uri="{BB962C8B-B14F-4D97-AF65-F5344CB8AC3E}">
+        <p14:creationId xmlns:p14="http://schemas.microsoft.com/office/powerpoint/2010/main" val="1032637868"/>
+      </p:ext>
+    </p:extLst>
   </p:cSld>
   <p:clrMapOvr>
     <a:masterClrMapping/>
@@ -1555,11 +1523,6 @@
         </p:txBody>
       </p:sp>
     </p:spTree>
-    <p:extLst>
-      <p:ext uri="{BB962C8B-B14F-4D97-AF65-F5344CB8AC3E}">
-        <p14:creationId xmlns:p14="http://schemas.microsoft.com/office/powerpoint/2010/main" val="2821373153"/>
-      </p:ext>
-    </p:extLst>
   </p:cSld>
   <p:clrMapOvr>
     <a:masterClrMapping/>
@@ -1586,7 +1549,7 @@
       </p:grpSpPr>
       <p:sp>
         <p:nvSpPr>
-          <p:cNvPr id="288" name="PlaceHolder 1"/>
+          <p:cNvPr id="285" name="PlaceHolder 1"/>
           <p:cNvSpPr>
             <a:spLocks noGrp="1"/>
           </p:cNvSpPr>
@@ -1623,7 +1586,7 @@
       </p:sp>
       <p:sp>
         <p:nvSpPr>
-          <p:cNvPr id="289" name="TextShape 2"/>
+          <p:cNvPr id="286" name="TextShape 2"/>
           <p:cNvSpPr txBox="1"/>
           <p:nvPr/>
         </p:nvSpPr>
@@ -1649,7 +1612,7 @@
                 <a:spcPct val="100000"/>
               </a:lnSpc>
             </a:pPr>
-            <a:fld id="{16614BDD-A850-4BB8-8385-CA64E076601B}" type="slidenum">
+            <a:fld id="{4F9CB400-5A6A-4A01-99B2-7D29671DAEC0}" type="slidenum">
               <a:rPr lang="en-US" sz="1200" b="0" strike="noStrike" spc="-1">
                 <a:solidFill>
                   <a:srgbClr val="000000"/>
@@ -1680,7 +1643,7 @@
       </p:sp>
       <p:sp>
         <p:nvSpPr>
-          <p:cNvPr id="290" name="TextShape 3"/>
+          <p:cNvPr id="287" name="TextShape 3"/>
           <p:cNvSpPr txBox="1"/>
           <p:nvPr/>
         </p:nvSpPr>
@@ -1716,6 +1679,11 @@
         </p:txBody>
       </p:sp>
     </p:spTree>
+    <p:extLst>
+      <p:ext uri="{BB962C8B-B14F-4D97-AF65-F5344CB8AC3E}">
+        <p14:creationId xmlns:p14="http://schemas.microsoft.com/office/powerpoint/2010/main" val="2821373153"/>
+      </p:ext>
+    </p:extLst>
   </p:cSld>
   <p:clrMapOvr>
     <a:masterClrMapping/>
@@ -1742,7 +1710,7 @@
       </p:grpSpPr>
       <p:sp>
         <p:nvSpPr>
-          <p:cNvPr id="291" name="PlaceHolder 1"/>
+          <p:cNvPr id="288" name="PlaceHolder 1"/>
           <p:cNvSpPr>
             <a:spLocks noGrp="1"/>
           </p:cNvSpPr>
@@ -1779,7 +1747,7 @@
       </p:sp>
       <p:sp>
         <p:nvSpPr>
-          <p:cNvPr id="292" name="TextShape 2"/>
+          <p:cNvPr id="289" name="TextShape 2"/>
           <p:cNvSpPr txBox="1"/>
           <p:nvPr/>
         </p:nvSpPr>
@@ -1805,7 +1773,7 @@
                 <a:spcPct val="100000"/>
               </a:lnSpc>
             </a:pPr>
-            <a:fld id="{53EF6752-89D7-4752-B411-2321CF9B12FD}" type="slidenum">
+            <a:fld id="{16614BDD-A850-4BB8-8385-CA64E076601B}" type="slidenum">
               <a:rPr lang="en-US" sz="1200" b="0" strike="noStrike" spc="-1">
                 <a:solidFill>
                   <a:srgbClr val="000000"/>
@@ -1836,7 +1804,7 @@
       </p:sp>
       <p:sp>
         <p:nvSpPr>
-          <p:cNvPr id="293" name="TextShape 3"/>
+          <p:cNvPr id="290" name="TextShape 3"/>
           <p:cNvSpPr txBox="1"/>
           <p:nvPr/>
         </p:nvSpPr>
@@ -1898,7 +1866,7 @@
       </p:grpSpPr>
       <p:sp>
         <p:nvSpPr>
-          <p:cNvPr id="294" name="PlaceHolder 1"/>
+          <p:cNvPr id="291" name="PlaceHolder 1"/>
           <p:cNvSpPr>
             <a:spLocks noGrp="1"/>
           </p:cNvSpPr>
@@ -1935,7 +1903,7 @@
       </p:sp>
       <p:sp>
         <p:nvSpPr>
-          <p:cNvPr id="295" name="TextShape 2"/>
+          <p:cNvPr id="292" name="TextShape 2"/>
           <p:cNvSpPr txBox="1"/>
           <p:nvPr/>
         </p:nvSpPr>
@@ -1961,7 +1929,7 @@
                 <a:spcPct val="100000"/>
               </a:lnSpc>
             </a:pPr>
-            <a:fld id="{2568D216-7C38-4DC0-B89A-57515CC9908E}" type="slidenum">
+            <a:fld id="{53EF6752-89D7-4752-B411-2321CF9B12FD}" type="slidenum">
               <a:rPr lang="en-US" sz="1200" b="0" strike="noStrike" spc="-1">
                 <a:solidFill>
                   <a:srgbClr val="000000"/>
@@ -1992,7 +1960,7 @@
       </p:sp>
       <p:sp>
         <p:nvSpPr>
-          <p:cNvPr id="296" name="TextShape 3"/>
+          <p:cNvPr id="293" name="TextShape 3"/>
           <p:cNvSpPr txBox="1"/>
           <p:nvPr/>
         </p:nvSpPr>
@@ -2210,7 +2178,7 @@
       </p:grpSpPr>
       <p:sp>
         <p:nvSpPr>
-          <p:cNvPr id="300" name="PlaceHolder 1"/>
+          <p:cNvPr id="294" name="PlaceHolder 1"/>
           <p:cNvSpPr>
             <a:spLocks noGrp="1"/>
           </p:cNvSpPr>
@@ -2247,7 +2215,7 @@
       </p:sp>
       <p:sp>
         <p:nvSpPr>
-          <p:cNvPr id="301" name="TextShape 2"/>
+          <p:cNvPr id="295" name="TextShape 2"/>
           <p:cNvSpPr txBox="1"/>
           <p:nvPr/>
         </p:nvSpPr>
@@ -2273,7 +2241,7 @@
                 <a:spcPct val="100000"/>
               </a:lnSpc>
             </a:pPr>
-            <a:fld id="{EFDD5298-2383-44EC-BBD5-B6A9EB5D6CB3}" type="slidenum">
+            <a:fld id="{2568D216-7C38-4DC0-B89A-57515CC9908E}" type="slidenum">
               <a:rPr lang="en-US" sz="1200" b="0" strike="noStrike" spc="-1">
                 <a:solidFill>
                   <a:srgbClr val="000000"/>
@@ -2304,7 +2272,7 @@
       </p:sp>
       <p:sp>
         <p:nvSpPr>
-          <p:cNvPr id="302" name="TextShape 3"/>
+          <p:cNvPr id="296" name="TextShape 3"/>
           <p:cNvSpPr txBox="1"/>
           <p:nvPr/>
         </p:nvSpPr>
@@ -2366,7 +2334,7 @@
       </p:grpSpPr>
       <p:sp>
         <p:nvSpPr>
-          <p:cNvPr id="303" name="PlaceHolder 1"/>
+          <p:cNvPr id="300" name="PlaceHolder 1"/>
           <p:cNvSpPr>
             <a:spLocks noGrp="1"/>
           </p:cNvSpPr>
@@ -2403,7 +2371,7 @@
       </p:sp>
       <p:sp>
         <p:nvSpPr>
-          <p:cNvPr id="304" name="TextShape 2"/>
+          <p:cNvPr id="301" name="TextShape 2"/>
           <p:cNvSpPr txBox="1"/>
           <p:nvPr/>
         </p:nvSpPr>
@@ -2429,7 +2397,7 @@
                 <a:spcPct val="100000"/>
               </a:lnSpc>
             </a:pPr>
-            <a:fld id="{B5C776DF-4039-485D-B1B5-26D6AD4419BD}" type="slidenum">
+            <a:fld id="{EFDD5298-2383-44EC-BBD5-B6A9EB5D6CB3}" type="slidenum">
               <a:rPr lang="en-US" sz="1200" b="0" strike="noStrike" spc="-1">
                 <a:solidFill>
                   <a:srgbClr val="000000"/>
@@ -2460,7 +2428,7 @@
       </p:sp>
       <p:sp>
         <p:nvSpPr>
-          <p:cNvPr id="305" name="TextShape 3"/>
+          <p:cNvPr id="302" name="TextShape 3"/>
           <p:cNvSpPr txBox="1"/>
           <p:nvPr/>
         </p:nvSpPr>
@@ -2522,7 +2490,7 @@
       </p:grpSpPr>
       <p:sp>
         <p:nvSpPr>
-          <p:cNvPr id="306" name="PlaceHolder 1"/>
+          <p:cNvPr id="303" name="PlaceHolder 1"/>
           <p:cNvSpPr>
             <a:spLocks noGrp="1"/>
           </p:cNvSpPr>
@@ -2559,7 +2527,7 @@
       </p:sp>
       <p:sp>
         <p:nvSpPr>
-          <p:cNvPr id="307" name="TextShape 2"/>
+          <p:cNvPr id="304" name="TextShape 2"/>
           <p:cNvSpPr txBox="1"/>
           <p:nvPr/>
         </p:nvSpPr>
@@ -2585,7 +2553,7 @@
                 <a:spcPct val="100000"/>
               </a:lnSpc>
             </a:pPr>
-            <a:fld id="{0331D2AD-BD99-433A-B8C2-3A4A3C4D444D}" type="slidenum">
+            <a:fld id="{B5C776DF-4039-485D-B1B5-26D6AD4419BD}" type="slidenum">
               <a:rPr lang="en-US" sz="1200" b="0" strike="noStrike" spc="-1">
                 <a:solidFill>
                   <a:srgbClr val="000000"/>
@@ -2616,7 +2584,7 @@
       </p:sp>
       <p:sp>
         <p:nvSpPr>
-          <p:cNvPr id="308" name="TextShape 3"/>
+          <p:cNvPr id="305" name="TextShape 3"/>
           <p:cNvSpPr txBox="1"/>
           <p:nvPr/>
         </p:nvSpPr>
@@ -2678,7 +2646,7 @@
       </p:grpSpPr>
       <p:sp>
         <p:nvSpPr>
-          <p:cNvPr id="309" name="PlaceHolder 1"/>
+          <p:cNvPr id="306" name="PlaceHolder 1"/>
           <p:cNvSpPr>
             <a:spLocks noGrp="1"/>
           </p:cNvSpPr>
@@ -2715,7 +2683,7 @@
       </p:sp>
       <p:sp>
         <p:nvSpPr>
-          <p:cNvPr id="310" name="TextShape 2"/>
+          <p:cNvPr id="307" name="TextShape 2"/>
           <p:cNvSpPr txBox="1"/>
           <p:nvPr/>
         </p:nvSpPr>
@@ -2741,7 +2709,7 @@
                 <a:spcPct val="100000"/>
               </a:lnSpc>
             </a:pPr>
-            <a:fld id="{9372966B-081A-44CD-8A0E-008CFB75D620}" type="slidenum">
+            <a:fld id="{0331D2AD-BD99-433A-B8C2-3A4A3C4D444D}" type="slidenum">
               <a:rPr lang="en-US" sz="1200" b="0" strike="noStrike" spc="-1">
                 <a:solidFill>
                   <a:srgbClr val="000000"/>
@@ -2772,7 +2740,7 @@
       </p:sp>
       <p:sp>
         <p:nvSpPr>
-          <p:cNvPr id="311" name="TextShape 3"/>
+          <p:cNvPr id="308" name="TextShape 3"/>
           <p:cNvSpPr txBox="1"/>
           <p:nvPr/>
         </p:nvSpPr>
@@ -2834,7 +2802,7 @@
       </p:grpSpPr>
       <p:sp>
         <p:nvSpPr>
-          <p:cNvPr id="312" name="PlaceHolder 1"/>
+          <p:cNvPr id="309" name="PlaceHolder 1"/>
           <p:cNvSpPr>
             <a:spLocks noGrp="1"/>
           </p:cNvSpPr>
@@ -2871,7 +2839,7 @@
       </p:sp>
       <p:sp>
         <p:nvSpPr>
-          <p:cNvPr id="313" name="TextShape 2"/>
+          <p:cNvPr id="310" name="TextShape 2"/>
           <p:cNvSpPr txBox="1"/>
           <p:nvPr/>
         </p:nvSpPr>
@@ -2897,7 +2865,7 @@
                 <a:spcPct val="100000"/>
               </a:lnSpc>
             </a:pPr>
-            <a:fld id="{B39AD052-E8A7-49EE-A465-2ECE0ECAA8CB}" type="slidenum">
+            <a:fld id="{9372966B-081A-44CD-8A0E-008CFB75D620}" type="slidenum">
               <a:rPr lang="en-US" sz="1200" b="0" strike="noStrike" spc="-1">
                 <a:solidFill>
                   <a:srgbClr val="000000"/>
@@ -2928,7 +2896,7 @@
       </p:sp>
       <p:sp>
         <p:nvSpPr>
-          <p:cNvPr id="314" name="TextShape 3"/>
+          <p:cNvPr id="311" name="TextShape 3"/>
           <p:cNvSpPr txBox="1"/>
           <p:nvPr/>
         </p:nvSpPr>
@@ -2990,6 +2958,162 @@
       </p:grpSpPr>
       <p:sp>
         <p:nvSpPr>
+          <p:cNvPr id="312" name="PlaceHolder 1"/>
+          <p:cNvSpPr>
+            <a:spLocks noGrp="1"/>
+          </p:cNvSpPr>
+          <p:nvPr>
+            <p:ph type="body"/>
+          </p:nvPr>
+        </p:nvSpPr>
+        <p:spPr>
+          <a:xfrm>
+            <a:off x="685800" y="4343400"/>
+            <a:ext cx="5486040" cy="4114440"/>
+          </a:xfrm>
+          <a:prstGeom prst="rect">
+            <a:avLst/>
+          </a:prstGeom>
+        </p:spPr>
+        <p:txBody>
+          <a:bodyPr/>
+          <a:lstStyle/>
+          <a:p>
+            <a:endParaRPr lang="en-US" sz="2000" b="0" strike="noStrike" spc="-1">
+              <a:solidFill>
+                <a:srgbClr val="000000"/>
+              </a:solidFill>
+              <a:uFill>
+                <a:solidFill>
+                  <a:srgbClr val="FFFFFF"/>
+                </a:solidFill>
+              </a:uFill>
+              <a:latin typeface="Arial"/>
+            </a:endParaRPr>
+          </a:p>
+        </p:txBody>
+      </p:sp>
+      <p:sp>
+        <p:nvSpPr>
+          <p:cNvPr id="313" name="TextShape 2"/>
+          <p:cNvSpPr txBox="1"/>
+          <p:nvPr/>
+        </p:nvSpPr>
+        <p:spPr>
+          <a:xfrm>
+            <a:off x="3884760" y="8685360"/>
+            <a:ext cx="2971440" cy="456840"/>
+          </a:xfrm>
+          <a:prstGeom prst="rect">
+            <a:avLst/>
+          </a:prstGeom>
+          <a:noFill/>
+          <a:ln>
+            <a:noFill/>
+          </a:ln>
+        </p:spPr>
+        <p:txBody>
+          <a:bodyPr anchor="b"/>
+          <a:lstStyle/>
+          <a:p>
+            <a:pPr algn="r">
+              <a:lnSpc>
+                <a:spcPct val="100000"/>
+              </a:lnSpc>
+            </a:pPr>
+            <a:fld id="{B39AD052-E8A7-49EE-A465-2ECE0ECAA8CB}" type="slidenum">
+              <a:rPr lang="en-US" sz="1200" b="0" strike="noStrike" spc="-1">
+                <a:solidFill>
+                  <a:srgbClr val="000000"/>
+                </a:solidFill>
+                <a:uFill>
+                  <a:solidFill>
+                    <a:srgbClr val="FFFFFF"/>
+                  </a:solidFill>
+                </a:uFill>
+                <a:latin typeface="Calibri"/>
+                <a:ea typeface="Calibri"/>
+              </a:rPr>
+              <a:t>26</a:t>
+            </a:fld>
+            <a:endParaRPr lang="en-US" sz="1400" b="0" strike="noStrike" spc="-1">
+              <a:solidFill>
+                <a:srgbClr val="000000"/>
+              </a:solidFill>
+              <a:uFill>
+                <a:solidFill>
+                  <a:srgbClr val="FFFFFF"/>
+                </a:solidFill>
+              </a:uFill>
+              <a:latin typeface="Times New Roman"/>
+            </a:endParaRPr>
+          </a:p>
+        </p:txBody>
+      </p:sp>
+      <p:sp>
+        <p:nvSpPr>
+          <p:cNvPr id="314" name="TextShape 3"/>
+          <p:cNvSpPr txBox="1"/>
+          <p:nvPr/>
+        </p:nvSpPr>
+        <p:spPr>
+          <a:xfrm>
+            <a:off x="0" y="0"/>
+            <a:ext cx="2971440" cy="456840"/>
+          </a:xfrm>
+          <a:prstGeom prst="rect">
+            <a:avLst/>
+          </a:prstGeom>
+          <a:noFill/>
+          <a:ln>
+            <a:noFill/>
+          </a:ln>
+        </p:spPr>
+        <p:txBody>
+          <a:bodyPr/>
+          <a:lstStyle/>
+          <a:p>
+            <a:endParaRPr lang="en-US" sz="2400" b="0" strike="noStrike" spc="-1">
+              <a:solidFill>
+                <a:srgbClr val="000000"/>
+              </a:solidFill>
+              <a:uFill>
+                <a:solidFill>
+                  <a:srgbClr val="FFFFFF"/>
+                </a:solidFill>
+              </a:uFill>
+              <a:latin typeface="Times New Roman"/>
+            </a:endParaRPr>
+          </a:p>
+        </p:txBody>
+      </p:sp>
+    </p:spTree>
+  </p:cSld>
+  <p:clrMapOvr>
+    <a:masterClrMapping/>
+  </p:clrMapOvr>
+</p:notes>
+</file>
+
+<file path=ppt/notesSlides/notesSlide26.xml><?xml version="1.0" encoding="utf-8"?>
+<p:notes xmlns:a="http://schemas.openxmlformats.org/drawingml/2006/main" xmlns:r="http://schemas.openxmlformats.org/officeDocument/2006/relationships" xmlns:p="http://schemas.openxmlformats.org/presentationml/2006/main">
+  <p:cSld>
+    <p:spTree>
+      <p:nvGrpSpPr>
+        <p:cNvPr id="1" name=""/>
+        <p:cNvGrpSpPr/>
+        <p:nvPr/>
+      </p:nvGrpSpPr>
+      <p:grpSpPr>
+        <a:xfrm>
+          <a:off x="0" y="0"/>
+          <a:ext cx="0" cy="0"/>
+          <a:chOff x="0" y="0"/>
+          <a:chExt cx="0" cy="0"/>
+        </a:xfrm>
+      </p:grpSpPr>
+      <p:sp>
+        <p:nvSpPr>
           <p:cNvPr id="315" name="PlaceHolder 1"/>
           <p:cNvSpPr>
             <a:spLocks noGrp="1"/>
@@ -3066,7 +3190,7 @@
                 <a:latin typeface="Calibri"/>
                 <a:ea typeface="Calibri"/>
               </a:rPr>
-              <a:t>26</a:t>
+              <a:t>27</a:t>
             </a:fld>
             <a:endParaRPr lang="en-US" sz="1400" b="0" strike="noStrike" spc="-1">
               <a:solidFill>
@@ -13579,7 +13703,7 @@
       </p:grpSpPr>
       <p:sp>
         <p:nvSpPr>
-          <p:cNvPr id="169" name="CustomShape 1"/>
+          <p:cNvPr id="5" name="CustomShape 1"/>
           <p:cNvSpPr/>
           <p:nvPr/>
         </p:nvSpPr>
@@ -13618,7 +13742,7 @@
               </a:lnSpc>
             </a:pPr>
             <a:r>
-              <a:rPr lang="pl-PL" sz="1000" b="0" strike="noStrike" spc="-1" dirty="0">
+              <a:rPr lang="pl-PL" sz="1000" spc="-1" dirty="0">
                 <a:solidFill>
                   <a:srgbClr val="000000"/>
                 </a:solidFill>
@@ -13632,7 +13756,7 @@
               </a:rPr>
               <a:t>Testy automatyczne aplikacji mobilnych</a:t>
             </a:r>
-            <a:endParaRPr lang="en-US" sz="1800" b="0" strike="noStrike" spc="-1" dirty="0">
+            <a:endParaRPr lang="en-US" spc="-1" dirty="0">
               <a:solidFill>
                 <a:srgbClr val="000000"/>
               </a:solidFill>
@@ -13648,111 +13772,7 @@
       </p:sp>
       <p:sp>
         <p:nvSpPr>
-          <p:cNvPr id="170" name="TextShape 2"/>
-          <p:cNvSpPr txBox="1"/>
-          <p:nvPr/>
-        </p:nvSpPr>
-        <p:spPr>
-          <a:xfrm>
-            <a:off x="312120" y="2082960"/>
-            <a:ext cx="8229240" cy="939240"/>
-          </a:xfrm>
-          <a:prstGeom prst="rect">
-            <a:avLst/>
-          </a:prstGeom>
-          <a:noFill/>
-          <a:ln>
-            <a:noFill/>
-          </a:ln>
-        </p:spPr>
-        <p:txBody>
-          <a:bodyPr anchor="ctr"/>
-          <a:lstStyle/>
-          <a:p>
-            <a:pPr algn="ctr">
-              <a:lnSpc>
-                <a:spcPct val="100000"/>
-              </a:lnSpc>
-            </a:pPr>
-            <a:r>
-              <a:rPr lang="en-US" sz="2800" b="1" strike="noStrike" spc="-1" dirty="0" err="1">
-                <a:solidFill>
-                  <a:srgbClr val="000000"/>
-                </a:solidFill>
-                <a:uFill>
-                  <a:solidFill>
-                    <a:srgbClr val="FFFFFF"/>
-                  </a:solidFill>
-                </a:uFill>
-                <a:latin typeface="Cambria" panose="02040503050406030204" pitchFamily="18" charset="0"/>
-                <a:ea typeface="Verdana"/>
-              </a:rPr>
-              <a:t>Piszemy</a:t>
-            </a:r>
-            <a:r>
-              <a:rPr lang="en-US" sz="2800" b="1" strike="noStrike" spc="-1" dirty="0">
-                <a:solidFill>
-                  <a:srgbClr val="000000"/>
-                </a:solidFill>
-                <a:uFill>
-                  <a:solidFill>
-                    <a:srgbClr val="FFFFFF"/>
-                  </a:solidFill>
-                </a:uFill>
-                <a:latin typeface="Cambria" panose="02040503050406030204" pitchFamily="18" charset="0"/>
-                <a:ea typeface="Verdana"/>
-              </a:rPr>
-              <a:t> testy!!</a:t>
-            </a:r>
-            <a:endParaRPr lang="en-US" sz="1400" b="0" strike="noStrike" spc="-1" dirty="0">
-              <a:solidFill>
-                <a:srgbClr val="000000"/>
-              </a:solidFill>
-              <a:uFill>
-                <a:solidFill>
-                  <a:srgbClr val="FFFFFF"/>
-                </a:solidFill>
-              </a:uFill>
-              <a:latin typeface="Cambria" panose="02040503050406030204" pitchFamily="18" charset="0"/>
-            </a:endParaRPr>
-          </a:p>
-        </p:txBody>
-      </p:sp>
-      <p:sp>
-        <p:nvSpPr>
-          <p:cNvPr id="171" name="CustomShape 3"/>
-          <p:cNvSpPr/>
-          <p:nvPr/>
-        </p:nvSpPr>
-        <p:spPr>
-          <a:xfrm>
-            <a:off x="9248040" y="654480"/>
-            <a:ext cx="184320" cy="369000"/>
-          </a:xfrm>
-          <a:prstGeom prst="rect">
-            <a:avLst/>
-          </a:prstGeom>
-          <a:noFill/>
-          <a:ln>
-            <a:noFill/>
-          </a:ln>
-        </p:spPr>
-        <p:style>
-          <a:lnRef idx="0">
-            <a:scrgbClr r="0" g="0" b="0"/>
-          </a:lnRef>
-          <a:fillRef idx="0">
-            <a:scrgbClr r="0" g="0" b="0"/>
-          </a:fillRef>
-          <a:effectRef idx="0">
-            <a:scrgbClr r="0" g="0" b="0"/>
-          </a:effectRef>
-          <a:fontRef idx="minor"/>
-        </p:style>
-      </p:sp>
-      <p:sp>
-        <p:nvSpPr>
-          <p:cNvPr id="172" name="CustomShape 4"/>
+          <p:cNvPr id="6" name="CustomShape 4"/>
           <p:cNvSpPr/>
           <p:nvPr/>
         </p:nvSpPr>
@@ -13801,7 +13821,7 @@
       </p:sp>
       <p:sp>
         <p:nvSpPr>
-          <p:cNvPr id="173" name="TextShape 5"/>
+          <p:cNvPr id="8" name="TextShape 5"/>
           <p:cNvSpPr txBox="1"/>
           <p:nvPr/>
         </p:nvSpPr>
@@ -13827,7 +13847,7 @@
                 <a:spcPct val="100000"/>
               </a:lnSpc>
             </a:pPr>
-            <a:fld id="{EB7AA473-EE2C-4AFF-848F-F2A907FDCE61}" type="slidenum">
+            <a:fld id="{9C9BFC8A-8B24-405B-A062-C8949F22D4B0}" type="slidenum">
               <a:rPr lang="en-US" sz="1200" b="0" strike="noStrike" spc="-1">
                 <a:solidFill>
                   <a:srgbClr val="888888"/>
@@ -13842,7 +13862,7 @@
               </a:rPr>
               <a:t>16</a:t>
             </a:fld>
-            <a:endParaRPr lang="en-US" sz="1400" b="0" strike="noStrike" spc="-1">
+            <a:endParaRPr lang="en-US" sz="1400" b="0" strike="noStrike" spc="-1" dirty="0">
               <a:solidFill>
                 <a:srgbClr val="000000"/>
               </a:solidFill>
@@ -13856,11 +13876,994 @@
           </a:p>
         </p:txBody>
       </p:sp>
+      <p:sp>
+        <p:nvSpPr>
+          <p:cNvPr id="11" name="Rectangle 4">
+            <a:extLst>
+              <a:ext uri="{FF2B5EF4-FFF2-40B4-BE49-F238E27FC236}">
+                <a16:creationId xmlns:a16="http://schemas.microsoft.com/office/drawing/2014/main" id="{FCC63DDC-8F4C-4F80-B6D5-547437092BB1}"/>
+              </a:ext>
+            </a:extLst>
+          </p:cNvPr>
+          <p:cNvSpPr>
+            <a:spLocks noChangeArrowheads="1"/>
+          </p:cNvSpPr>
+          <p:nvPr/>
+        </p:nvSpPr>
+        <p:spPr bwMode="auto">
+          <a:xfrm>
+            <a:off x="198474" y="956930"/>
+            <a:ext cx="8534400" cy="1600438"/>
+          </a:xfrm>
+          <a:prstGeom prst="rect">
+            <a:avLst/>
+          </a:prstGeom>
+          <a:solidFill>
+            <a:srgbClr val="FFFFFF"/>
+          </a:solidFill>
+          <a:ln>
+            <a:noFill/>
+          </a:ln>
+          <a:effectLst/>
+          <a:extLst>
+            <a:ext uri="{91240B29-F687-4F45-9708-019B960494DF}">
+              <a14:hiddenLine xmlns:a14="http://schemas.microsoft.com/office/drawing/2010/main" w="9525">
+                <a:solidFill>
+                  <a:schemeClr val="tx1"/>
+                </a:solidFill>
+                <a:miter lim="800000"/>
+                <a:headEnd/>
+                <a:tailEnd/>
+              </a14:hiddenLine>
+            </a:ext>
+            <a:ext uri="{AF507438-7753-43E0-B8FC-AC1667EBCBE1}">
+              <a14:hiddenEffects xmlns:a14="http://schemas.microsoft.com/office/drawing/2010/main">
+                <a:effectLst>
+                  <a:outerShdw dist="35921" dir="2700000" algn="ctr" rotWithShape="0">
+                    <a:schemeClr val="bg2"/>
+                  </a:outerShdw>
+                </a:effectLst>
+              </a14:hiddenEffects>
+            </a:ext>
+          </a:extLst>
+        </p:spPr>
+        <p:txBody>
+          <a:bodyPr vert="horz" wrap="square" lIns="91440" tIns="45720" rIns="91440" bIns="45720" numCol="1" anchor="ctr" anchorCtr="0" compatLnSpc="1">
+            <a:prstTxWarp prst="textNoShape">
+              <a:avLst/>
+            </a:prstTxWarp>
+            <a:spAutoFit/>
+          </a:bodyPr>
+          <a:lstStyle/>
+          <a:p>
+            <a:pPr marL="0" marR="0" lvl="0" indent="0" algn="l" defTabSz="914400" rtl="0" eaLnBrk="0" fontAlgn="base" latinLnBrk="0" hangingPunct="0">
+              <a:lnSpc>
+                <a:spcPct val="100000"/>
+              </a:lnSpc>
+              <a:spcBef>
+                <a:spcPct val="0"/>
+              </a:spcBef>
+              <a:spcAft>
+                <a:spcPct val="0"/>
+              </a:spcAft>
+              <a:buClrTx/>
+              <a:buSzTx/>
+              <a:buFontTx/>
+              <a:buNone/>
+              <a:tabLst/>
+            </a:pPr>
+            <a:r>
+              <a:rPr kumimoji="0" lang="pl-PL" altLang="pl-PL" sz="1400" b="1" i="0" u="none" strike="noStrike" cap="none" normalizeH="0" baseline="0" dirty="0" err="1">
+                <a:ln>
+                  <a:noFill/>
+                </a:ln>
+                <a:solidFill>
+                  <a:srgbClr val="000000"/>
+                </a:solidFill>
+                <a:effectLst/>
+                <a:latin typeface="Courier New" panose="02070309020205020404" pitchFamily="49" charset="0"/>
+                <a:cs typeface="Courier New" panose="02070309020205020404" pitchFamily="49" charset="0"/>
+              </a:rPr>
+              <a:t>onView</a:t>
+            </a:r>
+            <a:r>
+              <a:rPr kumimoji="0" lang="pl-PL" altLang="pl-PL" sz="1400" b="1" i="0" u="none" strike="noStrike" cap="none" normalizeH="0" baseline="0" dirty="0">
+                <a:ln>
+                  <a:noFill/>
+                </a:ln>
+                <a:solidFill>
+                  <a:srgbClr val="000000"/>
+                </a:solidFill>
+                <a:effectLst/>
+                <a:latin typeface="Courier New" panose="02070309020205020404" pitchFamily="49" charset="0"/>
+                <a:cs typeface="Courier New" panose="02070309020205020404" pitchFamily="49" charset="0"/>
+              </a:rPr>
+              <a:t>(</a:t>
+            </a:r>
+            <a:br>
+              <a:rPr kumimoji="0" lang="pl-PL" altLang="pl-PL" sz="1400" b="1" i="0" u="none" strike="noStrike" cap="none" normalizeH="0" baseline="0" dirty="0">
+                <a:ln>
+                  <a:noFill/>
+                </a:ln>
+                <a:solidFill>
+                  <a:srgbClr val="000000"/>
+                </a:solidFill>
+                <a:effectLst/>
+                <a:latin typeface="Courier New" panose="02070309020205020404" pitchFamily="49" charset="0"/>
+                <a:cs typeface="Courier New" panose="02070309020205020404" pitchFamily="49" charset="0"/>
+              </a:rPr>
+            </a:br>
+            <a:r>
+              <a:rPr kumimoji="0" lang="pl-PL" altLang="pl-PL" sz="1400" b="1" i="0" u="none" strike="noStrike" cap="none" normalizeH="0" baseline="0" dirty="0">
+                <a:ln>
+                  <a:noFill/>
+                </a:ln>
+                <a:solidFill>
+                  <a:srgbClr val="000000"/>
+                </a:solidFill>
+                <a:effectLst/>
+                <a:latin typeface="Courier New" panose="02070309020205020404" pitchFamily="49" charset="0"/>
+                <a:cs typeface="Courier New" panose="02070309020205020404" pitchFamily="49" charset="0"/>
+              </a:rPr>
+              <a:t>    </a:t>
+            </a:r>
+            <a:r>
+              <a:rPr kumimoji="0" lang="pl-PL" altLang="pl-PL" sz="1400" b="1" i="1" u="none" strike="noStrike" cap="none" normalizeH="0" baseline="0" dirty="0" err="1">
+                <a:ln>
+                  <a:noFill/>
+                </a:ln>
+                <a:solidFill>
+                  <a:srgbClr val="000000"/>
+                </a:solidFill>
+                <a:effectLst/>
+                <a:latin typeface="Courier New" panose="02070309020205020404" pitchFamily="49" charset="0"/>
+                <a:cs typeface="Courier New" panose="02070309020205020404" pitchFamily="49" charset="0"/>
+              </a:rPr>
+              <a:t>allOf</a:t>
+            </a:r>
+            <a:r>
+              <a:rPr kumimoji="0" lang="pl-PL" altLang="pl-PL" sz="1400" b="1" i="0" u="none" strike="noStrike" cap="none" normalizeH="0" baseline="0" dirty="0">
+                <a:ln>
+                  <a:noFill/>
+                </a:ln>
+                <a:solidFill>
+                  <a:srgbClr val="000000"/>
+                </a:solidFill>
+                <a:effectLst/>
+                <a:latin typeface="Courier New" panose="02070309020205020404" pitchFamily="49" charset="0"/>
+                <a:cs typeface="Courier New" panose="02070309020205020404" pitchFamily="49" charset="0"/>
+              </a:rPr>
+              <a:t>(                          </a:t>
+            </a:r>
+            <a:r>
+              <a:rPr kumimoji="0" lang="pl-PL" altLang="pl-PL" sz="1400" b="1" i="1" u="none" strike="noStrike" cap="none" normalizeH="0" baseline="0" dirty="0">
+                <a:ln>
+                  <a:noFill/>
+                </a:ln>
+                <a:solidFill>
+                  <a:srgbClr val="808080"/>
+                </a:solidFill>
+                <a:effectLst/>
+                <a:latin typeface="Courier New" panose="02070309020205020404" pitchFamily="49" charset="0"/>
+                <a:cs typeface="Courier New" panose="02070309020205020404" pitchFamily="49" charset="0"/>
+              </a:rPr>
+              <a:t>// </a:t>
+            </a:r>
+            <a:r>
+              <a:rPr kumimoji="0" lang="pl-PL" altLang="pl-PL" sz="1400" b="1" i="1" u="none" strike="noStrike" cap="none" normalizeH="0" baseline="0" dirty="0" err="1">
+                <a:ln>
+                  <a:noFill/>
+                </a:ln>
+                <a:solidFill>
+                  <a:srgbClr val="808080"/>
+                </a:solidFill>
+                <a:effectLst/>
+                <a:latin typeface="Courier New" panose="02070309020205020404" pitchFamily="49" charset="0"/>
+                <a:cs typeface="Courier New" panose="02070309020205020404" pitchFamily="49" charset="0"/>
+              </a:rPr>
+              <a:t>or</a:t>
+            </a:r>
+            <a:r>
+              <a:rPr kumimoji="0" lang="pl-PL" altLang="pl-PL" sz="1400" b="1" i="1" u="none" strike="noStrike" cap="none" normalizeH="0" baseline="0" dirty="0">
+                <a:ln>
+                  <a:noFill/>
+                </a:ln>
+                <a:solidFill>
+                  <a:srgbClr val="808080"/>
+                </a:solidFill>
+                <a:effectLst/>
+                <a:latin typeface="Courier New" panose="02070309020205020404" pitchFamily="49" charset="0"/>
+                <a:cs typeface="Courier New" panose="02070309020205020404" pitchFamily="49" charset="0"/>
+              </a:rPr>
+              <a:t> </a:t>
+            </a:r>
+            <a:r>
+              <a:rPr kumimoji="0" lang="pl-PL" altLang="pl-PL" sz="1400" b="1" i="1" u="none" strike="noStrike" cap="none" normalizeH="0" baseline="0" dirty="0" err="1">
+                <a:ln>
+                  <a:noFill/>
+                </a:ln>
+                <a:solidFill>
+                  <a:srgbClr val="808080"/>
+                </a:solidFill>
+                <a:effectLst/>
+                <a:latin typeface="Courier New" panose="02070309020205020404" pitchFamily="49" charset="0"/>
+                <a:cs typeface="Courier New" panose="02070309020205020404" pitchFamily="49" charset="0"/>
+              </a:rPr>
+              <a:t>anyOf</a:t>
+            </a:r>
+            <a:r>
+              <a:rPr kumimoji="0" lang="pl-PL" altLang="pl-PL" sz="1400" b="1" i="1" u="none" strike="noStrike" cap="none" normalizeH="0" baseline="0" dirty="0">
+                <a:ln>
+                  <a:noFill/>
+                </a:ln>
+                <a:solidFill>
+                  <a:srgbClr val="808080"/>
+                </a:solidFill>
+                <a:effectLst/>
+                <a:latin typeface="Courier New" panose="02070309020205020404" pitchFamily="49" charset="0"/>
+                <a:cs typeface="Courier New" panose="02070309020205020404" pitchFamily="49" charset="0"/>
+              </a:rPr>
+              <a:t>()</a:t>
+            </a:r>
+            <a:br>
+              <a:rPr kumimoji="0" lang="pl-PL" altLang="pl-PL" sz="1400" b="1" i="1" u="none" strike="noStrike" cap="none" normalizeH="0" baseline="0" dirty="0">
+                <a:ln>
+                  <a:noFill/>
+                </a:ln>
+                <a:solidFill>
+                  <a:srgbClr val="808080"/>
+                </a:solidFill>
+                <a:effectLst/>
+                <a:latin typeface="Courier New" panose="02070309020205020404" pitchFamily="49" charset="0"/>
+                <a:cs typeface="Courier New" panose="02070309020205020404" pitchFamily="49" charset="0"/>
+              </a:rPr>
+            </a:br>
+            <a:r>
+              <a:rPr kumimoji="0" lang="pl-PL" altLang="pl-PL" sz="1400" b="1" i="1" u="none" strike="noStrike" cap="none" normalizeH="0" baseline="0" dirty="0">
+                <a:ln>
+                  <a:noFill/>
+                </a:ln>
+                <a:solidFill>
+                  <a:srgbClr val="808080"/>
+                </a:solidFill>
+                <a:effectLst/>
+                <a:latin typeface="Courier New" panose="02070309020205020404" pitchFamily="49" charset="0"/>
+                <a:cs typeface="Courier New" panose="02070309020205020404" pitchFamily="49" charset="0"/>
+              </a:rPr>
+              <a:t>        </a:t>
+            </a:r>
+            <a:r>
+              <a:rPr kumimoji="0" lang="pl-PL" altLang="pl-PL" sz="1400" b="1" i="1" u="none" strike="noStrike" cap="none" normalizeH="0" baseline="0" dirty="0" err="1">
+                <a:ln>
+                  <a:noFill/>
+                </a:ln>
+                <a:solidFill>
+                  <a:srgbClr val="000000"/>
+                </a:solidFill>
+                <a:effectLst/>
+                <a:latin typeface="Courier New" panose="02070309020205020404" pitchFamily="49" charset="0"/>
+                <a:cs typeface="Courier New" panose="02070309020205020404" pitchFamily="49" charset="0"/>
+              </a:rPr>
+              <a:t>withId</a:t>
+            </a:r>
+            <a:r>
+              <a:rPr kumimoji="0" lang="pl-PL" altLang="pl-PL" sz="1400" b="1" i="0" u="none" strike="noStrike" cap="none" normalizeH="0" baseline="0" dirty="0">
+                <a:ln>
+                  <a:noFill/>
+                </a:ln>
+                <a:solidFill>
+                  <a:srgbClr val="000000"/>
+                </a:solidFill>
+                <a:effectLst/>
+                <a:latin typeface="Courier New" panose="02070309020205020404" pitchFamily="49" charset="0"/>
+                <a:cs typeface="Courier New" panose="02070309020205020404" pitchFamily="49" charset="0"/>
+              </a:rPr>
+              <a:t>(</a:t>
+            </a:r>
+            <a:r>
+              <a:rPr kumimoji="0" lang="pl-PL" altLang="pl-PL" sz="1400" b="1" i="0" u="none" strike="noStrike" cap="none" normalizeH="0" baseline="0" dirty="0" err="1">
+                <a:ln>
+                  <a:noFill/>
+                </a:ln>
+                <a:solidFill>
+                  <a:srgbClr val="000000"/>
+                </a:solidFill>
+                <a:effectLst/>
+                <a:latin typeface="Courier New" panose="02070309020205020404" pitchFamily="49" charset="0"/>
+                <a:cs typeface="Courier New" panose="02070309020205020404" pitchFamily="49" charset="0"/>
+              </a:rPr>
+              <a:t>R.id.</a:t>
+            </a:r>
+            <a:r>
+              <a:rPr kumimoji="0" lang="pl-PL" altLang="pl-PL" sz="1400" b="1" i="1" u="none" strike="noStrike" cap="none" normalizeH="0" baseline="0" dirty="0" err="1">
+                <a:ln>
+                  <a:noFill/>
+                </a:ln>
+                <a:solidFill>
+                  <a:srgbClr val="660E7A"/>
+                </a:solidFill>
+                <a:effectLst/>
+                <a:latin typeface="Courier New" panose="02070309020205020404" pitchFamily="49" charset="0"/>
+                <a:cs typeface="Courier New" panose="02070309020205020404" pitchFamily="49" charset="0"/>
+              </a:rPr>
+              <a:t>checkbox</a:t>
+            </a:r>
+            <a:r>
+              <a:rPr kumimoji="0" lang="pl-PL" altLang="pl-PL" sz="1400" b="1" i="0" u="none" strike="noStrike" cap="none" normalizeH="0" baseline="0" dirty="0">
+                <a:ln>
+                  <a:noFill/>
+                </a:ln>
+                <a:solidFill>
+                  <a:srgbClr val="000000"/>
+                </a:solidFill>
+                <a:effectLst/>
+                <a:latin typeface="Courier New" panose="02070309020205020404" pitchFamily="49" charset="0"/>
+                <a:cs typeface="Courier New" panose="02070309020205020404" pitchFamily="49" charset="0"/>
+              </a:rPr>
+              <a:t>),      </a:t>
+            </a:r>
+            <a:r>
+              <a:rPr kumimoji="0" lang="pl-PL" altLang="pl-PL" sz="1400" b="1" i="1" u="none" strike="noStrike" cap="none" normalizeH="0" baseline="0" dirty="0">
+                <a:ln>
+                  <a:noFill/>
+                </a:ln>
+                <a:solidFill>
+                  <a:srgbClr val="808080"/>
+                </a:solidFill>
+                <a:effectLst/>
+                <a:latin typeface="Courier New" panose="02070309020205020404" pitchFamily="49" charset="0"/>
+                <a:cs typeface="Courier New" panose="02070309020205020404" pitchFamily="49" charset="0"/>
+              </a:rPr>
+              <a:t>// </a:t>
+            </a:r>
+            <a:r>
+              <a:rPr kumimoji="0" lang="pl-PL" altLang="pl-PL" sz="1400" b="1" i="1" u="none" strike="noStrike" cap="none" normalizeH="0" baseline="0" dirty="0" err="1">
+                <a:ln>
+                  <a:noFill/>
+                </a:ln>
+                <a:solidFill>
+                  <a:srgbClr val="808080"/>
+                </a:solidFill>
+                <a:effectLst/>
+                <a:latin typeface="Courier New" panose="02070309020205020404" pitchFamily="49" charset="0"/>
+                <a:cs typeface="Courier New" panose="02070309020205020404" pitchFamily="49" charset="0"/>
+              </a:rPr>
+              <a:t>find</a:t>
+            </a:r>
+            <a:r>
+              <a:rPr kumimoji="0" lang="pl-PL" altLang="pl-PL" sz="1400" b="1" i="1" u="none" strike="noStrike" cap="none" normalizeH="0" baseline="0" dirty="0">
+                <a:ln>
+                  <a:noFill/>
+                </a:ln>
+                <a:solidFill>
+                  <a:srgbClr val="808080"/>
+                </a:solidFill>
+                <a:effectLst/>
+                <a:latin typeface="Courier New" panose="02070309020205020404" pitchFamily="49" charset="0"/>
+                <a:cs typeface="Courier New" panose="02070309020205020404" pitchFamily="49" charset="0"/>
+              </a:rPr>
+              <a:t> </a:t>
+            </a:r>
+            <a:r>
+              <a:rPr kumimoji="0" lang="pl-PL" altLang="pl-PL" sz="1400" b="1" i="1" u="none" strike="noStrike" cap="none" normalizeH="0" baseline="0" dirty="0" err="1">
+                <a:ln>
+                  <a:noFill/>
+                </a:ln>
+                <a:solidFill>
+                  <a:srgbClr val="808080"/>
+                </a:solidFill>
+                <a:effectLst/>
+                <a:latin typeface="Courier New" panose="02070309020205020404" pitchFamily="49" charset="0"/>
+                <a:cs typeface="Courier New" panose="02070309020205020404" pitchFamily="49" charset="0"/>
+              </a:rPr>
+              <a:t>view</a:t>
+            </a:r>
+            <a:r>
+              <a:rPr kumimoji="0" lang="pl-PL" altLang="pl-PL" sz="1400" b="1" i="1" u="none" strike="noStrike" cap="none" normalizeH="0" baseline="0" dirty="0">
+                <a:ln>
+                  <a:noFill/>
+                </a:ln>
+                <a:solidFill>
+                  <a:srgbClr val="808080"/>
+                </a:solidFill>
+                <a:effectLst/>
+                <a:latin typeface="Courier New" panose="02070309020205020404" pitchFamily="49" charset="0"/>
+                <a:cs typeface="Courier New" panose="02070309020205020404" pitchFamily="49" charset="0"/>
+              </a:rPr>
+              <a:t> with </a:t>
+            </a:r>
+            <a:r>
+              <a:rPr kumimoji="0" lang="pl-PL" altLang="pl-PL" sz="1400" b="1" i="1" u="none" strike="noStrike" cap="none" normalizeH="0" baseline="0" dirty="0" err="1">
+                <a:ln>
+                  <a:noFill/>
+                </a:ln>
+                <a:solidFill>
+                  <a:srgbClr val="808080"/>
+                </a:solidFill>
+                <a:effectLst/>
+                <a:latin typeface="Courier New" panose="02070309020205020404" pitchFamily="49" charset="0"/>
+                <a:cs typeface="Courier New" panose="02070309020205020404" pitchFamily="49" charset="0"/>
+              </a:rPr>
+              <a:t>given</a:t>
+            </a:r>
+            <a:r>
+              <a:rPr kumimoji="0" lang="pl-PL" altLang="pl-PL" sz="1400" b="1" i="1" u="none" strike="noStrike" cap="none" normalizeH="0" baseline="0" dirty="0">
+                <a:ln>
+                  <a:noFill/>
+                </a:ln>
+                <a:solidFill>
+                  <a:srgbClr val="808080"/>
+                </a:solidFill>
+                <a:effectLst/>
+                <a:latin typeface="Courier New" panose="02070309020205020404" pitchFamily="49" charset="0"/>
+                <a:cs typeface="Courier New" panose="02070309020205020404" pitchFamily="49" charset="0"/>
+              </a:rPr>
+              <a:t> id</a:t>
+            </a:r>
+            <a:br>
+              <a:rPr kumimoji="0" lang="pl-PL" altLang="pl-PL" sz="1400" b="1" i="1" u="none" strike="noStrike" cap="none" normalizeH="0" baseline="0" dirty="0">
+                <a:ln>
+                  <a:noFill/>
+                </a:ln>
+                <a:solidFill>
+                  <a:srgbClr val="808080"/>
+                </a:solidFill>
+                <a:effectLst/>
+                <a:latin typeface="Courier New" panose="02070309020205020404" pitchFamily="49" charset="0"/>
+                <a:cs typeface="Courier New" panose="02070309020205020404" pitchFamily="49" charset="0"/>
+              </a:rPr>
+            </a:br>
+            <a:r>
+              <a:rPr kumimoji="0" lang="pl-PL" altLang="pl-PL" sz="1400" b="1" i="1" u="none" strike="noStrike" cap="none" normalizeH="0" baseline="0" dirty="0">
+                <a:ln>
+                  <a:noFill/>
+                </a:ln>
+                <a:solidFill>
+                  <a:srgbClr val="808080"/>
+                </a:solidFill>
+                <a:effectLst/>
+                <a:latin typeface="Courier New" panose="02070309020205020404" pitchFamily="49" charset="0"/>
+                <a:cs typeface="Courier New" panose="02070309020205020404" pitchFamily="49" charset="0"/>
+              </a:rPr>
+              <a:t>        </a:t>
+            </a:r>
+            <a:r>
+              <a:rPr kumimoji="0" lang="pl-PL" altLang="pl-PL" sz="1400" b="1" i="1" u="none" strike="noStrike" cap="none" normalizeH="0" baseline="0" dirty="0" err="1">
+                <a:ln>
+                  <a:noFill/>
+                </a:ln>
+                <a:solidFill>
+                  <a:srgbClr val="000000"/>
+                </a:solidFill>
+                <a:effectLst/>
+                <a:latin typeface="Courier New" panose="02070309020205020404" pitchFamily="49" charset="0"/>
+                <a:cs typeface="Courier New" panose="02070309020205020404" pitchFamily="49" charset="0"/>
+              </a:rPr>
+              <a:t>hasSibling</a:t>
+            </a:r>
+            <a:r>
+              <a:rPr kumimoji="0" lang="pl-PL" altLang="pl-PL" sz="1400" b="1" i="0" u="none" strike="noStrike" cap="none" normalizeH="0" baseline="0" dirty="0">
+                <a:ln>
+                  <a:noFill/>
+                </a:ln>
+                <a:solidFill>
+                  <a:srgbClr val="000000"/>
+                </a:solidFill>
+                <a:effectLst/>
+                <a:latin typeface="Courier New" panose="02070309020205020404" pitchFamily="49" charset="0"/>
+                <a:cs typeface="Courier New" panose="02070309020205020404" pitchFamily="49" charset="0"/>
+              </a:rPr>
+              <a:t>(</a:t>
+            </a:r>
+            <a:r>
+              <a:rPr kumimoji="0" lang="pl-PL" altLang="pl-PL" sz="1400" b="1" i="0" u="none" strike="noStrike" cap="none" normalizeH="0" baseline="0" dirty="0" err="1">
+                <a:ln>
+                  <a:noFill/>
+                </a:ln>
+                <a:solidFill>
+                  <a:srgbClr val="000000"/>
+                </a:solidFill>
+                <a:effectLst/>
+                <a:latin typeface="Courier New" panose="02070309020205020404" pitchFamily="49" charset="0"/>
+                <a:cs typeface="Courier New" panose="02070309020205020404" pitchFamily="49" charset="0"/>
+              </a:rPr>
+              <a:t>viewMatcher</a:t>
+            </a:r>
+            <a:r>
+              <a:rPr kumimoji="0" lang="pl-PL" altLang="pl-PL" sz="1400" b="1" i="0" u="none" strike="noStrike" cap="none" normalizeH="0" baseline="0" dirty="0">
+                <a:ln>
+                  <a:noFill/>
+                </a:ln>
+                <a:solidFill>
+                  <a:srgbClr val="000000"/>
+                </a:solidFill>
+                <a:effectLst/>
+                <a:latin typeface="Courier New" panose="02070309020205020404" pitchFamily="49" charset="0"/>
+                <a:cs typeface="Courier New" panose="02070309020205020404" pitchFamily="49" charset="0"/>
+              </a:rPr>
+              <a:t>),    </a:t>
+            </a:r>
+            <a:r>
+              <a:rPr kumimoji="0" lang="pl-PL" altLang="pl-PL" sz="1400" b="1" i="1" u="none" strike="noStrike" cap="none" normalizeH="0" baseline="0" dirty="0">
+                <a:ln>
+                  <a:noFill/>
+                </a:ln>
+                <a:solidFill>
+                  <a:srgbClr val="808080"/>
+                </a:solidFill>
+                <a:effectLst/>
+                <a:latin typeface="Courier New" panose="02070309020205020404" pitchFamily="49" charset="0"/>
+                <a:cs typeface="Courier New" panose="02070309020205020404" pitchFamily="49" charset="0"/>
+              </a:rPr>
+              <a:t>// </a:t>
+            </a:r>
+            <a:r>
+              <a:rPr kumimoji="0" lang="pl-PL" altLang="pl-PL" sz="1400" b="1" i="1" u="none" strike="noStrike" cap="none" normalizeH="0" baseline="0" dirty="0" err="1">
+                <a:ln>
+                  <a:noFill/>
+                </a:ln>
+                <a:solidFill>
+                  <a:srgbClr val="808080"/>
+                </a:solidFill>
+                <a:effectLst/>
+                <a:latin typeface="Courier New" panose="02070309020205020404" pitchFamily="49" charset="0"/>
+                <a:cs typeface="Courier New" panose="02070309020205020404" pitchFamily="49" charset="0"/>
+              </a:rPr>
+              <a:t>find</a:t>
+            </a:r>
+            <a:r>
+              <a:rPr kumimoji="0" lang="pl-PL" altLang="pl-PL" sz="1400" b="1" i="1" u="none" strike="noStrike" cap="none" normalizeH="0" baseline="0" dirty="0">
+                <a:ln>
+                  <a:noFill/>
+                </a:ln>
+                <a:solidFill>
+                  <a:srgbClr val="808080"/>
+                </a:solidFill>
+                <a:effectLst/>
+                <a:latin typeface="Courier New" panose="02070309020205020404" pitchFamily="49" charset="0"/>
+                <a:cs typeface="Courier New" panose="02070309020205020404" pitchFamily="49" charset="0"/>
+              </a:rPr>
+              <a:t> </a:t>
+            </a:r>
+            <a:r>
+              <a:rPr kumimoji="0" lang="pl-PL" altLang="pl-PL" sz="1400" b="1" i="1" u="none" strike="noStrike" cap="none" normalizeH="0" baseline="0" dirty="0" err="1">
+                <a:ln>
+                  <a:noFill/>
+                </a:ln>
+                <a:solidFill>
+                  <a:srgbClr val="808080"/>
+                </a:solidFill>
+                <a:effectLst/>
+                <a:latin typeface="Courier New" panose="02070309020205020404" pitchFamily="49" charset="0"/>
+                <a:cs typeface="Courier New" panose="02070309020205020404" pitchFamily="49" charset="0"/>
+              </a:rPr>
+              <a:t>sibling</a:t>
+            </a:r>
+            <a:r>
+              <a:rPr kumimoji="0" lang="pl-PL" altLang="pl-PL" sz="1400" b="1" i="1" u="none" strike="noStrike" cap="none" normalizeH="0" baseline="0" dirty="0">
+                <a:ln>
+                  <a:noFill/>
+                </a:ln>
+                <a:solidFill>
+                  <a:srgbClr val="808080"/>
+                </a:solidFill>
+                <a:effectLst/>
+                <a:latin typeface="Courier New" panose="02070309020205020404" pitchFamily="49" charset="0"/>
+                <a:cs typeface="Courier New" panose="02070309020205020404" pitchFamily="49" charset="0"/>
+              </a:rPr>
+              <a:t> </a:t>
+            </a:r>
+            <a:r>
+              <a:rPr kumimoji="0" lang="pl-PL" altLang="pl-PL" sz="1400" b="1" i="1" u="none" strike="noStrike" cap="none" normalizeH="0" baseline="0" dirty="0" err="1">
+                <a:ln>
+                  <a:noFill/>
+                </a:ln>
+                <a:solidFill>
+                  <a:srgbClr val="808080"/>
+                </a:solidFill>
+                <a:effectLst/>
+                <a:latin typeface="Courier New" panose="02070309020205020404" pitchFamily="49" charset="0"/>
+                <a:cs typeface="Courier New" panose="02070309020205020404" pitchFamily="49" charset="0"/>
+              </a:rPr>
+              <a:t>view</a:t>
+            </a:r>
+            <a:r>
+              <a:rPr kumimoji="0" lang="pl-PL" altLang="pl-PL" sz="1400" b="1" i="1" u="none" strike="noStrike" cap="none" normalizeH="0" baseline="0" dirty="0">
+                <a:ln>
+                  <a:noFill/>
+                </a:ln>
+                <a:solidFill>
+                  <a:srgbClr val="808080"/>
+                </a:solidFill>
+                <a:effectLst/>
+                <a:latin typeface="Courier New" panose="02070309020205020404" pitchFamily="49" charset="0"/>
+                <a:cs typeface="Courier New" panose="02070309020205020404" pitchFamily="49" charset="0"/>
+              </a:rPr>
+              <a:t> with </a:t>
+            </a:r>
+            <a:r>
+              <a:rPr kumimoji="0" lang="pl-PL" altLang="pl-PL" sz="1400" b="1" i="1" u="none" strike="noStrike" cap="none" normalizeH="0" baseline="0" dirty="0" err="1">
+                <a:ln>
+                  <a:noFill/>
+                </a:ln>
+                <a:solidFill>
+                  <a:srgbClr val="808080"/>
+                </a:solidFill>
+                <a:effectLst/>
+                <a:latin typeface="Courier New" panose="02070309020205020404" pitchFamily="49" charset="0"/>
+                <a:cs typeface="Courier New" panose="02070309020205020404" pitchFamily="49" charset="0"/>
+              </a:rPr>
+              <a:t>given</a:t>
+            </a:r>
+            <a:r>
+              <a:rPr kumimoji="0" lang="pl-PL" altLang="pl-PL" sz="1400" b="1" i="1" u="none" strike="noStrike" cap="none" normalizeH="0" baseline="0" dirty="0">
+                <a:ln>
+                  <a:noFill/>
+                </a:ln>
+                <a:solidFill>
+                  <a:srgbClr val="808080"/>
+                </a:solidFill>
+                <a:effectLst/>
+                <a:latin typeface="Courier New" panose="02070309020205020404" pitchFamily="49" charset="0"/>
+                <a:cs typeface="Courier New" panose="02070309020205020404" pitchFamily="49" charset="0"/>
+              </a:rPr>
+              <a:t> </a:t>
+            </a:r>
+            <a:r>
+              <a:rPr kumimoji="0" lang="pl-PL" altLang="pl-PL" sz="1400" b="1" i="1" u="none" strike="noStrike" cap="none" normalizeH="0" baseline="0" dirty="0" err="1">
+                <a:ln>
+                  <a:noFill/>
+                </a:ln>
+                <a:solidFill>
+                  <a:srgbClr val="808080"/>
+                </a:solidFill>
+                <a:effectLst/>
+                <a:latin typeface="Courier New" panose="02070309020205020404" pitchFamily="49" charset="0"/>
+                <a:cs typeface="Courier New" panose="02070309020205020404" pitchFamily="49" charset="0"/>
+              </a:rPr>
+              <a:t>matcher</a:t>
+            </a:r>
+            <a:br>
+              <a:rPr kumimoji="0" lang="pl-PL" altLang="pl-PL" sz="1400" b="1" i="1" u="none" strike="noStrike" cap="none" normalizeH="0" baseline="0" dirty="0">
+                <a:ln>
+                  <a:noFill/>
+                </a:ln>
+                <a:solidFill>
+                  <a:srgbClr val="808080"/>
+                </a:solidFill>
+                <a:effectLst/>
+                <a:latin typeface="Courier New" panose="02070309020205020404" pitchFamily="49" charset="0"/>
+                <a:cs typeface="Courier New" panose="02070309020205020404" pitchFamily="49" charset="0"/>
+              </a:rPr>
+            </a:br>
+            <a:r>
+              <a:rPr kumimoji="0" lang="pl-PL" altLang="pl-PL" sz="1400" b="1" i="1" u="none" strike="noStrike" cap="none" normalizeH="0" baseline="0" dirty="0">
+                <a:ln>
+                  <a:noFill/>
+                </a:ln>
+                <a:solidFill>
+                  <a:srgbClr val="808080"/>
+                </a:solidFill>
+                <a:effectLst/>
+                <a:latin typeface="Courier New" panose="02070309020205020404" pitchFamily="49" charset="0"/>
+                <a:cs typeface="Courier New" panose="02070309020205020404" pitchFamily="49" charset="0"/>
+              </a:rPr>
+              <a:t>        </a:t>
+            </a:r>
+            <a:r>
+              <a:rPr kumimoji="0" lang="pl-PL" altLang="pl-PL" sz="1400" b="1" i="1" u="none" strike="noStrike" cap="none" normalizeH="0" baseline="0" dirty="0" err="1">
+                <a:ln>
+                  <a:noFill/>
+                </a:ln>
+                <a:solidFill>
+                  <a:srgbClr val="000000"/>
+                </a:solidFill>
+                <a:effectLst/>
+                <a:latin typeface="Courier New" panose="02070309020205020404" pitchFamily="49" charset="0"/>
+                <a:cs typeface="Courier New" panose="02070309020205020404" pitchFamily="49" charset="0"/>
+              </a:rPr>
+              <a:t>withChild</a:t>
+            </a:r>
+            <a:r>
+              <a:rPr kumimoji="0" lang="pl-PL" altLang="pl-PL" sz="1400" b="1" i="0" u="none" strike="noStrike" cap="none" normalizeH="0" baseline="0" dirty="0">
+                <a:ln>
+                  <a:noFill/>
+                </a:ln>
+                <a:solidFill>
+                  <a:srgbClr val="000000"/>
+                </a:solidFill>
+                <a:effectLst/>
+                <a:latin typeface="Courier New" panose="02070309020205020404" pitchFamily="49" charset="0"/>
+                <a:cs typeface="Courier New" panose="02070309020205020404" pitchFamily="49" charset="0"/>
+              </a:rPr>
+              <a:t>(</a:t>
+            </a:r>
+            <a:r>
+              <a:rPr kumimoji="0" lang="pl-PL" altLang="pl-PL" sz="1400" b="1" strike="noStrike" cap="none" normalizeH="0" baseline="0" dirty="0" err="1">
+                <a:ln>
+                  <a:noFill/>
+                </a:ln>
+                <a:solidFill>
+                  <a:srgbClr val="000000"/>
+                </a:solidFill>
+                <a:effectLst/>
+                <a:latin typeface="Courier New" panose="02070309020205020404" pitchFamily="49" charset="0"/>
+                <a:cs typeface="Courier New" panose="02070309020205020404" pitchFamily="49" charset="0"/>
+              </a:rPr>
+              <a:t>viewMatcher</a:t>
+            </a:r>
+            <a:r>
+              <a:rPr kumimoji="0" lang="pl-PL" altLang="pl-PL" sz="1400" b="1" i="0" u="none" strike="noStrike" cap="none" normalizeH="0" baseline="0" dirty="0">
+                <a:ln>
+                  <a:noFill/>
+                </a:ln>
+                <a:solidFill>
+                  <a:srgbClr val="000000"/>
+                </a:solidFill>
+                <a:effectLst/>
+                <a:latin typeface="Courier New" panose="02070309020205020404" pitchFamily="49" charset="0"/>
+                <a:cs typeface="Courier New" panose="02070309020205020404" pitchFamily="49" charset="0"/>
+              </a:rPr>
+              <a:t>)      </a:t>
+            </a:r>
+            <a:r>
+              <a:rPr kumimoji="0" lang="pl-PL" altLang="pl-PL" sz="1400" b="1" i="1" u="none" strike="noStrike" cap="none" normalizeH="0" baseline="0" dirty="0">
+                <a:ln>
+                  <a:noFill/>
+                </a:ln>
+                <a:solidFill>
+                  <a:srgbClr val="808080"/>
+                </a:solidFill>
+                <a:effectLst/>
+                <a:latin typeface="Courier New" panose="02070309020205020404" pitchFamily="49" charset="0"/>
+                <a:cs typeface="Courier New" panose="02070309020205020404" pitchFamily="49" charset="0"/>
+              </a:rPr>
+              <a:t>// </a:t>
+            </a:r>
+            <a:r>
+              <a:rPr kumimoji="0" lang="pl-PL" altLang="pl-PL" sz="1400" b="1" i="1" u="none" strike="noStrike" cap="none" normalizeH="0" baseline="0" dirty="0" err="1">
+                <a:ln>
+                  <a:noFill/>
+                </a:ln>
+                <a:solidFill>
+                  <a:srgbClr val="808080"/>
+                </a:solidFill>
+                <a:effectLst/>
+                <a:latin typeface="Courier New" panose="02070309020205020404" pitchFamily="49" charset="0"/>
+                <a:cs typeface="Courier New" panose="02070309020205020404" pitchFamily="49" charset="0"/>
+              </a:rPr>
+              <a:t>find</a:t>
+            </a:r>
+            <a:r>
+              <a:rPr kumimoji="0" lang="pl-PL" altLang="pl-PL" sz="1400" b="1" i="1" u="none" strike="noStrike" cap="none" normalizeH="0" baseline="0" dirty="0">
+                <a:ln>
+                  <a:noFill/>
+                </a:ln>
+                <a:solidFill>
+                  <a:srgbClr val="808080"/>
+                </a:solidFill>
+                <a:effectLst/>
+                <a:latin typeface="Courier New" panose="02070309020205020404" pitchFamily="49" charset="0"/>
+                <a:cs typeface="Courier New" panose="02070309020205020404" pitchFamily="49" charset="0"/>
+              </a:rPr>
+              <a:t> </a:t>
+            </a:r>
+            <a:r>
+              <a:rPr kumimoji="0" lang="pl-PL" altLang="pl-PL" sz="1400" b="1" i="1" u="none" strike="noStrike" cap="none" normalizeH="0" baseline="0" dirty="0" err="1">
+                <a:ln>
+                  <a:noFill/>
+                </a:ln>
+                <a:solidFill>
+                  <a:srgbClr val="808080"/>
+                </a:solidFill>
+                <a:effectLst/>
+                <a:latin typeface="Courier New" panose="02070309020205020404" pitchFamily="49" charset="0"/>
+                <a:cs typeface="Courier New" panose="02070309020205020404" pitchFamily="49" charset="0"/>
+              </a:rPr>
+              <a:t>view</a:t>
+            </a:r>
+            <a:r>
+              <a:rPr kumimoji="0" lang="pl-PL" altLang="pl-PL" sz="1400" b="1" i="1" u="none" strike="noStrike" cap="none" normalizeH="0" baseline="0" dirty="0">
+                <a:ln>
+                  <a:noFill/>
+                </a:ln>
+                <a:solidFill>
+                  <a:srgbClr val="808080"/>
+                </a:solidFill>
+                <a:effectLst/>
+                <a:latin typeface="Courier New" panose="02070309020205020404" pitchFamily="49" charset="0"/>
+                <a:cs typeface="Courier New" panose="02070309020205020404" pitchFamily="49" charset="0"/>
+              </a:rPr>
+              <a:t> with </a:t>
+            </a:r>
+            <a:r>
+              <a:rPr kumimoji="0" lang="pl-PL" altLang="pl-PL" sz="1400" b="1" i="1" u="none" strike="noStrike" cap="none" normalizeH="0" baseline="0" dirty="0" err="1">
+                <a:ln>
+                  <a:noFill/>
+                </a:ln>
+                <a:solidFill>
+                  <a:srgbClr val="808080"/>
+                </a:solidFill>
+                <a:effectLst/>
+                <a:latin typeface="Courier New" panose="02070309020205020404" pitchFamily="49" charset="0"/>
+                <a:cs typeface="Courier New" panose="02070309020205020404" pitchFamily="49" charset="0"/>
+              </a:rPr>
+              <a:t>child</a:t>
+            </a:r>
+            <a:r>
+              <a:rPr kumimoji="0" lang="pl-PL" altLang="pl-PL" sz="1400" b="1" i="1" u="none" strike="noStrike" cap="none" normalizeH="0" baseline="0" dirty="0">
+                <a:ln>
+                  <a:noFill/>
+                </a:ln>
+                <a:solidFill>
+                  <a:srgbClr val="808080"/>
+                </a:solidFill>
+                <a:effectLst/>
+                <a:latin typeface="Courier New" panose="02070309020205020404" pitchFamily="49" charset="0"/>
+                <a:cs typeface="Courier New" panose="02070309020205020404" pitchFamily="49" charset="0"/>
+              </a:rPr>
+              <a:t> with </a:t>
+            </a:r>
+            <a:r>
+              <a:rPr kumimoji="0" lang="pl-PL" altLang="pl-PL" sz="1400" b="1" i="1" u="none" strike="noStrike" cap="none" normalizeH="0" baseline="0" dirty="0" err="1">
+                <a:ln>
+                  <a:noFill/>
+                </a:ln>
+                <a:solidFill>
+                  <a:srgbClr val="808080"/>
+                </a:solidFill>
+                <a:effectLst/>
+                <a:latin typeface="Courier New" panose="02070309020205020404" pitchFamily="49" charset="0"/>
+                <a:cs typeface="Courier New" panose="02070309020205020404" pitchFamily="49" charset="0"/>
+              </a:rPr>
+              <a:t>given</a:t>
+            </a:r>
+            <a:r>
+              <a:rPr kumimoji="0" lang="pl-PL" altLang="pl-PL" sz="1400" b="1" i="1" u="none" strike="noStrike" cap="none" normalizeH="0" baseline="0" dirty="0">
+                <a:ln>
+                  <a:noFill/>
+                </a:ln>
+                <a:solidFill>
+                  <a:srgbClr val="808080"/>
+                </a:solidFill>
+                <a:effectLst/>
+                <a:latin typeface="Courier New" panose="02070309020205020404" pitchFamily="49" charset="0"/>
+                <a:cs typeface="Courier New" panose="02070309020205020404" pitchFamily="49" charset="0"/>
+              </a:rPr>
+              <a:t> </a:t>
+            </a:r>
+            <a:r>
+              <a:rPr kumimoji="0" lang="pl-PL" altLang="pl-PL" sz="1400" b="1" i="1" u="none" strike="noStrike" cap="none" normalizeH="0" baseline="0" dirty="0" err="1">
+                <a:ln>
+                  <a:noFill/>
+                </a:ln>
+                <a:solidFill>
+                  <a:srgbClr val="808080"/>
+                </a:solidFill>
+                <a:effectLst/>
+                <a:latin typeface="Courier New" panose="02070309020205020404" pitchFamily="49" charset="0"/>
+                <a:cs typeface="Courier New" panose="02070309020205020404" pitchFamily="49" charset="0"/>
+              </a:rPr>
+              <a:t>matcher</a:t>
+            </a:r>
+            <a:br>
+              <a:rPr kumimoji="0" lang="pl-PL" altLang="pl-PL" sz="1400" b="1" i="1" u="none" strike="noStrike" cap="none" normalizeH="0" baseline="0" dirty="0">
+                <a:ln>
+                  <a:noFill/>
+                </a:ln>
+                <a:solidFill>
+                  <a:srgbClr val="808080"/>
+                </a:solidFill>
+                <a:effectLst/>
+                <a:latin typeface="Courier New" panose="02070309020205020404" pitchFamily="49" charset="0"/>
+                <a:cs typeface="Courier New" panose="02070309020205020404" pitchFamily="49" charset="0"/>
+              </a:rPr>
+            </a:br>
+            <a:r>
+              <a:rPr kumimoji="0" lang="pl-PL" altLang="pl-PL" sz="1400" b="1" i="1" u="none" strike="noStrike" cap="none" normalizeH="0" baseline="0" dirty="0">
+                <a:ln>
+                  <a:noFill/>
+                </a:ln>
+                <a:solidFill>
+                  <a:srgbClr val="808080"/>
+                </a:solidFill>
+                <a:effectLst/>
+                <a:latin typeface="Courier New" panose="02070309020205020404" pitchFamily="49" charset="0"/>
+                <a:cs typeface="Courier New" panose="02070309020205020404" pitchFamily="49" charset="0"/>
+              </a:rPr>
+              <a:t>    </a:t>
+            </a:r>
+            <a:r>
+              <a:rPr kumimoji="0" lang="pl-PL" altLang="pl-PL" sz="1400" b="1" i="0" u="none" strike="noStrike" cap="none" normalizeH="0" baseline="0" dirty="0">
+                <a:ln>
+                  <a:noFill/>
+                </a:ln>
+                <a:solidFill>
+                  <a:srgbClr val="000000"/>
+                </a:solidFill>
+                <a:effectLst/>
+                <a:latin typeface="Courier New" panose="02070309020205020404" pitchFamily="49" charset="0"/>
+                <a:cs typeface="Courier New" panose="02070309020205020404" pitchFamily="49" charset="0"/>
+              </a:rPr>
+              <a:t>)</a:t>
+            </a:r>
+            <a:br>
+              <a:rPr kumimoji="0" lang="pl-PL" altLang="pl-PL" sz="1400" b="1" i="0" u="none" strike="noStrike" cap="none" normalizeH="0" baseline="0" dirty="0">
+                <a:ln>
+                  <a:noFill/>
+                </a:ln>
+                <a:solidFill>
+                  <a:srgbClr val="000000"/>
+                </a:solidFill>
+                <a:effectLst/>
+                <a:latin typeface="Courier New" panose="02070309020205020404" pitchFamily="49" charset="0"/>
+                <a:cs typeface="Courier New" panose="02070309020205020404" pitchFamily="49" charset="0"/>
+              </a:rPr>
+            </a:br>
+            <a:r>
+              <a:rPr kumimoji="0" lang="pl-PL" altLang="pl-PL" sz="1400" b="1" i="0" u="none" strike="noStrike" cap="none" normalizeH="0" baseline="0" dirty="0">
+                <a:ln>
+                  <a:noFill/>
+                </a:ln>
+                <a:solidFill>
+                  <a:srgbClr val="000000"/>
+                </a:solidFill>
+                <a:effectLst/>
+                <a:latin typeface="Courier New" panose="02070309020205020404" pitchFamily="49" charset="0"/>
+                <a:cs typeface="Courier New" panose="02070309020205020404" pitchFamily="49" charset="0"/>
+              </a:rPr>
+              <a:t>);</a:t>
+            </a:r>
+            <a:endParaRPr kumimoji="0" lang="pl-PL" altLang="pl-PL" sz="1400" b="1" i="0" u="none" strike="noStrike" cap="none" normalizeH="0" baseline="0" dirty="0">
+              <a:ln>
+                <a:noFill/>
+              </a:ln>
+              <a:solidFill>
+                <a:schemeClr val="tx1"/>
+              </a:solidFill>
+              <a:effectLst/>
+              <a:latin typeface="Arial" panose="020B0604020202020204" pitchFamily="34" charset="0"/>
+            </a:endParaRPr>
+          </a:p>
+        </p:txBody>
+      </p:sp>
     </p:spTree>
+    <p:extLst>
+      <p:ext uri="{BB962C8B-B14F-4D97-AF65-F5344CB8AC3E}">
+        <p14:creationId xmlns:p14="http://schemas.microsoft.com/office/powerpoint/2010/main" val="3827507748"/>
+      </p:ext>
+    </p:extLst>
   </p:cSld>
   <p:clrMapOvr>
     <a:masterClrMapping/>
   </p:clrMapOvr>
+  <p:timing>
+    <p:tnLst>
+      <p:par>
+        <p:cTn id="1" dur="indefinite" restart="never" nodeType="tmRoot">
+          <p:childTnLst>
+            <p:seq>
+              <p:cTn id="2" nodeType="mainSeq"/>
+              <p:prevCondLst>
+                <p:cond evt="onPrev" delay="0">
+                  <p:tgtEl>
+                    <p:sldTgt/>
+                  </p:tgtEl>
+                </p:cond>
+              </p:prevCondLst>
+              <p:nextCondLst>
+                <p:cond evt="onNext" delay="0">
+                  <p:tgtEl>
+                    <p:sldTgt/>
+                  </p:tgtEl>
+                </p:cond>
+              </p:nextCondLst>
+            </p:seq>
+          </p:childTnLst>
+        </p:cTn>
+      </p:par>
+    </p:tnLst>
+  </p:timing>
 </p:sld>
 </file>
 
@@ -13979,7 +14982,7 @@
               </a:lnSpc>
             </a:pPr>
             <a:r>
-              <a:rPr lang="pl-PL" sz="2800" b="1" spc="-1" dirty="0">
+              <a:rPr lang="en-US" sz="2800" b="1" strike="noStrike" spc="-1" dirty="0" err="1">
                 <a:solidFill>
                   <a:srgbClr val="000000"/>
                 </a:solidFill>
@@ -13991,7 +14994,22 @@
                 <a:latin typeface="Cambria" panose="02040503050406030204" pitchFamily="18" charset="0"/>
                 <a:ea typeface="Verdana"/>
               </a:rPr>
-              <a:t>Dodajemy nieco pomysłu</a:t>
+              <a:t>Piszemy</a:t>
+            </a:r>
+            <a:r>
+              <a:rPr lang="en-US" sz="2800" b="1" strike="noStrike" spc="-1" dirty="0">
+                <a:solidFill>
+                  <a:srgbClr val="000000"/>
+                </a:solidFill>
+                <a:uFill>
+                  <a:solidFill>
+                    <a:srgbClr val="FFFFFF"/>
+                  </a:solidFill>
+                </a:uFill>
+                <a:latin typeface="Cambria" panose="02040503050406030204" pitchFamily="18" charset="0"/>
+                <a:ea typeface="Verdana"/>
+              </a:rPr>
+              <a:t> testy!!</a:t>
             </a:r>
             <a:endParaRPr lang="en-US" sz="1400" b="0" strike="noStrike" spc="-1" dirty="0">
               <a:solidFill>
@@ -14146,11 +15164,6 @@
         </p:txBody>
       </p:sp>
     </p:spTree>
-    <p:extLst>
-      <p:ext uri="{BB962C8B-B14F-4D97-AF65-F5344CB8AC3E}">
-        <p14:creationId xmlns:p14="http://schemas.microsoft.com/office/powerpoint/2010/main" val="1934168449"/>
-      </p:ext>
-    </p:extLst>
   </p:cSld>
   <p:clrMapOvr>
     <a:masterClrMapping/>
@@ -14177,7 +15190,7 @@
       </p:grpSpPr>
       <p:sp>
         <p:nvSpPr>
-          <p:cNvPr id="174" name="CustomShape 1"/>
+          <p:cNvPr id="169" name="CustomShape 1"/>
           <p:cNvSpPr/>
           <p:nvPr/>
         </p:nvSpPr>
@@ -14216,7 +15229,7 @@
               </a:lnSpc>
             </a:pPr>
             <a:r>
-              <a:rPr lang="pl-PL" sz="1000" spc="-1" dirty="0">
+              <a:rPr lang="pl-PL" sz="1000" b="0" strike="noStrike" spc="-1" dirty="0">
                 <a:solidFill>
                   <a:srgbClr val="000000"/>
                 </a:solidFill>
@@ -14230,7 +15243,7 @@
               </a:rPr>
               <a:t>Testy automatyczne aplikacji mobilnych</a:t>
             </a:r>
-            <a:endParaRPr lang="en-US" spc="-1" dirty="0">
+            <a:endParaRPr lang="en-US" sz="1800" b="0" strike="noStrike" spc="-1" dirty="0">
               <a:solidFill>
                 <a:srgbClr val="000000"/>
               </a:solidFill>
@@ -14246,14 +15259,14 @@
       </p:sp>
       <p:sp>
         <p:nvSpPr>
-          <p:cNvPr id="175" name="TextShape 2"/>
+          <p:cNvPr id="170" name="TextShape 2"/>
           <p:cNvSpPr txBox="1"/>
           <p:nvPr/>
         </p:nvSpPr>
         <p:spPr>
           <a:xfrm>
-            <a:off x="298440" y="586710"/>
-            <a:ext cx="8229240" cy="781560"/>
+            <a:off x="312120" y="2082960"/>
+            <a:ext cx="8229240" cy="939240"/>
           </a:xfrm>
           <a:prstGeom prst="rect">
             <a:avLst/>
@@ -14267,13 +15280,13 @@
           <a:bodyPr anchor="ctr"/>
           <a:lstStyle/>
           <a:p>
-            <a:pPr>
+            <a:pPr algn="ctr">
               <a:lnSpc>
                 <a:spcPct val="100000"/>
               </a:lnSpc>
             </a:pPr>
             <a:r>
-              <a:rPr lang="pl-PL" sz="2800" b="1" strike="noStrike" spc="-1" dirty="0" err="1">
+              <a:rPr lang="pl-PL" sz="2800" b="1" spc="-1" dirty="0">
                 <a:solidFill>
                   <a:srgbClr val="000000"/>
                 </a:solidFill>
@@ -14285,37 +15298,7 @@
                 <a:latin typeface="Cambria" panose="02040503050406030204" pitchFamily="18" charset="0"/>
                 <a:ea typeface="Verdana"/>
               </a:rPr>
-              <a:t>Page</a:t>
-            </a:r>
-            <a:r>
-              <a:rPr lang="pl-PL" sz="2800" b="1" strike="noStrike" spc="-1" dirty="0">
-                <a:solidFill>
-                  <a:srgbClr val="000000"/>
-                </a:solidFill>
-                <a:uFill>
-                  <a:solidFill>
-                    <a:srgbClr val="FFFFFF"/>
-                  </a:solidFill>
-                </a:uFill>
-                <a:latin typeface="Cambria" panose="02040503050406030204" pitchFamily="18" charset="0"/>
-                <a:ea typeface="Verdana"/>
-              </a:rPr>
-              <a:t> </a:t>
-            </a:r>
-            <a:r>
-              <a:rPr lang="pl-PL" sz="2800" b="1" strike="noStrike" spc="-1" dirty="0" err="1">
-                <a:solidFill>
-                  <a:srgbClr val="000000"/>
-                </a:solidFill>
-                <a:uFill>
-                  <a:solidFill>
-                    <a:srgbClr val="FFFFFF"/>
-                  </a:solidFill>
-                </a:uFill>
-                <a:latin typeface="Cambria" panose="02040503050406030204" pitchFamily="18" charset="0"/>
-                <a:ea typeface="Verdana"/>
-              </a:rPr>
-              <a:t>object</a:t>
+              <a:t>Dodajemy nieco pomysłu</a:t>
             </a:r>
             <a:endParaRPr lang="en-US" sz="1400" b="0" strike="noStrike" spc="-1" dirty="0">
               <a:solidFill>
@@ -14333,7 +15316,7 @@
       </p:sp>
       <p:sp>
         <p:nvSpPr>
-          <p:cNvPr id="176" name="CustomShape 3"/>
+          <p:cNvPr id="171" name="CustomShape 3"/>
           <p:cNvSpPr/>
           <p:nvPr/>
         </p:nvSpPr>
@@ -14365,7 +15348,7 @@
       </p:sp>
       <p:sp>
         <p:nvSpPr>
-          <p:cNvPr id="177" name="CustomShape 4"/>
+          <p:cNvPr id="172" name="CustomShape 4"/>
           <p:cNvSpPr/>
           <p:nvPr/>
         </p:nvSpPr>
@@ -14414,7 +15397,7 @@
       </p:sp>
       <p:sp>
         <p:nvSpPr>
-          <p:cNvPr id="178" name="TextShape 5"/>
+          <p:cNvPr id="173" name="TextShape 5"/>
           <p:cNvSpPr txBox="1"/>
           <p:nvPr/>
         </p:nvSpPr>
@@ -14440,7 +15423,7 @@
                 <a:spcPct val="100000"/>
               </a:lnSpc>
             </a:pPr>
-            <a:fld id="{C3AA5FD5-748E-4DD8-A8AC-1BCA49676850}" type="slidenum">
+            <a:fld id="{EB7AA473-EE2C-4AFF-848F-F2A907FDCE61}" type="slidenum">
               <a:rPr lang="en-US" sz="1200" b="0" strike="noStrike" spc="-1">
                 <a:solidFill>
                   <a:srgbClr val="888888"/>
@@ -14469,1222 +15452,12 @@
           </a:p>
         </p:txBody>
       </p:sp>
-      <p:sp>
-        <p:nvSpPr>
-          <p:cNvPr id="179" name="CustomShape 6"/>
-          <p:cNvSpPr/>
-          <p:nvPr/>
-        </p:nvSpPr>
-        <p:spPr>
-          <a:xfrm>
-            <a:off x="298440" y="1248480"/>
-            <a:ext cx="8643240" cy="2307960"/>
-          </a:xfrm>
-          <a:prstGeom prst="rect">
-            <a:avLst/>
-          </a:prstGeom>
-          <a:noFill/>
-          <a:ln>
-            <a:noFill/>
-          </a:ln>
-        </p:spPr>
-        <p:style>
-          <a:lnRef idx="0">
-            <a:scrgbClr r="0" g="0" b="0"/>
-          </a:lnRef>
-          <a:fillRef idx="0">
-            <a:scrgbClr r="0" g="0" b="0"/>
-          </a:fillRef>
-          <a:effectRef idx="0">
-            <a:scrgbClr r="0" g="0" b="0"/>
-          </a:effectRef>
-          <a:fontRef idx="minor"/>
-        </p:style>
-        <p:txBody>
-          <a:bodyPr/>
-          <a:lstStyle/>
-          <a:p>
-            <a:pPr marL="285840" indent="-272520">
-              <a:lnSpc>
-                <a:spcPct val="150000"/>
-              </a:lnSpc>
-              <a:buClr>
-                <a:srgbClr val="000000"/>
-              </a:buClr>
-              <a:buFont typeface="Verdana"/>
-              <a:buChar char="•"/>
-            </a:pPr>
-            <a:r>
-              <a:rPr lang="en-US" sz="1700" b="0" strike="noStrike" spc="-1" dirty="0" err="1">
-                <a:solidFill>
-                  <a:srgbClr val="000000"/>
-                </a:solidFill>
-                <a:uFill>
-                  <a:solidFill>
-                    <a:srgbClr val="FFFFFF"/>
-                  </a:solidFill>
-                </a:uFill>
-                <a:latin typeface="Calibri" panose="020F0502020204030204" pitchFamily="34" charset="0"/>
-                <a:ea typeface="Verdana"/>
-                <a:cs typeface="Calibri" panose="020F0502020204030204" pitchFamily="34" charset="0"/>
-              </a:rPr>
-              <a:t>Metody</a:t>
-            </a:r>
-            <a:r>
-              <a:rPr lang="en-US" sz="1700" b="0" strike="noStrike" spc="-1" dirty="0">
-                <a:solidFill>
-                  <a:srgbClr val="000000"/>
-                </a:solidFill>
-                <a:uFill>
-                  <a:solidFill>
-                    <a:srgbClr val="FFFFFF"/>
-                  </a:solidFill>
-                </a:uFill>
-                <a:latin typeface="Calibri" panose="020F0502020204030204" pitchFamily="34" charset="0"/>
-                <a:ea typeface="Verdana"/>
-                <a:cs typeface="Calibri" panose="020F0502020204030204" pitchFamily="34" charset="0"/>
-              </a:rPr>
-              <a:t> </a:t>
-            </a:r>
-            <a:r>
-              <a:rPr lang="en-US" sz="1700" b="0" strike="noStrike" spc="-1" dirty="0" err="1">
-                <a:solidFill>
-                  <a:srgbClr val="000000"/>
-                </a:solidFill>
-                <a:uFill>
-                  <a:solidFill>
-                    <a:srgbClr val="FFFFFF"/>
-                  </a:solidFill>
-                </a:uFill>
-                <a:latin typeface="Calibri" panose="020F0502020204030204" pitchFamily="34" charset="0"/>
-                <a:ea typeface="Verdana"/>
-                <a:cs typeface="Calibri" panose="020F0502020204030204" pitchFamily="34" charset="0"/>
-              </a:rPr>
-              <a:t>publiczne</a:t>
-            </a:r>
-            <a:r>
-              <a:rPr lang="en-US" sz="1700" b="0" strike="noStrike" spc="-1" dirty="0">
-                <a:solidFill>
-                  <a:srgbClr val="000000"/>
-                </a:solidFill>
-                <a:uFill>
-                  <a:solidFill>
-                    <a:srgbClr val="FFFFFF"/>
-                  </a:solidFill>
-                </a:uFill>
-                <a:latin typeface="Calibri" panose="020F0502020204030204" pitchFamily="34" charset="0"/>
-                <a:ea typeface="Verdana"/>
-                <a:cs typeface="Calibri" panose="020F0502020204030204" pitchFamily="34" charset="0"/>
-              </a:rPr>
-              <a:t> </a:t>
-            </a:r>
-            <a:r>
-              <a:rPr lang="en-US" sz="1700" b="0" strike="noStrike" spc="-1" dirty="0" err="1">
-                <a:solidFill>
-                  <a:srgbClr val="000000"/>
-                </a:solidFill>
-                <a:uFill>
-                  <a:solidFill>
-                    <a:srgbClr val="FFFFFF"/>
-                  </a:solidFill>
-                </a:uFill>
-                <a:latin typeface="Calibri" panose="020F0502020204030204" pitchFamily="34" charset="0"/>
-                <a:ea typeface="Verdana"/>
-                <a:cs typeface="Calibri" panose="020F0502020204030204" pitchFamily="34" charset="0"/>
-              </a:rPr>
-              <a:t>odpowiadają</a:t>
-            </a:r>
-            <a:r>
-              <a:rPr lang="en-US" sz="1700" b="0" strike="noStrike" spc="-1" dirty="0">
-                <a:solidFill>
-                  <a:srgbClr val="000000"/>
-                </a:solidFill>
-                <a:uFill>
-                  <a:solidFill>
-                    <a:srgbClr val="FFFFFF"/>
-                  </a:solidFill>
-                </a:uFill>
-                <a:latin typeface="Calibri" panose="020F0502020204030204" pitchFamily="34" charset="0"/>
-                <a:ea typeface="Verdana"/>
-                <a:cs typeface="Calibri" panose="020F0502020204030204" pitchFamily="34" charset="0"/>
-              </a:rPr>
-              <a:t> </a:t>
-            </a:r>
-            <a:r>
-              <a:rPr lang="en-US" sz="1700" b="0" strike="noStrike" spc="-1" dirty="0" err="1">
-                <a:solidFill>
-                  <a:srgbClr val="000000"/>
-                </a:solidFill>
-                <a:uFill>
-                  <a:solidFill>
-                    <a:srgbClr val="FFFFFF"/>
-                  </a:solidFill>
-                </a:uFill>
-                <a:latin typeface="Calibri" panose="020F0502020204030204" pitchFamily="34" charset="0"/>
-                <a:ea typeface="Verdana"/>
-                <a:cs typeface="Calibri" panose="020F0502020204030204" pitchFamily="34" charset="0"/>
-              </a:rPr>
-              <a:t>akcjom</a:t>
-            </a:r>
-            <a:r>
-              <a:rPr lang="en-US" sz="1700" b="0" strike="noStrike" spc="-1" dirty="0">
-                <a:solidFill>
-                  <a:srgbClr val="000000"/>
-                </a:solidFill>
-                <a:uFill>
-                  <a:solidFill>
-                    <a:srgbClr val="FFFFFF"/>
-                  </a:solidFill>
-                </a:uFill>
-                <a:latin typeface="Calibri" panose="020F0502020204030204" pitchFamily="34" charset="0"/>
-                <a:ea typeface="Verdana"/>
-                <a:cs typeface="Calibri" panose="020F0502020204030204" pitchFamily="34" charset="0"/>
-              </a:rPr>
-              <a:t> </a:t>
-            </a:r>
-            <a:r>
-              <a:rPr lang="en-US" sz="1700" b="0" strike="noStrike" spc="-1" dirty="0" err="1">
-                <a:solidFill>
-                  <a:srgbClr val="000000"/>
-                </a:solidFill>
-                <a:uFill>
-                  <a:solidFill>
-                    <a:srgbClr val="FFFFFF"/>
-                  </a:solidFill>
-                </a:uFill>
-                <a:latin typeface="Calibri" panose="020F0502020204030204" pitchFamily="34" charset="0"/>
-                <a:ea typeface="Verdana"/>
-                <a:cs typeface="Calibri" panose="020F0502020204030204" pitchFamily="34" charset="0"/>
-              </a:rPr>
-              <a:t>które</a:t>
-            </a:r>
-            <a:r>
-              <a:rPr lang="en-US" sz="1700" b="0" strike="noStrike" spc="-1" dirty="0">
-                <a:solidFill>
-                  <a:srgbClr val="000000"/>
-                </a:solidFill>
-                <a:uFill>
-                  <a:solidFill>
-                    <a:srgbClr val="FFFFFF"/>
-                  </a:solidFill>
-                </a:uFill>
-                <a:latin typeface="Calibri" panose="020F0502020204030204" pitchFamily="34" charset="0"/>
-                <a:ea typeface="Verdana"/>
-                <a:cs typeface="Calibri" panose="020F0502020204030204" pitchFamily="34" charset="0"/>
-              </a:rPr>
-              <a:t> </a:t>
-            </a:r>
-            <a:r>
-              <a:rPr lang="en-US" sz="1700" b="0" strike="noStrike" spc="-1" dirty="0" err="1">
-                <a:solidFill>
-                  <a:srgbClr val="000000"/>
-                </a:solidFill>
-                <a:uFill>
-                  <a:solidFill>
-                    <a:srgbClr val="FFFFFF"/>
-                  </a:solidFill>
-                </a:uFill>
-                <a:latin typeface="Calibri" panose="020F0502020204030204" pitchFamily="34" charset="0"/>
-                <a:ea typeface="Verdana"/>
-                <a:cs typeface="Calibri" panose="020F0502020204030204" pitchFamily="34" charset="0"/>
-              </a:rPr>
-              <a:t>są</a:t>
-            </a:r>
-            <a:r>
-              <a:rPr lang="en-US" sz="1700" b="0" strike="noStrike" spc="-1" dirty="0">
-                <a:solidFill>
-                  <a:srgbClr val="000000"/>
-                </a:solidFill>
-                <a:uFill>
-                  <a:solidFill>
-                    <a:srgbClr val="FFFFFF"/>
-                  </a:solidFill>
-                </a:uFill>
-                <a:latin typeface="Calibri" panose="020F0502020204030204" pitchFamily="34" charset="0"/>
-                <a:ea typeface="Verdana"/>
-                <a:cs typeface="Calibri" panose="020F0502020204030204" pitchFamily="34" charset="0"/>
-              </a:rPr>
-              <a:t> </a:t>
-            </a:r>
-            <a:r>
-              <a:rPr lang="en-US" sz="1700" b="0" strike="noStrike" spc="-1" dirty="0" err="1">
-                <a:solidFill>
-                  <a:srgbClr val="000000"/>
-                </a:solidFill>
-                <a:uFill>
-                  <a:solidFill>
-                    <a:srgbClr val="FFFFFF"/>
-                  </a:solidFill>
-                </a:uFill>
-                <a:latin typeface="Calibri" panose="020F0502020204030204" pitchFamily="34" charset="0"/>
-                <a:ea typeface="Verdana"/>
-                <a:cs typeface="Calibri" panose="020F0502020204030204" pitchFamily="34" charset="0"/>
-              </a:rPr>
-              <a:t>dostępne</a:t>
-            </a:r>
-            <a:r>
-              <a:rPr lang="en-US" sz="1700" b="0" strike="noStrike" spc="-1" dirty="0">
-                <a:solidFill>
-                  <a:srgbClr val="000000"/>
-                </a:solidFill>
-                <a:uFill>
-                  <a:solidFill>
-                    <a:srgbClr val="FFFFFF"/>
-                  </a:solidFill>
-                </a:uFill>
-                <a:latin typeface="Calibri" panose="020F0502020204030204" pitchFamily="34" charset="0"/>
-                <a:ea typeface="Verdana"/>
-                <a:cs typeface="Calibri" panose="020F0502020204030204" pitchFamily="34" charset="0"/>
-              </a:rPr>
-              <a:t> </a:t>
-            </a:r>
-            <a:r>
-              <a:rPr lang="en-US" sz="1700" b="0" strike="noStrike" spc="-1" dirty="0" err="1">
-                <a:solidFill>
-                  <a:srgbClr val="000000"/>
-                </a:solidFill>
-                <a:uFill>
-                  <a:solidFill>
-                    <a:srgbClr val="FFFFFF"/>
-                  </a:solidFill>
-                </a:uFill>
-                <a:latin typeface="Calibri" panose="020F0502020204030204" pitchFamily="34" charset="0"/>
-                <a:ea typeface="Verdana"/>
-                <a:cs typeface="Calibri" panose="020F0502020204030204" pitchFamily="34" charset="0"/>
-              </a:rPr>
-              <a:t>na</a:t>
-            </a:r>
-            <a:r>
-              <a:rPr lang="en-US" sz="1700" b="0" strike="noStrike" spc="-1" dirty="0">
-                <a:solidFill>
-                  <a:srgbClr val="000000"/>
-                </a:solidFill>
-                <a:uFill>
-                  <a:solidFill>
-                    <a:srgbClr val="FFFFFF"/>
-                  </a:solidFill>
-                </a:uFill>
-                <a:latin typeface="Calibri" panose="020F0502020204030204" pitchFamily="34" charset="0"/>
-                <a:ea typeface="Verdana"/>
-                <a:cs typeface="Calibri" panose="020F0502020204030204" pitchFamily="34" charset="0"/>
-              </a:rPr>
-              <a:t> </a:t>
-            </a:r>
-            <a:r>
-              <a:rPr lang="en-US" sz="1700" b="0" strike="noStrike" spc="-1" dirty="0" err="1">
-                <a:solidFill>
-                  <a:srgbClr val="000000"/>
-                </a:solidFill>
-                <a:uFill>
-                  <a:solidFill>
-                    <a:srgbClr val="FFFFFF"/>
-                  </a:solidFill>
-                </a:uFill>
-                <a:latin typeface="Calibri" panose="020F0502020204030204" pitchFamily="34" charset="0"/>
-                <a:ea typeface="Verdana"/>
-                <a:cs typeface="Calibri" panose="020F0502020204030204" pitchFamily="34" charset="0"/>
-              </a:rPr>
-              <a:t>ekranie</a:t>
-            </a:r>
-            <a:r>
-              <a:rPr lang="en-US" sz="1700" b="0" strike="noStrike" spc="-1" dirty="0">
-                <a:solidFill>
-                  <a:srgbClr val="000000"/>
-                </a:solidFill>
-                <a:uFill>
-                  <a:solidFill>
-                    <a:srgbClr val="FFFFFF"/>
-                  </a:solidFill>
-                </a:uFill>
-                <a:latin typeface="Calibri" panose="020F0502020204030204" pitchFamily="34" charset="0"/>
-                <a:ea typeface="Verdana"/>
-                <a:cs typeface="Calibri" panose="020F0502020204030204" pitchFamily="34" charset="0"/>
-              </a:rPr>
-              <a:t>,</a:t>
-            </a:r>
-            <a:endParaRPr lang="en-US" sz="1700" b="0" strike="noStrike" spc="-1" dirty="0">
-              <a:solidFill>
-                <a:srgbClr val="000000"/>
-              </a:solidFill>
-              <a:uFill>
-                <a:solidFill>
-                  <a:srgbClr val="FFFFFF"/>
-                </a:solidFill>
-              </a:uFill>
-              <a:latin typeface="Calibri" panose="020F0502020204030204" pitchFamily="34" charset="0"/>
-              <a:cs typeface="Calibri" panose="020F0502020204030204" pitchFamily="34" charset="0"/>
-            </a:endParaRPr>
-          </a:p>
-          <a:p>
-            <a:pPr marL="285840" indent="-272520">
-              <a:lnSpc>
-                <a:spcPct val="150000"/>
-              </a:lnSpc>
-              <a:buClr>
-                <a:srgbClr val="000000"/>
-              </a:buClr>
-              <a:buFont typeface="Verdana"/>
-              <a:buChar char="•"/>
-            </a:pPr>
-            <a:r>
-              <a:rPr lang="en-US" sz="1700" b="0" strike="noStrike" spc="-1" dirty="0" err="1">
-                <a:solidFill>
-                  <a:srgbClr val="000000"/>
-                </a:solidFill>
-                <a:uFill>
-                  <a:solidFill>
-                    <a:srgbClr val="FFFFFF"/>
-                  </a:solidFill>
-                </a:uFill>
-                <a:latin typeface="Calibri" panose="020F0502020204030204" pitchFamily="34" charset="0"/>
-                <a:ea typeface="Verdana"/>
-                <a:cs typeface="Calibri" panose="020F0502020204030204" pitchFamily="34" charset="0"/>
-              </a:rPr>
-              <a:t>Nie</a:t>
-            </a:r>
-            <a:r>
-              <a:rPr lang="en-US" sz="1700" b="0" strike="noStrike" spc="-1" dirty="0">
-                <a:solidFill>
-                  <a:srgbClr val="000000"/>
-                </a:solidFill>
-                <a:uFill>
-                  <a:solidFill>
-                    <a:srgbClr val="FFFFFF"/>
-                  </a:solidFill>
-                </a:uFill>
-                <a:latin typeface="Calibri" panose="020F0502020204030204" pitchFamily="34" charset="0"/>
-                <a:ea typeface="Verdana"/>
-                <a:cs typeface="Calibri" panose="020F0502020204030204" pitchFamily="34" charset="0"/>
-              </a:rPr>
-              <a:t> </a:t>
-            </a:r>
-            <a:r>
-              <a:rPr lang="en-US" sz="1700" b="0" strike="noStrike" spc="-1" dirty="0" err="1">
-                <a:solidFill>
-                  <a:srgbClr val="000000"/>
-                </a:solidFill>
-                <a:uFill>
-                  <a:solidFill>
-                    <a:srgbClr val="FFFFFF"/>
-                  </a:solidFill>
-                </a:uFill>
-                <a:latin typeface="Calibri" panose="020F0502020204030204" pitchFamily="34" charset="0"/>
-                <a:ea typeface="Verdana"/>
-                <a:cs typeface="Calibri" panose="020F0502020204030204" pitchFamily="34" charset="0"/>
-              </a:rPr>
-              <a:t>powinno</a:t>
-            </a:r>
-            <a:r>
-              <a:rPr lang="en-US" sz="1700" b="0" strike="noStrike" spc="-1" dirty="0">
-                <a:solidFill>
-                  <a:srgbClr val="000000"/>
-                </a:solidFill>
-                <a:uFill>
-                  <a:solidFill>
-                    <a:srgbClr val="FFFFFF"/>
-                  </a:solidFill>
-                </a:uFill>
-                <a:latin typeface="Calibri" panose="020F0502020204030204" pitchFamily="34" charset="0"/>
-                <a:ea typeface="Verdana"/>
-                <a:cs typeface="Calibri" panose="020F0502020204030204" pitchFamily="34" charset="0"/>
-              </a:rPr>
-              <a:t> </a:t>
-            </a:r>
-            <a:r>
-              <a:rPr lang="en-US" sz="1700" b="0" strike="noStrike" spc="-1" dirty="0" err="1">
-                <a:solidFill>
-                  <a:srgbClr val="000000"/>
-                </a:solidFill>
-                <a:uFill>
-                  <a:solidFill>
-                    <a:srgbClr val="FFFFFF"/>
-                  </a:solidFill>
-                </a:uFill>
-                <a:latin typeface="Calibri" panose="020F0502020204030204" pitchFamily="34" charset="0"/>
-                <a:ea typeface="Verdana"/>
-                <a:cs typeface="Calibri" panose="020F0502020204030204" pitchFamily="34" charset="0"/>
-              </a:rPr>
-              <a:t>się</a:t>
-            </a:r>
-            <a:r>
-              <a:rPr lang="en-US" sz="1700" b="0" strike="noStrike" spc="-1" dirty="0">
-                <a:solidFill>
-                  <a:srgbClr val="000000"/>
-                </a:solidFill>
-                <a:uFill>
-                  <a:solidFill>
-                    <a:srgbClr val="FFFFFF"/>
-                  </a:solidFill>
-                </a:uFill>
-                <a:latin typeface="Calibri" panose="020F0502020204030204" pitchFamily="34" charset="0"/>
-                <a:ea typeface="Verdana"/>
-                <a:cs typeface="Calibri" panose="020F0502020204030204" pitchFamily="34" charset="0"/>
-              </a:rPr>
-              <a:t> </a:t>
-            </a:r>
-            <a:r>
-              <a:rPr lang="en-US" sz="1700" b="0" strike="noStrike" spc="-1" dirty="0" err="1">
-                <a:solidFill>
-                  <a:srgbClr val="000000"/>
-                </a:solidFill>
-                <a:uFill>
-                  <a:solidFill>
-                    <a:srgbClr val="FFFFFF"/>
-                  </a:solidFill>
-                </a:uFill>
-                <a:latin typeface="Calibri" panose="020F0502020204030204" pitchFamily="34" charset="0"/>
-                <a:ea typeface="Verdana"/>
-                <a:cs typeface="Calibri" panose="020F0502020204030204" pitchFamily="34" charset="0"/>
-              </a:rPr>
-              <a:t>wystawiać</a:t>
-            </a:r>
-            <a:r>
-              <a:rPr lang="en-US" sz="1700" b="0" strike="noStrike" spc="-1" dirty="0">
-                <a:solidFill>
-                  <a:srgbClr val="000000"/>
-                </a:solidFill>
-                <a:uFill>
-                  <a:solidFill>
-                    <a:srgbClr val="FFFFFF"/>
-                  </a:solidFill>
-                </a:uFill>
-                <a:latin typeface="Calibri" panose="020F0502020204030204" pitchFamily="34" charset="0"/>
-                <a:ea typeface="Verdana"/>
-                <a:cs typeface="Calibri" panose="020F0502020204030204" pitchFamily="34" charset="0"/>
-              </a:rPr>
-              <a:t> „</a:t>
-            </a:r>
-            <a:r>
-              <a:rPr lang="en-US" sz="1700" b="0" strike="noStrike" spc="-1" dirty="0" err="1">
-                <a:solidFill>
-                  <a:srgbClr val="000000"/>
-                </a:solidFill>
-                <a:uFill>
-                  <a:solidFill>
-                    <a:srgbClr val="FFFFFF"/>
-                  </a:solidFill>
-                </a:uFill>
-                <a:latin typeface="Calibri" panose="020F0502020204030204" pitchFamily="34" charset="0"/>
-                <a:ea typeface="Verdana"/>
-                <a:cs typeface="Calibri" panose="020F0502020204030204" pitchFamily="34" charset="0"/>
-              </a:rPr>
-              <a:t>na</a:t>
-            </a:r>
-            <a:r>
-              <a:rPr lang="en-US" sz="1700" b="0" strike="noStrike" spc="-1" dirty="0">
-                <a:solidFill>
-                  <a:srgbClr val="000000"/>
-                </a:solidFill>
-                <a:uFill>
-                  <a:solidFill>
-                    <a:srgbClr val="FFFFFF"/>
-                  </a:solidFill>
-                </a:uFill>
-                <a:latin typeface="Calibri" panose="020F0502020204030204" pitchFamily="34" charset="0"/>
-                <a:ea typeface="Verdana"/>
-                <a:cs typeface="Calibri" panose="020F0502020204030204" pitchFamily="34" charset="0"/>
-              </a:rPr>
-              <a:t> </a:t>
-            </a:r>
-            <a:r>
-              <a:rPr lang="en-US" sz="1700" b="0" strike="noStrike" spc="-1" dirty="0" err="1">
-                <a:solidFill>
-                  <a:srgbClr val="000000"/>
-                </a:solidFill>
-                <a:uFill>
-                  <a:solidFill>
-                    <a:srgbClr val="FFFFFF"/>
-                  </a:solidFill>
-                </a:uFill>
-                <a:latin typeface="Calibri" panose="020F0502020204030204" pitchFamily="34" charset="0"/>
-                <a:ea typeface="Verdana"/>
-                <a:cs typeface="Calibri" panose="020F0502020204030204" pitchFamily="34" charset="0"/>
-              </a:rPr>
-              <a:t>zewnątrz</a:t>
-            </a:r>
-            <a:r>
-              <a:rPr lang="en-US" sz="1700" b="0" strike="noStrike" spc="-1" dirty="0">
-                <a:solidFill>
-                  <a:srgbClr val="000000"/>
-                </a:solidFill>
-                <a:uFill>
-                  <a:solidFill>
-                    <a:srgbClr val="FFFFFF"/>
-                  </a:solidFill>
-                </a:uFill>
-                <a:latin typeface="Calibri" panose="020F0502020204030204" pitchFamily="34" charset="0"/>
-                <a:ea typeface="Verdana"/>
-                <a:cs typeface="Calibri" panose="020F0502020204030204" pitchFamily="34" charset="0"/>
-              </a:rPr>
-              <a:t>” </a:t>
-            </a:r>
-            <a:r>
-              <a:rPr lang="en-US" sz="1700" b="0" strike="noStrike" spc="-1" dirty="0" err="1">
-                <a:solidFill>
-                  <a:srgbClr val="000000"/>
-                </a:solidFill>
-                <a:uFill>
-                  <a:solidFill>
-                    <a:srgbClr val="FFFFFF"/>
-                  </a:solidFill>
-                </a:uFill>
-                <a:latin typeface="Calibri" panose="020F0502020204030204" pitchFamily="34" charset="0"/>
-                <a:ea typeface="Verdana"/>
-                <a:cs typeface="Calibri" panose="020F0502020204030204" pitchFamily="34" charset="0"/>
-              </a:rPr>
-              <a:t>struktury</a:t>
-            </a:r>
-            <a:r>
-              <a:rPr lang="en-US" sz="1700" b="0" strike="noStrike" spc="-1" dirty="0">
-                <a:solidFill>
-                  <a:srgbClr val="000000"/>
-                </a:solidFill>
-                <a:uFill>
-                  <a:solidFill>
-                    <a:srgbClr val="FFFFFF"/>
-                  </a:solidFill>
-                </a:uFill>
-                <a:latin typeface="Calibri" panose="020F0502020204030204" pitchFamily="34" charset="0"/>
-                <a:ea typeface="Verdana"/>
-                <a:cs typeface="Calibri" panose="020F0502020204030204" pitchFamily="34" charset="0"/>
-              </a:rPr>
-              <a:t> </a:t>
-            </a:r>
-            <a:r>
-              <a:rPr lang="en-US" sz="1700" b="0" strike="noStrike" spc="-1" dirty="0" err="1">
-                <a:solidFill>
-                  <a:srgbClr val="000000"/>
-                </a:solidFill>
-                <a:uFill>
-                  <a:solidFill>
-                    <a:srgbClr val="FFFFFF"/>
-                  </a:solidFill>
-                </a:uFill>
-                <a:latin typeface="Calibri" panose="020F0502020204030204" pitchFamily="34" charset="0"/>
-                <a:ea typeface="Verdana"/>
-                <a:cs typeface="Calibri" panose="020F0502020204030204" pitchFamily="34" charset="0"/>
-              </a:rPr>
-              <a:t>ekranu</a:t>
-            </a:r>
-            <a:r>
-              <a:rPr lang="en-US" sz="1700" b="0" strike="noStrike" spc="-1" dirty="0">
-                <a:solidFill>
-                  <a:srgbClr val="000000"/>
-                </a:solidFill>
-                <a:uFill>
-                  <a:solidFill>
-                    <a:srgbClr val="FFFFFF"/>
-                  </a:solidFill>
-                </a:uFill>
-                <a:latin typeface="Calibri" panose="020F0502020204030204" pitchFamily="34" charset="0"/>
-                <a:ea typeface="Verdana"/>
-                <a:cs typeface="Calibri" panose="020F0502020204030204" pitchFamily="34" charset="0"/>
-              </a:rPr>
-              <a:t>(</a:t>
-            </a:r>
-            <a:r>
-              <a:rPr lang="en-US" sz="1700" b="0" strike="noStrike" spc="-1" dirty="0" err="1">
-                <a:solidFill>
-                  <a:srgbClr val="000000"/>
-                </a:solidFill>
-                <a:uFill>
-                  <a:solidFill>
-                    <a:srgbClr val="FFFFFF"/>
-                  </a:solidFill>
-                </a:uFill>
-                <a:latin typeface="Calibri" panose="020F0502020204030204" pitchFamily="34" charset="0"/>
-                <a:ea typeface="Verdana"/>
-                <a:cs typeface="Calibri" panose="020F0502020204030204" pitchFamily="34" charset="0"/>
-              </a:rPr>
-              <a:t>kontrolek</a:t>
-            </a:r>
-            <a:r>
-              <a:rPr lang="en-US" sz="1700" b="0" strike="noStrike" spc="-1" dirty="0">
-                <a:solidFill>
-                  <a:srgbClr val="000000"/>
-                </a:solidFill>
-                <a:uFill>
-                  <a:solidFill>
-                    <a:srgbClr val="FFFFFF"/>
-                  </a:solidFill>
-                </a:uFill>
-                <a:latin typeface="Calibri" panose="020F0502020204030204" pitchFamily="34" charset="0"/>
-                <a:ea typeface="Verdana"/>
-                <a:cs typeface="Calibri" panose="020F0502020204030204" pitchFamily="34" charset="0"/>
-              </a:rPr>
-              <a:t> etc.)</a:t>
-            </a:r>
-            <a:endParaRPr lang="en-US" sz="1700" b="0" strike="noStrike" spc="-1" dirty="0">
-              <a:solidFill>
-                <a:srgbClr val="000000"/>
-              </a:solidFill>
-              <a:uFill>
-                <a:solidFill>
-                  <a:srgbClr val="FFFFFF"/>
-                </a:solidFill>
-              </a:uFill>
-              <a:latin typeface="Calibri" panose="020F0502020204030204" pitchFamily="34" charset="0"/>
-              <a:cs typeface="Calibri" panose="020F0502020204030204" pitchFamily="34" charset="0"/>
-            </a:endParaRPr>
-          </a:p>
-          <a:p>
-            <a:pPr marL="285840" indent="-272520">
-              <a:lnSpc>
-                <a:spcPct val="150000"/>
-              </a:lnSpc>
-              <a:buClr>
-                <a:srgbClr val="000000"/>
-              </a:buClr>
-              <a:buFont typeface="Verdana"/>
-              <a:buChar char="•"/>
-            </a:pPr>
-            <a:r>
-              <a:rPr lang="en-US" sz="1700" b="0" strike="noStrike" spc="-1" dirty="0" err="1">
-                <a:solidFill>
-                  <a:srgbClr val="000000"/>
-                </a:solidFill>
-                <a:uFill>
-                  <a:solidFill>
-                    <a:srgbClr val="FFFFFF"/>
-                  </a:solidFill>
-                </a:uFill>
-                <a:latin typeface="Calibri" panose="020F0502020204030204" pitchFamily="34" charset="0"/>
-                <a:ea typeface="Verdana"/>
-                <a:cs typeface="Calibri" panose="020F0502020204030204" pitchFamily="34" charset="0"/>
-              </a:rPr>
-              <a:t>Nie</a:t>
-            </a:r>
-            <a:r>
-              <a:rPr lang="en-US" sz="1700" b="0" strike="noStrike" spc="-1" dirty="0">
-                <a:solidFill>
-                  <a:srgbClr val="000000"/>
-                </a:solidFill>
-                <a:uFill>
-                  <a:solidFill>
-                    <a:srgbClr val="FFFFFF"/>
-                  </a:solidFill>
-                </a:uFill>
-                <a:latin typeface="Calibri" panose="020F0502020204030204" pitchFamily="34" charset="0"/>
-                <a:ea typeface="Verdana"/>
-                <a:cs typeface="Calibri" panose="020F0502020204030204" pitchFamily="34" charset="0"/>
-              </a:rPr>
-              <a:t> </a:t>
-            </a:r>
-            <a:r>
-              <a:rPr lang="en-US" sz="1700" b="0" strike="noStrike" spc="-1" dirty="0" err="1">
-                <a:solidFill>
-                  <a:srgbClr val="000000"/>
-                </a:solidFill>
-                <a:uFill>
-                  <a:solidFill>
-                    <a:srgbClr val="FFFFFF"/>
-                  </a:solidFill>
-                </a:uFill>
-                <a:latin typeface="Calibri" panose="020F0502020204030204" pitchFamily="34" charset="0"/>
-                <a:ea typeface="Verdana"/>
-                <a:cs typeface="Calibri" panose="020F0502020204030204" pitchFamily="34" charset="0"/>
-              </a:rPr>
-              <a:t>powinno</a:t>
-            </a:r>
-            <a:r>
-              <a:rPr lang="en-US" sz="1700" b="0" strike="noStrike" spc="-1" dirty="0">
-                <a:solidFill>
-                  <a:srgbClr val="000000"/>
-                </a:solidFill>
-                <a:uFill>
-                  <a:solidFill>
-                    <a:srgbClr val="FFFFFF"/>
-                  </a:solidFill>
-                </a:uFill>
-                <a:latin typeface="Calibri" panose="020F0502020204030204" pitchFamily="34" charset="0"/>
-                <a:ea typeface="Verdana"/>
-                <a:cs typeface="Calibri" panose="020F0502020204030204" pitchFamily="34" charset="0"/>
-              </a:rPr>
-              <a:t> </a:t>
-            </a:r>
-            <a:r>
-              <a:rPr lang="en-US" sz="1700" b="0" strike="noStrike" spc="-1" dirty="0" err="1">
-                <a:solidFill>
-                  <a:srgbClr val="000000"/>
-                </a:solidFill>
-                <a:uFill>
-                  <a:solidFill>
-                    <a:srgbClr val="FFFFFF"/>
-                  </a:solidFill>
-                </a:uFill>
-                <a:latin typeface="Calibri" panose="020F0502020204030204" pitchFamily="34" charset="0"/>
-                <a:ea typeface="Verdana"/>
-                <a:cs typeface="Calibri" panose="020F0502020204030204" pitchFamily="34" charset="0"/>
-              </a:rPr>
-              <a:t>się</a:t>
-            </a:r>
-            <a:r>
-              <a:rPr lang="en-US" sz="1700" b="0" strike="noStrike" spc="-1" dirty="0">
-                <a:solidFill>
-                  <a:srgbClr val="000000"/>
-                </a:solidFill>
-                <a:uFill>
-                  <a:solidFill>
-                    <a:srgbClr val="FFFFFF"/>
-                  </a:solidFill>
-                </a:uFill>
-                <a:latin typeface="Calibri" panose="020F0502020204030204" pitchFamily="34" charset="0"/>
-                <a:ea typeface="Verdana"/>
-                <a:cs typeface="Calibri" panose="020F0502020204030204" pitchFamily="34" charset="0"/>
-              </a:rPr>
-              <a:t> </a:t>
-            </a:r>
-            <a:r>
-              <a:rPr lang="en-US" sz="1700" b="0" strike="noStrike" spc="-1" dirty="0" err="1">
-                <a:solidFill>
-                  <a:srgbClr val="000000"/>
-                </a:solidFill>
-                <a:uFill>
-                  <a:solidFill>
-                    <a:srgbClr val="FFFFFF"/>
-                  </a:solidFill>
-                </a:uFill>
-                <a:latin typeface="Calibri" panose="020F0502020204030204" pitchFamily="34" charset="0"/>
-                <a:ea typeface="Verdana"/>
-                <a:cs typeface="Calibri" panose="020F0502020204030204" pitchFamily="34" charset="0"/>
-              </a:rPr>
-              <a:t>wykonywać</a:t>
-            </a:r>
-            <a:r>
-              <a:rPr lang="en-US" sz="1700" b="0" strike="noStrike" spc="-1" dirty="0">
-                <a:solidFill>
-                  <a:srgbClr val="000000"/>
-                </a:solidFill>
-                <a:uFill>
-                  <a:solidFill>
-                    <a:srgbClr val="FFFFFF"/>
-                  </a:solidFill>
-                </a:uFill>
-                <a:latin typeface="Calibri" panose="020F0502020204030204" pitchFamily="34" charset="0"/>
-                <a:ea typeface="Verdana"/>
-                <a:cs typeface="Calibri" panose="020F0502020204030204" pitchFamily="34" charset="0"/>
-              </a:rPr>
-              <a:t> w </a:t>
-            </a:r>
-            <a:r>
-              <a:rPr lang="en-US" sz="1700" b="0" strike="noStrike" spc="-1" dirty="0" err="1">
-                <a:solidFill>
-                  <a:srgbClr val="000000"/>
-                </a:solidFill>
-                <a:uFill>
-                  <a:solidFill>
-                    <a:srgbClr val="FFFFFF"/>
-                  </a:solidFill>
-                </a:uFill>
-                <a:latin typeface="Calibri" panose="020F0502020204030204" pitchFamily="34" charset="0"/>
-                <a:ea typeface="Verdana"/>
-                <a:cs typeface="Calibri" panose="020F0502020204030204" pitchFamily="34" charset="0"/>
-              </a:rPr>
-              <a:t>nich</a:t>
-            </a:r>
-            <a:r>
-              <a:rPr lang="en-US" sz="1700" b="0" strike="noStrike" spc="-1" dirty="0">
-                <a:solidFill>
-                  <a:srgbClr val="000000"/>
-                </a:solidFill>
-                <a:uFill>
-                  <a:solidFill>
-                    <a:srgbClr val="FFFFFF"/>
-                  </a:solidFill>
-                </a:uFill>
-                <a:latin typeface="Calibri" panose="020F0502020204030204" pitchFamily="34" charset="0"/>
-                <a:ea typeface="Verdana"/>
-                <a:cs typeface="Calibri" panose="020F0502020204030204" pitchFamily="34" charset="0"/>
-              </a:rPr>
-              <a:t> </a:t>
-            </a:r>
-            <a:r>
-              <a:rPr lang="en-US" sz="1700" b="0" strike="noStrike" spc="-1" dirty="0" err="1">
-                <a:solidFill>
-                  <a:srgbClr val="000000"/>
-                </a:solidFill>
-                <a:uFill>
-                  <a:solidFill>
-                    <a:srgbClr val="FFFFFF"/>
-                  </a:solidFill>
-                </a:uFill>
-                <a:latin typeface="Calibri" panose="020F0502020204030204" pitchFamily="34" charset="0"/>
-                <a:ea typeface="Verdana"/>
-                <a:cs typeface="Calibri" panose="020F0502020204030204" pitchFamily="34" charset="0"/>
-              </a:rPr>
-              <a:t>asercji</a:t>
-            </a:r>
-            <a:endParaRPr lang="en-US" sz="1700" b="0" strike="noStrike" spc="-1" dirty="0">
-              <a:solidFill>
-                <a:srgbClr val="000000"/>
-              </a:solidFill>
-              <a:uFill>
-                <a:solidFill>
-                  <a:srgbClr val="FFFFFF"/>
-                </a:solidFill>
-              </a:uFill>
-              <a:latin typeface="Calibri" panose="020F0502020204030204" pitchFamily="34" charset="0"/>
-              <a:cs typeface="Calibri" panose="020F0502020204030204" pitchFamily="34" charset="0"/>
-            </a:endParaRPr>
-          </a:p>
-          <a:p>
-            <a:pPr marL="285840" indent="-272520">
-              <a:lnSpc>
-                <a:spcPct val="150000"/>
-              </a:lnSpc>
-              <a:buClr>
-                <a:srgbClr val="000000"/>
-              </a:buClr>
-              <a:buFont typeface="Verdana"/>
-              <a:buChar char="•"/>
-            </a:pPr>
-            <a:r>
-              <a:rPr lang="en-US" sz="1700" b="0" strike="noStrike" spc="-1" dirty="0" err="1">
-                <a:solidFill>
-                  <a:srgbClr val="000000"/>
-                </a:solidFill>
-                <a:uFill>
-                  <a:solidFill>
-                    <a:srgbClr val="FFFFFF"/>
-                  </a:solidFill>
-                </a:uFill>
-                <a:latin typeface="Calibri" panose="020F0502020204030204" pitchFamily="34" charset="0"/>
-                <a:ea typeface="Verdana"/>
-                <a:cs typeface="Calibri" panose="020F0502020204030204" pitchFamily="34" charset="0"/>
-              </a:rPr>
-              <a:t>Metody</a:t>
-            </a:r>
-            <a:r>
-              <a:rPr lang="en-US" sz="1700" b="0" strike="noStrike" spc="-1" dirty="0">
-                <a:solidFill>
-                  <a:srgbClr val="000000"/>
-                </a:solidFill>
-                <a:uFill>
-                  <a:solidFill>
-                    <a:srgbClr val="FFFFFF"/>
-                  </a:solidFill>
-                </a:uFill>
-                <a:latin typeface="Calibri" panose="020F0502020204030204" pitchFamily="34" charset="0"/>
-                <a:ea typeface="Verdana"/>
-                <a:cs typeface="Calibri" panose="020F0502020204030204" pitchFamily="34" charset="0"/>
-              </a:rPr>
-              <a:t> </a:t>
-            </a:r>
-            <a:r>
-              <a:rPr lang="en-US" sz="1700" b="0" strike="noStrike" spc="-1" dirty="0" err="1">
-                <a:solidFill>
-                  <a:srgbClr val="000000"/>
-                </a:solidFill>
-                <a:uFill>
-                  <a:solidFill>
-                    <a:srgbClr val="FFFFFF"/>
-                  </a:solidFill>
-                </a:uFill>
-                <a:latin typeface="Calibri" panose="020F0502020204030204" pitchFamily="34" charset="0"/>
-                <a:ea typeface="Verdana"/>
-                <a:cs typeface="Calibri" panose="020F0502020204030204" pitchFamily="34" charset="0"/>
-              </a:rPr>
-              <a:t>mogą</a:t>
-            </a:r>
-            <a:r>
-              <a:rPr lang="en-US" sz="1700" b="0" strike="noStrike" spc="-1" dirty="0">
-                <a:solidFill>
-                  <a:srgbClr val="000000"/>
-                </a:solidFill>
-                <a:uFill>
-                  <a:solidFill>
-                    <a:srgbClr val="FFFFFF"/>
-                  </a:solidFill>
-                </a:uFill>
-                <a:latin typeface="Calibri" panose="020F0502020204030204" pitchFamily="34" charset="0"/>
-                <a:ea typeface="Verdana"/>
-                <a:cs typeface="Calibri" panose="020F0502020204030204" pitchFamily="34" charset="0"/>
-              </a:rPr>
-              <a:t> </a:t>
-            </a:r>
-            <a:r>
-              <a:rPr lang="en-US" sz="1700" b="0" strike="noStrike" spc="-1" dirty="0" err="1">
-                <a:solidFill>
-                  <a:srgbClr val="000000"/>
-                </a:solidFill>
-                <a:uFill>
-                  <a:solidFill>
-                    <a:srgbClr val="FFFFFF"/>
-                  </a:solidFill>
-                </a:uFill>
-                <a:latin typeface="Calibri" panose="020F0502020204030204" pitchFamily="34" charset="0"/>
-                <a:ea typeface="Verdana"/>
-                <a:cs typeface="Calibri" panose="020F0502020204030204" pitchFamily="34" charset="0"/>
-              </a:rPr>
-              <a:t>zwracać</a:t>
-            </a:r>
-            <a:r>
-              <a:rPr lang="en-US" sz="1700" b="0" strike="noStrike" spc="-1" dirty="0">
-                <a:solidFill>
-                  <a:srgbClr val="000000"/>
-                </a:solidFill>
-                <a:uFill>
-                  <a:solidFill>
-                    <a:srgbClr val="FFFFFF"/>
-                  </a:solidFill>
-                </a:uFill>
-                <a:latin typeface="Calibri" panose="020F0502020204030204" pitchFamily="34" charset="0"/>
-                <a:ea typeface="Verdana"/>
-                <a:cs typeface="Calibri" panose="020F0502020204030204" pitchFamily="34" charset="0"/>
-              </a:rPr>
-              <a:t> </a:t>
-            </a:r>
-            <a:r>
-              <a:rPr lang="en-US" sz="1700" b="0" strike="noStrike" spc="-1" dirty="0" err="1">
-                <a:solidFill>
-                  <a:srgbClr val="000000"/>
-                </a:solidFill>
-                <a:uFill>
-                  <a:solidFill>
-                    <a:srgbClr val="FFFFFF"/>
-                  </a:solidFill>
-                </a:uFill>
-                <a:latin typeface="Calibri" panose="020F0502020204030204" pitchFamily="34" charset="0"/>
-                <a:ea typeface="Verdana"/>
-                <a:cs typeface="Calibri" panose="020F0502020204030204" pitchFamily="34" charset="0"/>
-              </a:rPr>
-              <a:t>inne</a:t>
-            </a:r>
-            <a:r>
-              <a:rPr lang="en-US" sz="1700" b="0" strike="noStrike" spc="-1" dirty="0">
-                <a:solidFill>
-                  <a:srgbClr val="000000"/>
-                </a:solidFill>
-                <a:uFill>
-                  <a:solidFill>
-                    <a:srgbClr val="FFFFFF"/>
-                  </a:solidFill>
-                </a:uFill>
-                <a:latin typeface="Calibri" panose="020F0502020204030204" pitchFamily="34" charset="0"/>
-                <a:ea typeface="Verdana"/>
-                <a:cs typeface="Calibri" panose="020F0502020204030204" pitchFamily="34" charset="0"/>
-              </a:rPr>
-              <a:t> </a:t>
-            </a:r>
-            <a:r>
-              <a:rPr lang="en-US" sz="1700" b="0" strike="noStrike" spc="-1" dirty="0" err="1">
-                <a:solidFill>
-                  <a:srgbClr val="000000"/>
-                </a:solidFill>
-                <a:uFill>
-                  <a:solidFill>
-                    <a:srgbClr val="FFFFFF"/>
-                  </a:solidFill>
-                </a:uFill>
-                <a:latin typeface="Calibri" panose="020F0502020204030204" pitchFamily="34" charset="0"/>
-                <a:ea typeface="Verdana"/>
-                <a:cs typeface="Calibri" panose="020F0502020204030204" pitchFamily="34" charset="0"/>
-              </a:rPr>
-              <a:t>PageObject’y</a:t>
-            </a:r>
-            <a:endParaRPr lang="en-US" sz="1700" b="0" strike="noStrike" spc="-1" dirty="0">
-              <a:solidFill>
-                <a:srgbClr val="000000"/>
-              </a:solidFill>
-              <a:uFill>
-                <a:solidFill>
-                  <a:srgbClr val="FFFFFF"/>
-                </a:solidFill>
-              </a:uFill>
-              <a:latin typeface="Calibri" panose="020F0502020204030204" pitchFamily="34" charset="0"/>
-              <a:cs typeface="Calibri" panose="020F0502020204030204" pitchFamily="34" charset="0"/>
-            </a:endParaRPr>
-          </a:p>
-          <a:p>
-            <a:pPr marL="285840" indent="-272520">
-              <a:lnSpc>
-                <a:spcPct val="150000"/>
-              </a:lnSpc>
-              <a:buClr>
-                <a:srgbClr val="000000"/>
-              </a:buClr>
-              <a:buFont typeface="Verdana"/>
-              <a:buChar char="•"/>
-            </a:pPr>
-            <a:r>
-              <a:rPr lang="en-US" sz="1700" b="0" u="sng" strike="noStrike" spc="-1" dirty="0" err="1">
-                <a:solidFill>
-                  <a:srgbClr val="000000"/>
-                </a:solidFill>
-                <a:uFill>
-                  <a:solidFill>
-                    <a:srgbClr val="FFFFFF"/>
-                  </a:solidFill>
-                </a:uFill>
-                <a:latin typeface="Calibri" panose="020F0502020204030204" pitchFamily="34" charset="0"/>
-                <a:ea typeface="Verdana"/>
-                <a:cs typeface="Calibri" panose="020F0502020204030204" pitchFamily="34" charset="0"/>
-              </a:rPr>
-              <a:t>Nie</a:t>
-            </a:r>
-            <a:r>
-              <a:rPr lang="en-US" sz="1700" b="0" u="sng" strike="noStrike" spc="-1" dirty="0">
-                <a:solidFill>
-                  <a:srgbClr val="000000"/>
-                </a:solidFill>
-                <a:uFill>
-                  <a:solidFill>
-                    <a:srgbClr val="FFFFFF"/>
-                  </a:solidFill>
-                </a:uFill>
-                <a:latin typeface="Calibri" panose="020F0502020204030204" pitchFamily="34" charset="0"/>
-                <a:ea typeface="Verdana"/>
-                <a:cs typeface="Calibri" panose="020F0502020204030204" pitchFamily="34" charset="0"/>
-              </a:rPr>
-              <a:t> </a:t>
-            </a:r>
-            <a:r>
-              <a:rPr lang="en-US" sz="1700" b="0" u="sng" strike="noStrike" spc="-1" dirty="0" err="1">
-                <a:solidFill>
-                  <a:srgbClr val="000000"/>
-                </a:solidFill>
-                <a:uFill>
-                  <a:solidFill>
-                    <a:srgbClr val="FFFFFF"/>
-                  </a:solidFill>
-                </a:uFill>
-                <a:latin typeface="Calibri" panose="020F0502020204030204" pitchFamily="34" charset="0"/>
-                <a:ea typeface="Verdana"/>
-                <a:cs typeface="Calibri" panose="020F0502020204030204" pitchFamily="34" charset="0"/>
-              </a:rPr>
-              <a:t>muszą</a:t>
-            </a:r>
-            <a:r>
-              <a:rPr lang="en-US" sz="1700" b="0" u="sng" strike="noStrike" spc="-1" dirty="0">
-                <a:solidFill>
-                  <a:srgbClr val="000000"/>
-                </a:solidFill>
-                <a:uFill>
-                  <a:solidFill>
-                    <a:srgbClr val="FFFFFF"/>
-                  </a:solidFill>
-                </a:uFill>
-                <a:latin typeface="Calibri" panose="020F0502020204030204" pitchFamily="34" charset="0"/>
-                <a:ea typeface="Verdana"/>
-                <a:cs typeface="Calibri" panose="020F0502020204030204" pitchFamily="34" charset="0"/>
-              </a:rPr>
-              <a:t> </a:t>
-            </a:r>
-            <a:r>
-              <a:rPr lang="en-US" sz="1700" b="0" u="sng" strike="noStrike" spc="-1" dirty="0" err="1">
-                <a:solidFill>
-                  <a:srgbClr val="000000"/>
-                </a:solidFill>
-                <a:uFill>
-                  <a:solidFill>
-                    <a:srgbClr val="FFFFFF"/>
-                  </a:solidFill>
-                </a:uFill>
-                <a:latin typeface="Calibri" panose="020F0502020204030204" pitchFamily="34" charset="0"/>
-                <a:ea typeface="Verdana"/>
-                <a:cs typeface="Calibri" panose="020F0502020204030204" pitchFamily="34" charset="0"/>
-              </a:rPr>
-              <a:t>reprezentować</a:t>
-            </a:r>
-            <a:r>
-              <a:rPr lang="en-US" sz="1700" b="0" u="sng" strike="noStrike" spc="-1" dirty="0">
-                <a:solidFill>
-                  <a:srgbClr val="000000"/>
-                </a:solidFill>
-                <a:uFill>
-                  <a:solidFill>
-                    <a:srgbClr val="FFFFFF"/>
-                  </a:solidFill>
-                </a:uFill>
-                <a:latin typeface="Calibri" panose="020F0502020204030204" pitchFamily="34" charset="0"/>
-                <a:ea typeface="Verdana"/>
-                <a:cs typeface="Calibri" panose="020F0502020204030204" pitchFamily="34" charset="0"/>
-              </a:rPr>
-              <a:t> </a:t>
-            </a:r>
-            <a:r>
-              <a:rPr lang="en-US" sz="1700" b="0" u="sng" strike="noStrike" spc="-1" dirty="0" err="1">
-                <a:solidFill>
-                  <a:srgbClr val="000000"/>
-                </a:solidFill>
-                <a:uFill>
-                  <a:solidFill>
-                    <a:srgbClr val="FFFFFF"/>
-                  </a:solidFill>
-                </a:uFill>
-                <a:latin typeface="Calibri" panose="020F0502020204030204" pitchFamily="34" charset="0"/>
-                <a:ea typeface="Verdana"/>
-                <a:cs typeface="Calibri" panose="020F0502020204030204" pitchFamily="34" charset="0"/>
-              </a:rPr>
-              <a:t>całej</a:t>
-            </a:r>
-            <a:r>
-              <a:rPr lang="en-US" sz="1700" b="0" u="sng" strike="noStrike" spc="-1" dirty="0">
-                <a:solidFill>
-                  <a:srgbClr val="000000"/>
-                </a:solidFill>
-                <a:uFill>
-                  <a:solidFill>
-                    <a:srgbClr val="FFFFFF"/>
-                  </a:solidFill>
-                </a:uFill>
-                <a:latin typeface="Calibri" panose="020F0502020204030204" pitchFamily="34" charset="0"/>
-                <a:ea typeface="Verdana"/>
-                <a:cs typeface="Calibri" panose="020F0502020204030204" pitchFamily="34" charset="0"/>
-              </a:rPr>
-              <a:t> </a:t>
-            </a:r>
-            <a:r>
-              <a:rPr lang="en-US" sz="1700" b="0" u="sng" strike="noStrike" spc="-1" dirty="0" err="1">
-                <a:solidFill>
-                  <a:srgbClr val="000000"/>
-                </a:solidFill>
-                <a:uFill>
-                  <a:solidFill>
-                    <a:srgbClr val="FFFFFF"/>
-                  </a:solidFill>
-                </a:uFill>
-                <a:latin typeface="Calibri" panose="020F0502020204030204" pitchFamily="34" charset="0"/>
-                <a:ea typeface="Verdana"/>
-                <a:cs typeface="Calibri" panose="020F0502020204030204" pitchFamily="34" charset="0"/>
-              </a:rPr>
-              <a:t>strony</a:t>
-            </a:r>
-            <a:endParaRPr lang="en-US" sz="1700" b="0" strike="noStrike" spc="-1" dirty="0">
-              <a:solidFill>
-                <a:srgbClr val="000000"/>
-              </a:solidFill>
-              <a:uFill>
-                <a:solidFill>
-                  <a:srgbClr val="FFFFFF"/>
-                </a:solidFill>
-              </a:uFill>
-              <a:latin typeface="Calibri" panose="020F0502020204030204" pitchFamily="34" charset="0"/>
-              <a:cs typeface="Calibri" panose="020F0502020204030204" pitchFamily="34" charset="0"/>
-            </a:endParaRPr>
-          </a:p>
-          <a:p>
-            <a:pPr>
-              <a:lnSpc>
-                <a:spcPct val="150000"/>
-              </a:lnSpc>
-            </a:pPr>
-            <a:endParaRPr lang="en-US" sz="1700" b="0" strike="noStrike" spc="-1" dirty="0">
-              <a:solidFill>
-                <a:srgbClr val="000000"/>
-              </a:solidFill>
-              <a:uFill>
-                <a:solidFill>
-                  <a:srgbClr val="FFFFFF"/>
-                </a:solidFill>
-              </a:uFill>
-              <a:latin typeface="Calibri" panose="020F0502020204030204" pitchFamily="34" charset="0"/>
-              <a:cs typeface="Calibri" panose="020F0502020204030204" pitchFamily="34" charset="0"/>
-            </a:endParaRPr>
-          </a:p>
-        </p:txBody>
-      </p:sp>
     </p:spTree>
+    <p:extLst>
+      <p:ext uri="{BB962C8B-B14F-4D97-AF65-F5344CB8AC3E}">
+        <p14:creationId xmlns:p14="http://schemas.microsoft.com/office/powerpoint/2010/main" val="1934168449"/>
+      </p:ext>
+    </p:extLst>
   </p:cSld>
   <p:clrMapOvr>
     <a:masterClrMapping/>
@@ -15711,7 +15484,7 @@
       </p:grpSpPr>
       <p:sp>
         <p:nvSpPr>
-          <p:cNvPr id="180" name="CustomShape 1"/>
+          <p:cNvPr id="174" name="CustomShape 1"/>
           <p:cNvSpPr/>
           <p:nvPr/>
         </p:nvSpPr>
@@ -15780,13 +15553,13 @@
       </p:sp>
       <p:sp>
         <p:nvSpPr>
-          <p:cNvPr id="181" name="TextShape 2"/>
+          <p:cNvPr id="175" name="TextShape 2"/>
           <p:cNvSpPr txBox="1"/>
           <p:nvPr/>
         </p:nvSpPr>
         <p:spPr>
           <a:xfrm>
-            <a:off x="298440" y="598140"/>
+            <a:off x="298440" y="586710"/>
             <a:ext cx="8229240" cy="781560"/>
           </a:xfrm>
           <a:prstGeom prst="rect">
@@ -15807,6 +15580,21 @@
               </a:lnSpc>
             </a:pPr>
             <a:r>
+              <a:rPr lang="pl-PL" sz="2800" b="1" strike="noStrike" spc="-1" dirty="0" err="1">
+                <a:solidFill>
+                  <a:srgbClr val="000000"/>
+                </a:solidFill>
+                <a:uFill>
+                  <a:solidFill>
+                    <a:srgbClr val="FFFFFF"/>
+                  </a:solidFill>
+                </a:uFill>
+                <a:latin typeface="Cambria" panose="02040503050406030204" pitchFamily="18" charset="0"/>
+                <a:ea typeface="Verdana"/>
+              </a:rPr>
+              <a:t>Page</a:t>
+            </a:r>
+            <a:r>
               <a:rPr lang="pl-PL" sz="2800" b="1" strike="noStrike" spc="-1" dirty="0">
                 <a:solidFill>
                   <a:srgbClr val="000000"/>
@@ -15819,7 +15607,7 @@
                 <a:latin typeface="Cambria" panose="02040503050406030204" pitchFamily="18" charset="0"/>
                 <a:ea typeface="Verdana"/>
               </a:rPr>
-              <a:t>Object </a:t>
+              <a:t> </a:t>
             </a:r>
             <a:r>
               <a:rPr lang="pl-PL" sz="2800" b="1" strike="noStrike" spc="-1" dirty="0" err="1">
@@ -15834,7 +15622,7 @@
                 <a:latin typeface="Cambria" panose="02040503050406030204" pitchFamily="18" charset="0"/>
                 <a:ea typeface="Verdana"/>
               </a:rPr>
-              <a:t>factory</a:t>
+              <a:t>object</a:t>
             </a:r>
             <a:endParaRPr lang="en-US" sz="1400" b="0" strike="noStrike" spc="-1" dirty="0">
               <a:solidFill>
@@ -15852,7 +15640,7 @@
       </p:sp>
       <p:sp>
         <p:nvSpPr>
-          <p:cNvPr id="182" name="CustomShape 3"/>
+          <p:cNvPr id="176" name="CustomShape 3"/>
           <p:cNvSpPr/>
           <p:nvPr/>
         </p:nvSpPr>
@@ -15884,7 +15672,7 @@
       </p:sp>
       <p:sp>
         <p:nvSpPr>
-          <p:cNvPr id="183" name="CustomShape 4"/>
+          <p:cNvPr id="177" name="CustomShape 4"/>
           <p:cNvSpPr/>
           <p:nvPr/>
         </p:nvSpPr>
@@ -15933,7 +15721,7 @@
       </p:sp>
       <p:sp>
         <p:nvSpPr>
-          <p:cNvPr id="184" name="TextShape 5"/>
+          <p:cNvPr id="178" name="TextShape 5"/>
           <p:cNvSpPr txBox="1"/>
           <p:nvPr/>
         </p:nvSpPr>
@@ -15959,7 +15747,7 @@
                 <a:spcPct val="100000"/>
               </a:lnSpc>
             </a:pPr>
-            <a:fld id="{A58EF036-3A35-4B8E-AD32-763BE908C2D6}" type="slidenum">
+            <a:fld id="{C3AA5FD5-748E-4DD8-A8AC-1BCA49676850}" type="slidenum">
               <a:rPr lang="en-US" sz="1200" b="0" strike="noStrike" spc="-1">
                 <a:solidFill>
                   <a:srgbClr val="888888"/>
@@ -15990,14 +15778,14 @@
       </p:sp>
       <p:sp>
         <p:nvSpPr>
-          <p:cNvPr id="185" name="CustomShape 6"/>
+          <p:cNvPr id="179" name="CustomShape 6"/>
           <p:cNvSpPr/>
           <p:nvPr/>
         </p:nvSpPr>
         <p:spPr>
           <a:xfrm>
             <a:off x="298440" y="1248480"/>
-            <a:ext cx="8643240" cy="1753920"/>
+            <a:ext cx="8643240" cy="2307960"/>
           </a:xfrm>
           <a:prstGeom prst="rect">
             <a:avLst/>
@@ -16023,78 +15811,1171 @@
           <a:bodyPr/>
           <a:lstStyle/>
           <a:p>
-            <a:pPr marL="285750" indent="-285750">
+            <a:pPr marL="285840" indent="-272520">
               <a:lnSpc>
                 <a:spcPct val="150000"/>
               </a:lnSpc>
-              <a:buFont typeface="Arial" panose="020B0604020202020204" pitchFamily="34" charset="0"/>
+              <a:buClr>
+                <a:srgbClr val="000000"/>
+              </a:buClr>
+              <a:buFont typeface="Verdana"/>
               <a:buChar char="•"/>
             </a:pPr>
             <a:r>
-              <a:rPr lang="pl-PL" sz="1700" spc="-1" dirty="0">
-                <a:solidFill>
-                  <a:srgbClr val="000000"/>
-                </a:solidFill>
-                <a:uFill>
-                  <a:solidFill>
-                    <a:srgbClr val="FFFFFF"/>
-                  </a:solidFill>
-                </a:uFill>
-                <a:latin typeface="Calibri" panose="020F0502020204030204" pitchFamily="34" charset="0"/>
-                <a:ea typeface="Verdana"/>
-                <a:cs typeface="Calibri" panose="020F0502020204030204" pitchFamily="34" charset="0"/>
-              </a:rPr>
-              <a:t>Dostarcza obiekty</a:t>
-            </a:r>
-          </a:p>
-          <a:p>
-            <a:pPr marL="285750" indent="-285750">
+              <a:rPr lang="en-US" sz="1700" b="0" strike="noStrike" spc="-1" dirty="0" err="1">
+                <a:solidFill>
+                  <a:srgbClr val="000000"/>
+                </a:solidFill>
+                <a:uFill>
+                  <a:solidFill>
+                    <a:srgbClr val="FFFFFF"/>
+                  </a:solidFill>
+                </a:uFill>
+                <a:latin typeface="Calibri" panose="020F0502020204030204" pitchFamily="34" charset="0"/>
+                <a:ea typeface="Verdana"/>
+                <a:cs typeface="Calibri" panose="020F0502020204030204" pitchFamily="34" charset="0"/>
+              </a:rPr>
+              <a:t>Metody</a:t>
+            </a:r>
+            <a:r>
+              <a:rPr lang="en-US" sz="1700" b="0" strike="noStrike" spc="-1" dirty="0">
+                <a:solidFill>
+                  <a:srgbClr val="000000"/>
+                </a:solidFill>
+                <a:uFill>
+                  <a:solidFill>
+                    <a:srgbClr val="FFFFFF"/>
+                  </a:solidFill>
+                </a:uFill>
+                <a:latin typeface="Calibri" panose="020F0502020204030204" pitchFamily="34" charset="0"/>
+                <a:ea typeface="Verdana"/>
+                <a:cs typeface="Calibri" panose="020F0502020204030204" pitchFamily="34" charset="0"/>
+              </a:rPr>
+              <a:t> </a:t>
+            </a:r>
+            <a:r>
+              <a:rPr lang="en-US" sz="1700" b="0" strike="noStrike" spc="-1" dirty="0" err="1">
+                <a:solidFill>
+                  <a:srgbClr val="000000"/>
+                </a:solidFill>
+                <a:uFill>
+                  <a:solidFill>
+                    <a:srgbClr val="FFFFFF"/>
+                  </a:solidFill>
+                </a:uFill>
+                <a:latin typeface="Calibri" panose="020F0502020204030204" pitchFamily="34" charset="0"/>
+                <a:ea typeface="Verdana"/>
+                <a:cs typeface="Calibri" panose="020F0502020204030204" pitchFamily="34" charset="0"/>
+              </a:rPr>
+              <a:t>publiczne</a:t>
+            </a:r>
+            <a:r>
+              <a:rPr lang="en-US" sz="1700" b="0" strike="noStrike" spc="-1" dirty="0">
+                <a:solidFill>
+                  <a:srgbClr val="000000"/>
+                </a:solidFill>
+                <a:uFill>
+                  <a:solidFill>
+                    <a:srgbClr val="FFFFFF"/>
+                  </a:solidFill>
+                </a:uFill>
+                <a:latin typeface="Calibri" panose="020F0502020204030204" pitchFamily="34" charset="0"/>
+                <a:ea typeface="Verdana"/>
+                <a:cs typeface="Calibri" panose="020F0502020204030204" pitchFamily="34" charset="0"/>
+              </a:rPr>
+              <a:t> </a:t>
+            </a:r>
+            <a:r>
+              <a:rPr lang="en-US" sz="1700" b="0" strike="noStrike" spc="-1" dirty="0" err="1">
+                <a:solidFill>
+                  <a:srgbClr val="000000"/>
+                </a:solidFill>
+                <a:uFill>
+                  <a:solidFill>
+                    <a:srgbClr val="FFFFFF"/>
+                  </a:solidFill>
+                </a:uFill>
+                <a:latin typeface="Calibri" panose="020F0502020204030204" pitchFamily="34" charset="0"/>
+                <a:ea typeface="Verdana"/>
+                <a:cs typeface="Calibri" panose="020F0502020204030204" pitchFamily="34" charset="0"/>
+              </a:rPr>
+              <a:t>odpowiadają</a:t>
+            </a:r>
+            <a:r>
+              <a:rPr lang="en-US" sz="1700" b="0" strike="noStrike" spc="-1" dirty="0">
+                <a:solidFill>
+                  <a:srgbClr val="000000"/>
+                </a:solidFill>
+                <a:uFill>
+                  <a:solidFill>
+                    <a:srgbClr val="FFFFFF"/>
+                  </a:solidFill>
+                </a:uFill>
+                <a:latin typeface="Calibri" panose="020F0502020204030204" pitchFamily="34" charset="0"/>
+                <a:ea typeface="Verdana"/>
+                <a:cs typeface="Calibri" panose="020F0502020204030204" pitchFamily="34" charset="0"/>
+              </a:rPr>
+              <a:t> </a:t>
+            </a:r>
+            <a:r>
+              <a:rPr lang="en-US" sz="1700" b="0" strike="noStrike" spc="-1" dirty="0" err="1">
+                <a:solidFill>
+                  <a:srgbClr val="000000"/>
+                </a:solidFill>
+                <a:uFill>
+                  <a:solidFill>
+                    <a:srgbClr val="FFFFFF"/>
+                  </a:solidFill>
+                </a:uFill>
+                <a:latin typeface="Calibri" panose="020F0502020204030204" pitchFamily="34" charset="0"/>
+                <a:ea typeface="Verdana"/>
+                <a:cs typeface="Calibri" panose="020F0502020204030204" pitchFamily="34" charset="0"/>
+              </a:rPr>
+              <a:t>akcjom</a:t>
+            </a:r>
+            <a:r>
+              <a:rPr lang="en-US" sz="1700" b="0" strike="noStrike" spc="-1" dirty="0">
+                <a:solidFill>
+                  <a:srgbClr val="000000"/>
+                </a:solidFill>
+                <a:uFill>
+                  <a:solidFill>
+                    <a:srgbClr val="FFFFFF"/>
+                  </a:solidFill>
+                </a:uFill>
+                <a:latin typeface="Calibri" panose="020F0502020204030204" pitchFamily="34" charset="0"/>
+                <a:ea typeface="Verdana"/>
+                <a:cs typeface="Calibri" panose="020F0502020204030204" pitchFamily="34" charset="0"/>
+              </a:rPr>
+              <a:t> </a:t>
+            </a:r>
+            <a:r>
+              <a:rPr lang="en-US" sz="1700" b="0" strike="noStrike" spc="-1" dirty="0" err="1">
+                <a:solidFill>
+                  <a:srgbClr val="000000"/>
+                </a:solidFill>
+                <a:uFill>
+                  <a:solidFill>
+                    <a:srgbClr val="FFFFFF"/>
+                  </a:solidFill>
+                </a:uFill>
+                <a:latin typeface="Calibri" panose="020F0502020204030204" pitchFamily="34" charset="0"/>
+                <a:ea typeface="Verdana"/>
+                <a:cs typeface="Calibri" panose="020F0502020204030204" pitchFamily="34" charset="0"/>
+              </a:rPr>
+              <a:t>które</a:t>
+            </a:r>
+            <a:r>
+              <a:rPr lang="en-US" sz="1700" b="0" strike="noStrike" spc="-1" dirty="0">
+                <a:solidFill>
+                  <a:srgbClr val="000000"/>
+                </a:solidFill>
+                <a:uFill>
+                  <a:solidFill>
+                    <a:srgbClr val="FFFFFF"/>
+                  </a:solidFill>
+                </a:uFill>
+                <a:latin typeface="Calibri" panose="020F0502020204030204" pitchFamily="34" charset="0"/>
+                <a:ea typeface="Verdana"/>
+                <a:cs typeface="Calibri" panose="020F0502020204030204" pitchFamily="34" charset="0"/>
+              </a:rPr>
+              <a:t> </a:t>
+            </a:r>
+            <a:r>
+              <a:rPr lang="en-US" sz="1700" b="0" strike="noStrike" spc="-1" dirty="0" err="1">
+                <a:solidFill>
+                  <a:srgbClr val="000000"/>
+                </a:solidFill>
+                <a:uFill>
+                  <a:solidFill>
+                    <a:srgbClr val="FFFFFF"/>
+                  </a:solidFill>
+                </a:uFill>
+                <a:latin typeface="Calibri" panose="020F0502020204030204" pitchFamily="34" charset="0"/>
+                <a:ea typeface="Verdana"/>
+                <a:cs typeface="Calibri" panose="020F0502020204030204" pitchFamily="34" charset="0"/>
+              </a:rPr>
+              <a:t>są</a:t>
+            </a:r>
+            <a:r>
+              <a:rPr lang="en-US" sz="1700" b="0" strike="noStrike" spc="-1" dirty="0">
+                <a:solidFill>
+                  <a:srgbClr val="000000"/>
+                </a:solidFill>
+                <a:uFill>
+                  <a:solidFill>
+                    <a:srgbClr val="FFFFFF"/>
+                  </a:solidFill>
+                </a:uFill>
+                <a:latin typeface="Calibri" panose="020F0502020204030204" pitchFamily="34" charset="0"/>
+                <a:ea typeface="Verdana"/>
+                <a:cs typeface="Calibri" panose="020F0502020204030204" pitchFamily="34" charset="0"/>
+              </a:rPr>
+              <a:t> </a:t>
+            </a:r>
+            <a:r>
+              <a:rPr lang="en-US" sz="1700" b="0" strike="noStrike" spc="-1" dirty="0" err="1">
+                <a:solidFill>
+                  <a:srgbClr val="000000"/>
+                </a:solidFill>
+                <a:uFill>
+                  <a:solidFill>
+                    <a:srgbClr val="FFFFFF"/>
+                  </a:solidFill>
+                </a:uFill>
+                <a:latin typeface="Calibri" panose="020F0502020204030204" pitchFamily="34" charset="0"/>
+                <a:ea typeface="Verdana"/>
+                <a:cs typeface="Calibri" panose="020F0502020204030204" pitchFamily="34" charset="0"/>
+              </a:rPr>
+              <a:t>dostępne</a:t>
+            </a:r>
+            <a:r>
+              <a:rPr lang="en-US" sz="1700" b="0" strike="noStrike" spc="-1" dirty="0">
+                <a:solidFill>
+                  <a:srgbClr val="000000"/>
+                </a:solidFill>
+                <a:uFill>
+                  <a:solidFill>
+                    <a:srgbClr val="FFFFFF"/>
+                  </a:solidFill>
+                </a:uFill>
+                <a:latin typeface="Calibri" panose="020F0502020204030204" pitchFamily="34" charset="0"/>
+                <a:ea typeface="Verdana"/>
+                <a:cs typeface="Calibri" panose="020F0502020204030204" pitchFamily="34" charset="0"/>
+              </a:rPr>
+              <a:t> </a:t>
+            </a:r>
+            <a:r>
+              <a:rPr lang="en-US" sz="1700" b="0" strike="noStrike" spc="-1" dirty="0" err="1">
+                <a:solidFill>
+                  <a:srgbClr val="000000"/>
+                </a:solidFill>
+                <a:uFill>
+                  <a:solidFill>
+                    <a:srgbClr val="FFFFFF"/>
+                  </a:solidFill>
+                </a:uFill>
+                <a:latin typeface="Calibri" panose="020F0502020204030204" pitchFamily="34" charset="0"/>
+                <a:ea typeface="Verdana"/>
+                <a:cs typeface="Calibri" panose="020F0502020204030204" pitchFamily="34" charset="0"/>
+              </a:rPr>
+              <a:t>na</a:t>
+            </a:r>
+            <a:r>
+              <a:rPr lang="en-US" sz="1700" b="0" strike="noStrike" spc="-1" dirty="0">
+                <a:solidFill>
+                  <a:srgbClr val="000000"/>
+                </a:solidFill>
+                <a:uFill>
+                  <a:solidFill>
+                    <a:srgbClr val="FFFFFF"/>
+                  </a:solidFill>
+                </a:uFill>
+                <a:latin typeface="Calibri" panose="020F0502020204030204" pitchFamily="34" charset="0"/>
+                <a:ea typeface="Verdana"/>
+                <a:cs typeface="Calibri" panose="020F0502020204030204" pitchFamily="34" charset="0"/>
+              </a:rPr>
+              <a:t> </a:t>
+            </a:r>
+            <a:r>
+              <a:rPr lang="en-US" sz="1700" b="0" strike="noStrike" spc="-1" dirty="0" err="1">
+                <a:solidFill>
+                  <a:srgbClr val="000000"/>
+                </a:solidFill>
+                <a:uFill>
+                  <a:solidFill>
+                    <a:srgbClr val="FFFFFF"/>
+                  </a:solidFill>
+                </a:uFill>
+                <a:latin typeface="Calibri" panose="020F0502020204030204" pitchFamily="34" charset="0"/>
+                <a:ea typeface="Verdana"/>
+                <a:cs typeface="Calibri" panose="020F0502020204030204" pitchFamily="34" charset="0"/>
+              </a:rPr>
+              <a:t>ekranie</a:t>
+            </a:r>
+            <a:r>
+              <a:rPr lang="en-US" sz="1700" b="0" strike="noStrike" spc="-1" dirty="0">
+                <a:solidFill>
+                  <a:srgbClr val="000000"/>
+                </a:solidFill>
+                <a:uFill>
+                  <a:solidFill>
+                    <a:srgbClr val="FFFFFF"/>
+                  </a:solidFill>
+                </a:uFill>
+                <a:latin typeface="Calibri" panose="020F0502020204030204" pitchFamily="34" charset="0"/>
+                <a:ea typeface="Verdana"/>
+                <a:cs typeface="Calibri" panose="020F0502020204030204" pitchFamily="34" charset="0"/>
+              </a:rPr>
+              <a:t>,</a:t>
+            </a:r>
+            <a:endParaRPr lang="en-US" sz="1700" b="0" strike="noStrike" spc="-1" dirty="0">
+              <a:solidFill>
+                <a:srgbClr val="000000"/>
+              </a:solidFill>
+              <a:uFill>
+                <a:solidFill>
+                  <a:srgbClr val="FFFFFF"/>
+                </a:solidFill>
+              </a:uFill>
+              <a:latin typeface="Calibri" panose="020F0502020204030204" pitchFamily="34" charset="0"/>
+              <a:cs typeface="Calibri" panose="020F0502020204030204" pitchFamily="34" charset="0"/>
+            </a:endParaRPr>
+          </a:p>
+          <a:p>
+            <a:pPr marL="285840" indent="-272520">
               <a:lnSpc>
                 <a:spcPct val="150000"/>
               </a:lnSpc>
-              <a:buFont typeface="Arial" panose="020B0604020202020204" pitchFamily="34" charset="0"/>
+              <a:buClr>
+                <a:srgbClr val="000000"/>
+              </a:buClr>
+              <a:buFont typeface="Verdana"/>
               <a:buChar char="•"/>
             </a:pPr>
             <a:r>
-              <a:rPr lang="pl-PL" sz="1700" spc="-1" dirty="0">
-                <a:solidFill>
-                  <a:srgbClr val="000000"/>
-                </a:solidFill>
-                <a:uFill>
-                  <a:solidFill>
-                    <a:srgbClr val="FFFFFF"/>
-                  </a:solidFill>
-                </a:uFill>
-                <a:latin typeface="Calibri" panose="020F0502020204030204" pitchFamily="34" charset="0"/>
-                <a:ea typeface="Verdana"/>
-                <a:cs typeface="Calibri" panose="020F0502020204030204" pitchFamily="34" charset="0"/>
-              </a:rPr>
-              <a:t>Zajmuje się ich odpowiednią inicjalizacją</a:t>
-            </a:r>
-          </a:p>
-          <a:p>
-            <a:pPr marL="285750" indent="-285750">
+              <a:rPr lang="en-US" sz="1700" b="0" strike="noStrike" spc="-1" dirty="0" err="1">
+                <a:solidFill>
+                  <a:srgbClr val="000000"/>
+                </a:solidFill>
+                <a:uFill>
+                  <a:solidFill>
+                    <a:srgbClr val="FFFFFF"/>
+                  </a:solidFill>
+                </a:uFill>
+                <a:latin typeface="Calibri" panose="020F0502020204030204" pitchFamily="34" charset="0"/>
+                <a:ea typeface="Verdana"/>
+                <a:cs typeface="Calibri" panose="020F0502020204030204" pitchFamily="34" charset="0"/>
+              </a:rPr>
+              <a:t>Nie</a:t>
+            </a:r>
+            <a:r>
+              <a:rPr lang="en-US" sz="1700" b="0" strike="noStrike" spc="-1" dirty="0">
+                <a:solidFill>
+                  <a:srgbClr val="000000"/>
+                </a:solidFill>
+                <a:uFill>
+                  <a:solidFill>
+                    <a:srgbClr val="FFFFFF"/>
+                  </a:solidFill>
+                </a:uFill>
+                <a:latin typeface="Calibri" panose="020F0502020204030204" pitchFamily="34" charset="0"/>
+                <a:ea typeface="Verdana"/>
+                <a:cs typeface="Calibri" panose="020F0502020204030204" pitchFamily="34" charset="0"/>
+              </a:rPr>
+              <a:t> </a:t>
+            </a:r>
+            <a:r>
+              <a:rPr lang="en-US" sz="1700" b="0" strike="noStrike" spc="-1" dirty="0" err="1">
+                <a:solidFill>
+                  <a:srgbClr val="000000"/>
+                </a:solidFill>
+                <a:uFill>
+                  <a:solidFill>
+                    <a:srgbClr val="FFFFFF"/>
+                  </a:solidFill>
+                </a:uFill>
+                <a:latin typeface="Calibri" panose="020F0502020204030204" pitchFamily="34" charset="0"/>
+                <a:ea typeface="Verdana"/>
+                <a:cs typeface="Calibri" panose="020F0502020204030204" pitchFamily="34" charset="0"/>
+              </a:rPr>
+              <a:t>powinno</a:t>
+            </a:r>
+            <a:r>
+              <a:rPr lang="en-US" sz="1700" b="0" strike="noStrike" spc="-1" dirty="0">
+                <a:solidFill>
+                  <a:srgbClr val="000000"/>
+                </a:solidFill>
+                <a:uFill>
+                  <a:solidFill>
+                    <a:srgbClr val="FFFFFF"/>
+                  </a:solidFill>
+                </a:uFill>
+                <a:latin typeface="Calibri" panose="020F0502020204030204" pitchFamily="34" charset="0"/>
+                <a:ea typeface="Verdana"/>
+                <a:cs typeface="Calibri" panose="020F0502020204030204" pitchFamily="34" charset="0"/>
+              </a:rPr>
+              <a:t> </a:t>
+            </a:r>
+            <a:r>
+              <a:rPr lang="en-US" sz="1700" b="0" strike="noStrike" spc="-1" dirty="0" err="1">
+                <a:solidFill>
+                  <a:srgbClr val="000000"/>
+                </a:solidFill>
+                <a:uFill>
+                  <a:solidFill>
+                    <a:srgbClr val="FFFFFF"/>
+                  </a:solidFill>
+                </a:uFill>
+                <a:latin typeface="Calibri" panose="020F0502020204030204" pitchFamily="34" charset="0"/>
+                <a:ea typeface="Verdana"/>
+                <a:cs typeface="Calibri" panose="020F0502020204030204" pitchFamily="34" charset="0"/>
+              </a:rPr>
+              <a:t>się</a:t>
+            </a:r>
+            <a:r>
+              <a:rPr lang="en-US" sz="1700" b="0" strike="noStrike" spc="-1" dirty="0">
+                <a:solidFill>
+                  <a:srgbClr val="000000"/>
+                </a:solidFill>
+                <a:uFill>
+                  <a:solidFill>
+                    <a:srgbClr val="FFFFFF"/>
+                  </a:solidFill>
+                </a:uFill>
+                <a:latin typeface="Calibri" panose="020F0502020204030204" pitchFamily="34" charset="0"/>
+                <a:ea typeface="Verdana"/>
+                <a:cs typeface="Calibri" panose="020F0502020204030204" pitchFamily="34" charset="0"/>
+              </a:rPr>
+              <a:t> </a:t>
+            </a:r>
+            <a:r>
+              <a:rPr lang="en-US" sz="1700" b="0" strike="noStrike" spc="-1" dirty="0" err="1">
+                <a:solidFill>
+                  <a:srgbClr val="000000"/>
+                </a:solidFill>
+                <a:uFill>
+                  <a:solidFill>
+                    <a:srgbClr val="FFFFFF"/>
+                  </a:solidFill>
+                </a:uFill>
+                <a:latin typeface="Calibri" panose="020F0502020204030204" pitchFamily="34" charset="0"/>
+                <a:ea typeface="Verdana"/>
+                <a:cs typeface="Calibri" panose="020F0502020204030204" pitchFamily="34" charset="0"/>
+              </a:rPr>
+              <a:t>wystawiać</a:t>
+            </a:r>
+            <a:r>
+              <a:rPr lang="en-US" sz="1700" b="0" strike="noStrike" spc="-1" dirty="0">
+                <a:solidFill>
+                  <a:srgbClr val="000000"/>
+                </a:solidFill>
+                <a:uFill>
+                  <a:solidFill>
+                    <a:srgbClr val="FFFFFF"/>
+                  </a:solidFill>
+                </a:uFill>
+                <a:latin typeface="Calibri" panose="020F0502020204030204" pitchFamily="34" charset="0"/>
+                <a:ea typeface="Verdana"/>
+                <a:cs typeface="Calibri" panose="020F0502020204030204" pitchFamily="34" charset="0"/>
+              </a:rPr>
+              <a:t> „</a:t>
+            </a:r>
+            <a:r>
+              <a:rPr lang="en-US" sz="1700" b="0" strike="noStrike" spc="-1" dirty="0" err="1">
+                <a:solidFill>
+                  <a:srgbClr val="000000"/>
+                </a:solidFill>
+                <a:uFill>
+                  <a:solidFill>
+                    <a:srgbClr val="FFFFFF"/>
+                  </a:solidFill>
+                </a:uFill>
+                <a:latin typeface="Calibri" panose="020F0502020204030204" pitchFamily="34" charset="0"/>
+                <a:ea typeface="Verdana"/>
+                <a:cs typeface="Calibri" panose="020F0502020204030204" pitchFamily="34" charset="0"/>
+              </a:rPr>
+              <a:t>na</a:t>
+            </a:r>
+            <a:r>
+              <a:rPr lang="en-US" sz="1700" b="0" strike="noStrike" spc="-1" dirty="0">
+                <a:solidFill>
+                  <a:srgbClr val="000000"/>
+                </a:solidFill>
+                <a:uFill>
+                  <a:solidFill>
+                    <a:srgbClr val="FFFFFF"/>
+                  </a:solidFill>
+                </a:uFill>
+                <a:latin typeface="Calibri" panose="020F0502020204030204" pitchFamily="34" charset="0"/>
+                <a:ea typeface="Verdana"/>
+                <a:cs typeface="Calibri" panose="020F0502020204030204" pitchFamily="34" charset="0"/>
+              </a:rPr>
+              <a:t> </a:t>
+            </a:r>
+            <a:r>
+              <a:rPr lang="en-US" sz="1700" b="0" strike="noStrike" spc="-1" dirty="0" err="1">
+                <a:solidFill>
+                  <a:srgbClr val="000000"/>
+                </a:solidFill>
+                <a:uFill>
+                  <a:solidFill>
+                    <a:srgbClr val="FFFFFF"/>
+                  </a:solidFill>
+                </a:uFill>
+                <a:latin typeface="Calibri" panose="020F0502020204030204" pitchFamily="34" charset="0"/>
+                <a:ea typeface="Verdana"/>
+                <a:cs typeface="Calibri" panose="020F0502020204030204" pitchFamily="34" charset="0"/>
+              </a:rPr>
+              <a:t>zewnątrz</a:t>
+            </a:r>
+            <a:r>
+              <a:rPr lang="en-US" sz="1700" b="0" strike="noStrike" spc="-1" dirty="0">
+                <a:solidFill>
+                  <a:srgbClr val="000000"/>
+                </a:solidFill>
+                <a:uFill>
+                  <a:solidFill>
+                    <a:srgbClr val="FFFFFF"/>
+                  </a:solidFill>
+                </a:uFill>
+                <a:latin typeface="Calibri" panose="020F0502020204030204" pitchFamily="34" charset="0"/>
+                <a:ea typeface="Verdana"/>
+                <a:cs typeface="Calibri" panose="020F0502020204030204" pitchFamily="34" charset="0"/>
+              </a:rPr>
+              <a:t>” </a:t>
+            </a:r>
+            <a:r>
+              <a:rPr lang="en-US" sz="1700" b="0" strike="noStrike" spc="-1" dirty="0" err="1">
+                <a:solidFill>
+                  <a:srgbClr val="000000"/>
+                </a:solidFill>
+                <a:uFill>
+                  <a:solidFill>
+                    <a:srgbClr val="FFFFFF"/>
+                  </a:solidFill>
+                </a:uFill>
+                <a:latin typeface="Calibri" panose="020F0502020204030204" pitchFamily="34" charset="0"/>
+                <a:ea typeface="Verdana"/>
+                <a:cs typeface="Calibri" panose="020F0502020204030204" pitchFamily="34" charset="0"/>
+              </a:rPr>
+              <a:t>struktury</a:t>
+            </a:r>
+            <a:r>
+              <a:rPr lang="en-US" sz="1700" b="0" strike="noStrike" spc="-1" dirty="0">
+                <a:solidFill>
+                  <a:srgbClr val="000000"/>
+                </a:solidFill>
+                <a:uFill>
+                  <a:solidFill>
+                    <a:srgbClr val="FFFFFF"/>
+                  </a:solidFill>
+                </a:uFill>
+                <a:latin typeface="Calibri" panose="020F0502020204030204" pitchFamily="34" charset="0"/>
+                <a:ea typeface="Verdana"/>
+                <a:cs typeface="Calibri" panose="020F0502020204030204" pitchFamily="34" charset="0"/>
+              </a:rPr>
+              <a:t> </a:t>
+            </a:r>
+            <a:r>
+              <a:rPr lang="en-US" sz="1700" b="0" strike="noStrike" spc="-1" dirty="0" err="1">
+                <a:solidFill>
+                  <a:srgbClr val="000000"/>
+                </a:solidFill>
+                <a:uFill>
+                  <a:solidFill>
+                    <a:srgbClr val="FFFFFF"/>
+                  </a:solidFill>
+                </a:uFill>
+                <a:latin typeface="Calibri" panose="020F0502020204030204" pitchFamily="34" charset="0"/>
+                <a:ea typeface="Verdana"/>
+                <a:cs typeface="Calibri" panose="020F0502020204030204" pitchFamily="34" charset="0"/>
+              </a:rPr>
+              <a:t>ekranu</a:t>
+            </a:r>
+            <a:r>
+              <a:rPr lang="en-US" sz="1700" b="0" strike="noStrike" spc="-1" dirty="0">
+                <a:solidFill>
+                  <a:srgbClr val="000000"/>
+                </a:solidFill>
+                <a:uFill>
+                  <a:solidFill>
+                    <a:srgbClr val="FFFFFF"/>
+                  </a:solidFill>
+                </a:uFill>
+                <a:latin typeface="Calibri" panose="020F0502020204030204" pitchFamily="34" charset="0"/>
+                <a:ea typeface="Verdana"/>
+                <a:cs typeface="Calibri" panose="020F0502020204030204" pitchFamily="34" charset="0"/>
+              </a:rPr>
+              <a:t>(</a:t>
+            </a:r>
+            <a:r>
+              <a:rPr lang="en-US" sz="1700" b="0" strike="noStrike" spc="-1" dirty="0" err="1">
+                <a:solidFill>
+                  <a:srgbClr val="000000"/>
+                </a:solidFill>
+                <a:uFill>
+                  <a:solidFill>
+                    <a:srgbClr val="FFFFFF"/>
+                  </a:solidFill>
+                </a:uFill>
+                <a:latin typeface="Calibri" panose="020F0502020204030204" pitchFamily="34" charset="0"/>
+                <a:ea typeface="Verdana"/>
+                <a:cs typeface="Calibri" panose="020F0502020204030204" pitchFamily="34" charset="0"/>
+              </a:rPr>
+              <a:t>kontrolek</a:t>
+            </a:r>
+            <a:r>
+              <a:rPr lang="en-US" sz="1700" b="0" strike="noStrike" spc="-1" dirty="0">
+                <a:solidFill>
+                  <a:srgbClr val="000000"/>
+                </a:solidFill>
+                <a:uFill>
+                  <a:solidFill>
+                    <a:srgbClr val="FFFFFF"/>
+                  </a:solidFill>
+                </a:uFill>
+                <a:latin typeface="Calibri" panose="020F0502020204030204" pitchFamily="34" charset="0"/>
+                <a:ea typeface="Verdana"/>
+                <a:cs typeface="Calibri" panose="020F0502020204030204" pitchFamily="34" charset="0"/>
+              </a:rPr>
+              <a:t> etc.)</a:t>
+            </a:r>
+            <a:endParaRPr lang="en-US" sz="1700" b="0" strike="noStrike" spc="-1" dirty="0">
+              <a:solidFill>
+                <a:srgbClr val="000000"/>
+              </a:solidFill>
+              <a:uFill>
+                <a:solidFill>
+                  <a:srgbClr val="FFFFFF"/>
+                </a:solidFill>
+              </a:uFill>
+              <a:latin typeface="Calibri" panose="020F0502020204030204" pitchFamily="34" charset="0"/>
+              <a:cs typeface="Calibri" panose="020F0502020204030204" pitchFamily="34" charset="0"/>
+            </a:endParaRPr>
+          </a:p>
+          <a:p>
+            <a:pPr marL="285840" indent="-272520">
               <a:lnSpc>
                 <a:spcPct val="150000"/>
               </a:lnSpc>
-              <a:buFont typeface="Arial" panose="020B0604020202020204" pitchFamily="34" charset="0"/>
+              <a:buClr>
+                <a:srgbClr val="000000"/>
+              </a:buClr>
+              <a:buFont typeface="Verdana"/>
               <a:buChar char="•"/>
             </a:pPr>
             <a:r>
-              <a:rPr lang="pl-PL" sz="1700" b="0" strike="noStrike" spc="-1" dirty="0">
-                <a:solidFill>
-                  <a:srgbClr val="000000"/>
-                </a:solidFill>
-                <a:uFill>
-                  <a:solidFill>
-                    <a:srgbClr val="FFFFFF"/>
-                  </a:solidFill>
-                </a:uFill>
-                <a:latin typeface="Calibri" panose="020F0502020204030204" pitchFamily="34" charset="0"/>
-                <a:cs typeface="Calibri" panose="020F0502020204030204" pitchFamily="34" charset="0"/>
-              </a:rPr>
-              <a:t>Upraszcza kod testu</a:t>
-            </a:r>
+              <a:rPr lang="en-US" sz="1700" b="0" strike="noStrike" spc="-1" dirty="0" err="1">
+                <a:solidFill>
+                  <a:srgbClr val="000000"/>
+                </a:solidFill>
+                <a:uFill>
+                  <a:solidFill>
+                    <a:srgbClr val="FFFFFF"/>
+                  </a:solidFill>
+                </a:uFill>
+                <a:latin typeface="Calibri" panose="020F0502020204030204" pitchFamily="34" charset="0"/>
+                <a:ea typeface="Verdana"/>
+                <a:cs typeface="Calibri" panose="020F0502020204030204" pitchFamily="34" charset="0"/>
+              </a:rPr>
+              <a:t>Nie</a:t>
+            </a:r>
+            <a:r>
+              <a:rPr lang="en-US" sz="1700" b="0" strike="noStrike" spc="-1" dirty="0">
+                <a:solidFill>
+                  <a:srgbClr val="000000"/>
+                </a:solidFill>
+                <a:uFill>
+                  <a:solidFill>
+                    <a:srgbClr val="FFFFFF"/>
+                  </a:solidFill>
+                </a:uFill>
+                <a:latin typeface="Calibri" panose="020F0502020204030204" pitchFamily="34" charset="0"/>
+                <a:ea typeface="Verdana"/>
+                <a:cs typeface="Calibri" panose="020F0502020204030204" pitchFamily="34" charset="0"/>
+              </a:rPr>
+              <a:t> </a:t>
+            </a:r>
+            <a:r>
+              <a:rPr lang="en-US" sz="1700" b="0" strike="noStrike" spc="-1" dirty="0" err="1">
+                <a:solidFill>
+                  <a:srgbClr val="000000"/>
+                </a:solidFill>
+                <a:uFill>
+                  <a:solidFill>
+                    <a:srgbClr val="FFFFFF"/>
+                  </a:solidFill>
+                </a:uFill>
+                <a:latin typeface="Calibri" panose="020F0502020204030204" pitchFamily="34" charset="0"/>
+                <a:ea typeface="Verdana"/>
+                <a:cs typeface="Calibri" panose="020F0502020204030204" pitchFamily="34" charset="0"/>
+              </a:rPr>
+              <a:t>powinno</a:t>
+            </a:r>
+            <a:r>
+              <a:rPr lang="en-US" sz="1700" b="0" strike="noStrike" spc="-1" dirty="0">
+                <a:solidFill>
+                  <a:srgbClr val="000000"/>
+                </a:solidFill>
+                <a:uFill>
+                  <a:solidFill>
+                    <a:srgbClr val="FFFFFF"/>
+                  </a:solidFill>
+                </a:uFill>
+                <a:latin typeface="Calibri" panose="020F0502020204030204" pitchFamily="34" charset="0"/>
+                <a:ea typeface="Verdana"/>
+                <a:cs typeface="Calibri" panose="020F0502020204030204" pitchFamily="34" charset="0"/>
+              </a:rPr>
+              <a:t> </a:t>
+            </a:r>
+            <a:r>
+              <a:rPr lang="en-US" sz="1700" b="0" strike="noStrike" spc="-1" dirty="0" err="1">
+                <a:solidFill>
+                  <a:srgbClr val="000000"/>
+                </a:solidFill>
+                <a:uFill>
+                  <a:solidFill>
+                    <a:srgbClr val="FFFFFF"/>
+                  </a:solidFill>
+                </a:uFill>
+                <a:latin typeface="Calibri" panose="020F0502020204030204" pitchFamily="34" charset="0"/>
+                <a:ea typeface="Verdana"/>
+                <a:cs typeface="Calibri" panose="020F0502020204030204" pitchFamily="34" charset="0"/>
+              </a:rPr>
+              <a:t>się</a:t>
+            </a:r>
+            <a:r>
+              <a:rPr lang="en-US" sz="1700" b="0" strike="noStrike" spc="-1" dirty="0">
+                <a:solidFill>
+                  <a:srgbClr val="000000"/>
+                </a:solidFill>
+                <a:uFill>
+                  <a:solidFill>
+                    <a:srgbClr val="FFFFFF"/>
+                  </a:solidFill>
+                </a:uFill>
+                <a:latin typeface="Calibri" panose="020F0502020204030204" pitchFamily="34" charset="0"/>
+                <a:ea typeface="Verdana"/>
+                <a:cs typeface="Calibri" panose="020F0502020204030204" pitchFamily="34" charset="0"/>
+              </a:rPr>
+              <a:t> </a:t>
+            </a:r>
+            <a:r>
+              <a:rPr lang="en-US" sz="1700" b="0" strike="noStrike" spc="-1" dirty="0" err="1">
+                <a:solidFill>
+                  <a:srgbClr val="000000"/>
+                </a:solidFill>
+                <a:uFill>
+                  <a:solidFill>
+                    <a:srgbClr val="FFFFFF"/>
+                  </a:solidFill>
+                </a:uFill>
+                <a:latin typeface="Calibri" panose="020F0502020204030204" pitchFamily="34" charset="0"/>
+                <a:ea typeface="Verdana"/>
+                <a:cs typeface="Calibri" panose="020F0502020204030204" pitchFamily="34" charset="0"/>
+              </a:rPr>
+              <a:t>wykonywać</a:t>
+            </a:r>
+            <a:r>
+              <a:rPr lang="en-US" sz="1700" b="0" strike="noStrike" spc="-1" dirty="0">
+                <a:solidFill>
+                  <a:srgbClr val="000000"/>
+                </a:solidFill>
+                <a:uFill>
+                  <a:solidFill>
+                    <a:srgbClr val="FFFFFF"/>
+                  </a:solidFill>
+                </a:uFill>
+                <a:latin typeface="Calibri" panose="020F0502020204030204" pitchFamily="34" charset="0"/>
+                <a:ea typeface="Verdana"/>
+                <a:cs typeface="Calibri" panose="020F0502020204030204" pitchFamily="34" charset="0"/>
+              </a:rPr>
+              <a:t> w </a:t>
+            </a:r>
+            <a:r>
+              <a:rPr lang="en-US" sz="1700" b="0" strike="noStrike" spc="-1" dirty="0" err="1">
+                <a:solidFill>
+                  <a:srgbClr val="000000"/>
+                </a:solidFill>
+                <a:uFill>
+                  <a:solidFill>
+                    <a:srgbClr val="FFFFFF"/>
+                  </a:solidFill>
+                </a:uFill>
+                <a:latin typeface="Calibri" panose="020F0502020204030204" pitchFamily="34" charset="0"/>
+                <a:ea typeface="Verdana"/>
+                <a:cs typeface="Calibri" panose="020F0502020204030204" pitchFamily="34" charset="0"/>
+              </a:rPr>
+              <a:t>nich</a:t>
+            </a:r>
+            <a:r>
+              <a:rPr lang="en-US" sz="1700" b="0" strike="noStrike" spc="-1" dirty="0">
+                <a:solidFill>
+                  <a:srgbClr val="000000"/>
+                </a:solidFill>
+                <a:uFill>
+                  <a:solidFill>
+                    <a:srgbClr val="FFFFFF"/>
+                  </a:solidFill>
+                </a:uFill>
+                <a:latin typeface="Calibri" panose="020F0502020204030204" pitchFamily="34" charset="0"/>
+                <a:ea typeface="Verdana"/>
+                <a:cs typeface="Calibri" panose="020F0502020204030204" pitchFamily="34" charset="0"/>
+              </a:rPr>
+              <a:t> </a:t>
+            </a:r>
+            <a:r>
+              <a:rPr lang="en-US" sz="1700" b="0" strike="noStrike" spc="-1" dirty="0" err="1">
+                <a:solidFill>
+                  <a:srgbClr val="000000"/>
+                </a:solidFill>
+                <a:uFill>
+                  <a:solidFill>
+                    <a:srgbClr val="FFFFFF"/>
+                  </a:solidFill>
+                </a:uFill>
+                <a:latin typeface="Calibri" panose="020F0502020204030204" pitchFamily="34" charset="0"/>
+                <a:ea typeface="Verdana"/>
+                <a:cs typeface="Calibri" panose="020F0502020204030204" pitchFamily="34" charset="0"/>
+              </a:rPr>
+              <a:t>asercji</a:t>
+            </a:r>
+            <a:endParaRPr lang="en-US" sz="1700" b="0" strike="noStrike" spc="-1" dirty="0">
+              <a:solidFill>
+                <a:srgbClr val="000000"/>
+              </a:solidFill>
+              <a:uFill>
+                <a:solidFill>
+                  <a:srgbClr val="FFFFFF"/>
+                </a:solidFill>
+              </a:uFill>
+              <a:latin typeface="Calibri" panose="020F0502020204030204" pitchFamily="34" charset="0"/>
+              <a:cs typeface="Calibri" panose="020F0502020204030204" pitchFamily="34" charset="0"/>
+            </a:endParaRPr>
+          </a:p>
+          <a:p>
+            <a:pPr marL="285840" indent="-272520">
+              <a:lnSpc>
+                <a:spcPct val="150000"/>
+              </a:lnSpc>
+              <a:buClr>
+                <a:srgbClr val="000000"/>
+              </a:buClr>
+              <a:buFont typeface="Verdana"/>
+              <a:buChar char="•"/>
+            </a:pPr>
+            <a:r>
+              <a:rPr lang="en-US" sz="1700" b="0" strike="noStrike" spc="-1" dirty="0" err="1">
+                <a:solidFill>
+                  <a:srgbClr val="000000"/>
+                </a:solidFill>
+                <a:uFill>
+                  <a:solidFill>
+                    <a:srgbClr val="FFFFFF"/>
+                  </a:solidFill>
+                </a:uFill>
+                <a:latin typeface="Calibri" panose="020F0502020204030204" pitchFamily="34" charset="0"/>
+                <a:ea typeface="Verdana"/>
+                <a:cs typeface="Calibri" panose="020F0502020204030204" pitchFamily="34" charset="0"/>
+              </a:rPr>
+              <a:t>Metody</a:t>
+            </a:r>
+            <a:r>
+              <a:rPr lang="en-US" sz="1700" b="0" strike="noStrike" spc="-1" dirty="0">
+                <a:solidFill>
+                  <a:srgbClr val="000000"/>
+                </a:solidFill>
+                <a:uFill>
+                  <a:solidFill>
+                    <a:srgbClr val="FFFFFF"/>
+                  </a:solidFill>
+                </a:uFill>
+                <a:latin typeface="Calibri" panose="020F0502020204030204" pitchFamily="34" charset="0"/>
+                <a:ea typeface="Verdana"/>
+                <a:cs typeface="Calibri" panose="020F0502020204030204" pitchFamily="34" charset="0"/>
+              </a:rPr>
+              <a:t> </a:t>
+            </a:r>
+            <a:r>
+              <a:rPr lang="en-US" sz="1700" b="0" strike="noStrike" spc="-1" dirty="0" err="1">
+                <a:solidFill>
+                  <a:srgbClr val="000000"/>
+                </a:solidFill>
+                <a:uFill>
+                  <a:solidFill>
+                    <a:srgbClr val="FFFFFF"/>
+                  </a:solidFill>
+                </a:uFill>
+                <a:latin typeface="Calibri" panose="020F0502020204030204" pitchFamily="34" charset="0"/>
+                <a:ea typeface="Verdana"/>
+                <a:cs typeface="Calibri" panose="020F0502020204030204" pitchFamily="34" charset="0"/>
+              </a:rPr>
+              <a:t>mogą</a:t>
+            </a:r>
+            <a:r>
+              <a:rPr lang="en-US" sz="1700" b="0" strike="noStrike" spc="-1" dirty="0">
+                <a:solidFill>
+                  <a:srgbClr val="000000"/>
+                </a:solidFill>
+                <a:uFill>
+                  <a:solidFill>
+                    <a:srgbClr val="FFFFFF"/>
+                  </a:solidFill>
+                </a:uFill>
+                <a:latin typeface="Calibri" panose="020F0502020204030204" pitchFamily="34" charset="0"/>
+                <a:ea typeface="Verdana"/>
+                <a:cs typeface="Calibri" panose="020F0502020204030204" pitchFamily="34" charset="0"/>
+              </a:rPr>
+              <a:t> </a:t>
+            </a:r>
+            <a:r>
+              <a:rPr lang="en-US" sz="1700" b="0" strike="noStrike" spc="-1" dirty="0" err="1">
+                <a:solidFill>
+                  <a:srgbClr val="000000"/>
+                </a:solidFill>
+                <a:uFill>
+                  <a:solidFill>
+                    <a:srgbClr val="FFFFFF"/>
+                  </a:solidFill>
+                </a:uFill>
+                <a:latin typeface="Calibri" panose="020F0502020204030204" pitchFamily="34" charset="0"/>
+                <a:ea typeface="Verdana"/>
+                <a:cs typeface="Calibri" panose="020F0502020204030204" pitchFamily="34" charset="0"/>
+              </a:rPr>
+              <a:t>zwracać</a:t>
+            </a:r>
+            <a:r>
+              <a:rPr lang="en-US" sz="1700" b="0" strike="noStrike" spc="-1" dirty="0">
+                <a:solidFill>
+                  <a:srgbClr val="000000"/>
+                </a:solidFill>
+                <a:uFill>
+                  <a:solidFill>
+                    <a:srgbClr val="FFFFFF"/>
+                  </a:solidFill>
+                </a:uFill>
+                <a:latin typeface="Calibri" panose="020F0502020204030204" pitchFamily="34" charset="0"/>
+                <a:ea typeface="Verdana"/>
+                <a:cs typeface="Calibri" panose="020F0502020204030204" pitchFamily="34" charset="0"/>
+              </a:rPr>
+              <a:t> </a:t>
+            </a:r>
+            <a:r>
+              <a:rPr lang="en-US" sz="1700" b="0" strike="noStrike" spc="-1" dirty="0" err="1">
+                <a:solidFill>
+                  <a:srgbClr val="000000"/>
+                </a:solidFill>
+                <a:uFill>
+                  <a:solidFill>
+                    <a:srgbClr val="FFFFFF"/>
+                  </a:solidFill>
+                </a:uFill>
+                <a:latin typeface="Calibri" panose="020F0502020204030204" pitchFamily="34" charset="0"/>
+                <a:ea typeface="Verdana"/>
+                <a:cs typeface="Calibri" panose="020F0502020204030204" pitchFamily="34" charset="0"/>
+              </a:rPr>
+              <a:t>inne</a:t>
+            </a:r>
+            <a:r>
+              <a:rPr lang="en-US" sz="1700" b="0" strike="noStrike" spc="-1" dirty="0">
+                <a:solidFill>
+                  <a:srgbClr val="000000"/>
+                </a:solidFill>
+                <a:uFill>
+                  <a:solidFill>
+                    <a:srgbClr val="FFFFFF"/>
+                  </a:solidFill>
+                </a:uFill>
+                <a:latin typeface="Calibri" panose="020F0502020204030204" pitchFamily="34" charset="0"/>
+                <a:ea typeface="Verdana"/>
+                <a:cs typeface="Calibri" panose="020F0502020204030204" pitchFamily="34" charset="0"/>
+              </a:rPr>
+              <a:t> </a:t>
+            </a:r>
+            <a:r>
+              <a:rPr lang="en-US" sz="1700" b="0" strike="noStrike" spc="-1" dirty="0" err="1">
+                <a:solidFill>
+                  <a:srgbClr val="000000"/>
+                </a:solidFill>
+                <a:uFill>
+                  <a:solidFill>
+                    <a:srgbClr val="FFFFFF"/>
+                  </a:solidFill>
+                </a:uFill>
+                <a:latin typeface="Calibri" panose="020F0502020204030204" pitchFamily="34" charset="0"/>
+                <a:ea typeface="Verdana"/>
+                <a:cs typeface="Calibri" panose="020F0502020204030204" pitchFamily="34" charset="0"/>
+              </a:rPr>
+              <a:t>PageObject’y</a:t>
+            </a:r>
+            <a:endParaRPr lang="en-US" sz="1700" b="0" strike="noStrike" spc="-1" dirty="0">
+              <a:solidFill>
+                <a:srgbClr val="000000"/>
+              </a:solidFill>
+              <a:uFill>
+                <a:solidFill>
+                  <a:srgbClr val="FFFFFF"/>
+                </a:solidFill>
+              </a:uFill>
+              <a:latin typeface="Calibri" panose="020F0502020204030204" pitchFamily="34" charset="0"/>
+              <a:cs typeface="Calibri" panose="020F0502020204030204" pitchFamily="34" charset="0"/>
+            </a:endParaRPr>
+          </a:p>
+          <a:p>
+            <a:pPr marL="285840" indent="-272520">
+              <a:lnSpc>
+                <a:spcPct val="150000"/>
+              </a:lnSpc>
+              <a:buClr>
+                <a:srgbClr val="000000"/>
+              </a:buClr>
+              <a:buFont typeface="Verdana"/>
+              <a:buChar char="•"/>
+            </a:pPr>
+            <a:r>
+              <a:rPr lang="en-US" sz="1700" b="0" u="sng" strike="noStrike" spc="-1" dirty="0" err="1">
+                <a:solidFill>
+                  <a:srgbClr val="000000"/>
+                </a:solidFill>
+                <a:uFill>
+                  <a:solidFill>
+                    <a:srgbClr val="FFFFFF"/>
+                  </a:solidFill>
+                </a:uFill>
+                <a:latin typeface="Calibri" panose="020F0502020204030204" pitchFamily="34" charset="0"/>
+                <a:ea typeface="Verdana"/>
+                <a:cs typeface="Calibri" panose="020F0502020204030204" pitchFamily="34" charset="0"/>
+              </a:rPr>
+              <a:t>Nie</a:t>
+            </a:r>
+            <a:r>
+              <a:rPr lang="en-US" sz="1700" b="0" u="sng" strike="noStrike" spc="-1" dirty="0">
+                <a:solidFill>
+                  <a:srgbClr val="000000"/>
+                </a:solidFill>
+                <a:uFill>
+                  <a:solidFill>
+                    <a:srgbClr val="FFFFFF"/>
+                  </a:solidFill>
+                </a:uFill>
+                <a:latin typeface="Calibri" panose="020F0502020204030204" pitchFamily="34" charset="0"/>
+                <a:ea typeface="Verdana"/>
+                <a:cs typeface="Calibri" panose="020F0502020204030204" pitchFamily="34" charset="0"/>
+              </a:rPr>
+              <a:t> </a:t>
+            </a:r>
+            <a:r>
+              <a:rPr lang="en-US" sz="1700" b="0" u="sng" strike="noStrike" spc="-1" dirty="0" err="1">
+                <a:solidFill>
+                  <a:srgbClr val="000000"/>
+                </a:solidFill>
+                <a:uFill>
+                  <a:solidFill>
+                    <a:srgbClr val="FFFFFF"/>
+                  </a:solidFill>
+                </a:uFill>
+                <a:latin typeface="Calibri" panose="020F0502020204030204" pitchFamily="34" charset="0"/>
+                <a:ea typeface="Verdana"/>
+                <a:cs typeface="Calibri" panose="020F0502020204030204" pitchFamily="34" charset="0"/>
+              </a:rPr>
+              <a:t>muszą</a:t>
+            </a:r>
+            <a:r>
+              <a:rPr lang="en-US" sz="1700" b="0" u="sng" strike="noStrike" spc="-1" dirty="0">
+                <a:solidFill>
+                  <a:srgbClr val="000000"/>
+                </a:solidFill>
+                <a:uFill>
+                  <a:solidFill>
+                    <a:srgbClr val="FFFFFF"/>
+                  </a:solidFill>
+                </a:uFill>
+                <a:latin typeface="Calibri" panose="020F0502020204030204" pitchFamily="34" charset="0"/>
+                <a:ea typeface="Verdana"/>
+                <a:cs typeface="Calibri" panose="020F0502020204030204" pitchFamily="34" charset="0"/>
+              </a:rPr>
+              <a:t> </a:t>
+            </a:r>
+            <a:r>
+              <a:rPr lang="en-US" sz="1700" b="0" u="sng" strike="noStrike" spc="-1" dirty="0" err="1">
+                <a:solidFill>
+                  <a:srgbClr val="000000"/>
+                </a:solidFill>
+                <a:uFill>
+                  <a:solidFill>
+                    <a:srgbClr val="FFFFFF"/>
+                  </a:solidFill>
+                </a:uFill>
+                <a:latin typeface="Calibri" panose="020F0502020204030204" pitchFamily="34" charset="0"/>
+                <a:ea typeface="Verdana"/>
+                <a:cs typeface="Calibri" panose="020F0502020204030204" pitchFamily="34" charset="0"/>
+              </a:rPr>
+              <a:t>reprezentować</a:t>
+            </a:r>
+            <a:r>
+              <a:rPr lang="en-US" sz="1700" b="0" u="sng" strike="noStrike" spc="-1" dirty="0">
+                <a:solidFill>
+                  <a:srgbClr val="000000"/>
+                </a:solidFill>
+                <a:uFill>
+                  <a:solidFill>
+                    <a:srgbClr val="FFFFFF"/>
+                  </a:solidFill>
+                </a:uFill>
+                <a:latin typeface="Calibri" panose="020F0502020204030204" pitchFamily="34" charset="0"/>
+                <a:ea typeface="Verdana"/>
+                <a:cs typeface="Calibri" panose="020F0502020204030204" pitchFamily="34" charset="0"/>
+              </a:rPr>
+              <a:t> </a:t>
+            </a:r>
+            <a:r>
+              <a:rPr lang="en-US" sz="1700" b="0" u="sng" strike="noStrike" spc="-1" dirty="0" err="1">
+                <a:solidFill>
+                  <a:srgbClr val="000000"/>
+                </a:solidFill>
+                <a:uFill>
+                  <a:solidFill>
+                    <a:srgbClr val="FFFFFF"/>
+                  </a:solidFill>
+                </a:uFill>
+                <a:latin typeface="Calibri" panose="020F0502020204030204" pitchFamily="34" charset="0"/>
+                <a:ea typeface="Verdana"/>
+                <a:cs typeface="Calibri" panose="020F0502020204030204" pitchFamily="34" charset="0"/>
+              </a:rPr>
+              <a:t>całej</a:t>
+            </a:r>
+            <a:r>
+              <a:rPr lang="en-US" sz="1700" b="0" u="sng" strike="noStrike" spc="-1" dirty="0">
+                <a:solidFill>
+                  <a:srgbClr val="000000"/>
+                </a:solidFill>
+                <a:uFill>
+                  <a:solidFill>
+                    <a:srgbClr val="FFFFFF"/>
+                  </a:solidFill>
+                </a:uFill>
+                <a:latin typeface="Calibri" panose="020F0502020204030204" pitchFamily="34" charset="0"/>
+                <a:ea typeface="Verdana"/>
+                <a:cs typeface="Calibri" panose="020F0502020204030204" pitchFamily="34" charset="0"/>
+              </a:rPr>
+              <a:t> </a:t>
+            </a:r>
+            <a:r>
+              <a:rPr lang="en-US" sz="1700" b="0" u="sng" strike="noStrike" spc="-1" dirty="0" err="1">
+                <a:solidFill>
+                  <a:srgbClr val="000000"/>
+                </a:solidFill>
+                <a:uFill>
+                  <a:solidFill>
+                    <a:srgbClr val="FFFFFF"/>
+                  </a:solidFill>
+                </a:uFill>
+                <a:latin typeface="Calibri" panose="020F0502020204030204" pitchFamily="34" charset="0"/>
+                <a:ea typeface="Verdana"/>
+                <a:cs typeface="Calibri" panose="020F0502020204030204" pitchFamily="34" charset="0"/>
+              </a:rPr>
+              <a:t>strony</a:t>
+            </a:r>
+            <a:endParaRPr lang="en-US" sz="1700" b="0" strike="noStrike" spc="-1" dirty="0">
+              <a:solidFill>
+                <a:srgbClr val="000000"/>
+              </a:solidFill>
+              <a:uFill>
+                <a:solidFill>
+                  <a:srgbClr val="FFFFFF"/>
+                </a:solidFill>
+              </a:uFill>
+              <a:latin typeface="Calibri" panose="020F0502020204030204" pitchFamily="34" charset="0"/>
+              <a:cs typeface="Calibri" panose="020F0502020204030204" pitchFamily="34" charset="0"/>
+            </a:endParaRPr>
+          </a:p>
+          <a:p>
+            <a:pPr>
+              <a:lnSpc>
+                <a:spcPct val="150000"/>
+              </a:lnSpc>
+            </a:pPr>
             <a:endParaRPr lang="en-US" sz="1700" b="0" strike="noStrike" spc="-1" dirty="0">
               <a:solidFill>
                 <a:srgbClr val="000000"/>
@@ -17709,7 +18590,7 @@
       </p:grpSpPr>
       <p:sp>
         <p:nvSpPr>
-          <p:cNvPr id="186" name="CustomShape 1"/>
+          <p:cNvPr id="180" name="CustomShape 1"/>
           <p:cNvSpPr/>
           <p:nvPr/>
         </p:nvSpPr>
@@ -17778,13 +18659,13 @@
       </p:sp>
       <p:sp>
         <p:nvSpPr>
-          <p:cNvPr id="187" name="TextShape 2"/>
+          <p:cNvPr id="181" name="TextShape 2"/>
           <p:cNvSpPr txBox="1"/>
           <p:nvPr/>
         </p:nvSpPr>
         <p:spPr>
           <a:xfrm>
-            <a:off x="298440" y="594330"/>
+            <a:off x="298440" y="598140"/>
             <a:ext cx="8229240" cy="781560"/>
           </a:xfrm>
           <a:prstGeom prst="rect">
@@ -17817,7 +18698,22 @@
                 <a:latin typeface="Cambria" panose="02040503050406030204" pitchFamily="18" charset="0"/>
                 <a:ea typeface="Verdana"/>
               </a:rPr>
-              <a:t>Transporter</a:t>
+              <a:t>Object </a:t>
+            </a:r>
+            <a:r>
+              <a:rPr lang="pl-PL" sz="2800" b="1" strike="noStrike" spc="-1" dirty="0" err="1">
+                <a:solidFill>
+                  <a:srgbClr val="000000"/>
+                </a:solidFill>
+                <a:uFill>
+                  <a:solidFill>
+                    <a:srgbClr val="FFFFFF"/>
+                  </a:solidFill>
+                </a:uFill>
+                <a:latin typeface="Cambria" panose="02040503050406030204" pitchFamily="18" charset="0"/>
+                <a:ea typeface="Verdana"/>
+              </a:rPr>
+              <a:t>factory</a:t>
             </a:r>
             <a:endParaRPr lang="en-US" sz="1400" b="0" strike="noStrike" spc="-1" dirty="0">
               <a:solidFill>
@@ -17835,7 +18731,7 @@
       </p:sp>
       <p:sp>
         <p:nvSpPr>
-          <p:cNvPr id="188" name="CustomShape 3"/>
+          <p:cNvPr id="182" name="CustomShape 3"/>
           <p:cNvSpPr/>
           <p:nvPr/>
         </p:nvSpPr>
@@ -17867,7 +18763,7 @@
       </p:sp>
       <p:sp>
         <p:nvSpPr>
-          <p:cNvPr id="189" name="CustomShape 4"/>
+          <p:cNvPr id="183" name="CustomShape 4"/>
           <p:cNvSpPr/>
           <p:nvPr/>
         </p:nvSpPr>
@@ -17916,7 +18812,7 @@
       </p:sp>
       <p:sp>
         <p:nvSpPr>
-          <p:cNvPr id="190" name="TextShape 5"/>
+          <p:cNvPr id="184" name="TextShape 5"/>
           <p:cNvSpPr txBox="1"/>
           <p:nvPr/>
         </p:nvSpPr>
@@ -17942,7 +18838,7 @@
                 <a:spcPct val="100000"/>
               </a:lnSpc>
             </a:pPr>
-            <a:fld id="{3A23B22A-402E-473A-BD32-3BC79148FC26}" type="slidenum">
+            <a:fld id="{A58EF036-3A35-4B8E-AD32-763BE908C2D6}" type="slidenum">
               <a:rPr lang="en-US" sz="1200" b="0" strike="noStrike" spc="-1">
                 <a:solidFill>
                   <a:srgbClr val="888888"/>
@@ -17973,14 +18869,14 @@
       </p:sp>
       <p:sp>
         <p:nvSpPr>
-          <p:cNvPr id="191" name="CustomShape 6"/>
+          <p:cNvPr id="185" name="CustomShape 6"/>
           <p:cNvSpPr/>
           <p:nvPr/>
         </p:nvSpPr>
         <p:spPr>
           <a:xfrm>
             <a:off x="298440" y="1248480"/>
-            <a:ext cx="8643240" cy="2862000"/>
+            <a:ext cx="8643240" cy="1753920"/>
           </a:xfrm>
           <a:prstGeom prst="rect">
             <a:avLst/>
@@ -18014,20 +18910,20 @@
               <a:buChar char="•"/>
             </a:pPr>
             <a:r>
-              <a:rPr lang="pl-PL" sz="1700" b="0" strike="noStrike" spc="-1" dirty="0">
-                <a:solidFill>
-                  <a:srgbClr val="000000"/>
-                </a:solidFill>
-                <a:uFill>
-                  <a:solidFill>
-                    <a:srgbClr val="FFFFFF"/>
-                  </a:solidFill>
-                </a:uFill>
-                <a:latin typeface="Calibri" panose="020F0502020204030204" pitchFamily="34" charset="0"/>
-                <a:ea typeface="Verdana"/>
-                <a:cs typeface="Calibri" panose="020F0502020204030204" pitchFamily="34" charset="0"/>
-              </a:rPr>
-              <a:t>Izoluje kod nawigacji wewnątrz aplikacji</a:t>
+              <a:rPr lang="pl-PL" sz="1700" spc="-1" dirty="0">
+                <a:solidFill>
+                  <a:srgbClr val="000000"/>
+                </a:solidFill>
+                <a:uFill>
+                  <a:solidFill>
+                    <a:srgbClr val="FFFFFF"/>
+                  </a:solidFill>
+                </a:uFill>
+                <a:latin typeface="Calibri" panose="020F0502020204030204" pitchFamily="34" charset="0"/>
+                <a:ea typeface="Verdana"/>
+                <a:cs typeface="Calibri" panose="020F0502020204030204" pitchFamily="34" charset="0"/>
+              </a:rPr>
+              <a:t>Dostarcza obiekty</a:t>
             </a:r>
           </a:p>
           <a:p>
@@ -18052,39 +18948,7 @@
                 <a:ea typeface="Verdana"/>
                 <a:cs typeface="Calibri" panose="020F0502020204030204" pitchFamily="34" charset="0"/>
               </a:rPr>
-              <a:t>Minimalizuje wpływ zmiany </a:t>
-            </a:r>
-            <a:r>
-              <a:rPr lang="pl-PL" sz="1700" spc="-1" dirty="0" err="1">
-                <a:solidFill>
-                  <a:srgbClr val="000000"/>
-                </a:solidFill>
-                <a:uFill>
-                  <a:solidFill>
-                    <a:srgbClr val="FFFFFF"/>
-                  </a:solidFill>
-                </a:uFill>
-                <a:latin typeface="Calibri" panose="020F0502020204030204" pitchFamily="34" charset="0"/>
-                <a:ea typeface="Verdana"/>
-                <a:cs typeface="Calibri" panose="020F0502020204030204" pitchFamily="34" charset="0"/>
-              </a:rPr>
-              <a:t>flow</a:t>
-            </a:r>
-            <a:r>
-              <a:rPr lang="pl-PL" sz="1700" spc="-1" dirty="0">
-                <a:solidFill>
-                  <a:srgbClr val="000000"/>
-                </a:solidFill>
-                <a:uFill>
-                  <a:solidFill>
-                    <a:srgbClr val="FFFFFF"/>
-                  </a:solidFill>
-                </a:uFill>
-                <a:latin typeface="Calibri" panose="020F0502020204030204" pitchFamily="34" charset="0"/>
-                <a:ea typeface="Verdana"/>
-                <a:cs typeface="Calibri" panose="020F0502020204030204" pitchFamily="34" charset="0"/>
-              </a:rPr>
-              <a:t> aplikacji na nasze testy</a:t>
+              <a:t>Zajmuje się ich odpowiednią inicjalizacją</a:t>
             </a:r>
           </a:p>
           <a:p>
@@ -18106,11 +18970,22 @@
                   </a:solidFill>
                 </a:uFill>
                 <a:latin typeface="Calibri" panose="020F0502020204030204" pitchFamily="34" charset="0"/>
-                <a:ea typeface="Verdana"/>
-                <a:cs typeface="Calibri" panose="020F0502020204030204" pitchFamily="34" charset="0"/>
-              </a:rPr>
-              <a:t>Poprawia czytelność testów</a:t>
-            </a:r>
+                <a:cs typeface="Calibri" panose="020F0502020204030204" pitchFamily="34" charset="0"/>
+              </a:rPr>
+              <a:t>Upraszcza kod testu</a:t>
+            </a:r>
+            <a:endParaRPr lang="en-US" sz="1700" b="0" strike="noStrike" spc="-1" dirty="0">
+              <a:solidFill>
+                <a:srgbClr val="000000"/>
+              </a:solidFill>
+              <a:uFill>
+                <a:solidFill>
+                  <a:srgbClr val="FFFFFF"/>
+                </a:solidFill>
+              </a:uFill>
+              <a:latin typeface="Calibri" panose="020F0502020204030204" pitchFamily="34" charset="0"/>
+              <a:cs typeface="Calibri" panose="020F0502020204030204" pitchFamily="34" charset="0"/>
+            </a:endParaRPr>
           </a:p>
         </p:txBody>
       </p:sp>
@@ -18141,7 +19016,7 @@
       </p:grpSpPr>
       <p:sp>
         <p:nvSpPr>
-          <p:cNvPr id="198" name="CustomShape 1"/>
+          <p:cNvPr id="186" name="CustomShape 1"/>
           <p:cNvSpPr/>
           <p:nvPr/>
         </p:nvSpPr>
@@ -18210,14 +19085,14 @@
       </p:sp>
       <p:sp>
         <p:nvSpPr>
-          <p:cNvPr id="199" name="TextShape 2"/>
+          <p:cNvPr id="187" name="TextShape 2"/>
           <p:cNvSpPr txBox="1"/>
           <p:nvPr/>
         </p:nvSpPr>
         <p:spPr>
           <a:xfrm>
-            <a:off x="312120" y="2082960"/>
-            <a:ext cx="8229240" cy="939240"/>
+            <a:off x="298440" y="594330"/>
+            <a:ext cx="8229240" cy="781560"/>
           </a:xfrm>
           <a:prstGeom prst="rect">
             <a:avLst/>
@@ -18231,7 +19106,7 @@
           <a:bodyPr anchor="ctr"/>
           <a:lstStyle/>
           <a:p>
-            <a:pPr algn="ctr">
+            <a:pPr>
               <a:lnSpc>
                 <a:spcPct val="100000"/>
               </a:lnSpc>
@@ -18246,40 +19121,10 @@
                     <a:srgbClr val="FFFFFF"/>
                   </a:solidFill>
                 </a:uFill>
-                <a:latin typeface="Verdana"/>
-                <a:ea typeface="Verdana"/>
-              </a:rPr>
-              <a:t>!! Czas na </a:t>
-            </a:r>
-            <a:r>
-              <a:rPr lang="pl-PL" sz="2800" b="1" strike="noStrike" spc="-1" dirty="0" err="1">
-                <a:solidFill>
-                  <a:srgbClr val="000000"/>
-                </a:solidFill>
-                <a:uFill>
-                  <a:solidFill>
-                    <a:srgbClr val="FFFFFF"/>
-                  </a:solidFill>
-                </a:uFill>
-                <a:latin typeface="Verdana"/>
-                <a:ea typeface="Verdana"/>
-              </a:rPr>
-              <a:t>refaktor</a:t>
-            </a:r>
-            <a:r>
-              <a:rPr lang="pl-PL" sz="2800" b="1" strike="noStrike" spc="-1" dirty="0">
-                <a:solidFill>
-                  <a:srgbClr val="000000"/>
-                </a:solidFill>
-                <a:uFill>
-                  <a:solidFill>
-                    <a:srgbClr val="FFFFFF"/>
-                  </a:solidFill>
-                </a:uFill>
-                <a:latin typeface="Verdana"/>
-                <a:ea typeface="Verdana"/>
-              </a:rPr>
-              <a:t> !!</a:t>
+                <a:latin typeface="Cambria" panose="02040503050406030204" pitchFamily="18" charset="0"/>
+                <a:ea typeface="Verdana"/>
+              </a:rPr>
+              <a:t>Transporter</a:t>
             </a:r>
             <a:endParaRPr lang="en-US" sz="1400" b="0" strike="noStrike" spc="-1" dirty="0">
               <a:solidFill>
@@ -18290,14 +19135,14 @@
                   <a:srgbClr val="FFFFFF"/>
                 </a:solidFill>
               </a:uFill>
-              <a:latin typeface="Arial"/>
+              <a:latin typeface="Cambria" panose="02040503050406030204" pitchFamily="18" charset="0"/>
             </a:endParaRPr>
           </a:p>
         </p:txBody>
       </p:sp>
       <p:sp>
         <p:nvSpPr>
-          <p:cNvPr id="200" name="CustomShape 3"/>
+          <p:cNvPr id="188" name="CustomShape 3"/>
           <p:cNvSpPr/>
           <p:nvPr/>
         </p:nvSpPr>
@@ -18329,7 +19174,7 @@
       </p:sp>
       <p:sp>
         <p:nvSpPr>
-          <p:cNvPr id="201" name="CustomShape 4"/>
+          <p:cNvPr id="189" name="CustomShape 4"/>
           <p:cNvSpPr/>
           <p:nvPr/>
         </p:nvSpPr>
@@ -18378,7 +19223,7 @@
       </p:sp>
       <p:sp>
         <p:nvSpPr>
-          <p:cNvPr id="202" name="TextShape 5"/>
+          <p:cNvPr id="190" name="TextShape 5"/>
           <p:cNvSpPr txBox="1"/>
           <p:nvPr/>
         </p:nvSpPr>
@@ -18404,7 +19249,7 @@
                 <a:spcPct val="100000"/>
               </a:lnSpc>
             </a:pPr>
-            <a:fld id="{CEC05D80-2BEE-466E-B7A2-31DBC062F17C}" type="slidenum">
+            <a:fld id="{3A23B22A-402E-473A-BD32-3BC79148FC26}" type="slidenum">
               <a:rPr lang="en-US" sz="1200" b="0" strike="noStrike" spc="-1">
                 <a:solidFill>
                   <a:srgbClr val="888888"/>
@@ -18430,6 +19275,149 @@
               </a:uFill>
               <a:latin typeface="Times New Roman"/>
             </a:endParaRPr>
+          </a:p>
+        </p:txBody>
+      </p:sp>
+      <p:sp>
+        <p:nvSpPr>
+          <p:cNvPr id="191" name="CustomShape 6"/>
+          <p:cNvSpPr/>
+          <p:nvPr/>
+        </p:nvSpPr>
+        <p:spPr>
+          <a:xfrm>
+            <a:off x="298440" y="1248480"/>
+            <a:ext cx="8643240" cy="2862000"/>
+          </a:xfrm>
+          <a:prstGeom prst="rect">
+            <a:avLst/>
+          </a:prstGeom>
+          <a:noFill/>
+          <a:ln>
+            <a:noFill/>
+          </a:ln>
+        </p:spPr>
+        <p:style>
+          <a:lnRef idx="0">
+            <a:scrgbClr r="0" g="0" b="0"/>
+          </a:lnRef>
+          <a:fillRef idx="0">
+            <a:scrgbClr r="0" g="0" b="0"/>
+          </a:fillRef>
+          <a:effectRef idx="0">
+            <a:scrgbClr r="0" g="0" b="0"/>
+          </a:effectRef>
+          <a:fontRef idx="minor"/>
+        </p:style>
+        <p:txBody>
+          <a:bodyPr/>
+          <a:lstStyle/>
+          <a:p>
+            <a:pPr marL="285750" indent="-285750">
+              <a:lnSpc>
+                <a:spcPct val="150000"/>
+              </a:lnSpc>
+              <a:buFont typeface="Arial" panose="020B0604020202020204" pitchFamily="34" charset="0"/>
+              <a:buChar char="•"/>
+            </a:pPr>
+            <a:r>
+              <a:rPr lang="pl-PL" sz="1700" b="0" strike="noStrike" spc="-1" dirty="0">
+                <a:solidFill>
+                  <a:srgbClr val="000000"/>
+                </a:solidFill>
+                <a:uFill>
+                  <a:solidFill>
+                    <a:srgbClr val="FFFFFF"/>
+                  </a:solidFill>
+                </a:uFill>
+                <a:latin typeface="Calibri" panose="020F0502020204030204" pitchFamily="34" charset="0"/>
+                <a:ea typeface="Verdana"/>
+                <a:cs typeface="Calibri" panose="020F0502020204030204" pitchFamily="34" charset="0"/>
+              </a:rPr>
+              <a:t>Izoluje kod nawigacji wewnątrz aplikacji</a:t>
+            </a:r>
+          </a:p>
+          <a:p>
+            <a:pPr marL="285750" indent="-285750">
+              <a:lnSpc>
+                <a:spcPct val="150000"/>
+              </a:lnSpc>
+              <a:buFont typeface="Arial" panose="020B0604020202020204" pitchFamily="34" charset="0"/>
+              <a:buChar char="•"/>
+            </a:pPr>
+            <a:r>
+              <a:rPr lang="pl-PL" sz="1700" spc="-1" dirty="0">
+                <a:solidFill>
+                  <a:srgbClr val="000000"/>
+                </a:solidFill>
+                <a:uFill>
+                  <a:solidFill>
+                    <a:srgbClr val="FFFFFF"/>
+                  </a:solidFill>
+                </a:uFill>
+                <a:latin typeface="Calibri" panose="020F0502020204030204" pitchFamily="34" charset="0"/>
+                <a:ea typeface="Verdana"/>
+                <a:cs typeface="Calibri" panose="020F0502020204030204" pitchFamily="34" charset="0"/>
+              </a:rPr>
+              <a:t>Minimalizuje wpływ zmiany </a:t>
+            </a:r>
+            <a:r>
+              <a:rPr lang="pl-PL" sz="1700" spc="-1" dirty="0" err="1">
+                <a:solidFill>
+                  <a:srgbClr val="000000"/>
+                </a:solidFill>
+                <a:uFill>
+                  <a:solidFill>
+                    <a:srgbClr val="FFFFFF"/>
+                  </a:solidFill>
+                </a:uFill>
+                <a:latin typeface="Calibri" panose="020F0502020204030204" pitchFamily="34" charset="0"/>
+                <a:ea typeface="Verdana"/>
+                <a:cs typeface="Calibri" panose="020F0502020204030204" pitchFamily="34" charset="0"/>
+              </a:rPr>
+              <a:t>flow</a:t>
+            </a:r>
+            <a:r>
+              <a:rPr lang="pl-PL" sz="1700" spc="-1" dirty="0">
+                <a:solidFill>
+                  <a:srgbClr val="000000"/>
+                </a:solidFill>
+                <a:uFill>
+                  <a:solidFill>
+                    <a:srgbClr val="FFFFFF"/>
+                  </a:solidFill>
+                </a:uFill>
+                <a:latin typeface="Calibri" panose="020F0502020204030204" pitchFamily="34" charset="0"/>
+                <a:ea typeface="Verdana"/>
+                <a:cs typeface="Calibri" panose="020F0502020204030204" pitchFamily="34" charset="0"/>
+              </a:rPr>
+              <a:t> aplikacji na nasze testy</a:t>
+            </a:r>
+          </a:p>
+          <a:p>
+            <a:pPr marL="285750" indent="-285750">
+              <a:lnSpc>
+                <a:spcPct val="150000"/>
+              </a:lnSpc>
+              <a:buFont typeface="Arial" panose="020B0604020202020204" pitchFamily="34" charset="0"/>
+              <a:buChar char="•"/>
+            </a:pPr>
+            <a:r>
+              <a:rPr lang="pl-PL" sz="1700" b="0" strike="noStrike" spc="-1" dirty="0">
+                <a:solidFill>
+                  <a:srgbClr val="000000"/>
+                </a:solidFill>
+                <a:uFill>
+                  <a:solidFill>
+                    <a:srgbClr val="FFFFFF"/>
+                  </a:solidFill>
+                </a:uFill>
+                <a:latin typeface="Calibri" panose="020F0502020204030204" pitchFamily="34" charset="0"/>
+                <a:ea typeface="Verdana"/>
+                <a:cs typeface="Calibri" panose="020F0502020204030204" pitchFamily="34" charset="0"/>
+              </a:rPr>
+              <a:t>Poprawia czytelność testów</a:t>
+            </a:r>
           </a:p>
         </p:txBody>
       </p:sp>
@@ -18460,7 +19448,7 @@
       </p:grpSpPr>
       <p:sp>
         <p:nvSpPr>
-          <p:cNvPr id="203" name="CustomShape 1"/>
+          <p:cNvPr id="198" name="CustomShape 1"/>
           <p:cNvSpPr/>
           <p:nvPr/>
         </p:nvSpPr>
@@ -18529,14 +19517,14 @@
       </p:sp>
       <p:sp>
         <p:nvSpPr>
-          <p:cNvPr id="204" name="TextShape 2"/>
+          <p:cNvPr id="199" name="TextShape 2"/>
           <p:cNvSpPr txBox="1"/>
           <p:nvPr/>
         </p:nvSpPr>
         <p:spPr>
           <a:xfrm>
-            <a:off x="298440" y="598140"/>
-            <a:ext cx="8229240" cy="781920"/>
+            <a:off x="312120" y="2082960"/>
+            <a:ext cx="8229240" cy="939240"/>
           </a:xfrm>
           <a:prstGeom prst="rect">
             <a:avLst/>
@@ -18550,25 +19538,55 @@
           <a:bodyPr anchor="ctr"/>
           <a:lstStyle/>
           <a:p>
-            <a:pPr>
+            <a:pPr algn="ctr">
               <a:lnSpc>
                 <a:spcPct val="100000"/>
               </a:lnSpc>
             </a:pPr>
             <a:r>
-              <a:rPr lang="en-US" sz="2800" b="1" strike="noStrike" spc="-1" dirty="0">
-                <a:solidFill>
-                  <a:srgbClr val="000000"/>
-                </a:solidFill>
-                <a:uFill>
-                  <a:solidFill>
-                    <a:srgbClr val="FFFFFF"/>
-                  </a:solidFill>
-                </a:uFill>
-                <a:latin typeface="Cambria" panose="02040503050406030204" pitchFamily="18" charset="0"/>
-                <a:ea typeface="Verdana"/>
-              </a:rPr>
-              <a:t>Spoon</a:t>
+              <a:rPr lang="pl-PL" sz="2800" b="1" strike="noStrike" spc="-1" dirty="0">
+                <a:solidFill>
+                  <a:srgbClr val="000000"/>
+                </a:solidFill>
+                <a:uFill>
+                  <a:solidFill>
+                    <a:srgbClr val="FFFFFF"/>
+                  </a:solidFill>
+                </a:uFill>
+                <a:latin typeface="Verdana"/>
+                <a:ea typeface="Verdana"/>
+              </a:rPr>
+              <a:t>!! Czas na </a:t>
+            </a:r>
+            <a:r>
+              <a:rPr lang="pl-PL" sz="2800" b="1" strike="noStrike" spc="-1" dirty="0" err="1">
+                <a:solidFill>
+                  <a:srgbClr val="000000"/>
+                </a:solidFill>
+                <a:uFill>
+                  <a:solidFill>
+                    <a:srgbClr val="FFFFFF"/>
+                  </a:solidFill>
+                </a:uFill>
+                <a:latin typeface="Verdana"/>
+                <a:ea typeface="Verdana"/>
+              </a:rPr>
+              <a:t>refaktor</a:t>
+            </a:r>
+            <a:r>
+              <a:rPr lang="pl-PL" sz="2800" b="1" strike="noStrike" spc="-1" dirty="0">
+                <a:solidFill>
+                  <a:srgbClr val="000000"/>
+                </a:solidFill>
+                <a:uFill>
+                  <a:solidFill>
+                    <a:srgbClr val="FFFFFF"/>
+                  </a:solidFill>
+                </a:uFill>
+                <a:latin typeface="Verdana"/>
+                <a:ea typeface="Verdana"/>
+              </a:rPr>
+              <a:t> !!</a:t>
             </a:r>
             <a:endParaRPr lang="en-US" sz="1400" b="0" strike="noStrike" spc="-1" dirty="0">
               <a:solidFill>
@@ -18579,14 +19597,14 @@
                   <a:srgbClr val="FFFFFF"/>
                 </a:solidFill>
               </a:uFill>
-              <a:latin typeface="Cambria" panose="02040503050406030204" pitchFamily="18" charset="0"/>
+              <a:latin typeface="Arial"/>
             </a:endParaRPr>
           </a:p>
         </p:txBody>
       </p:sp>
       <p:sp>
         <p:nvSpPr>
-          <p:cNvPr id="205" name="CustomShape 3"/>
+          <p:cNvPr id="200" name="CustomShape 3"/>
           <p:cNvSpPr/>
           <p:nvPr/>
         </p:nvSpPr>
@@ -18618,7 +19636,7 @@
       </p:sp>
       <p:sp>
         <p:nvSpPr>
-          <p:cNvPr id="206" name="CustomShape 4"/>
+          <p:cNvPr id="201" name="CustomShape 4"/>
           <p:cNvSpPr/>
           <p:nvPr/>
         </p:nvSpPr>
@@ -18667,7 +19685,7 @@
       </p:sp>
       <p:sp>
         <p:nvSpPr>
-          <p:cNvPr id="207" name="TextShape 5"/>
+          <p:cNvPr id="202" name="TextShape 5"/>
           <p:cNvSpPr txBox="1"/>
           <p:nvPr/>
         </p:nvSpPr>
@@ -18693,7 +19711,7 @@
                 <a:spcPct val="100000"/>
               </a:lnSpc>
             </a:pPr>
-            <a:fld id="{3EBA21D9-183A-42D5-9865-6759C362567D}" type="slidenum">
+            <a:fld id="{CEC05D80-2BEE-466E-B7A2-31DBC062F17C}" type="slidenum">
               <a:rPr lang="en-US" sz="1200" b="0" strike="noStrike" spc="-1">
                 <a:solidFill>
                   <a:srgbClr val="888888"/>
@@ -18718,272 +19736,6 @@
                 </a:solidFill>
               </a:uFill>
               <a:latin typeface="Times New Roman"/>
-            </a:endParaRPr>
-          </a:p>
-        </p:txBody>
-      </p:sp>
-      <p:sp>
-        <p:nvSpPr>
-          <p:cNvPr id="208" name="CustomShape 6"/>
-          <p:cNvSpPr/>
-          <p:nvPr/>
-        </p:nvSpPr>
-        <p:spPr>
-          <a:xfrm>
-            <a:off x="250200" y="1347570"/>
-            <a:ext cx="8643240" cy="1476720"/>
-          </a:xfrm>
-          <a:prstGeom prst="rect">
-            <a:avLst/>
-          </a:prstGeom>
-          <a:noFill/>
-          <a:ln>
-            <a:noFill/>
-          </a:ln>
-        </p:spPr>
-        <p:style>
-          <a:lnRef idx="0">
-            <a:scrgbClr r="0" g="0" b="0"/>
-          </a:lnRef>
-          <a:fillRef idx="0">
-            <a:scrgbClr r="0" g="0" b="0"/>
-          </a:fillRef>
-          <a:effectRef idx="0">
-            <a:scrgbClr r="0" g="0" b="0"/>
-          </a:effectRef>
-          <a:fontRef idx="minor"/>
-        </p:style>
-        <p:txBody>
-          <a:bodyPr/>
-          <a:lstStyle/>
-          <a:p>
-            <a:pPr marL="285750" indent="-285750">
-              <a:lnSpc>
-                <a:spcPct val="100000"/>
-              </a:lnSpc>
-              <a:buFont typeface="Arial" panose="020B0604020202020204" pitchFamily="34" charset="0"/>
-              <a:buChar char="•"/>
-            </a:pPr>
-            <a:r>
-              <a:rPr lang="en-US" sz="1700" b="0" strike="noStrike" spc="-1" dirty="0" err="1">
-                <a:solidFill>
-                  <a:srgbClr val="000000"/>
-                </a:solidFill>
-                <a:uFill>
-                  <a:solidFill>
-                    <a:srgbClr val="FFFFFF"/>
-                  </a:solidFill>
-                </a:uFill>
-                <a:latin typeface="Calibri" panose="020F0502020204030204" pitchFamily="34" charset="0"/>
-                <a:ea typeface="Verdana"/>
-                <a:cs typeface="Calibri" panose="020F0502020204030204" pitchFamily="34" charset="0"/>
-              </a:rPr>
-              <a:t>Pozwala</a:t>
-            </a:r>
-            <a:r>
-              <a:rPr lang="en-US" sz="1700" b="0" strike="noStrike" spc="-1" dirty="0">
-                <a:solidFill>
-                  <a:srgbClr val="000000"/>
-                </a:solidFill>
-                <a:uFill>
-                  <a:solidFill>
-                    <a:srgbClr val="FFFFFF"/>
-                  </a:solidFill>
-                </a:uFill>
-                <a:latin typeface="Calibri" panose="020F0502020204030204" pitchFamily="34" charset="0"/>
-                <a:ea typeface="Verdana"/>
-                <a:cs typeface="Calibri" panose="020F0502020204030204" pitchFamily="34" charset="0"/>
-              </a:rPr>
-              <a:t> </a:t>
-            </a:r>
-            <a:r>
-              <a:rPr lang="en-US" sz="1700" b="0" strike="noStrike" spc="-1" dirty="0" err="1">
-                <a:solidFill>
-                  <a:srgbClr val="000000"/>
-                </a:solidFill>
-                <a:uFill>
-                  <a:solidFill>
-                    <a:srgbClr val="FFFFFF"/>
-                  </a:solidFill>
-                </a:uFill>
-                <a:latin typeface="Calibri" panose="020F0502020204030204" pitchFamily="34" charset="0"/>
-                <a:ea typeface="Verdana"/>
-                <a:cs typeface="Calibri" panose="020F0502020204030204" pitchFamily="34" charset="0"/>
-              </a:rPr>
-              <a:t>wykonywać</a:t>
-            </a:r>
-            <a:r>
-              <a:rPr lang="en-US" sz="1700" b="0" strike="noStrike" spc="-1" dirty="0">
-                <a:solidFill>
-                  <a:srgbClr val="000000"/>
-                </a:solidFill>
-                <a:uFill>
-                  <a:solidFill>
-                    <a:srgbClr val="FFFFFF"/>
-                  </a:solidFill>
-                </a:uFill>
-                <a:latin typeface="Calibri" panose="020F0502020204030204" pitchFamily="34" charset="0"/>
-                <a:ea typeface="Verdana"/>
-                <a:cs typeface="Calibri" panose="020F0502020204030204" pitchFamily="34" charset="0"/>
-              </a:rPr>
-              <a:t> testy </a:t>
-            </a:r>
-            <a:r>
-              <a:rPr lang="en-US" sz="1700" b="0" strike="noStrike" spc="-1" dirty="0" err="1">
-                <a:solidFill>
-                  <a:srgbClr val="000000"/>
-                </a:solidFill>
-                <a:uFill>
-                  <a:solidFill>
-                    <a:srgbClr val="FFFFFF"/>
-                  </a:solidFill>
-                </a:uFill>
-                <a:latin typeface="Calibri" panose="020F0502020204030204" pitchFamily="34" charset="0"/>
-                <a:ea typeface="Verdana"/>
-                <a:cs typeface="Calibri" panose="020F0502020204030204" pitchFamily="34" charset="0"/>
-              </a:rPr>
-              <a:t>równolegle</a:t>
-            </a:r>
-            <a:r>
-              <a:rPr lang="en-US" sz="1700" b="0" strike="noStrike" spc="-1" dirty="0">
-                <a:solidFill>
-                  <a:srgbClr val="000000"/>
-                </a:solidFill>
-                <a:uFill>
-                  <a:solidFill>
-                    <a:srgbClr val="FFFFFF"/>
-                  </a:solidFill>
-                </a:uFill>
-                <a:latin typeface="Calibri" panose="020F0502020204030204" pitchFamily="34" charset="0"/>
-                <a:ea typeface="Verdana"/>
-                <a:cs typeface="Calibri" panose="020F0502020204030204" pitchFamily="34" charset="0"/>
-              </a:rPr>
-              <a:t> </a:t>
-            </a:r>
-            <a:r>
-              <a:rPr lang="en-US" sz="1700" b="0" strike="noStrike" spc="-1" dirty="0" err="1">
-                <a:solidFill>
-                  <a:srgbClr val="000000"/>
-                </a:solidFill>
-                <a:uFill>
-                  <a:solidFill>
-                    <a:srgbClr val="FFFFFF"/>
-                  </a:solidFill>
-                </a:uFill>
-                <a:latin typeface="Calibri" panose="020F0502020204030204" pitchFamily="34" charset="0"/>
-                <a:ea typeface="Verdana"/>
-                <a:cs typeface="Calibri" panose="020F0502020204030204" pitchFamily="34" charset="0"/>
-              </a:rPr>
-              <a:t>na</a:t>
-            </a:r>
-            <a:r>
-              <a:rPr lang="en-US" sz="1700" b="0" strike="noStrike" spc="-1" dirty="0">
-                <a:solidFill>
-                  <a:srgbClr val="000000"/>
-                </a:solidFill>
-                <a:uFill>
-                  <a:solidFill>
-                    <a:srgbClr val="FFFFFF"/>
-                  </a:solidFill>
-                </a:uFill>
-                <a:latin typeface="Calibri" panose="020F0502020204030204" pitchFamily="34" charset="0"/>
-                <a:ea typeface="Verdana"/>
-                <a:cs typeface="Calibri" panose="020F0502020204030204" pitchFamily="34" charset="0"/>
-              </a:rPr>
-              <a:t> </a:t>
-            </a:r>
-            <a:r>
-              <a:rPr lang="en-US" sz="1700" b="0" strike="noStrike" spc="-1" dirty="0" err="1">
-                <a:solidFill>
-                  <a:srgbClr val="000000"/>
-                </a:solidFill>
-                <a:uFill>
-                  <a:solidFill>
-                    <a:srgbClr val="FFFFFF"/>
-                  </a:solidFill>
-                </a:uFill>
-                <a:latin typeface="Calibri" panose="020F0502020204030204" pitchFamily="34" charset="0"/>
-                <a:ea typeface="Verdana"/>
-                <a:cs typeface="Calibri" panose="020F0502020204030204" pitchFamily="34" charset="0"/>
-              </a:rPr>
-              <a:t>wielu</a:t>
-            </a:r>
-            <a:r>
-              <a:rPr lang="en-US" sz="1700" b="0" strike="noStrike" spc="-1" dirty="0">
-                <a:solidFill>
-                  <a:srgbClr val="000000"/>
-                </a:solidFill>
-                <a:uFill>
-                  <a:solidFill>
-                    <a:srgbClr val="FFFFFF"/>
-                  </a:solidFill>
-                </a:uFill>
-                <a:latin typeface="Calibri" panose="020F0502020204030204" pitchFamily="34" charset="0"/>
-                <a:ea typeface="Verdana"/>
-                <a:cs typeface="Calibri" panose="020F0502020204030204" pitchFamily="34" charset="0"/>
-              </a:rPr>
-              <a:t> </a:t>
-            </a:r>
-            <a:r>
-              <a:rPr lang="en-US" sz="1700" b="0" strike="noStrike" spc="-1" dirty="0" err="1">
-                <a:solidFill>
-                  <a:srgbClr val="000000"/>
-                </a:solidFill>
-                <a:uFill>
-                  <a:solidFill>
-                    <a:srgbClr val="FFFFFF"/>
-                  </a:solidFill>
-                </a:uFill>
-                <a:latin typeface="Calibri" panose="020F0502020204030204" pitchFamily="34" charset="0"/>
-                <a:ea typeface="Verdana"/>
-                <a:cs typeface="Calibri" panose="020F0502020204030204" pitchFamily="34" charset="0"/>
-              </a:rPr>
-              <a:t>urządzeniach</a:t>
-            </a:r>
-            <a:r>
-              <a:rPr lang="en-US" sz="1700" b="0" strike="noStrike" spc="-1" dirty="0">
-                <a:solidFill>
-                  <a:srgbClr val="000000"/>
-                </a:solidFill>
-                <a:uFill>
-                  <a:solidFill>
-                    <a:srgbClr val="FFFFFF"/>
-                  </a:solidFill>
-                </a:uFill>
-                <a:latin typeface="Calibri" panose="020F0502020204030204" pitchFamily="34" charset="0"/>
-                <a:ea typeface="Verdana"/>
-                <a:cs typeface="Calibri" panose="020F0502020204030204" pitchFamily="34" charset="0"/>
-              </a:rPr>
-              <a:t>/</a:t>
-            </a:r>
-            <a:r>
-              <a:rPr lang="en-US" sz="1700" b="0" strike="noStrike" spc="-1" dirty="0" err="1">
-                <a:solidFill>
-                  <a:srgbClr val="000000"/>
-                </a:solidFill>
-                <a:uFill>
-                  <a:solidFill>
-                    <a:srgbClr val="FFFFFF"/>
-                  </a:solidFill>
-                </a:uFill>
-                <a:latin typeface="Calibri" panose="020F0502020204030204" pitchFamily="34" charset="0"/>
-                <a:ea typeface="Verdana"/>
-                <a:cs typeface="Calibri" panose="020F0502020204030204" pitchFamily="34" charset="0"/>
-              </a:rPr>
-              <a:t>emulatorach</a:t>
-            </a:r>
-            <a:endParaRPr lang="pl-PL" sz="1700" b="0" strike="noStrike" spc="-1" dirty="0">
-              <a:solidFill>
-                <a:srgbClr val="000000"/>
-              </a:solidFill>
-              <a:uFill>
-                <a:solidFill>
-                  <a:srgbClr val="FFFFFF"/>
-                </a:solidFill>
-              </a:uFill>
-              <a:latin typeface="Calibri" panose="020F0502020204030204" pitchFamily="34" charset="0"/>
-              <a:ea typeface="Verdana"/>
-              <a:cs typeface="Calibri" panose="020F0502020204030204" pitchFamily="34" charset="0"/>
             </a:endParaRPr>
           </a:p>
         </p:txBody>
@@ -19015,7 +19767,7 @@
       </p:grpSpPr>
       <p:sp>
         <p:nvSpPr>
-          <p:cNvPr id="209" name="CustomShape 1"/>
+          <p:cNvPr id="203" name="CustomShape 1"/>
           <p:cNvSpPr/>
           <p:nvPr/>
         </p:nvSpPr>
@@ -19084,13 +19836,13 @@
       </p:sp>
       <p:sp>
         <p:nvSpPr>
-          <p:cNvPr id="210" name="TextShape 2"/>
+          <p:cNvPr id="204" name="TextShape 2"/>
           <p:cNvSpPr txBox="1"/>
           <p:nvPr/>
         </p:nvSpPr>
         <p:spPr>
           <a:xfrm>
-            <a:off x="298440" y="590520"/>
+            <a:off x="298440" y="598140"/>
             <a:ext cx="8229240" cy="781920"/>
           </a:xfrm>
           <a:prstGeom prst="rect">
@@ -19141,7 +19893,7 @@
       </p:sp>
       <p:sp>
         <p:nvSpPr>
-          <p:cNvPr id="211" name="CustomShape 3"/>
+          <p:cNvPr id="205" name="CustomShape 3"/>
           <p:cNvSpPr/>
           <p:nvPr/>
         </p:nvSpPr>
@@ -19173,7 +19925,7 @@
       </p:sp>
       <p:sp>
         <p:nvSpPr>
-          <p:cNvPr id="212" name="CustomShape 4"/>
+          <p:cNvPr id="206" name="CustomShape 4"/>
           <p:cNvSpPr/>
           <p:nvPr/>
         </p:nvSpPr>
@@ -19222,7 +19974,7 @@
       </p:sp>
       <p:sp>
         <p:nvSpPr>
-          <p:cNvPr id="213" name="TextShape 5"/>
+          <p:cNvPr id="207" name="TextShape 5"/>
           <p:cNvSpPr txBox="1"/>
           <p:nvPr/>
         </p:nvSpPr>
@@ -19248,7 +20000,7 @@
                 <a:spcPct val="100000"/>
               </a:lnSpc>
             </a:pPr>
-            <a:fld id="{A753EDB6-C467-4369-AFD3-E6B594B3B8AA}" type="slidenum">
+            <a:fld id="{3EBA21D9-183A-42D5-9865-6759C362567D}" type="slidenum">
               <a:rPr lang="en-US" sz="1200" b="0" strike="noStrike" spc="-1">
                 <a:solidFill>
                   <a:srgbClr val="888888"/>
@@ -19279,13 +20031,13 @@
       </p:sp>
       <p:sp>
         <p:nvSpPr>
-          <p:cNvPr id="214" name="CustomShape 6"/>
+          <p:cNvPr id="208" name="CustomShape 6"/>
           <p:cNvSpPr/>
           <p:nvPr/>
         </p:nvSpPr>
         <p:spPr>
           <a:xfrm>
-            <a:off x="298440" y="1248480"/>
+            <a:off x="250200" y="1347570"/>
             <a:ext cx="8643240" cy="1476720"/>
           </a:xfrm>
           <a:prstGeom prst="rect">
@@ -19527,136 +20279,7 @@
               </a:rPr>
               <a:t>emulatorach</a:t>
             </a:r>
-            <a:r>
-              <a:rPr lang="en-US" sz="1700" b="0" strike="noStrike" spc="-1" dirty="0">
-                <a:solidFill>
-                  <a:srgbClr val="000000"/>
-                </a:solidFill>
-                <a:uFill>
-                  <a:solidFill>
-                    <a:srgbClr val="FFFFFF"/>
-                  </a:solidFill>
-                </a:uFill>
-                <a:latin typeface="Calibri" panose="020F0502020204030204" pitchFamily="34" charset="0"/>
-                <a:ea typeface="Verdana"/>
-                <a:cs typeface="Calibri" panose="020F0502020204030204" pitchFamily="34" charset="0"/>
-              </a:rPr>
-              <a:t>.
-</a:t>
-            </a:r>
-            <a:r>
-              <a:rPr lang="en-US" sz="1700" b="0" strike="noStrike" spc="-1" dirty="0" err="1">
-                <a:solidFill>
-                  <a:srgbClr val="000000"/>
-                </a:solidFill>
-                <a:uFill>
-                  <a:solidFill>
-                    <a:srgbClr val="FFFFFF"/>
-                  </a:solidFill>
-                </a:uFill>
-                <a:latin typeface="Calibri" panose="020F0502020204030204" pitchFamily="34" charset="0"/>
-                <a:ea typeface="Verdana"/>
-                <a:cs typeface="Calibri" panose="020F0502020204030204" pitchFamily="34" charset="0"/>
-              </a:rPr>
-              <a:t>Udostępnia</a:t>
-            </a:r>
-            <a:r>
-              <a:rPr lang="en-US" sz="1700" b="0" strike="noStrike" spc="-1" dirty="0">
-                <a:solidFill>
-                  <a:srgbClr val="000000"/>
-                </a:solidFill>
-                <a:uFill>
-                  <a:solidFill>
-                    <a:srgbClr val="FFFFFF"/>
-                  </a:solidFill>
-                </a:uFill>
-                <a:latin typeface="Calibri" panose="020F0502020204030204" pitchFamily="34" charset="0"/>
-                <a:ea typeface="Verdana"/>
-                <a:cs typeface="Calibri" panose="020F0502020204030204" pitchFamily="34" charset="0"/>
-              </a:rPr>
-              <a:t> </a:t>
-            </a:r>
-            <a:r>
-              <a:rPr lang="en-US" sz="1700" b="0" strike="noStrike" spc="-1" dirty="0" err="1">
-                <a:solidFill>
-                  <a:srgbClr val="000000"/>
-                </a:solidFill>
-                <a:uFill>
-                  <a:solidFill>
-                    <a:srgbClr val="FFFFFF"/>
-                  </a:solidFill>
-                </a:uFill>
-                <a:latin typeface="Calibri" panose="020F0502020204030204" pitchFamily="34" charset="0"/>
-                <a:ea typeface="Verdana"/>
-                <a:cs typeface="Calibri" panose="020F0502020204030204" pitchFamily="34" charset="0"/>
-              </a:rPr>
-              <a:t>wyniki</a:t>
-            </a:r>
-            <a:r>
-              <a:rPr lang="en-US" sz="1700" b="0" strike="noStrike" spc="-1" dirty="0">
-                <a:solidFill>
-                  <a:srgbClr val="000000"/>
-                </a:solidFill>
-                <a:uFill>
-                  <a:solidFill>
-                    <a:srgbClr val="FFFFFF"/>
-                  </a:solidFill>
-                </a:uFill>
-                <a:latin typeface="Calibri" panose="020F0502020204030204" pitchFamily="34" charset="0"/>
-                <a:ea typeface="Verdana"/>
-                <a:cs typeface="Calibri" panose="020F0502020204030204" pitchFamily="34" charset="0"/>
-              </a:rPr>
-              <a:t> w </a:t>
-            </a:r>
-            <a:r>
-              <a:rPr lang="en-US" sz="1700" b="0" strike="noStrike" spc="-1" dirty="0" err="1">
-                <a:solidFill>
-                  <a:srgbClr val="000000"/>
-                </a:solidFill>
-                <a:uFill>
-                  <a:solidFill>
-                    <a:srgbClr val="FFFFFF"/>
-                  </a:solidFill>
-                </a:uFill>
-                <a:latin typeface="Calibri" panose="020F0502020204030204" pitchFamily="34" charset="0"/>
-                <a:ea typeface="Verdana"/>
-                <a:cs typeface="Calibri" panose="020F0502020204030204" pitchFamily="34" charset="0"/>
-              </a:rPr>
-              <a:t>przystępnej</a:t>
-            </a:r>
-            <a:r>
-              <a:rPr lang="en-US" sz="1700" b="0" strike="noStrike" spc="-1" dirty="0">
-                <a:solidFill>
-                  <a:srgbClr val="000000"/>
-                </a:solidFill>
-                <a:uFill>
-                  <a:solidFill>
-                    <a:srgbClr val="FFFFFF"/>
-                  </a:solidFill>
-                </a:uFill>
-                <a:latin typeface="Calibri" panose="020F0502020204030204" pitchFamily="34" charset="0"/>
-                <a:ea typeface="Verdana"/>
-                <a:cs typeface="Calibri" panose="020F0502020204030204" pitchFamily="34" charset="0"/>
-              </a:rPr>
-              <a:t> </a:t>
-            </a:r>
-            <a:r>
-              <a:rPr lang="en-US" sz="1700" b="0" strike="noStrike" spc="-1" dirty="0" err="1">
-                <a:solidFill>
-                  <a:srgbClr val="000000"/>
-                </a:solidFill>
-                <a:uFill>
-                  <a:solidFill>
-                    <a:srgbClr val="FFFFFF"/>
-                  </a:solidFill>
-                </a:uFill>
-                <a:latin typeface="Calibri" panose="020F0502020204030204" pitchFamily="34" charset="0"/>
-                <a:ea typeface="Verdana"/>
-                <a:cs typeface="Calibri" panose="020F0502020204030204" pitchFamily="34" charset="0"/>
-              </a:rPr>
-              <a:t>formie</a:t>
-            </a:r>
-            <a:endParaRPr lang="en-US" sz="1700" b="0" strike="noStrike" spc="-1" dirty="0">
+            <a:endParaRPr lang="pl-PL" sz="1700" b="0" strike="noStrike" spc="-1" dirty="0">
               <a:solidFill>
                 <a:srgbClr val="000000"/>
               </a:solidFill>
@@ -19666,53 +20289,12 @@
                 </a:solidFill>
               </a:uFill>
               <a:latin typeface="Calibri" panose="020F0502020204030204" pitchFamily="34" charset="0"/>
+              <a:ea typeface="Verdana"/>
               <a:cs typeface="Calibri" panose="020F0502020204030204" pitchFamily="34" charset="0"/>
             </a:endParaRPr>
           </a:p>
-          <a:p>
-            <a:pPr>
-              <a:lnSpc>
-                <a:spcPct val="100000"/>
-              </a:lnSpc>
-            </a:pPr>
-            <a:endParaRPr lang="en-US" sz="1700" b="0" strike="noStrike" spc="-1" dirty="0">
-              <a:solidFill>
-                <a:srgbClr val="000000"/>
-              </a:solidFill>
-              <a:uFill>
-                <a:solidFill>
-                  <a:srgbClr val="FFFFFF"/>
-                </a:solidFill>
-              </a:uFill>
-              <a:latin typeface="Calibri" panose="020F0502020204030204" pitchFamily="34" charset="0"/>
-              <a:cs typeface="Calibri" panose="020F0502020204030204" pitchFamily="34" charset="0"/>
-            </a:endParaRPr>
-          </a:p>
         </p:txBody>
       </p:sp>
-      <p:pic>
-        <p:nvPicPr>
-          <p:cNvPr id="215" name="Shape 346"/>
-          <p:cNvPicPr/>
-          <p:nvPr/>
-        </p:nvPicPr>
-        <p:blipFill>
-          <a:blip r:embed="rId3"/>
-          <a:stretch/>
-        </p:blipFill>
-        <p:spPr>
-          <a:xfrm>
-            <a:off x="1894320" y="2627280"/>
-            <a:ext cx="3266640" cy="2118960"/>
-          </a:xfrm>
-          <a:prstGeom prst="rect">
-            <a:avLst/>
-          </a:prstGeom>
-          <a:ln>
-            <a:noFill/>
-          </a:ln>
-        </p:spPr>
-      </p:pic>
     </p:spTree>
   </p:cSld>
   <p:clrMapOvr>
@@ -19740,7 +20322,7 @@
       </p:grpSpPr>
       <p:sp>
         <p:nvSpPr>
-          <p:cNvPr id="216" name="CustomShape 1"/>
+          <p:cNvPr id="209" name="CustomShape 1"/>
           <p:cNvSpPr/>
           <p:nvPr/>
         </p:nvSpPr>
@@ -19809,13 +20391,13 @@
       </p:sp>
       <p:sp>
         <p:nvSpPr>
-          <p:cNvPr id="217" name="TextShape 2"/>
+          <p:cNvPr id="210" name="TextShape 2"/>
           <p:cNvSpPr txBox="1"/>
           <p:nvPr/>
         </p:nvSpPr>
         <p:spPr>
           <a:xfrm>
-            <a:off x="298440" y="594330"/>
+            <a:off x="298440" y="590520"/>
             <a:ext cx="8229240" cy="781920"/>
           </a:xfrm>
           <a:prstGeom prst="rect">
@@ -19866,7 +20448,7 @@
       </p:sp>
       <p:sp>
         <p:nvSpPr>
-          <p:cNvPr id="218" name="CustomShape 3"/>
+          <p:cNvPr id="211" name="CustomShape 3"/>
           <p:cNvSpPr/>
           <p:nvPr/>
         </p:nvSpPr>
@@ -19898,7 +20480,7 @@
       </p:sp>
       <p:sp>
         <p:nvSpPr>
-          <p:cNvPr id="219" name="CustomShape 4"/>
+          <p:cNvPr id="212" name="CustomShape 4"/>
           <p:cNvSpPr/>
           <p:nvPr/>
         </p:nvSpPr>
@@ -19947,7 +20529,7 @@
       </p:sp>
       <p:sp>
         <p:nvSpPr>
-          <p:cNvPr id="220" name="TextShape 5"/>
+          <p:cNvPr id="213" name="TextShape 5"/>
           <p:cNvSpPr txBox="1"/>
           <p:nvPr/>
         </p:nvSpPr>
@@ -19973,7 +20555,7 @@
                 <a:spcPct val="100000"/>
               </a:lnSpc>
             </a:pPr>
-            <a:fld id="{5DC4B26F-BA85-4D2A-9ADE-DFDB208A2606}" type="slidenum">
+            <a:fld id="{A753EDB6-C467-4369-AFD3-E6B594B3B8AA}" type="slidenum">
               <a:rPr lang="en-US" sz="1200" b="0" strike="noStrike" spc="-1">
                 <a:solidFill>
                   <a:srgbClr val="888888"/>
@@ -20004,7 +20586,7 @@
       </p:sp>
       <p:sp>
         <p:nvSpPr>
-          <p:cNvPr id="221" name="CustomShape 6"/>
+          <p:cNvPr id="214" name="CustomShape 6"/>
           <p:cNvSpPr/>
           <p:nvPr/>
         </p:nvSpPr>
@@ -20381,22 +20963,6 @@
               </a:rPr>
               <a:t>formie</a:t>
             </a:r>
-            <a:r>
-              <a:rPr lang="en-US" sz="1700" b="0" strike="noStrike" spc="-1" dirty="0">
-                <a:solidFill>
-                  <a:srgbClr val="000000"/>
-                </a:solidFill>
-                <a:uFill>
-                  <a:solidFill>
-                    <a:srgbClr val="FFFFFF"/>
-                  </a:solidFill>
-                </a:uFill>
-                <a:latin typeface="Calibri" panose="020F0502020204030204" pitchFamily="34" charset="0"/>
-                <a:ea typeface="Verdana"/>
-                <a:cs typeface="Calibri" panose="020F0502020204030204" pitchFamily="34" charset="0"/>
-              </a:rPr>
-              <a:t>.</a:t>
-            </a:r>
             <a:endParaRPr lang="en-US" sz="1700" b="0" strike="noStrike" spc="-1" dirty="0">
               <a:solidFill>
                 <a:srgbClr val="000000"/>
@@ -20411,253 +20977,11 @@
             </a:endParaRPr>
           </a:p>
           <a:p>
-            <a:pPr marL="285750" indent="-285750">
+            <a:pPr>
               <a:lnSpc>
                 <a:spcPct val="100000"/>
               </a:lnSpc>
-              <a:buFont typeface="Arial" panose="020B0604020202020204" pitchFamily="34" charset="0"/>
-              <a:buChar char="•"/>
             </a:pPr>
-            <a:r>
-              <a:rPr lang="en-US" sz="1700" b="0" strike="noStrike" spc="-1" dirty="0">
-                <a:solidFill>
-                  <a:srgbClr val="000000"/>
-                </a:solidFill>
-                <a:uFill>
-                  <a:solidFill>
-                    <a:srgbClr val="FFFFFF"/>
-                  </a:solidFill>
-                </a:uFill>
-                <a:latin typeface="Calibri" panose="020F0502020204030204" pitchFamily="34" charset="0"/>
-                <a:ea typeface="Verdana"/>
-                <a:cs typeface="Calibri" panose="020F0502020204030204" pitchFamily="34" charset="0"/>
-              </a:rPr>
-              <a:t>W </a:t>
-            </a:r>
-            <a:r>
-              <a:rPr lang="en-US" sz="1700" b="0" strike="noStrike" spc="-1" dirty="0" err="1">
-                <a:solidFill>
-                  <a:srgbClr val="000000"/>
-                </a:solidFill>
-                <a:uFill>
-                  <a:solidFill>
-                    <a:srgbClr val="FFFFFF"/>
-                  </a:solidFill>
-                </a:uFill>
-                <a:latin typeface="Calibri" panose="020F0502020204030204" pitchFamily="34" charset="0"/>
-                <a:ea typeface="Verdana"/>
-                <a:cs typeface="Calibri" panose="020F0502020204030204" pitchFamily="34" charset="0"/>
-              </a:rPr>
-              <a:t>wygodny</a:t>
-            </a:r>
-            <a:r>
-              <a:rPr lang="en-US" sz="1700" b="0" strike="noStrike" spc="-1" dirty="0">
-                <a:solidFill>
-                  <a:srgbClr val="000000"/>
-                </a:solidFill>
-                <a:uFill>
-                  <a:solidFill>
-                    <a:srgbClr val="FFFFFF"/>
-                  </a:solidFill>
-                </a:uFill>
-                <a:latin typeface="Calibri" panose="020F0502020204030204" pitchFamily="34" charset="0"/>
-                <a:ea typeface="Verdana"/>
-                <a:cs typeface="Calibri" panose="020F0502020204030204" pitchFamily="34" charset="0"/>
-              </a:rPr>
-              <a:t> </a:t>
-            </a:r>
-            <a:r>
-              <a:rPr lang="en-US" sz="1700" b="0" strike="noStrike" spc="-1" dirty="0" err="1">
-                <a:solidFill>
-                  <a:srgbClr val="000000"/>
-                </a:solidFill>
-                <a:uFill>
-                  <a:solidFill>
-                    <a:srgbClr val="FFFFFF"/>
-                  </a:solidFill>
-                </a:uFill>
-                <a:latin typeface="Calibri" panose="020F0502020204030204" pitchFamily="34" charset="0"/>
-                <a:ea typeface="Verdana"/>
-                <a:cs typeface="Calibri" panose="020F0502020204030204" pitchFamily="34" charset="0"/>
-              </a:rPr>
-              <a:t>sposób</a:t>
-            </a:r>
-            <a:r>
-              <a:rPr lang="en-US" sz="1700" b="0" strike="noStrike" spc="-1" dirty="0">
-                <a:solidFill>
-                  <a:srgbClr val="000000"/>
-                </a:solidFill>
-                <a:uFill>
-                  <a:solidFill>
-                    <a:srgbClr val="FFFFFF"/>
-                  </a:solidFill>
-                </a:uFill>
-                <a:latin typeface="Calibri" panose="020F0502020204030204" pitchFamily="34" charset="0"/>
-                <a:ea typeface="Verdana"/>
-                <a:cs typeface="Calibri" panose="020F0502020204030204" pitchFamily="34" charset="0"/>
-              </a:rPr>
-              <a:t> </a:t>
-            </a:r>
-            <a:r>
-              <a:rPr lang="en-US" sz="1700" b="0" strike="noStrike" spc="-1" dirty="0" err="1">
-                <a:solidFill>
-                  <a:srgbClr val="000000"/>
-                </a:solidFill>
-                <a:uFill>
-                  <a:solidFill>
-                    <a:srgbClr val="FFFFFF"/>
-                  </a:solidFill>
-                </a:uFill>
-                <a:latin typeface="Calibri" panose="020F0502020204030204" pitchFamily="34" charset="0"/>
-                <a:ea typeface="Verdana"/>
-                <a:cs typeface="Calibri" panose="020F0502020204030204" pitchFamily="34" charset="0"/>
-              </a:rPr>
-              <a:t>umożliwia</a:t>
-            </a:r>
-            <a:r>
-              <a:rPr lang="en-US" sz="1700" b="0" strike="noStrike" spc="-1" dirty="0">
-                <a:solidFill>
-                  <a:srgbClr val="000000"/>
-                </a:solidFill>
-                <a:uFill>
-                  <a:solidFill>
-                    <a:srgbClr val="FFFFFF"/>
-                  </a:solidFill>
-                </a:uFill>
-                <a:latin typeface="Calibri" panose="020F0502020204030204" pitchFamily="34" charset="0"/>
-                <a:ea typeface="Verdana"/>
-                <a:cs typeface="Calibri" panose="020F0502020204030204" pitchFamily="34" charset="0"/>
-              </a:rPr>
-              <a:t> </a:t>
-            </a:r>
-            <a:r>
-              <a:rPr lang="en-US" sz="1700" b="0" strike="noStrike" spc="-1" dirty="0" err="1">
-                <a:solidFill>
-                  <a:srgbClr val="000000"/>
-                </a:solidFill>
-                <a:uFill>
-                  <a:solidFill>
-                    <a:srgbClr val="FFFFFF"/>
-                  </a:solidFill>
-                </a:uFill>
-                <a:latin typeface="Calibri" panose="020F0502020204030204" pitchFamily="34" charset="0"/>
-                <a:ea typeface="Verdana"/>
-                <a:cs typeface="Calibri" panose="020F0502020204030204" pitchFamily="34" charset="0"/>
-              </a:rPr>
-              <a:t>pobieranie</a:t>
-            </a:r>
-            <a:r>
-              <a:rPr lang="en-US" sz="1700" b="0" strike="noStrike" spc="-1" dirty="0">
-                <a:solidFill>
-                  <a:srgbClr val="000000"/>
-                </a:solidFill>
-                <a:uFill>
-                  <a:solidFill>
-                    <a:srgbClr val="FFFFFF"/>
-                  </a:solidFill>
-                </a:uFill>
-                <a:latin typeface="Calibri" panose="020F0502020204030204" pitchFamily="34" charset="0"/>
-                <a:ea typeface="Verdana"/>
-                <a:cs typeface="Calibri" panose="020F0502020204030204" pitchFamily="34" charset="0"/>
-              </a:rPr>
-              <a:t> </a:t>
-            </a:r>
-            <a:r>
-              <a:rPr lang="en-US" sz="1700" b="0" strike="noStrike" spc="-1" dirty="0" err="1">
-                <a:solidFill>
-                  <a:srgbClr val="000000"/>
-                </a:solidFill>
-                <a:uFill>
-                  <a:solidFill>
-                    <a:srgbClr val="FFFFFF"/>
-                  </a:solidFill>
-                </a:uFill>
-                <a:latin typeface="Calibri" panose="020F0502020204030204" pitchFamily="34" charset="0"/>
-                <a:ea typeface="Verdana"/>
-                <a:cs typeface="Calibri" panose="020F0502020204030204" pitchFamily="34" charset="0"/>
-              </a:rPr>
-              <a:t>screenshotów</a:t>
-            </a:r>
-            <a:r>
-              <a:rPr lang="en-US" sz="1700" b="0" strike="noStrike" spc="-1" dirty="0">
-                <a:solidFill>
-                  <a:srgbClr val="000000"/>
-                </a:solidFill>
-                <a:uFill>
-                  <a:solidFill>
-                    <a:srgbClr val="FFFFFF"/>
-                  </a:solidFill>
-                </a:uFill>
-                <a:latin typeface="Calibri" panose="020F0502020204030204" pitchFamily="34" charset="0"/>
-                <a:ea typeface="Verdana"/>
-                <a:cs typeface="Calibri" panose="020F0502020204030204" pitchFamily="34" charset="0"/>
-              </a:rPr>
-              <a:t> z </a:t>
-            </a:r>
-            <a:r>
-              <a:rPr lang="en-US" sz="1700" b="0" strike="noStrike" spc="-1" dirty="0" err="1">
-                <a:solidFill>
-                  <a:srgbClr val="000000"/>
-                </a:solidFill>
-                <a:uFill>
-                  <a:solidFill>
-                    <a:srgbClr val="FFFFFF"/>
-                  </a:solidFill>
-                </a:uFill>
-                <a:latin typeface="Calibri" panose="020F0502020204030204" pitchFamily="34" charset="0"/>
-                <a:ea typeface="Verdana"/>
-                <a:cs typeface="Calibri" panose="020F0502020204030204" pitchFamily="34" charset="0"/>
-              </a:rPr>
-              <a:t>wykonywanych</a:t>
-            </a:r>
-            <a:r>
-              <a:rPr lang="en-US" sz="1700" b="0" strike="noStrike" spc="-1" dirty="0">
-                <a:solidFill>
-                  <a:srgbClr val="000000"/>
-                </a:solidFill>
-                <a:uFill>
-                  <a:solidFill>
-                    <a:srgbClr val="FFFFFF"/>
-                  </a:solidFill>
-                </a:uFill>
-                <a:latin typeface="Calibri" panose="020F0502020204030204" pitchFamily="34" charset="0"/>
-                <a:ea typeface="Verdana"/>
-                <a:cs typeface="Calibri" panose="020F0502020204030204" pitchFamily="34" charset="0"/>
-              </a:rPr>
-              <a:t> </a:t>
-            </a:r>
-            <a:r>
-              <a:rPr lang="en-US" sz="1700" b="0" strike="noStrike" spc="-1" dirty="0" err="1">
-                <a:solidFill>
-                  <a:srgbClr val="000000"/>
-                </a:solidFill>
-                <a:uFill>
-                  <a:solidFill>
-                    <a:srgbClr val="FFFFFF"/>
-                  </a:solidFill>
-                </a:uFill>
-                <a:latin typeface="Calibri" panose="020F0502020204030204" pitchFamily="34" charset="0"/>
-                <a:ea typeface="Verdana"/>
-                <a:cs typeface="Calibri" panose="020F0502020204030204" pitchFamily="34" charset="0"/>
-              </a:rPr>
-              <a:t>testów</a:t>
-            </a:r>
-            <a:r>
-              <a:rPr lang="en-US" sz="1700" b="0" strike="noStrike" spc="-1" dirty="0">
-                <a:solidFill>
-                  <a:srgbClr val="000000"/>
-                </a:solidFill>
-                <a:uFill>
-                  <a:solidFill>
-                    <a:srgbClr val="FFFFFF"/>
-                  </a:solidFill>
-                </a:uFill>
-                <a:latin typeface="Calibri" panose="020F0502020204030204" pitchFamily="34" charset="0"/>
-                <a:ea typeface="Verdana"/>
-                <a:cs typeface="Calibri" panose="020F0502020204030204" pitchFamily="34" charset="0"/>
-              </a:rPr>
-              <a:t>.</a:t>
-            </a:r>
             <a:endParaRPr lang="en-US" sz="1700" b="0" strike="noStrike" spc="-1" dirty="0">
               <a:solidFill>
                 <a:srgbClr val="000000"/>
@@ -20675,7 +20999,7 @@
       </p:sp>
       <p:pic>
         <p:nvPicPr>
-          <p:cNvPr id="222" name="Shape 359"/>
+          <p:cNvPr id="215" name="Shape 346"/>
           <p:cNvPicPr/>
           <p:nvPr/>
         </p:nvPicPr>
@@ -20687,29 +21011,6 @@
           <a:xfrm>
             <a:off x="1894320" y="2627280"/>
             <a:ext cx="3266640" cy="2118960"/>
-          </a:xfrm>
-          <a:prstGeom prst="rect">
-            <a:avLst/>
-          </a:prstGeom>
-          <a:ln>
-            <a:noFill/>
-          </a:ln>
-        </p:spPr>
-      </p:pic>
-      <p:pic>
-        <p:nvPicPr>
-          <p:cNvPr id="223" name="Shape 360"/>
-          <p:cNvPicPr/>
-          <p:nvPr/>
-        </p:nvPicPr>
-        <p:blipFill>
-          <a:blip r:embed="rId4"/>
-          <a:stretch/>
-        </p:blipFill>
-        <p:spPr>
-          <a:xfrm>
-            <a:off x="5447160" y="2627280"/>
-            <a:ext cx="3363480" cy="2266560"/>
           </a:xfrm>
           <a:prstGeom prst="rect">
             <a:avLst/>
@@ -20746,7 +21047,7 @@
       </p:grpSpPr>
       <p:sp>
         <p:nvSpPr>
-          <p:cNvPr id="224" name="CustomShape 1"/>
+          <p:cNvPr id="216" name="CustomShape 1"/>
           <p:cNvSpPr/>
           <p:nvPr/>
         </p:nvSpPr>
@@ -20815,13 +21116,13 @@
       </p:sp>
       <p:sp>
         <p:nvSpPr>
-          <p:cNvPr id="225" name="TextShape 2"/>
+          <p:cNvPr id="217" name="TextShape 2"/>
           <p:cNvSpPr txBox="1"/>
           <p:nvPr/>
         </p:nvSpPr>
         <p:spPr>
           <a:xfrm>
-            <a:off x="292320" y="591990"/>
+            <a:off x="298440" y="594330"/>
             <a:ext cx="8229240" cy="781920"/>
           </a:xfrm>
           <a:prstGeom prst="rect">
@@ -20842,7 +21143,7 @@
               </a:lnSpc>
             </a:pPr>
             <a:r>
-              <a:rPr lang="en-US" sz="2800" b="1" strike="noStrike" spc="-1" dirty="0" err="1">
+              <a:rPr lang="en-US" sz="2800" b="1" strike="noStrike" spc="-1" dirty="0">
                 <a:solidFill>
                   <a:srgbClr val="000000"/>
                 </a:solidFill>
@@ -20852,54 +21153,9 @@
                   </a:solidFill>
                 </a:uFill>
                 <a:latin typeface="Cambria" panose="02040503050406030204" pitchFamily="18" charset="0"/>
-                <a:ea typeface="Arial"/>
-              </a:rPr>
-              <a:t>Napiszcie</a:t>
-            </a:r>
-            <a:r>
-              <a:rPr lang="en-US" sz="2800" b="1" strike="noStrike" spc="-1" dirty="0">
-                <a:solidFill>
-                  <a:srgbClr val="000000"/>
-                </a:solidFill>
-                <a:uFill>
-                  <a:solidFill>
-                    <a:srgbClr val="FFFFFF"/>
-                  </a:solidFill>
-                </a:uFill>
-                <a:latin typeface="Cambria" panose="02040503050406030204" pitchFamily="18" charset="0"/>
-                <a:ea typeface="Arial"/>
-              </a:rPr>
-              <a:t> do </a:t>
-            </a:r>
-            <a:r>
-              <a:rPr lang="en-US" sz="2800" b="1" strike="noStrike" spc="-1" dirty="0" err="1">
-                <a:solidFill>
-                  <a:srgbClr val="000000"/>
-                </a:solidFill>
-                <a:uFill>
-                  <a:solidFill>
-                    <a:srgbClr val="FFFFFF"/>
-                  </a:solidFill>
-                </a:uFill>
-                <a:latin typeface="Cambria" panose="02040503050406030204" pitchFamily="18" charset="0"/>
-                <a:ea typeface="Arial"/>
-              </a:rPr>
-              <a:t>nas</a:t>
-            </a:r>
-            <a:r>
-              <a:rPr lang="en-US" sz="2800" b="1" strike="noStrike" spc="-1" dirty="0">
-                <a:solidFill>
-                  <a:srgbClr val="000000"/>
-                </a:solidFill>
-                <a:uFill>
-                  <a:solidFill>
-                    <a:srgbClr val="FFFFFF"/>
-                  </a:solidFill>
-                </a:uFill>
-                <a:latin typeface="Cambria" panose="02040503050406030204" pitchFamily="18" charset="0"/>
-                <a:ea typeface="Arial"/>
-              </a:rPr>
-              <a:t>!</a:t>
+                <a:ea typeface="Verdana"/>
+              </a:rPr>
+              <a:t>Spoon</a:t>
             </a:r>
             <a:endParaRPr lang="en-US" sz="1400" b="0" strike="noStrike" spc="-1" dirty="0">
               <a:solidFill>
@@ -20917,7 +21173,7 @@
       </p:sp>
       <p:sp>
         <p:nvSpPr>
-          <p:cNvPr id="226" name="CustomShape 3"/>
+          <p:cNvPr id="218" name="CustomShape 3"/>
           <p:cNvSpPr/>
           <p:nvPr/>
         </p:nvSpPr>
@@ -20949,7 +21205,7 @@
       </p:sp>
       <p:sp>
         <p:nvSpPr>
-          <p:cNvPr id="227" name="CustomShape 4"/>
+          <p:cNvPr id="219" name="CustomShape 4"/>
           <p:cNvSpPr/>
           <p:nvPr/>
         </p:nvSpPr>
@@ -20998,7 +21254,7 @@
       </p:sp>
       <p:sp>
         <p:nvSpPr>
-          <p:cNvPr id="228" name="TextShape 5"/>
+          <p:cNvPr id="220" name="TextShape 5"/>
           <p:cNvSpPr txBox="1"/>
           <p:nvPr/>
         </p:nvSpPr>
@@ -21024,7 +21280,7 @@
                 <a:spcPct val="100000"/>
               </a:lnSpc>
             </a:pPr>
-            <a:fld id="{6EC13B6F-0343-40D1-B3C3-098E9F7498E5}" type="slidenum">
+            <a:fld id="{5DC4B26F-BA85-4D2A-9ADE-DFDB208A2606}" type="slidenum">
               <a:rPr lang="en-US" sz="1200" b="0" strike="noStrike" spc="-1">
                 <a:solidFill>
                   <a:srgbClr val="888888"/>
@@ -21055,14 +21311,14 @@
       </p:sp>
       <p:sp>
         <p:nvSpPr>
-          <p:cNvPr id="235" name="CustomShape 8"/>
+          <p:cNvPr id="221" name="CustomShape 6"/>
           <p:cNvSpPr/>
           <p:nvPr/>
         </p:nvSpPr>
         <p:spPr>
           <a:xfrm>
-            <a:off x="0" y="1386360"/>
-            <a:ext cx="9010650" cy="3376140"/>
+            <a:off x="298440" y="1248480"/>
+            <a:ext cx="8643240" cy="1476720"/>
           </a:xfrm>
           <a:prstGeom prst="rect">
             <a:avLst/>
@@ -21085,160 +21341,370 @@
           <a:fontRef idx="minor"/>
         </p:style>
         <p:txBody>
-          <a:bodyPr tIns="91440" bIns="91440"/>
+          <a:bodyPr/>
           <a:lstStyle/>
           <a:p>
-            <a:pPr indent="358775">
+            <a:pPr marL="285750" indent="-285750">
               <a:lnSpc>
-                <a:spcPct val="150000"/>
+                <a:spcPct val="100000"/>
               </a:lnSpc>
+              <a:buFont typeface="Arial" panose="020B0604020202020204" pitchFamily="34" charset="0"/>
+              <a:buChar char="•"/>
             </a:pPr>
             <a:r>
-              <a:rPr lang="en-US" sz="2400" b="1" strike="noStrike" spc="-1" dirty="0">
-                <a:solidFill>
-                  <a:srgbClr val="000000"/>
-                </a:solidFill>
-                <a:uFill>
-                  <a:solidFill>
-                    <a:srgbClr val="FFFFFF"/>
-                  </a:solidFill>
-                </a:uFill>
-                <a:latin typeface="Calibri" panose="020F0502020204030204" pitchFamily="34" charset="0"/>
-                <a:ea typeface="Arial"/>
-                <a:cs typeface="Calibri" panose="020F0502020204030204" pitchFamily="34" charset="0"/>
-              </a:rPr>
-              <a:t>Janina</a:t>
-            </a:r>
-            <a:r>
-              <a:rPr lang="pl-PL" sz="2400" b="0" strike="noStrike" spc="-1" dirty="0">
-                <a:solidFill>
-                  <a:srgbClr val="000000"/>
-                </a:solidFill>
-                <a:uFill>
-                  <a:solidFill>
-                    <a:srgbClr val="FFFFFF"/>
-                  </a:solidFill>
-                </a:uFill>
-                <a:latin typeface="Calibri" panose="020F0502020204030204" pitchFamily="34" charset="0"/>
-                <a:ea typeface="Arial"/>
-                <a:cs typeface="Calibri" panose="020F0502020204030204" pitchFamily="34" charset="0"/>
-              </a:rPr>
-              <a:t>       </a:t>
-            </a:r>
-            <a:r>
-              <a:rPr lang="en-US" sz="2400" b="0" strike="noStrike" spc="-1" dirty="0">
-                <a:solidFill>
-                  <a:srgbClr val="000000"/>
-                </a:solidFill>
-                <a:uFill>
-                  <a:solidFill>
-                    <a:srgbClr val="FFFFFF"/>
-                  </a:solidFill>
-                </a:uFill>
-                <a:latin typeface="Calibri" panose="020F0502020204030204" pitchFamily="34" charset="0"/>
-                <a:ea typeface="Arial"/>
-                <a:cs typeface="Calibri" panose="020F0502020204030204" pitchFamily="34" charset="0"/>
-                <a:hlinkClick r:id="rId3"/>
-              </a:rPr>
-              <a:t>jadamiec@future-processing.com</a:t>
-            </a:r>
-            <a:endParaRPr lang="pl-PL" sz="2400" b="0" strike="noStrike" spc="-1" dirty="0">
-              <a:solidFill>
-                <a:srgbClr val="000000"/>
-              </a:solidFill>
-              <a:uFill>
-                <a:solidFill>
-                  <a:srgbClr val="FFFFFF"/>
-                </a:solidFill>
-              </a:uFill>
-              <a:latin typeface="Calibri" panose="020F0502020204030204" pitchFamily="34" charset="0"/>
-              <a:ea typeface="Arial"/>
-              <a:cs typeface="Calibri" panose="020F0502020204030204" pitchFamily="34" charset="0"/>
-            </a:endParaRPr>
-          </a:p>
-          <a:p>
-            <a:pPr indent="358775">
-              <a:lnSpc>
-                <a:spcPct val="150000"/>
-              </a:lnSpc>
-            </a:pPr>
-            <a:r>
-              <a:rPr lang="pl-PL" sz="2400" b="1" spc="-1" dirty="0">
-                <a:solidFill>
-                  <a:srgbClr val="000000"/>
-                </a:solidFill>
-                <a:uFill>
-                  <a:solidFill>
-                    <a:srgbClr val="FFFFFF"/>
-                  </a:solidFill>
-                </a:uFill>
-                <a:latin typeface="Calibri" panose="020F0502020204030204" pitchFamily="34" charset="0"/>
-                <a:cs typeface="Calibri" panose="020F0502020204030204" pitchFamily="34" charset="0"/>
-              </a:rPr>
-              <a:t>Mateusz</a:t>
-            </a:r>
-            <a:r>
-              <a:rPr lang="pl-PL" sz="2400" spc="-1" dirty="0">
-                <a:solidFill>
-                  <a:srgbClr val="000000"/>
-                </a:solidFill>
-                <a:uFill>
-                  <a:solidFill>
-                    <a:srgbClr val="FFFFFF"/>
-                  </a:solidFill>
-                </a:uFill>
-                <a:latin typeface="Calibri" panose="020F0502020204030204" pitchFamily="34" charset="0"/>
-                <a:cs typeface="Calibri" panose="020F0502020204030204" pitchFamily="34" charset="0"/>
-              </a:rPr>
-              <a:t>   </a:t>
-            </a:r>
-            <a:r>
-              <a:rPr lang="pl-PL" sz="2400" spc="-1" dirty="0">
-                <a:solidFill>
-                  <a:srgbClr val="000000"/>
-                </a:solidFill>
-                <a:uFill>
-                  <a:solidFill>
-                    <a:srgbClr val="FFFFFF"/>
-                  </a:solidFill>
-                </a:uFill>
-                <a:latin typeface="Calibri" panose="020F0502020204030204" pitchFamily="34" charset="0"/>
-                <a:cs typeface="Calibri" panose="020F0502020204030204" pitchFamily="34" charset="0"/>
-                <a:hlinkClick r:id="rId4"/>
-              </a:rPr>
-              <a:t>mateusz.bos@northmill.se</a:t>
-            </a:r>
-            <a:r>
-              <a:rPr lang="pl-PL" sz="2400" spc="-1" dirty="0">
-                <a:solidFill>
-                  <a:srgbClr val="000000"/>
-                </a:solidFill>
-                <a:uFill>
-                  <a:solidFill>
-                    <a:srgbClr val="FFFFFF"/>
-                  </a:solidFill>
-                </a:uFill>
-                <a:latin typeface="Calibri" panose="020F0502020204030204" pitchFamily="34" charset="0"/>
-                <a:cs typeface="Calibri" panose="020F0502020204030204" pitchFamily="34" charset="0"/>
-              </a:rPr>
-              <a:t>            </a:t>
-            </a:r>
-            <a:r>
-              <a:rPr lang="pl-PL" sz="2400" spc="-1" dirty="0" err="1">
-                <a:solidFill>
-                  <a:srgbClr val="000000"/>
-                </a:solidFill>
-                <a:uFill>
-                  <a:solidFill>
-                    <a:srgbClr val="FFFFFF"/>
-                  </a:solidFill>
-                </a:uFill>
-                <a:latin typeface="Calibri" panose="020F0502020204030204" pitchFamily="34" charset="0"/>
-                <a:cs typeface="Calibri" panose="020F0502020204030204" pitchFamily="34" charset="0"/>
-              </a:rPr>
-              <a:t>boosiu</a:t>
-            </a:r>
-            <a:endParaRPr lang="pl-PL" sz="2400" spc="-1" dirty="0">
+              <a:rPr lang="en-US" sz="1700" b="0" strike="noStrike" spc="-1" dirty="0" err="1">
+                <a:solidFill>
+                  <a:srgbClr val="000000"/>
+                </a:solidFill>
+                <a:uFill>
+                  <a:solidFill>
+                    <a:srgbClr val="FFFFFF"/>
+                  </a:solidFill>
+                </a:uFill>
+                <a:latin typeface="Calibri" panose="020F0502020204030204" pitchFamily="34" charset="0"/>
+                <a:ea typeface="Verdana"/>
+                <a:cs typeface="Calibri" panose="020F0502020204030204" pitchFamily="34" charset="0"/>
+              </a:rPr>
+              <a:t>Pozwala</a:t>
+            </a:r>
+            <a:r>
+              <a:rPr lang="en-US" sz="1700" b="0" strike="noStrike" spc="-1" dirty="0">
+                <a:solidFill>
+                  <a:srgbClr val="000000"/>
+                </a:solidFill>
+                <a:uFill>
+                  <a:solidFill>
+                    <a:srgbClr val="FFFFFF"/>
+                  </a:solidFill>
+                </a:uFill>
+                <a:latin typeface="Calibri" panose="020F0502020204030204" pitchFamily="34" charset="0"/>
+                <a:ea typeface="Verdana"/>
+                <a:cs typeface="Calibri" panose="020F0502020204030204" pitchFamily="34" charset="0"/>
+              </a:rPr>
+              <a:t> </a:t>
+            </a:r>
+            <a:r>
+              <a:rPr lang="en-US" sz="1700" b="0" strike="noStrike" spc="-1" dirty="0" err="1">
+                <a:solidFill>
+                  <a:srgbClr val="000000"/>
+                </a:solidFill>
+                <a:uFill>
+                  <a:solidFill>
+                    <a:srgbClr val="FFFFFF"/>
+                  </a:solidFill>
+                </a:uFill>
+                <a:latin typeface="Calibri" panose="020F0502020204030204" pitchFamily="34" charset="0"/>
+                <a:ea typeface="Verdana"/>
+                <a:cs typeface="Calibri" panose="020F0502020204030204" pitchFamily="34" charset="0"/>
+              </a:rPr>
+              <a:t>wykonywać</a:t>
+            </a:r>
+            <a:r>
+              <a:rPr lang="en-US" sz="1700" b="0" strike="noStrike" spc="-1" dirty="0">
+                <a:solidFill>
+                  <a:srgbClr val="000000"/>
+                </a:solidFill>
+                <a:uFill>
+                  <a:solidFill>
+                    <a:srgbClr val="FFFFFF"/>
+                  </a:solidFill>
+                </a:uFill>
+                <a:latin typeface="Calibri" panose="020F0502020204030204" pitchFamily="34" charset="0"/>
+                <a:ea typeface="Verdana"/>
+                <a:cs typeface="Calibri" panose="020F0502020204030204" pitchFamily="34" charset="0"/>
+              </a:rPr>
+              <a:t> testy </a:t>
+            </a:r>
+            <a:r>
+              <a:rPr lang="en-US" sz="1700" b="0" strike="noStrike" spc="-1" dirty="0" err="1">
+                <a:solidFill>
+                  <a:srgbClr val="000000"/>
+                </a:solidFill>
+                <a:uFill>
+                  <a:solidFill>
+                    <a:srgbClr val="FFFFFF"/>
+                  </a:solidFill>
+                </a:uFill>
+                <a:latin typeface="Calibri" panose="020F0502020204030204" pitchFamily="34" charset="0"/>
+                <a:ea typeface="Verdana"/>
+                <a:cs typeface="Calibri" panose="020F0502020204030204" pitchFamily="34" charset="0"/>
+              </a:rPr>
+              <a:t>równolegle</a:t>
+            </a:r>
+            <a:r>
+              <a:rPr lang="en-US" sz="1700" b="0" strike="noStrike" spc="-1" dirty="0">
+                <a:solidFill>
+                  <a:srgbClr val="000000"/>
+                </a:solidFill>
+                <a:uFill>
+                  <a:solidFill>
+                    <a:srgbClr val="FFFFFF"/>
+                  </a:solidFill>
+                </a:uFill>
+                <a:latin typeface="Calibri" panose="020F0502020204030204" pitchFamily="34" charset="0"/>
+                <a:ea typeface="Verdana"/>
+                <a:cs typeface="Calibri" panose="020F0502020204030204" pitchFamily="34" charset="0"/>
+              </a:rPr>
+              <a:t> </a:t>
+            </a:r>
+            <a:r>
+              <a:rPr lang="en-US" sz="1700" b="0" strike="noStrike" spc="-1" dirty="0" err="1">
+                <a:solidFill>
+                  <a:srgbClr val="000000"/>
+                </a:solidFill>
+                <a:uFill>
+                  <a:solidFill>
+                    <a:srgbClr val="FFFFFF"/>
+                  </a:solidFill>
+                </a:uFill>
+                <a:latin typeface="Calibri" panose="020F0502020204030204" pitchFamily="34" charset="0"/>
+                <a:ea typeface="Verdana"/>
+                <a:cs typeface="Calibri" panose="020F0502020204030204" pitchFamily="34" charset="0"/>
+              </a:rPr>
+              <a:t>na</a:t>
+            </a:r>
+            <a:r>
+              <a:rPr lang="en-US" sz="1700" b="0" strike="noStrike" spc="-1" dirty="0">
+                <a:solidFill>
+                  <a:srgbClr val="000000"/>
+                </a:solidFill>
+                <a:uFill>
+                  <a:solidFill>
+                    <a:srgbClr val="FFFFFF"/>
+                  </a:solidFill>
+                </a:uFill>
+                <a:latin typeface="Calibri" panose="020F0502020204030204" pitchFamily="34" charset="0"/>
+                <a:ea typeface="Verdana"/>
+                <a:cs typeface="Calibri" panose="020F0502020204030204" pitchFamily="34" charset="0"/>
+              </a:rPr>
+              <a:t> </a:t>
+            </a:r>
+            <a:r>
+              <a:rPr lang="en-US" sz="1700" b="0" strike="noStrike" spc="-1" dirty="0" err="1">
+                <a:solidFill>
+                  <a:srgbClr val="000000"/>
+                </a:solidFill>
+                <a:uFill>
+                  <a:solidFill>
+                    <a:srgbClr val="FFFFFF"/>
+                  </a:solidFill>
+                </a:uFill>
+                <a:latin typeface="Calibri" panose="020F0502020204030204" pitchFamily="34" charset="0"/>
+                <a:ea typeface="Verdana"/>
+                <a:cs typeface="Calibri" panose="020F0502020204030204" pitchFamily="34" charset="0"/>
+              </a:rPr>
+              <a:t>wielu</a:t>
+            </a:r>
+            <a:r>
+              <a:rPr lang="en-US" sz="1700" b="0" strike="noStrike" spc="-1" dirty="0">
+                <a:solidFill>
+                  <a:srgbClr val="000000"/>
+                </a:solidFill>
+                <a:uFill>
+                  <a:solidFill>
+                    <a:srgbClr val="FFFFFF"/>
+                  </a:solidFill>
+                </a:uFill>
+                <a:latin typeface="Calibri" panose="020F0502020204030204" pitchFamily="34" charset="0"/>
+                <a:ea typeface="Verdana"/>
+                <a:cs typeface="Calibri" panose="020F0502020204030204" pitchFamily="34" charset="0"/>
+              </a:rPr>
+              <a:t> </a:t>
+            </a:r>
+            <a:r>
+              <a:rPr lang="en-US" sz="1700" b="0" strike="noStrike" spc="-1" dirty="0" err="1">
+                <a:solidFill>
+                  <a:srgbClr val="000000"/>
+                </a:solidFill>
+                <a:uFill>
+                  <a:solidFill>
+                    <a:srgbClr val="FFFFFF"/>
+                  </a:solidFill>
+                </a:uFill>
+                <a:latin typeface="Calibri" panose="020F0502020204030204" pitchFamily="34" charset="0"/>
+                <a:ea typeface="Verdana"/>
+                <a:cs typeface="Calibri" panose="020F0502020204030204" pitchFamily="34" charset="0"/>
+              </a:rPr>
+              <a:t>urządzeniach</a:t>
+            </a:r>
+            <a:r>
+              <a:rPr lang="en-US" sz="1700" b="0" strike="noStrike" spc="-1" dirty="0">
+                <a:solidFill>
+                  <a:srgbClr val="000000"/>
+                </a:solidFill>
+                <a:uFill>
+                  <a:solidFill>
+                    <a:srgbClr val="FFFFFF"/>
+                  </a:solidFill>
+                </a:uFill>
+                <a:latin typeface="Calibri" panose="020F0502020204030204" pitchFamily="34" charset="0"/>
+                <a:ea typeface="Verdana"/>
+                <a:cs typeface="Calibri" panose="020F0502020204030204" pitchFamily="34" charset="0"/>
+              </a:rPr>
+              <a:t>/</a:t>
+            </a:r>
+            <a:r>
+              <a:rPr lang="en-US" sz="1700" b="0" strike="noStrike" spc="-1" dirty="0" err="1">
+                <a:solidFill>
+                  <a:srgbClr val="000000"/>
+                </a:solidFill>
+                <a:uFill>
+                  <a:solidFill>
+                    <a:srgbClr val="FFFFFF"/>
+                  </a:solidFill>
+                </a:uFill>
+                <a:latin typeface="Calibri" panose="020F0502020204030204" pitchFamily="34" charset="0"/>
+                <a:ea typeface="Verdana"/>
+                <a:cs typeface="Calibri" panose="020F0502020204030204" pitchFamily="34" charset="0"/>
+              </a:rPr>
+              <a:t>emulatorach</a:t>
+            </a:r>
+            <a:r>
+              <a:rPr lang="en-US" sz="1700" b="0" strike="noStrike" spc="-1" dirty="0">
+                <a:solidFill>
+                  <a:srgbClr val="000000"/>
+                </a:solidFill>
+                <a:uFill>
+                  <a:solidFill>
+                    <a:srgbClr val="FFFFFF"/>
+                  </a:solidFill>
+                </a:uFill>
+                <a:latin typeface="Calibri" panose="020F0502020204030204" pitchFamily="34" charset="0"/>
+                <a:ea typeface="Verdana"/>
+                <a:cs typeface="Calibri" panose="020F0502020204030204" pitchFamily="34" charset="0"/>
+              </a:rPr>
+              <a:t>.
+</a:t>
+            </a:r>
+            <a:r>
+              <a:rPr lang="en-US" sz="1700" b="0" strike="noStrike" spc="-1" dirty="0" err="1">
+                <a:solidFill>
+                  <a:srgbClr val="000000"/>
+                </a:solidFill>
+                <a:uFill>
+                  <a:solidFill>
+                    <a:srgbClr val="FFFFFF"/>
+                  </a:solidFill>
+                </a:uFill>
+                <a:latin typeface="Calibri" panose="020F0502020204030204" pitchFamily="34" charset="0"/>
+                <a:ea typeface="Verdana"/>
+                <a:cs typeface="Calibri" panose="020F0502020204030204" pitchFamily="34" charset="0"/>
+              </a:rPr>
+              <a:t>Udostępnia</a:t>
+            </a:r>
+            <a:r>
+              <a:rPr lang="en-US" sz="1700" b="0" strike="noStrike" spc="-1" dirty="0">
+                <a:solidFill>
+                  <a:srgbClr val="000000"/>
+                </a:solidFill>
+                <a:uFill>
+                  <a:solidFill>
+                    <a:srgbClr val="FFFFFF"/>
+                  </a:solidFill>
+                </a:uFill>
+                <a:latin typeface="Calibri" panose="020F0502020204030204" pitchFamily="34" charset="0"/>
+                <a:ea typeface="Verdana"/>
+                <a:cs typeface="Calibri" panose="020F0502020204030204" pitchFamily="34" charset="0"/>
+              </a:rPr>
+              <a:t> </a:t>
+            </a:r>
+            <a:r>
+              <a:rPr lang="en-US" sz="1700" b="0" strike="noStrike" spc="-1" dirty="0" err="1">
+                <a:solidFill>
+                  <a:srgbClr val="000000"/>
+                </a:solidFill>
+                <a:uFill>
+                  <a:solidFill>
+                    <a:srgbClr val="FFFFFF"/>
+                  </a:solidFill>
+                </a:uFill>
+                <a:latin typeface="Calibri" panose="020F0502020204030204" pitchFamily="34" charset="0"/>
+                <a:ea typeface="Verdana"/>
+                <a:cs typeface="Calibri" panose="020F0502020204030204" pitchFamily="34" charset="0"/>
+              </a:rPr>
+              <a:t>wyniki</a:t>
+            </a:r>
+            <a:r>
+              <a:rPr lang="en-US" sz="1700" b="0" strike="noStrike" spc="-1" dirty="0">
+                <a:solidFill>
+                  <a:srgbClr val="000000"/>
+                </a:solidFill>
+                <a:uFill>
+                  <a:solidFill>
+                    <a:srgbClr val="FFFFFF"/>
+                  </a:solidFill>
+                </a:uFill>
+                <a:latin typeface="Calibri" panose="020F0502020204030204" pitchFamily="34" charset="0"/>
+                <a:ea typeface="Verdana"/>
+                <a:cs typeface="Calibri" panose="020F0502020204030204" pitchFamily="34" charset="0"/>
+              </a:rPr>
+              <a:t> w </a:t>
+            </a:r>
+            <a:r>
+              <a:rPr lang="en-US" sz="1700" b="0" strike="noStrike" spc="-1" dirty="0" err="1">
+                <a:solidFill>
+                  <a:srgbClr val="000000"/>
+                </a:solidFill>
+                <a:uFill>
+                  <a:solidFill>
+                    <a:srgbClr val="FFFFFF"/>
+                  </a:solidFill>
+                </a:uFill>
+                <a:latin typeface="Calibri" panose="020F0502020204030204" pitchFamily="34" charset="0"/>
+                <a:ea typeface="Verdana"/>
+                <a:cs typeface="Calibri" panose="020F0502020204030204" pitchFamily="34" charset="0"/>
+              </a:rPr>
+              <a:t>przystępnej</a:t>
+            </a:r>
+            <a:r>
+              <a:rPr lang="en-US" sz="1700" b="0" strike="noStrike" spc="-1" dirty="0">
+                <a:solidFill>
+                  <a:srgbClr val="000000"/>
+                </a:solidFill>
+                <a:uFill>
+                  <a:solidFill>
+                    <a:srgbClr val="FFFFFF"/>
+                  </a:solidFill>
+                </a:uFill>
+                <a:latin typeface="Calibri" panose="020F0502020204030204" pitchFamily="34" charset="0"/>
+                <a:ea typeface="Verdana"/>
+                <a:cs typeface="Calibri" panose="020F0502020204030204" pitchFamily="34" charset="0"/>
+              </a:rPr>
+              <a:t> </a:t>
+            </a:r>
+            <a:r>
+              <a:rPr lang="en-US" sz="1700" b="0" strike="noStrike" spc="-1" dirty="0" err="1">
+                <a:solidFill>
+                  <a:srgbClr val="000000"/>
+                </a:solidFill>
+                <a:uFill>
+                  <a:solidFill>
+                    <a:srgbClr val="FFFFFF"/>
+                  </a:solidFill>
+                </a:uFill>
+                <a:latin typeface="Calibri" panose="020F0502020204030204" pitchFamily="34" charset="0"/>
+                <a:ea typeface="Verdana"/>
+                <a:cs typeface="Calibri" panose="020F0502020204030204" pitchFamily="34" charset="0"/>
+              </a:rPr>
+              <a:t>formie</a:t>
+            </a:r>
+            <a:r>
+              <a:rPr lang="en-US" sz="1700" b="0" strike="noStrike" spc="-1" dirty="0">
+                <a:solidFill>
+                  <a:srgbClr val="000000"/>
+                </a:solidFill>
+                <a:uFill>
+                  <a:solidFill>
+                    <a:srgbClr val="FFFFFF"/>
+                  </a:solidFill>
+                </a:uFill>
+                <a:latin typeface="Calibri" panose="020F0502020204030204" pitchFamily="34" charset="0"/>
+                <a:ea typeface="Verdana"/>
+                <a:cs typeface="Calibri" panose="020F0502020204030204" pitchFamily="34" charset="0"/>
+              </a:rPr>
+              <a:t>.</a:t>
+            </a:r>
+            <a:endParaRPr lang="en-US" sz="1700" b="0" strike="noStrike" spc="-1" dirty="0">
               <a:solidFill>
                 <a:srgbClr val="000000"/>
               </a:solidFill>
@@ -21252,58 +21718,254 @@
             </a:endParaRPr>
           </a:p>
           <a:p>
-            <a:pPr indent="358775">
+            <a:pPr marL="285750" indent="-285750">
               <a:lnSpc>
-                <a:spcPct val="150000"/>
+                <a:spcPct val="100000"/>
               </a:lnSpc>
+              <a:buFont typeface="Arial" panose="020B0604020202020204" pitchFamily="34" charset="0"/>
+              <a:buChar char="•"/>
             </a:pPr>
             <a:r>
-              <a:rPr lang="pl-PL" sz="2400" b="1" spc="-1" dirty="0">
-                <a:solidFill>
-                  <a:srgbClr val="000000"/>
-                </a:solidFill>
-                <a:uFill>
-                  <a:solidFill>
-                    <a:srgbClr val="FFFFFF"/>
-                  </a:solidFill>
-                </a:uFill>
-                <a:latin typeface="Calibri" panose="020F0502020204030204" pitchFamily="34" charset="0"/>
-                <a:cs typeface="Calibri" panose="020F0502020204030204" pitchFamily="34" charset="0"/>
-              </a:rPr>
-              <a:t>Michał</a:t>
-            </a:r>
-            <a:r>
-              <a:rPr lang="pl-PL" sz="2400" spc="-1" dirty="0">
-                <a:solidFill>
-                  <a:srgbClr val="000000"/>
-                </a:solidFill>
-                <a:uFill>
-                  <a:solidFill>
-                    <a:srgbClr val="FFFFFF"/>
-                  </a:solidFill>
-                </a:uFill>
-                <a:latin typeface="Calibri" panose="020F0502020204030204" pitchFamily="34" charset="0"/>
-                <a:cs typeface="Calibri" panose="020F0502020204030204" pitchFamily="34" charset="0"/>
-              </a:rPr>
-              <a:t>      </a:t>
-            </a:r>
-            <a:r>
-              <a:rPr lang="pl-PL" sz="2400" spc="-1" dirty="0">
-                <a:solidFill>
-                  <a:srgbClr val="000000"/>
-                </a:solidFill>
-                <a:uFill>
-                  <a:solidFill>
-                    <a:srgbClr val="FFFFFF"/>
-                  </a:solidFill>
-                </a:uFill>
-                <a:latin typeface="Calibri" panose="020F0502020204030204" pitchFamily="34" charset="0"/>
-                <a:cs typeface="Calibri" panose="020F0502020204030204" pitchFamily="34" charset="0"/>
-                <a:hlinkClick r:id="rId5"/>
-              </a:rPr>
-              <a:t>michal.gorski@northmill.se</a:t>
-            </a:r>
-            <a:endParaRPr lang="pl-PL" sz="2400" spc="-1" dirty="0">
+              <a:rPr lang="en-US" sz="1700" b="0" strike="noStrike" spc="-1" dirty="0">
+                <a:solidFill>
+                  <a:srgbClr val="000000"/>
+                </a:solidFill>
+                <a:uFill>
+                  <a:solidFill>
+                    <a:srgbClr val="FFFFFF"/>
+                  </a:solidFill>
+                </a:uFill>
+                <a:latin typeface="Calibri" panose="020F0502020204030204" pitchFamily="34" charset="0"/>
+                <a:ea typeface="Verdana"/>
+                <a:cs typeface="Calibri" panose="020F0502020204030204" pitchFamily="34" charset="0"/>
+              </a:rPr>
+              <a:t>W </a:t>
+            </a:r>
+            <a:r>
+              <a:rPr lang="en-US" sz="1700" b="0" strike="noStrike" spc="-1" dirty="0" err="1">
+                <a:solidFill>
+                  <a:srgbClr val="000000"/>
+                </a:solidFill>
+                <a:uFill>
+                  <a:solidFill>
+                    <a:srgbClr val="FFFFFF"/>
+                  </a:solidFill>
+                </a:uFill>
+                <a:latin typeface="Calibri" panose="020F0502020204030204" pitchFamily="34" charset="0"/>
+                <a:ea typeface="Verdana"/>
+                <a:cs typeface="Calibri" panose="020F0502020204030204" pitchFamily="34" charset="0"/>
+              </a:rPr>
+              <a:t>wygodny</a:t>
+            </a:r>
+            <a:r>
+              <a:rPr lang="en-US" sz="1700" b="0" strike="noStrike" spc="-1" dirty="0">
+                <a:solidFill>
+                  <a:srgbClr val="000000"/>
+                </a:solidFill>
+                <a:uFill>
+                  <a:solidFill>
+                    <a:srgbClr val="FFFFFF"/>
+                  </a:solidFill>
+                </a:uFill>
+                <a:latin typeface="Calibri" panose="020F0502020204030204" pitchFamily="34" charset="0"/>
+                <a:ea typeface="Verdana"/>
+                <a:cs typeface="Calibri" panose="020F0502020204030204" pitchFamily="34" charset="0"/>
+              </a:rPr>
+              <a:t> </a:t>
+            </a:r>
+            <a:r>
+              <a:rPr lang="en-US" sz="1700" b="0" strike="noStrike" spc="-1" dirty="0" err="1">
+                <a:solidFill>
+                  <a:srgbClr val="000000"/>
+                </a:solidFill>
+                <a:uFill>
+                  <a:solidFill>
+                    <a:srgbClr val="FFFFFF"/>
+                  </a:solidFill>
+                </a:uFill>
+                <a:latin typeface="Calibri" panose="020F0502020204030204" pitchFamily="34" charset="0"/>
+                <a:ea typeface="Verdana"/>
+                <a:cs typeface="Calibri" panose="020F0502020204030204" pitchFamily="34" charset="0"/>
+              </a:rPr>
+              <a:t>sposób</a:t>
+            </a:r>
+            <a:r>
+              <a:rPr lang="en-US" sz="1700" b="0" strike="noStrike" spc="-1" dirty="0">
+                <a:solidFill>
+                  <a:srgbClr val="000000"/>
+                </a:solidFill>
+                <a:uFill>
+                  <a:solidFill>
+                    <a:srgbClr val="FFFFFF"/>
+                  </a:solidFill>
+                </a:uFill>
+                <a:latin typeface="Calibri" panose="020F0502020204030204" pitchFamily="34" charset="0"/>
+                <a:ea typeface="Verdana"/>
+                <a:cs typeface="Calibri" panose="020F0502020204030204" pitchFamily="34" charset="0"/>
+              </a:rPr>
+              <a:t> </a:t>
+            </a:r>
+            <a:r>
+              <a:rPr lang="en-US" sz="1700" b="0" strike="noStrike" spc="-1" dirty="0" err="1">
+                <a:solidFill>
+                  <a:srgbClr val="000000"/>
+                </a:solidFill>
+                <a:uFill>
+                  <a:solidFill>
+                    <a:srgbClr val="FFFFFF"/>
+                  </a:solidFill>
+                </a:uFill>
+                <a:latin typeface="Calibri" panose="020F0502020204030204" pitchFamily="34" charset="0"/>
+                <a:ea typeface="Verdana"/>
+                <a:cs typeface="Calibri" panose="020F0502020204030204" pitchFamily="34" charset="0"/>
+              </a:rPr>
+              <a:t>umożliwia</a:t>
+            </a:r>
+            <a:r>
+              <a:rPr lang="en-US" sz="1700" b="0" strike="noStrike" spc="-1" dirty="0">
+                <a:solidFill>
+                  <a:srgbClr val="000000"/>
+                </a:solidFill>
+                <a:uFill>
+                  <a:solidFill>
+                    <a:srgbClr val="FFFFFF"/>
+                  </a:solidFill>
+                </a:uFill>
+                <a:latin typeface="Calibri" panose="020F0502020204030204" pitchFamily="34" charset="0"/>
+                <a:ea typeface="Verdana"/>
+                <a:cs typeface="Calibri" panose="020F0502020204030204" pitchFamily="34" charset="0"/>
+              </a:rPr>
+              <a:t> </a:t>
+            </a:r>
+            <a:r>
+              <a:rPr lang="en-US" sz="1700" b="0" strike="noStrike" spc="-1" dirty="0" err="1">
+                <a:solidFill>
+                  <a:srgbClr val="000000"/>
+                </a:solidFill>
+                <a:uFill>
+                  <a:solidFill>
+                    <a:srgbClr val="FFFFFF"/>
+                  </a:solidFill>
+                </a:uFill>
+                <a:latin typeface="Calibri" panose="020F0502020204030204" pitchFamily="34" charset="0"/>
+                <a:ea typeface="Verdana"/>
+                <a:cs typeface="Calibri" panose="020F0502020204030204" pitchFamily="34" charset="0"/>
+              </a:rPr>
+              <a:t>pobieranie</a:t>
+            </a:r>
+            <a:r>
+              <a:rPr lang="en-US" sz="1700" b="0" strike="noStrike" spc="-1" dirty="0">
+                <a:solidFill>
+                  <a:srgbClr val="000000"/>
+                </a:solidFill>
+                <a:uFill>
+                  <a:solidFill>
+                    <a:srgbClr val="FFFFFF"/>
+                  </a:solidFill>
+                </a:uFill>
+                <a:latin typeface="Calibri" panose="020F0502020204030204" pitchFamily="34" charset="0"/>
+                <a:ea typeface="Verdana"/>
+                <a:cs typeface="Calibri" panose="020F0502020204030204" pitchFamily="34" charset="0"/>
+              </a:rPr>
+              <a:t> </a:t>
+            </a:r>
+            <a:r>
+              <a:rPr lang="en-US" sz="1700" b="0" strike="noStrike" spc="-1" dirty="0" err="1">
+                <a:solidFill>
+                  <a:srgbClr val="000000"/>
+                </a:solidFill>
+                <a:uFill>
+                  <a:solidFill>
+                    <a:srgbClr val="FFFFFF"/>
+                  </a:solidFill>
+                </a:uFill>
+                <a:latin typeface="Calibri" panose="020F0502020204030204" pitchFamily="34" charset="0"/>
+                <a:ea typeface="Verdana"/>
+                <a:cs typeface="Calibri" panose="020F0502020204030204" pitchFamily="34" charset="0"/>
+              </a:rPr>
+              <a:t>screenshotów</a:t>
+            </a:r>
+            <a:r>
+              <a:rPr lang="en-US" sz="1700" b="0" strike="noStrike" spc="-1" dirty="0">
+                <a:solidFill>
+                  <a:srgbClr val="000000"/>
+                </a:solidFill>
+                <a:uFill>
+                  <a:solidFill>
+                    <a:srgbClr val="FFFFFF"/>
+                  </a:solidFill>
+                </a:uFill>
+                <a:latin typeface="Calibri" panose="020F0502020204030204" pitchFamily="34" charset="0"/>
+                <a:ea typeface="Verdana"/>
+                <a:cs typeface="Calibri" panose="020F0502020204030204" pitchFamily="34" charset="0"/>
+              </a:rPr>
+              <a:t> z </a:t>
+            </a:r>
+            <a:r>
+              <a:rPr lang="en-US" sz="1700" b="0" strike="noStrike" spc="-1" dirty="0" err="1">
+                <a:solidFill>
+                  <a:srgbClr val="000000"/>
+                </a:solidFill>
+                <a:uFill>
+                  <a:solidFill>
+                    <a:srgbClr val="FFFFFF"/>
+                  </a:solidFill>
+                </a:uFill>
+                <a:latin typeface="Calibri" panose="020F0502020204030204" pitchFamily="34" charset="0"/>
+                <a:ea typeface="Verdana"/>
+                <a:cs typeface="Calibri" panose="020F0502020204030204" pitchFamily="34" charset="0"/>
+              </a:rPr>
+              <a:t>wykonywanych</a:t>
+            </a:r>
+            <a:r>
+              <a:rPr lang="en-US" sz="1700" b="0" strike="noStrike" spc="-1" dirty="0">
+                <a:solidFill>
+                  <a:srgbClr val="000000"/>
+                </a:solidFill>
+                <a:uFill>
+                  <a:solidFill>
+                    <a:srgbClr val="FFFFFF"/>
+                  </a:solidFill>
+                </a:uFill>
+                <a:latin typeface="Calibri" panose="020F0502020204030204" pitchFamily="34" charset="0"/>
+                <a:ea typeface="Verdana"/>
+                <a:cs typeface="Calibri" panose="020F0502020204030204" pitchFamily="34" charset="0"/>
+              </a:rPr>
+              <a:t> </a:t>
+            </a:r>
+            <a:r>
+              <a:rPr lang="en-US" sz="1700" b="0" strike="noStrike" spc="-1" dirty="0" err="1">
+                <a:solidFill>
+                  <a:srgbClr val="000000"/>
+                </a:solidFill>
+                <a:uFill>
+                  <a:solidFill>
+                    <a:srgbClr val="FFFFFF"/>
+                  </a:solidFill>
+                </a:uFill>
+                <a:latin typeface="Calibri" panose="020F0502020204030204" pitchFamily="34" charset="0"/>
+                <a:ea typeface="Verdana"/>
+                <a:cs typeface="Calibri" panose="020F0502020204030204" pitchFamily="34" charset="0"/>
+              </a:rPr>
+              <a:t>testów</a:t>
+            </a:r>
+            <a:r>
+              <a:rPr lang="en-US" sz="1700" b="0" strike="noStrike" spc="-1" dirty="0">
+                <a:solidFill>
+                  <a:srgbClr val="000000"/>
+                </a:solidFill>
+                <a:uFill>
+                  <a:solidFill>
+                    <a:srgbClr val="FFFFFF"/>
+                  </a:solidFill>
+                </a:uFill>
+                <a:latin typeface="Calibri" panose="020F0502020204030204" pitchFamily="34" charset="0"/>
+                <a:ea typeface="Verdana"/>
+                <a:cs typeface="Calibri" panose="020F0502020204030204" pitchFamily="34" charset="0"/>
+              </a:rPr>
+              <a:t>.</a:t>
+            </a:r>
+            <a:endParaRPr lang="en-US" sz="1700" b="0" strike="noStrike" spc="-1" dirty="0">
               <a:solidFill>
                 <a:srgbClr val="000000"/>
               </a:solidFill>
@@ -21316,171 +21978,45 @@
               <a:cs typeface="Calibri" panose="020F0502020204030204" pitchFamily="34" charset="0"/>
             </a:endParaRPr>
           </a:p>
-          <a:p>
-            <a:pPr indent="358775">
-              <a:lnSpc>
-                <a:spcPct val="150000"/>
-              </a:lnSpc>
-            </a:pPr>
-            <a:r>
-              <a:rPr lang="pl-PL" sz="2400" b="1" spc="-1" dirty="0">
-                <a:solidFill>
-                  <a:srgbClr val="000000"/>
-                </a:solidFill>
-                <a:uFill>
-                  <a:solidFill>
-                    <a:srgbClr val="FFFFFF"/>
-                  </a:solidFill>
-                </a:uFill>
-                <a:latin typeface="Calibri" panose="020F0502020204030204" pitchFamily="34" charset="0"/>
-                <a:cs typeface="Calibri" panose="020F0502020204030204" pitchFamily="34" charset="0"/>
-              </a:rPr>
-              <a:t>Kuba</a:t>
-            </a:r>
-            <a:r>
-              <a:rPr lang="pl-PL" sz="2400" spc="-1" dirty="0">
-                <a:solidFill>
-                  <a:srgbClr val="000000"/>
-                </a:solidFill>
-                <a:uFill>
-                  <a:solidFill>
-                    <a:srgbClr val="FFFFFF"/>
-                  </a:solidFill>
-                </a:uFill>
-                <a:latin typeface="Calibri" panose="020F0502020204030204" pitchFamily="34" charset="0"/>
-                <a:cs typeface="Calibri" panose="020F0502020204030204" pitchFamily="34" charset="0"/>
-              </a:rPr>
-              <a:t>         </a:t>
-            </a:r>
-            <a:r>
-              <a:rPr lang="pl-PL" sz="2400" spc="-1" dirty="0">
-                <a:solidFill>
-                  <a:srgbClr val="000000"/>
-                </a:solidFill>
-                <a:uFill>
-                  <a:solidFill>
-                    <a:srgbClr val="FFFFFF"/>
-                  </a:solidFill>
-                </a:uFill>
-                <a:latin typeface="Calibri" panose="020F0502020204030204" pitchFamily="34" charset="0"/>
-                <a:cs typeface="Calibri" panose="020F0502020204030204" pitchFamily="34" charset="0"/>
-                <a:hlinkClick r:id="rId6"/>
-              </a:rPr>
-              <a:t>jkuc@future-processing.com</a:t>
-            </a:r>
-            <a:endParaRPr lang="pl-PL" sz="2400" spc="-1" dirty="0">
-              <a:solidFill>
-                <a:srgbClr val="000000"/>
-              </a:solidFill>
-              <a:uFill>
-                <a:solidFill>
-                  <a:srgbClr val="FFFFFF"/>
-                </a:solidFill>
-              </a:uFill>
-              <a:latin typeface="Calibri" panose="020F0502020204030204" pitchFamily="34" charset="0"/>
-              <a:cs typeface="Calibri" panose="020F0502020204030204" pitchFamily="34" charset="0"/>
-            </a:endParaRPr>
-          </a:p>
-          <a:p>
-            <a:pPr indent="358775">
-              <a:lnSpc>
-                <a:spcPct val="150000"/>
-              </a:lnSpc>
-            </a:pPr>
-            <a:r>
-              <a:rPr lang="pl-PL" sz="2400" b="1" strike="noStrike" spc="-1" dirty="0">
-                <a:solidFill>
-                  <a:srgbClr val="000000"/>
-                </a:solidFill>
-                <a:uFill>
-                  <a:solidFill>
-                    <a:srgbClr val="FFFFFF"/>
-                  </a:solidFill>
-                </a:uFill>
-                <a:latin typeface="Calibri" panose="020F0502020204030204" pitchFamily="34" charset="0"/>
-                <a:cs typeface="Calibri" panose="020F0502020204030204" pitchFamily="34" charset="0"/>
-              </a:rPr>
-              <a:t>Piotr</a:t>
-            </a:r>
-            <a:r>
-              <a:rPr lang="pl-PL" sz="2400" b="0" strike="noStrike" spc="-1" dirty="0">
-                <a:solidFill>
-                  <a:srgbClr val="000000"/>
-                </a:solidFill>
-                <a:uFill>
-                  <a:solidFill>
-                    <a:srgbClr val="FFFFFF"/>
-                  </a:solidFill>
-                </a:uFill>
-                <a:latin typeface="Calibri" panose="020F0502020204030204" pitchFamily="34" charset="0"/>
-                <a:cs typeface="Calibri" panose="020F0502020204030204" pitchFamily="34" charset="0"/>
-              </a:rPr>
-              <a:t>         </a:t>
-            </a:r>
-            <a:r>
-              <a:rPr lang="pl-PL" sz="2400" b="0" strike="noStrike" spc="-1" dirty="0">
-                <a:solidFill>
-                  <a:srgbClr val="000000"/>
-                </a:solidFill>
-                <a:uFill>
-                  <a:solidFill>
-                    <a:srgbClr val="FFFFFF"/>
-                  </a:solidFill>
-                </a:uFill>
-                <a:latin typeface="Calibri" panose="020F0502020204030204" pitchFamily="34" charset="0"/>
-                <a:cs typeface="Calibri" panose="020F0502020204030204" pitchFamily="34" charset="0"/>
-                <a:hlinkClick r:id="rId7"/>
-              </a:rPr>
-              <a:t>pszczesny2@future-processing.com</a:t>
-            </a:r>
-            <a:endParaRPr lang="pl-PL" sz="2400" b="0" strike="noStrike" spc="-1" dirty="0">
-              <a:solidFill>
-                <a:srgbClr val="000000"/>
-              </a:solidFill>
-              <a:uFill>
-                <a:solidFill>
-                  <a:srgbClr val="FFFFFF"/>
-                </a:solidFill>
-              </a:uFill>
-              <a:latin typeface="Calibri" panose="020F0502020204030204" pitchFamily="34" charset="0"/>
-              <a:cs typeface="Calibri" panose="020F0502020204030204" pitchFamily="34" charset="0"/>
-            </a:endParaRPr>
-          </a:p>
-          <a:p>
-            <a:pPr indent="358775">
-              <a:lnSpc>
-                <a:spcPct val="150000"/>
-              </a:lnSpc>
-            </a:pPr>
-            <a:endParaRPr lang="en-US" sz="2400" b="0" strike="noStrike" spc="-1" dirty="0">
-              <a:solidFill>
-                <a:srgbClr val="000000"/>
-              </a:solidFill>
-              <a:uFill>
-                <a:solidFill>
-                  <a:srgbClr val="FFFFFF"/>
-                </a:solidFill>
-              </a:uFill>
-              <a:latin typeface="Calibri" panose="020F0502020204030204" pitchFamily="34" charset="0"/>
-              <a:cs typeface="Calibri" panose="020F0502020204030204" pitchFamily="34" charset="0"/>
-            </a:endParaRPr>
-          </a:p>
         </p:txBody>
       </p:sp>
       <p:pic>
         <p:nvPicPr>
-          <p:cNvPr id="20" name="Shape 380"/>
+          <p:cNvPr id="222" name="Shape 359"/>
           <p:cNvPicPr/>
           <p:nvPr/>
         </p:nvPicPr>
         <p:blipFill>
-          <a:blip r:embed="rId8"/>
+          <a:blip r:embed="rId3"/>
           <a:stretch/>
         </p:blipFill>
         <p:spPr>
           <a:xfrm>
-            <a:off x="5330865" y="2195640"/>
-            <a:ext cx="293400" cy="293400"/>
+            <a:off x="1894320" y="2627280"/>
+            <a:ext cx="3266640" cy="2118960"/>
+          </a:xfrm>
+          <a:prstGeom prst="rect">
+            <a:avLst/>
+          </a:prstGeom>
+          <a:ln>
+            <a:noFill/>
+          </a:ln>
+        </p:spPr>
+      </p:pic>
+      <p:pic>
+        <p:nvPicPr>
+          <p:cNvPr id="223" name="Shape 360"/>
+          <p:cNvPicPr/>
+          <p:nvPr/>
+        </p:nvPicPr>
+        <p:blipFill>
+          <a:blip r:embed="rId4"/>
+          <a:stretch/>
+        </p:blipFill>
+        <p:spPr>
+          <a:xfrm>
+            <a:off x="5447160" y="2627280"/>
+            <a:ext cx="3363480" cy="2266560"/>
           </a:xfrm>
           <a:prstGeom prst="rect">
             <a:avLst/>
@@ -21517,7 +22053,7 @@
       </p:grpSpPr>
       <p:sp>
         <p:nvSpPr>
-          <p:cNvPr id="241" name="CustomShape 1"/>
+          <p:cNvPr id="224" name="CustomShape 1"/>
           <p:cNvSpPr/>
           <p:nvPr/>
         </p:nvSpPr>
@@ -21586,7 +22122,109 @@
       </p:sp>
       <p:sp>
         <p:nvSpPr>
-          <p:cNvPr id="242" name="CustomShape 2"/>
+          <p:cNvPr id="225" name="TextShape 2"/>
+          <p:cNvSpPr txBox="1"/>
+          <p:nvPr/>
+        </p:nvSpPr>
+        <p:spPr>
+          <a:xfrm>
+            <a:off x="292320" y="591990"/>
+            <a:ext cx="8229240" cy="781920"/>
+          </a:xfrm>
+          <a:prstGeom prst="rect">
+            <a:avLst/>
+          </a:prstGeom>
+          <a:noFill/>
+          <a:ln>
+            <a:noFill/>
+          </a:ln>
+        </p:spPr>
+        <p:txBody>
+          <a:bodyPr anchor="ctr"/>
+          <a:lstStyle/>
+          <a:p>
+            <a:pPr>
+              <a:lnSpc>
+                <a:spcPct val="100000"/>
+              </a:lnSpc>
+            </a:pPr>
+            <a:r>
+              <a:rPr lang="en-US" sz="2800" b="1" strike="noStrike" spc="-1" dirty="0" err="1">
+                <a:solidFill>
+                  <a:srgbClr val="000000"/>
+                </a:solidFill>
+                <a:uFill>
+                  <a:solidFill>
+                    <a:srgbClr val="FFFFFF"/>
+                  </a:solidFill>
+                </a:uFill>
+                <a:latin typeface="Cambria" panose="02040503050406030204" pitchFamily="18" charset="0"/>
+                <a:ea typeface="Arial"/>
+              </a:rPr>
+              <a:t>Napiszcie</a:t>
+            </a:r>
+            <a:r>
+              <a:rPr lang="en-US" sz="2800" b="1" strike="noStrike" spc="-1" dirty="0">
+                <a:solidFill>
+                  <a:srgbClr val="000000"/>
+                </a:solidFill>
+                <a:uFill>
+                  <a:solidFill>
+                    <a:srgbClr val="FFFFFF"/>
+                  </a:solidFill>
+                </a:uFill>
+                <a:latin typeface="Cambria" panose="02040503050406030204" pitchFamily="18" charset="0"/>
+                <a:ea typeface="Arial"/>
+              </a:rPr>
+              <a:t> do </a:t>
+            </a:r>
+            <a:r>
+              <a:rPr lang="en-US" sz="2800" b="1" strike="noStrike" spc="-1" dirty="0" err="1">
+                <a:solidFill>
+                  <a:srgbClr val="000000"/>
+                </a:solidFill>
+                <a:uFill>
+                  <a:solidFill>
+                    <a:srgbClr val="FFFFFF"/>
+                  </a:solidFill>
+                </a:uFill>
+                <a:latin typeface="Cambria" panose="02040503050406030204" pitchFamily="18" charset="0"/>
+                <a:ea typeface="Arial"/>
+              </a:rPr>
+              <a:t>nas</a:t>
+            </a:r>
+            <a:r>
+              <a:rPr lang="en-US" sz="2800" b="1" strike="noStrike" spc="-1" dirty="0">
+                <a:solidFill>
+                  <a:srgbClr val="000000"/>
+                </a:solidFill>
+                <a:uFill>
+                  <a:solidFill>
+                    <a:srgbClr val="FFFFFF"/>
+                  </a:solidFill>
+                </a:uFill>
+                <a:latin typeface="Cambria" panose="02040503050406030204" pitchFamily="18" charset="0"/>
+                <a:ea typeface="Arial"/>
+              </a:rPr>
+              <a:t>!</a:t>
+            </a:r>
+            <a:endParaRPr lang="en-US" sz="1400" b="0" strike="noStrike" spc="-1" dirty="0">
+              <a:solidFill>
+                <a:srgbClr val="000000"/>
+              </a:solidFill>
+              <a:uFill>
+                <a:solidFill>
+                  <a:srgbClr val="FFFFFF"/>
+                </a:solidFill>
+              </a:uFill>
+              <a:latin typeface="Cambria" panose="02040503050406030204" pitchFamily="18" charset="0"/>
+            </a:endParaRPr>
+          </a:p>
+        </p:txBody>
+      </p:sp>
+      <p:sp>
+        <p:nvSpPr>
+          <p:cNvPr id="226" name="CustomShape 3"/>
           <p:cNvSpPr/>
           <p:nvPr/>
         </p:nvSpPr>
@@ -21618,7 +22256,7 @@
       </p:sp>
       <p:sp>
         <p:nvSpPr>
-          <p:cNvPr id="243" name="CustomShape 3"/>
+          <p:cNvPr id="227" name="CustomShape 4"/>
           <p:cNvSpPr/>
           <p:nvPr/>
         </p:nvSpPr>
@@ -21667,6 +22305,675 @@
       </p:sp>
       <p:sp>
         <p:nvSpPr>
+          <p:cNvPr id="228" name="TextShape 5"/>
+          <p:cNvSpPr txBox="1"/>
+          <p:nvPr/>
+        </p:nvSpPr>
+        <p:spPr>
+          <a:xfrm>
+            <a:off x="0" y="4808160"/>
+            <a:ext cx="9143640" cy="273600"/>
+          </a:xfrm>
+          <a:prstGeom prst="rect">
+            <a:avLst/>
+          </a:prstGeom>
+          <a:noFill/>
+          <a:ln>
+            <a:noFill/>
+          </a:ln>
+        </p:spPr>
+        <p:txBody>
+          <a:bodyPr anchor="ctr"/>
+          <a:lstStyle/>
+          <a:p>
+            <a:pPr algn="ctr">
+              <a:lnSpc>
+                <a:spcPct val="100000"/>
+              </a:lnSpc>
+            </a:pPr>
+            <a:fld id="{6EC13B6F-0343-40D1-B3C3-098E9F7498E5}" type="slidenum">
+              <a:rPr lang="en-US" sz="1200" b="0" strike="noStrike" spc="-1">
+                <a:solidFill>
+                  <a:srgbClr val="888888"/>
+                </a:solidFill>
+                <a:uFill>
+                  <a:solidFill>
+                    <a:srgbClr val="FFFFFF"/>
+                  </a:solidFill>
+                </a:uFill>
+                <a:latin typeface="Calibri"/>
+                <a:ea typeface="Calibri"/>
+              </a:rPr>
+              <a:t>26</a:t>
+            </a:fld>
+            <a:endParaRPr lang="en-US" sz="1400" b="0" strike="noStrike" spc="-1">
+              <a:solidFill>
+                <a:srgbClr val="000000"/>
+              </a:solidFill>
+              <a:uFill>
+                <a:solidFill>
+                  <a:srgbClr val="FFFFFF"/>
+                </a:solidFill>
+              </a:uFill>
+              <a:latin typeface="Times New Roman"/>
+            </a:endParaRPr>
+          </a:p>
+        </p:txBody>
+      </p:sp>
+      <p:sp>
+        <p:nvSpPr>
+          <p:cNvPr id="235" name="CustomShape 8"/>
+          <p:cNvSpPr/>
+          <p:nvPr/>
+        </p:nvSpPr>
+        <p:spPr>
+          <a:xfrm>
+            <a:off x="0" y="1386360"/>
+            <a:ext cx="9010650" cy="3376140"/>
+          </a:xfrm>
+          <a:prstGeom prst="rect">
+            <a:avLst/>
+          </a:prstGeom>
+          <a:noFill/>
+          <a:ln>
+            <a:noFill/>
+          </a:ln>
+        </p:spPr>
+        <p:style>
+          <a:lnRef idx="0">
+            <a:scrgbClr r="0" g="0" b="0"/>
+          </a:lnRef>
+          <a:fillRef idx="0">
+            <a:scrgbClr r="0" g="0" b="0"/>
+          </a:fillRef>
+          <a:effectRef idx="0">
+            <a:scrgbClr r="0" g="0" b="0"/>
+          </a:effectRef>
+          <a:fontRef idx="minor"/>
+        </p:style>
+        <p:txBody>
+          <a:bodyPr tIns="91440" bIns="91440"/>
+          <a:lstStyle/>
+          <a:p>
+            <a:pPr indent="358775">
+              <a:lnSpc>
+                <a:spcPct val="150000"/>
+              </a:lnSpc>
+            </a:pPr>
+            <a:r>
+              <a:rPr lang="en-US" sz="2400" b="1" strike="noStrike" spc="-1" dirty="0">
+                <a:solidFill>
+                  <a:srgbClr val="000000"/>
+                </a:solidFill>
+                <a:uFill>
+                  <a:solidFill>
+                    <a:srgbClr val="FFFFFF"/>
+                  </a:solidFill>
+                </a:uFill>
+                <a:latin typeface="Calibri" panose="020F0502020204030204" pitchFamily="34" charset="0"/>
+                <a:ea typeface="Arial"/>
+                <a:cs typeface="Calibri" panose="020F0502020204030204" pitchFamily="34" charset="0"/>
+              </a:rPr>
+              <a:t>Janina</a:t>
+            </a:r>
+            <a:r>
+              <a:rPr lang="pl-PL" sz="2400" b="0" strike="noStrike" spc="-1" dirty="0">
+                <a:solidFill>
+                  <a:srgbClr val="000000"/>
+                </a:solidFill>
+                <a:uFill>
+                  <a:solidFill>
+                    <a:srgbClr val="FFFFFF"/>
+                  </a:solidFill>
+                </a:uFill>
+                <a:latin typeface="Calibri" panose="020F0502020204030204" pitchFamily="34" charset="0"/>
+                <a:ea typeface="Arial"/>
+                <a:cs typeface="Calibri" panose="020F0502020204030204" pitchFamily="34" charset="0"/>
+              </a:rPr>
+              <a:t>       </a:t>
+            </a:r>
+            <a:r>
+              <a:rPr lang="en-US" sz="2400" b="0" strike="noStrike" spc="-1" dirty="0">
+                <a:solidFill>
+                  <a:srgbClr val="000000"/>
+                </a:solidFill>
+                <a:uFill>
+                  <a:solidFill>
+                    <a:srgbClr val="FFFFFF"/>
+                  </a:solidFill>
+                </a:uFill>
+                <a:latin typeface="Calibri" panose="020F0502020204030204" pitchFamily="34" charset="0"/>
+                <a:ea typeface="Arial"/>
+                <a:cs typeface="Calibri" panose="020F0502020204030204" pitchFamily="34" charset="0"/>
+                <a:hlinkClick r:id="rId3"/>
+              </a:rPr>
+              <a:t>jadamiec@future-processing.com</a:t>
+            </a:r>
+            <a:endParaRPr lang="pl-PL" sz="2400" b="0" strike="noStrike" spc="-1" dirty="0">
+              <a:solidFill>
+                <a:srgbClr val="000000"/>
+              </a:solidFill>
+              <a:uFill>
+                <a:solidFill>
+                  <a:srgbClr val="FFFFFF"/>
+                </a:solidFill>
+              </a:uFill>
+              <a:latin typeface="Calibri" panose="020F0502020204030204" pitchFamily="34" charset="0"/>
+              <a:ea typeface="Arial"/>
+              <a:cs typeface="Calibri" panose="020F0502020204030204" pitchFamily="34" charset="0"/>
+            </a:endParaRPr>
+          </a:p>
+          <a:p>
+            <a:pPr indent="358775">
+              <a:lnSpc>
+                <a:spcPct val="150000"/>
+              </a:lnSpc>
+            </a:pPr>
+            <a:r>
+              <a:rPr lang="pl-PL" sz="2400" b="1" spc="-1" dirty="0">
+                <a:solidFill>
+                  <a:srgbClr val="000000"/>
+                </a:solidFill>
+                <a:uFill>
+                  <a:solidFill>
+                    <a:srgbClr val="FFFFFF"/>
+                  </a:solidFill>
+                </a:uFill>
+                <a:latin typeface="Calibri" panose="020F0502020204030204" pitchFamily="34" charset="0"/>
+                <a:cs typeface="Calibri" panose="020F0502020204030204" pitchFamily="34" charset="0"/>
+              </a:rPr>
+              <a:t>Mateusz</a:t>
+            </a:r>
+            <a:r>
+              <a:rPr lang="pl-PL" sz="2400" spc="-1" dirty="0">
+                <a:solidFill>
+                  <a:srgbClr val="000000"/>
+                </a:solidFill>
+                <a:uFill>
+                  <a:solidFill>
+                    <a:srgbClr val="FFFFFF"/>
+                  </a:solidFill>
+                </a:uFill>
+                <a:latin typeface="Calibri" panose="020F0502020204030204" pitchFamily="34" charset="0"/>
+                <a:cs typeface="Calibri" panose="020F0502020204030204" pitchFamily="34" charset="0"/>
+              </a:rPr>
+              <a:t>   </a:t>
+            </a:r>
+            <a:r>
+              <a:rPr lang="pl-PL" sz="2400" spc="-1" dirty="0">
+                <a:solidFill>
+                  <a:srgbClr val="000000"/>
+                </a:solidFill>
+                <a:uFill>
+                  <a:solidFill>
+                    <a:srgbClr val="FFFFFF"/>
+                  </a:solidFill>
+                </a:uFill>
+                <a:latin typeface="Calibri" panose="020F0502020204030204" pitchFamily="34" charset="0"/>
+                <a:cs typeface="Calibri" panose="020F0502020204030204" pitchFamily="34" charset="0"/>
+                <a:hlinkClick r:id="rId4"/>
+              </a:rPr>
+              <a:t>mateusz.bos@northmill.se</a:t>
+            </a:r>
+            <a:r>
+              <a:rPr lang="pl-PL" sz="2400" spc="-1" dirty="0">
+                <a:solidFill>
+                  <a:srgbClr val="000000"/>
+                </a:solidFill>
+                <a:uFill>
+                  <a:solidFill>
+                    <a:srgbClr val="FFFFFF"/>
+                  </a:solidFill>
+                </a:uFill>
+                <a:latin typeface="Calibri" panose="020F0502020204030204" pitchFamily="34" charset="0"/>
+                <a:cs typeface="Calibri" panose="020F0502020204030204" pitchFamily="34" charset="0"/>
+              </a:rPr>
+              <a:t>            </a:t>
+            </a:r>
+            <a:r>
+              <a:rPr lang="pl-PL" sz="2400" spc="-1" dirty="0" err="1">
+                <a:solidFill>
+                  <a:srgbClr val="000000"/>
+                </a:solidFill>
+                <a:uFill>
+                  <a:solidFill>
+                    <a:srgbClr val="FFFFFF"/>
+                  </a:solidFill>
+                </a:uFill>
+                <a:latin typeface="Calibri" panose="020F0502020204030204" pitchFamily="34" charset="0"/>
+                <a:cs typeface="Calibri" panose="020F0502020204030204" pitchFamily="34" charset="0"/>
+              </a:rPr>
+              <a:t>boosiu</a:t>
+            </a:r>
+            <a:endParaRPr lang="pl-PL" sz="2400" spc="-1" dirty="0">
+              <a:solidFill>
+                <a:srgbClr val="000000"/>
+              </a:solidFill>
+              <a:uFill>
+                <a:solidFill>
+                  <a:srgbClr val="FFFFFF"/>
+                </a:solidFill>
+              </a:uFill>
+              <a:latin typeface="Calibri" panose="020F0502020204030204" pitchFamily="34" charset="0"/>
+              <a:cs typeface="Calibri" panose="020F0502020204030204" pitchFamily="34" charset="0"/>
+            </a:endParaRPr>
+          </a:p>
+          <a:p>
+            <a:pPr indent="358775">
+              <a:lnSpc>
+                <a:spcPct val="150000"/>
+              </a:lnSpc>
+            </a:pPr>
+            <a:r>
+              <a:rPr lang="pl-PL" sz="2400" b="1" spc="-1" dirty="0">
+                <a:solidFill>
+                  <a:srgbClr val="000000"/>
+                </a:solidFill>
+                <a:uFill>
+                  <a:solidFill>
+                    <a:srgbClr val="FFFFFF"/>
+                  </a:solidFill>
+                </a:uFill>
+                <a:latin typeface="Calibri" panose="020F0502020204030204" pitchFamily="34" charset="0"/>
+                <a:cs typeface="Calibri" panose="020F0502020204030204" pitchFamily="34" charset="0"/>
+              </a:rPr>
+              <a:t>Michał</a:t>
+            </a:r>
+            <a:r>
+              <a:rPr lang="pl-PL" sz="2400" spc="-1" dirty="0">
+                <a:solidFill>
+                  <a:srgbClr val="000000"/>
+                </a:solidFill>
+                <a:uFill>
+                  <a:solidFill>
+                    <a:srgbClr val="FFFFFF"/>
+                  </a:solidFill>
+                </a:uFill>
+                <a:latin typeface="Calibri" panose="020F0502020204030204" pitchFamily="34" charset="0"/>
+                <a:cs typeface="Calibri" panose="020F0502020204030204" pitchFamily="34" charset="0"/>
+              </a:rPr>
+              <a:t>      </a:t>
+            </a:r>
+            <a:r>
+              <a:rPr lang="pl-PL" sz="2400" spc="-1" dirty="0">
+                <a:solidFill>
+                  <a:srgbClr val="000000"/>
+                </a:solidFill>
+                <a:uFill>
+                  <a:solidFill>
+                    <a:srgbClr val="FFFFFF"/>
+                  </a:solidFill>
+                </a:uFill>
+                <a:latin typeface="Calibri" panose="020F0502020204030204" pitchFamily="34" charset="0"/>
+                <a:cs typeface="Calibri" panose="020F0502020204030204" pitchFamily="34" charset="0"/>
+                <a:hlinkClick r:id="rId5"/>
+              </a:rPr>
+              <a:t>michal.gorski@northmill.se</a:t>
+            </a:r>
+            <a:endParaRPr lang="pl-PL" sz="2400" spc="-1" dirty="0">
+              <a:solidFill>
+                <a:srgbClr val="000000"/>
+              </a:solidFill>
+              <a:uFill>
+                <a:solidFill>
+                  <a:srgbClr val="FFFFFF"/>
+                </a:solidFill>
+              </a:uFill>
+              <a:latin typeface="Calibri" panose="020F0502020204030204" pitchFamily="34" charset="0"/>
+              <a:cs typeface="Calibri" panose="020F0502020204030204" pitchFamily="34" charset="0"/>
+            </a:endParaRPr>
+          </a:p>
+          <a:p>
+            <a:pPr indent="358775">
+              <a:lnSpc>
+                <a:spcPct val="150000"/>
+              </a:lnSpc>
+            </a:pPr>
+            <a:r>
+              <a:rPr lang="pl-PL" sz="2400" b="1" spc="-1" dirty="0">
+                <a:solidFill>
+                  <a:srgbClr val="000000"/>
+                </a:solidFill>
+                <a:uFill>
+                  <a:solidFill>
+                    <a:srgbClr val="FFFFFF"/>
+                  </a:solidFill>
+                </a:uFill>
+                <a:latin typeface="Calibri" panose="020F0502020204030204" pitchFamily="34" charset="0"/>
+                <a:cs typeface="Calibri" panose="020F0502020204030204" pitchFamily="34" charset="0"/>
+              </a:rPr>
+              <a:t>Kuba</a:t>
+            </a:r>
+            <a:r>
+              <a:rPr lang="pl-PL" sz="2400" spc="-1" dirty="0">
+                <a:solidFill>
+                  <a:srgbClr val="000000"/>
+                </a:solidFill>
+                <a:uFill>
+                  <a:solidFill>
+                    <a:srgbClr val="FFFFFF"/>
+                  </a:solidFill>
+                </a:uFill>
+                <a:latin typeface="Calibri" panose="020F0502020204030204" pitchFamily="34" charset="0"/>
+                <a:cs typeface="Calibri" panose="020F0502020204030204" pitchFamily="34" charset="0"/>
+              </a:rPr>
+              <a:t>         </a:t>
+            </a:r>
+            <a:r>
+              <a:rPr lang="pl-PL" sz="2400" spc="-1" dirty="0">
+                <a:solidFill>
+                  <a:srgbClr val="000000"/>
+                </a:solidFill>
+                <a:uFill>
+                  <a:solidFill>
+                    <a:srgbClr val="FFFFFF"/>
+                  </a:solidFill>
+                </a:uFill>
+                <a:latin typeface="Calibri" panose="020F0502020204030204" pitchFamily="34" charset="0"/>
+                <a:cs typeface="Calibri" panose="020F0502020204030204" pitchFamily="34" charset="0"/>
+                <a:hlinkClick r:id="rId6"/>
+              </a:rPr>
+              <a:t>jkuc@future-processing.com</a:t>
+            </a:r>
+            <a:endParaRPr lang="pl-PL" sz="2400" spc="-1" dirty="0">
+              <a:solidFill>
+                <a:srgbClr val="000000"/>
+              </a:solidFill>
+              <a:uFill>
+                <a:solidFill>
+                  <a:srgbClr val="FFFFFF"/>
+                </a:solidFill>
+              </a:uFill>
+              <a:latin typeface="Calibri" panose="020F0502020204030204" pitchFamily="34" charset="0"/>
+              <a:cs typeface="Calibri" panose="020F0502020204030204" pitchFamily="34" charset="0"/>
+            </a:endParaRPr>
+          </a:p>
+          <a:p>
+            <a:pPr indent="358775">
+              <a:lnSpc>
+                <a:spcPct val="150000"/>
+              </a:lnSpc>
+            </a:pPr>
+            <a:r>
+              <a:rPr lang="pl-PL" sz="2400" b="1" strike="noStrike" spc="-1" dirty="0">
+                <a:solidFill>
+                  <a:srgbClr val="000000"/>
+                </a:solidFill>
+                <a:uFill>
+                  <a:solidFill>
+                    <a:srgbClr val="FFFFFF"/>
+                  </a:solidFill>
+                </a:uFill>
+                <a:latin typeface="Calibri" panose="020F0502020204030204" pitchFamily="34" charset="0"/>
+                <a:cs typeface="Calibri" panose="020F0502020204030204" pitchFamily="34" charset="0"/>
+              </a:rPr>
+              <a:t>Piotr</a:t>
+            </a:r>
+            <a:r>
+              <a:rPr lang="pl-PL" sz="2400" b="0" strike="noStrike" spc="-1" dirty="0">
+                <a:solidFill>
+                  <a:srgbClr val="000000"/>
+                </a:solidFill>
+                <a:uFill>
+                  <a:solidFill>
+                    <a:srgbClr val="FFFFFF"/>
+                  </a:solidFill>
+                </a:uFill>
+                <a:latin typeface="Calibri" panose="020F0502020204030204" pitchFamily="34" charset="0"/>
+                <a:cs typeface="Calibri" panose="020F0502020204030204" pitchFamily="34" charset="0"/>
+              </a:rPr>
+              <a:t>         </a:t>
+            </a:r>
+            <a:r>
+              <a:rPr lang="pl-PL" sz="2400" b="0" strike="noStrike" spc="-1" dirty="0">
+                <a:solidFill>
+                  <a:srgbClr val="000000"/>
+                </a:solidFill>
+                <a:uFill>
+                  <a:solidFill>
+                    <a:srgbClr val="FFFFFF"/>
+                  </a:solidFill>
+                </a:uFill>
+                <a:latin typeface="Calibri" panose="020F0502020204030204" pitchFamily="34" charset="0"/>
+                <a:cs typeface="Calibri" panose="020F0502020204030204" pitchFamily="34" charset="0"/>
+                <a:hlinkClick r:id="rId7"/>
+              </a:rPr>
+              <a:t>pszczesny2@future-processing.com</a:t>
+            </a:r>
+            <a:endParaRPr lang="pl-PL" sz="2400" b="0" strike="noStrike" spc="-1" dirty="0">
+              <a:solidFill>
+                <a:srgbClr val="000000"/>
+              </a:solidFill>
+              <a:uFill>
+                <a:solidFill>
+                  <a:srgbClr val="FFFFFF"/>
+                </a:solidFill>
+              </a:uFill>
+              <a:latin typeface="Calibri" panose="020F0502020204030204" pitchFamily="34" charset="0"/>
+              <a:cs typeface="Calibri" panose="020F0502020204030204" pitchFamily="34" charset="0"/>
+            </a:endParaRPr>
+          </a:p>
+          <a:p>
+            <a:pPr indent="358775">
+              <a:lnSpc>
+                <a:spcPct val="150000"/>
+              </a:lnSpc>
+            </a:pPr>
+            <a:endParaRPr lang="en-US" sz="2400" b="0" strike="noStrike" spc="-1" dirty="0">
+              <a:solidFill>
+                <a:srgbClr val="000000"/>
+              </a:solidFill>
+              <a:uFill>
+                <a:solidFill>
+                  <a:srgbClr val="FFFFFF"/>
+                </a:solidFill>
+              </a:uFill>
+              <a:latin typeface="Calibri" panose="020F0502020204030204" pitchFamily="34" charset="0"/>
+              <a:cs typeface="Calibri" panose="020F0502020204030204" pitchFamily="34" charset="0"/>
+            </a:endParaRPr>
+          </a:p>
+        </p:txBody>
+      </p:sp>
+      <p:pic>
+        <p:nvPicPr>
+          <p:cNvPr id="20" name="Shape 380"/>
+          <p:cNvPicPr/>
+          <p:nvPr/>
+        </p:nvPicPr>
+        <p:blipFill>
+          <a:blip r:embed="rId8"/>
+          <a:stretch/>
+        </p:blipFill>
+        <p:spPr>
+          <a:xfrm>
+            <a:off x="5330865" y="2195640"/>
+            <a:ext cx="293400" cy="293400"/>
+          </a:xfrm>
+          <a:prstGeom prst="rect">
+            <a:avLst/>
+          </a:prstGeom>
+          <a:ln>
+            <a:noFill/>
+          </a:ln>
+        </p:spPr>
+      </p:pic>
+    </p:spTree>
+  </p:cSld>
+  <p:clrMapOvr>
+    <a:masterClrMapping/>
+  </p:clrMapOvr>
+</p:sld>
+</file>
+
+<file path=ppt/slides/slide27.xml><?xml version="1.0" encoding="utf-8"?>
+<p:sld xmlns:a="http://schemas.openxmlformats.org/drawingml/2006/main" xmlns:r="http://schemas.openxmlformats.org/officeDocument/2006/relationships" xmlns:p="http://schemas.openxmlformats.org/presentationml/2006/main">
+  <p:cSld>
+    <p:spTree>
+      <p:nvGrpSpPr>
+        <p:cNvPr id="1" name=""/>
+        <p:cNvGrpSpPr/>
+        <p:nvPr/>
+      </p:nvGrpSpPr>
+      <p:grpSpPr>
+        <a:xfrm>
+          <a:off x="0" y="0"/>
+          <a:ext cx="0" cy="0"/>
+          <a:chOff x="0" y="0"/>
+          <a:chExt cx="0" cy="0"/>
+        </a:xfrm>
+      </p:grpSpPr>
+      <p:sp>
+        <p:nvSpPr>
+          <p:cNvPr id="241" name="CustomShape 1"/>
+          <p:cNvSpPr/>
+          <p:nvPr/>
+        </p:nvSpPr>
+        <p:spPr>
+          <a:xfrm>
+            <a:off x="6248880" y="126000"/>
+            <a:ext cx="2838960" cy="245880"/>
+          </a:xfrm>
+          <a:prstGeom prst="rect">
+            <a:avLst/>
+          </a:prstGeom>
+          <a:noFill/>
+          <a:ln>
+            <a:noFill/>
+          </a:ln>
+        </p:spPr>
+        <p:style>
+          <a:lnRef idx="0">
+            <a:scrgbClr r="0" g="0" b="0"/>
+          </a:lnRef>
+          <a:fillRef idx="0">
+            <a:scrgbClr r="0" g="0" b="0"/>
+          </a:fillRef>
+          <a:effectRef idx="0">
+            <a:scrgbClr r="0" g="0" b="0"/>
+          </a:effectRef>
+          <a:fontRef idx="minor"/>
+        </p:style>
+        <p:txBody>
+          <a:bodyPr/>
+          <a:lstStyle/>
+          <a:p>
+            <a:pPr>
+              <a:lnSpc>
+                <a:spcPct val="100000"/>
+              </a:lnSpc>
+            </a:pPr>
+            <a:r>
+              <a:rPr lang="pl-PL" sz="1000" spc="-1" dirty="0">
+                <a:solidFill>
+                  <a:srgbClr val="000000"/>
+                </a:solidFill>
+                <a:uFill>
+                  <a:solidFill>
+                    <a:srgbClr val="FFFFFF"/>
+                  </a:solidFill>
+                </a:uFill>
+                <a:latin typeface="Cambria" panose="02040503050406030204" pitchFamily="18" charset="0"/>
+                <a:ea typeface="Arial"/>
+              </a:rPr>
+              <a:t>Testy automatyczne aplikacji mobilnych</a:t>
+            </a:r>
+            <a:endParaRPr lang="en-US" spc="-1" dirty="0">
+              <a:solidFill>
+                <a:srgbClr val="000000"/>
+              </a:solidFill>
+              <a:uFill>
+                <a:solidFill>
+                  <a:srgbClr val="FFFFFF"/>
+                </a:solidFill>
+              </a:uFill>
+              <a:latin typeface="Cambria" panose="02040503050406030204" pitchFamily="18" charset="0"/>
+            </a:endParaRPr>
+          </a:p>
+        </p:txBody>
+      </p:sp>
+      <p:sp>
+        <p:nvSpPr>
+          <p:cNvPr id="242" name="CustomShape 2"/>
+          <p:cNvSpPr/>
+          <p:nvPr/>
+        </p:nvSpPr>
+        <p:spPr>
+          <a:xfrm>
+            <a:off x="9248040" y="654480"/>
+            <a:ext cx="184320" cy="369000"/>
+          </a:xfrm>
+          <a:prstGeom prst="rect">
+            <a:avLst/>
+          </a:prstGeom>
+          <a:noFill/>
+          <a:ln>
+            <a:noFill/>
+          </a:ln>
+        </p:spPr>
+        <p:style>
+          <a:lnRef idx="0">
+            <a:scrgbClr r="0" g="0" b="0"/>
+          </a:lnRef>
+          <a:fillRef idx="0">
+            <a:scrgbClr r="0" g="0" b="0"/>
+          </a:fillRef>
+          <a:effectRef idx="0">
+            <a:scrgbClr r="0" g="0" b="0"/>
+          </a:effectRef>
+          <a:fontRef idx="minor"/>
+        </p:style>
+      </p:sp>
+      <p:sp>
+        <p:nvSpPr>
+          <p:cNvPr id="243" name="CustomShape 3"/>
+          <p:cNvSpPr/>
+          <p:nvPr/>
+        </p:nvSpPr>
+        <p:spPr>
+          <a:xfrm>
+            <a:off x="6248880" y="126000"/>
+            <a:ext cx="360" cy="245880"/>
+          </a:xfrm>
+          <a:custGeom>
+            <a:avLst/>
+            <a:gdLst/>
+            <a:ahLst/>
+            <a:cxnLst/>
+            <a:rect l="l" t="t" r="r" b="b"/>
+            <a:pathLst>
+              <a:path w="21600" h="21600">
+                <a:moveTo>
+                  <a:pt x="0" y="0"/>
+                </a:moveTo>
+                <a:lnTo>
+                  <a:pt x="21600" y="21600"/>
+                </a:lnTo>
+              </a:path>
+            </a:pathLst>
+          </a:custGeom>
+          <a:noFill/>
+          <a:ln w="12600">
+            <a:solidFill>
+              <a:srgbClr val="FF0000"/>
+            </a:solidFill>
+            <a:round/>
+          </a:ln>
+        </p:spPr>
+        <p:style>
+          <a:lnRef idx="0">
+            <a:scrgbClr r="0" g="0" b="0"/>
+          </a:lnRef>
+          <a:fillRef idx="0">
+            <a:scrgbClr r="0" g="0" b="0"/>
+          </a:fillRef>
+          <a:effectRef idx="0">
+            <a:scrgbClr r="0" g="0" b="0"/>
+          </a:effectRef>
+          <a:fontRef idx="minor"/>
+        </p:style>
+      </p:sp>
+      <p:sp>
+        <p:nvSpPr>
           <p:cNvPr id="244" name="TextShape 4"/>
           <p:cNvSpPr txBox="1"/>
           <p:nvPr/>
@@ -21706,7 +23013,7 @@
                 <a:latin typeface="Calibri"/>
                 <a:ea typeface="Calibri"/>
               </a:rPr>
-              <a:t>26</a:t>
+              <a:t>27</a:t>
             </a:fld>
             <a:endParaRPr lang="en-US" sz="1400" b="0" strike="noStrike" spc="-1">
               <a:solidFill>
@@ -22042,7 +23349,7 @@
 </p:sld>
 </file>
 
-<file path=ppt/slides/slide27.xml><?xml version="1.0" encoding="utf-8"?>
+<file path=ppt/slides/slide28.xml><?xml version="1.0" encoding="utf-8"?>
 <p:sld xmlns:a="http://schemas.openxmlformats.org/drawingml/2006/main" xmlns:r="http://schemas.openxmlformats.org/officeDocument/2006/relationships" xmlns:p="http://schemas.openxmlformats.org/presentationml/2006/main">
   <p:cSld>
     <p:spTree>
